--- a/Határidőnapló.pptx
+++ b/Határidőnapló.pptx
@@ -6,9 +6,11 @@
   </p:sldMasterIdLst>
   <p:sldIdLst>
     <p:sldId id="256" r:id="rId2"/>
-    <p:sldId id="257" r:id="rId3"/>
-    <p:sldId id="258" r:id="rId4"/>
-    <p:sldId id="259" r:id="rId5"/>
+    <p:sldId id="258" r:id="rId3"/>
+    <p:sldId id="257" r:id="rId4"/>
+    <p:sldId id="260" r:id="rId5"/>
+    <p:sldId id="261" r:id="rId6"/>
+    <p:sldId id="259" r:id="rId7"/>
   </p:sldIdLst>
   <p:sldSz cx="12192000" cy="6858000"/>
   <p:notesSz cx="6858000" cy="9144000"/>
@@ -6169,7 +6171,7 @@
           <p:cNvPr id="2" name="Cím 1">
             <a:extLst>
               <a:ext uri="{FF2B5EF4-FFF2-40B4-BE49-F238E27FC236}">
-                <a16:creationId xmlns:a16="http://schemas.microsoft.com/office/drawing/2014/main" id="{4D378E2C-A5C1-45C1-8753-0AE37994C925}"/>
+                <a16:creationId xmlns:a16="http://schemas.microsoft.com/office/drawing/2014/main" id="{97CD8F89-10D0-4CBE-BD04-B5ED89CF095D}"/>
               </a:ext>
             </a:extLst>
           </p:cNvPr>
@@ -6182,14 +6184,14 @@
         </p:nvSpPr>
         <p:spPr/>
         <p:txBody>
-          <a:bodyPr>
+          <a:bodyPr anchor="ctr">
             <a:normAutofit/>
           </a:bodyPr>
           <a:lstStyle/>
           <a:p>
             <a:r>
               <a:rPr lang="hu-HU" sz="6600" dirty="0"/>
-              <a:t>A program működése</a:t>
+              <a:t>Program részei</a:t>
             </a:r>
           </a:p>
         </p:txBody>
@@ -6199,7 +6201,7 @@
           <p:cNvPr id="3" name="Tartalom helye 2">
             <a:extLst>
               <a:ext uri="{FF2B5EF4-FFF2-40B4-BE49-F238E27FC236}">
-                <a16:creationId xmlns:a16="http://schemas.microsoft.com/office/drawing/2014/main" id="{C8AB9BEE-383F-4ABE-892F-32966D0453A2}"/>
+                <a16:creationId xmlns:a16="http://schemas.microsoft.com/office/drawing/2014/main" id="{ED2914A4-6FEC-4CCC-BC7C-F44F78D69335}"/>
               </a:ext>
             </a:extLst>
           </p:cNvPr>
@@ -6210,7 +6212,12 @@
             <p:ph idx="1"/>
           </p:nvPr>
         </p:nvSpPr>
-        <p:spPr/>
+        <p:spPr>
+          <a:xfrm>
+            <a:off x="677334" y="2160589"/>
+            <a:ext cx="8596668" cy="4542052"/>
+          </a:xfrm>
+        </p:spPr>
         <p:txBody>
           <a:bodyPr>
             <a:normAutofit/>
@@ -6218,38 +6225,63 @@
           <a:lstStyle/>
           <a:p>
             <a:r>
-              <a:rPr lang="hu-HU" sz="3200" dirty="0"/>
-              <a:t>1. Lépés: Regisztrálás</a:t>
-            </a:r>
-          </a:p>
-          <a:p>
-            <a:r>
-              <a:rPr lang="hu-HU" sz="3200" dirty="0"/>
-              <a:t>2. Lépés: Bejelentkezés</a:t>
-            </a:r>
-          </a:p>
-          <a:p>
-            <a:r>
-              <a:rPr lang="hu-HU" sz="3200" dirty="0"/>
-              <a:t>3. Lépés: Bejegyzések Írása</a:t>
-            </a:r>
-          </a:p>
-          <a:p>
-            <a:r>
-              <a:rPr lang="hu-HU" sz="3200" dirty="0"/>
-              <a:t>3.2 Lépés: Esetleges szerkesztés/törlés</a:t>
-            </a:r>
-          </a:p>
-          <a:p>
-            <a:r>
-              <a:rPr lang="hu-HU" sz="3200" dirty="0"/>
-              <a:t>4. Lépés: Készre állítás</a:t>
-            </a:r>
-          </a:p>
-          <a:p>
-            <a:r>
-              <a:rPr lang="hu-HU" sz="3200" dirty="0"/>
-              <a:t>5. Lépés: Listázás</a:t>
+              <a:rPr lang="hu-HU" sz="2800" dirty="0"/>
+              <a:t>Felhasználó kezelés:</a:t>
+            </a:r>
+          </a:p>
+          <a:p>
+            <a:pPr lvl="1"/>
+            <a:r>
+              <a:rPr lang="hu-HU" sz="2400" dirty="0"/>
+              <a:t>Regisztráció</a:t>
+            </a:r>
+          </a:p>
+          <a:p>
+            <a:pPr lvl="1"/>
+            <a:r>
+              <a:rPr lang="hu-HU" sz="2400" dirty="0"/>
+              <a:t>Bejelentkezés</a:t>
+            </a:r>
+          </a:p>
+          <a:p>
+            <a:r>
+              <a:rPr lang="hu-HU" sz="2800" dirty="0"/>
+              <a:t>Bejegyzés kezelés:</a:t>
+            </a:r>
+          </a:p>
+          <a:p>
+            <a:pPr lvl="1"/>
+            <a:r>
+              <a:rPr lang="hu-HU" sz="2400" dirty="0"/>
+              <a:t>Új írása</a:t>
+            </a:r>
+          </a:p>
+          <a:p>
+            <a:pPr lvl="1"/>
+            <a:r>
+              <a:rPr lang="hu-HU" sz="2400" dirty="0"/>
+              <a:t>Törlés</a:t>
+            </a:r>
+          </a:p>
+          <a:p>
+            <a:pPr lvl="1"/>
+            <a:r>
+              <a:rPr lang="hu-HU" sz="2400" dirty="0"/>
+              <a:t>Szerkesztés</a:t>
+            </a:r>
+          </a:p>
+          <a:p>
+            <a:pPr lvl="1"/>
+            <a:r>
+              <a:rPr lang="hu-HU" sz="2400" dirty="0"/>
+              <a:t>Készre állítás</a:t>
+            </a:r>
+          </a:p>
+          <a:p>
+            <a:pPr lvl="1"/>
+            <a:r>
+              <a:rPr lang="hu-HU" sz="2400" dirty="0"/>
+              <a:t>Listázás</a:t>
             </a:r>
           </a:p>
         </p:txBody>
@@ -6257,7 +6289,7 @@
     </p:spTree>
     <p:extLst>
       <p:ext uri="{BB962C8B-B14F-4D97-AF65-F5344CB8AC3E}">
-        <p14:creationId xmlns:p14="http://schemas.microsoft.com/office/powerpoint/2010/main" val="3432838001"/>
+        <p14:creationId xmlns:p14="http://schemas.microsoft.com/office/powerpoint/2010/main" val="1961176299"/>
       </p:ext>
     </p:extLst>
   </p:cSld>
@@ -6266,8 +6298,8 @@
   </p:clrMapOvr>
   <mc:AlternateContent xmlns:mc="http://schemas.openxmlformats.org/markup-compatibility/2006">
     <mc:Choice xmlns:p15="http://schemas.microsoft.com/office/powerpoint/2012/main" Requires="p15">
-      <p:transition xmlns:p14="http://schemas.microsoft.com/office/powerpoint/2010/main" spd="slow" p14:dur="3250">
-        <p15:prstTrans prst="origami"/>
+      <p:transition xmlns:p14="http://schemas.microsoft.com/office/powerpoint/2010/main" spd="slow" p14:dur="1250">
+        <p15:prstTrans prst="airplane"/>
       </p:transition>
     </mc:Choice>
     <mc:Fallback>
@@ -6297,7 +6329,7 @@
                             </p:stCondLst>
                             <p:childTnLst>
                               <p:par>
-                                <p:cTn id="5" presetID="26" presetClass="entr" presetSubtype="0" fill="hold" grpId="0" nodeType="clickEffect">
+                                <p:cTn id="5" presetID="45" presetClass="entr" presetSubtype="0" fill="hold" grpId="0" nodeType="clickEffect">
                                   <p:stCondLst>
                                     <p:cond delay="0"/>
                                   </p:stCondLst>
@@ -6324,13 +6356,9 @@
                                         <p:strVal val="visible"/>
                                       </p:to>
                                     </p:set>
-                                    <p:animEffect transition="in" filter="wipe(down)">
-                                      <p:cBhvr>
-                                        <p:cTn id="7" dur="580">
-                                          <p:stCondLst>
-                                            <p:cond delay="0"/>
-                                          </p:stCondLst>
-                                        </p:cTn>
+                                    <p:animEffect transition="in" filter="fade">
+                                      <p:cBhvr>
+                                        <p:cTn id="7" dur="2000"/>
                                         <p:tgtEl>
                                           <p:spTgt spid="3">
                                             <p:txEl>
@@ -6342,11 +6370,7 @@
                                     </p:animEffect>
                                     <p:anim calcmode="lin" valueType="num">
                                       <p:cBhvr>
-                                        <p:cTn id="8" dur="1822" tmFilter="0,0; 0.14,0.36; 0.43,0.73; 0.71,0.91; 1.0,1.0">
-                                          <p:stCondLst>
-                                            <p:cond delay="0"/>
-                                          </p:stCondLst>
-                                        </p:cTn>
+                                        <p:cTn id="8" dur="2000" fill="hold"/>
                                         <p:tgtEl>
                                           <p:spTgt spid="3">
                                             <p:txEl>
@@ -6355,73 +6379,11 @@
                                           </p:spTgt>
                                         </p:tgtEl>
                                         <p:attrNameLst>
-                                          <p:attrName>ppt_x</p:attrName>
+                                          <p:attrName>ppt_w</p:attrName>
                                         </p:attrNameLst>
                                       </p:cBhvr>
                                       <p:tavLst>
-                                        <p:tav tm="0">
-                                          <p:val>
-                                            <p:strVal val="#ppt_x-0.25"/>
-                                          </p:val>
-                                        </p:tav>
-                                        <p:tav tm="100000">
-                                          <p:val>
-                                            <p:strVal val="#ppt_x"/>
-                                          </p:val>
-                                        </p:tav>
-                                      </p:tavLst>
-                                    </p:anim>
-                                    <p:anim calcmode="lin" valueType="num">
-                                      <p:cBhvr>
-                                        <p:cTn id="9" dur="664" tmFilter="0.0,0.0; 0.25,0.07; 0.50,0.2; 0.75,0.467; 1.0,1.0">
-                                          <p:stCondLst>
-                                            <p:cond delay="0"/>
-                                          </p:stCondLst>
-                                        </p:cTn>
-                                        <p:tgtEl>
-                                          <p:spTgt spid="3">
-                                            <p:txEl>
-                                              <p:pRg st="0" end="0"/>
-                                            </p:txEl>
-                                          </p:spTgt>
-                                        </p:tgtEl>
-                                        <p:attrNameLst>
-                                          <p:attrName>ppt_y</p:attrName>
-                                        </p:attrNameLst>
-                                      </p:cBhvr>
-                                      <p:tavLst>
-                                        <p:tav tm="0" fmla="#ppt_y-sin(pi*$)/3">
-                                          <p:val>
-                                            <p:fltVal val="0.5"/>
-                                          </p:val>
-                                        </p:tav>
-                                        <p:tav tm="100000">
-                                          <p:val>
-                                            <p:fltVal val="1"/>
-                                          </p:val>
-                                        </p:tav>
-                                      </p:tavLst>
-                                    </p:anim>
-                                    <p:anim calcmode="lin" valueType="num">
-                                      <p:cBhvr>
-                                        <p:cTn id="10" dur="664" tmFilter="0, 0; 0.125,0.2665; 0.25,0.4; 0.375,0.465; 0.5,0.5;  0.625,0.535; 0.75,0.6; 0.875,0.7335; 1,1">
-                                          <p:stCondLst>
-                                            <p:cond delay="664"/>
-                                          </p:stCondLst>
-                                        </p:cTn>
-                                        <p:tgtEl>
-                                          <p:spTgt spid="3">
-                                            <p:txEl>
-                                              <p:pRg st="0" end="0"/>
-                                            </p:txEl>
-                                          </p:spTgt>
-                                        </p:tgtEl>
-                                        <p:attrNameLst>
-                                          <p:attrName>ppt_y</p:attrName>
-                                        </p:attrNameLst>
-                                      </p:cBhvr>
-                                      <p:tavLst>
-                                        <p:tav tm="0" fmla="#ppt_y-sin(pi*$)/9">
+                                        <p:tav tm="0" fmla="#ppt_w*sin(2.5*pi*$)">
                                           <p:val>
                                             <p:fltVal val="0"/>
                                           </p:val>
@@ -6435,24 +6397,90 @@
                                     </p:anim>
                                     <p:anim calcmode="lin" valueType="num">
                                       <p:cBhvr>
-                                        <p:cTn id="11" dur="332" tmFilter="0, 0; 0.125,0.2665; 0.25,0.4; 0.375,0.465; 0.5,0.5;  0.625,0.535; 0.75,0.6; 0.875,0.7335; 1,1">
+                                        <p:cTn id="9" dur="2000" fill="hold"/>
+                                        <p:tgtEl>
+                                          <p:spTgt spid="3">
+                                            <p:txEl>
+                                              <p:pRg st="0" end="0"/>
+                                            </p:txEl>
+                                          </p:spTgt>
+                                        </p:tgtEl>
+                                        <p:attrNameLst>
+                                          <p:attrName>ppt_h</p:attrName>
+                                        </p:attrNameLst>
+                                      </p:cBhvr>
+                                      <p:tavLst>
+                                        <p:tav tm="0">
+                                          <p:val>
+                                            <p:strVal val="#ppt_h"/>
+                                          </p:val>
+                                        </p:tav>
+                                        <p:tav tm="100000">
+                                          <p:val>
+                                            <p:strVal val="#ppt_h"/>
+                                          </p:val>
+                                        </p:tav>
+                                      </p:tavLst>
+                                    </p:anim>
+                                  </p:childTnLst>
+                                </p:cTn>
+                              </p:par>
+                              <p:par>
+                                <p:cTn id="10" presetID="45" presetClass="entr" presetSubtype="0" fill="hold" grpId="0" nodeType="withEffect">
+                                  <p:stCondLst>
+                                    <p:cond delay="0"/>
+                                  </p:stCondLst>
+                                  <p:childTnLst>
+                                    <p:set>
+                                      <p:cBhvr>
+                                        <p:cTn id="11" dur="1" fill="hold">
                                           <p:stCondLst>
-                                            <p:cond delay="1324"/>
+                                            <p:cond delay="0"/>
                                           </p:stCondLst>
                                         </p:cTn>
                                         <p:tgtEl>
                                           <p:spTgt spid="3">
                                             <p:txEl>
-                                              <p:pRg st="0" end="0"/>
+                                              <p:pRg st="1" end="1"/>
                                             </p:txEl>
                                           </p:spTgt>
                                         </p:tgtEl>
                                         <p:attrNameLst>
-                                          <p:attrName>ppt_y</p:attrName>
+                                          <p:attrName>style.visibility</p:attrName>
                                         </p:attrNameLst>
                                       </p:cBhvr>
+                                      <p:to>
+                                        <p:strVal val="visible"/>
+                                      </p:to>
+                                    </p:set>
+                                    <p:animEffect transition="in" filter="fade">
+                                      <p:cBhvr>
+                                        <p:cTn id="12" dur="2000"/>
+                                        <p:tgtEl>
+                                          <p:spTgt spid="3">
+                                            <p:txEl>
+                                              <p:pRg st="1" end="1"/>
+                                            </p:txEl>
+                                          </p:spTgt>
+                                        </p:tgtEl>
+                                      </p:cBhvr>
+                                    </p:animEffect>
+                                    <p:anim calcmode="lin" valueType="num">
+                                      <p:cBhvr>
+                                        <p:cTn id="13" dur="2000" fill="hold"/>
+                                        <p:tgtEl>
+                                          <p:spTgt spid="3">
+                                            <p:txEl>
+                                              <p:pRg st="1" end="1"/>
+                                            </p:txEl>
+                                          </p:spTgt>
+                                        </p:tgtEl>
+                                        <p:attrNameLst>
+                                          <p:attrName>ppt_w</p:attrName>
+                                        </p:attrNameLst>
+                                      </p:cBhvr>
                                       <p:tavLst>
-                                        <p:tav tm="0" fmla="#ppt_y-sin(pi*$)/27">
+                                        <p:tav tm="0" fmla="#ppt_w*sin(2.5*pi*$)">
                                           <p:val>
                                             <p:fltVal val="0"/>
                                           </p:val>
@@ -6466,201 +6494,43 @@
                                     </p:anim>
                                     <p:anim calcmode="lin" valueType="num">
                                       <p:cBhvr>
-                                        <p:cTn id="12" dur="164" tmFilter="0, 0; 0.125,0.2665; 0.25,0.4; 0.375,0.465; 0.5,0.5;  0.625,0.535; 0.75,0.6; 0.875,0.7335; 1,1">
-                                          <p:stCondLst>
-                                            <p:cond delay="1656"/>
-                                          </p:stCondLst>
-                                        </p:cTn>
-                                        <p:tgtEl>
-                                          <p:spTgt spid="3">
-                                            <p:txEl>
-                                              <p:pRg st="0" end="0"/>
+                                        <p:cTn id="14" dur="2000" fill="hold"/>
+                                        <p:tgtEl>
+                                          <p:spTgt spid="3">
+                                            <p:txEl>
+                                              <p:pRg st="1" end="1"/>
                                             </p:txEl>
                                           </p:spTgt>
                                         </p:tgtEl>
                                         <p:attrNameLst>
-                                          <p:attrName>ppt_y</p:attrName>
+                                          <p:attrName>ppt_h</p:attrName>
                                         </p:attrNameLst>
                                       </p:cBhvr>
                                       <p:tavLst>
-                                        <p:tav tm="0" fmla="#ppt_y-sin(pi*$)/81">
+                                        <p:tav tm="0">
                                           <p:val>
-                                            <p:fltVal val="0"/>
+                                            <p:strVal val="#ppt_h"/>
                                           </p:val>
                                         </p:tav>
                                         <p:tav tm="100000">
                                           <p:val>
-                                            <p:fltVal val="1"/>
+                                            <p:strVal val="#ppt_h"/>
                                           </p:val>
                                         </p:tav>
                                       </p:tavLst>
                                     </p:anim>
-                                    <p:animScale>
-                                      <p:cBhvr>
-                                        <p:cTn id="13" dur="26">
-                                          <p:stCondLst>
-                                            <p:cond delay="650"/>
-                                          </p:stCondLst>
-                                        </p:cTn>
-                                        <p:tgtEl>
-                                          <p:spTgt spid="3">
-                                            <p:txEl>
-                                              <p:pRg st="0" end="0"/>
-                                            </p:txEl>
-                                          </p:spTgt>
-                                        </p:tgtEl>
-                                      </p:cBhvr>
-                                      <p:to x="100000" y="60000"/>
-                                    </p:animScale>
-                                    <p:animScale>
-                                      <p:cBhvr>
-                                        <p:cTn id="14" dur="166" decel="50000">
-                                          <p:stCondLst>
-                                            <p:cond delay="676"/>
-                                          </p:stCondLst>
-                                        </p:cTn>
-                                        <p:tgtEl>
-                                          <p:spTgt spid="3">
-                                            <p:txEl>
-                                              <p:pRg st="0" end="0"/>
-                                            </p:txEl>
-                                          </p:spTgt>
-                                        </p:tgtEl>
-                                      </p:cBhvr>
-                                      <p:to x="100000" y="100000"/>
-                                    </p:animScale>
-                                    <p:animScale>
-                                      <p:cBhvr>
-                                        <p:cTn id="15" dur="26">
-                                          <p:stCondLst>
-                                            <p:cond delay="1312"/>
-                                          </p:stCondLst>
-                                        </p:cTn>
-                                        <p:tgtEl>
-                                          <p:spTgt spid="3">
-                                            <p:txEl>
-                                              <p:pRg st="0" end="0"/>
-                                            </p:txEl>
-                                          </p:spTgt>
-                                        </p:tgtEl>
-                                      </p:cBhvr>
-                                      <p:to x="100000" y="80000"/>
-                                    </p:animScale>
-                                    <p:animScale>
-                                      <p:cBhvr>
-                                        <p:cTn id="16" dur="166" decel="50000">
-                                          <p:stCondLst>
-                                            <p:cond delay="1338"/>
-                                          </p:stCondLst>
-                                        </p:cTn>
-                                        <p:tgtEl>
-                                          <p:spTgt spid="3">
-                                            <p:txEl>
-                                              <p:pRg st="0" end="0"/>
-                                            </p:txEl>
-                                          </p:spTgt>
-                                        </p:tgtEl>
-                                      </p:cBhvr>
-                                      <p:to x="100000" y="100000"/>
-                                    </p:animScale>
-                                    <p:animScale>
-                                      <p:cBhvr>
-                                        <p:cTn id="17" dur="26">
-                                          <p:stCondLst>
-                                            <p:cond delay="1642"/>
-                                          </p:stCondLst>
-                                        </p:cTn>
-                                        <p:tgtEl>
-                                          <p:spTgt spid="3">
-                                            <p:txEl>
-                                              <p:pRg st="0" end="0"/>
-                                            </p:txEl>
-                                          </p:spTgt>
-                                        </p:tgtEl>
-                                      </p:cBhvr>
-                                      <p:to x="100000" y="90000"/>
-                                    </p:animScale>
-                                    <p:animScale>
-                                      <p:cBhvr>
-                                        <p:cTn id="18" dur="166" decel="50000">
-                                          <p:stCondLst>
-                                            <p:cond delay="1668"/>
-                                          </p:stCondLst>
-                                        </p:cTn>
-                                        <p:tgtEl>
-                                          <p:spTgt spid="3">
-                                            <p:txEl>
-                                              <p:pRg st="0" end="0"/>
-                                            </p:txEl>
-                                          </p:spTgt>
-                                        </p:tgtEl>
-                                      </p:cBhvr>
-                                      <p:to x="100000" y="100000"/>
-                                    </p:animScale>
-                                    <p:animScale>
-                                      <p:cBhvr>
-                                        <p:cTn id="19" dur="26">
-                                          <p:stCondLst>
-                                            <p:cond delay="1808"/>
-                                          </p:stCondLst>
-                                        </p:cTn>
-                                        <p:tgtEl>
-                                          <p:spTgt spid="3">
-                                            <p:txEl>
-                                              <p:pRg st="0" end="0"/>
-                                            </p:txEl>
-                                          </p:spTgt>
-                                        </p:tgtEl>
-                                      </p:cBhvr>
-                                      <p:to x="100000" y="95000"/>
-                                    </p:animScale>
-                                    <p:animScale>
-                                      <p:cBhvr>
-                                        <p:cTn id="20" dur="166" decel="50000">
-                                          <p:stCondLst>
-                                            <p:cond delay="1834"/>
-                                          </p:stCondLst>
-                                        </p:cTn>
-                                        <p:tgtEl>
-                                          <p:spTgt spid="3">
-                                            <p:txEl>
-                                              <p:pRg st="0" end="0"/>
-                                            </p:txEl>
-                                          </p:spTgt>
-                                        </p:tgtEl>
-                                      </p:cBhvr>
-                                      <p:to x="100000" y="100000"/>
-                                    </p:animScale>
                                   </p:childTnLst>
                                 </p:cTn>
                               </p:par>
-                            </p:childTnLst>
-                          </p:cTn>
-                        </p:par>
-                      </p:childTnLst>
-                    </p:cTn>
-                  </p:par>
-                  <p:par>
-                    <p:cTn id="21" fill="hold">
-                      <p:stCondLst>
-                        <p:cond delay="indefinite"/>
-                      </p:stCondLst>
-                      <p:childTnLst>
-                        <p:par>
-                          <p:cTn id="22" fill="hold">
-                            <p:stCondLst>
-                              <p:cond delay="0"/>
-                            </p:stCondLst>
-                            <p:childTnLst>
                               <p:par>
-                                <p:cTn id="23" presetID="26" presetClass="entr" presetSubtype="0" fill="hold" grpId="0" nodeType="clickEffect">
+                                <p:cTn id="15" presetID="45" presetClass="entr" presetSubtype="0" fill="hold" grpId="0" nodeType="withEffect">
                                   <p:stCondLst>
                                     <p:cond delay="0"/>
                                   </p:stCondLst>
                                   <p:childTnLst>
                                     <p:set>
                                       <p:cBhvr>
-                                        <p:cTn id="24" dur="1" fill="hold">
+                                        <p:cTn id="16" dur="1" fill="hold">
                                           <p:stCondLst>
                                             <p:cond delay="0"/>
                                           </p:stCondLst>
@@ -6668,7 +6538,7 @@
                                         <p:tgtEl>
                                           <p:spTgt spid="3">
                                             <p:txEl>
-                                              <p:pRg st="1" end="1"/>
+                                              <p:pRg st="2" end="2"/>
                                             </p:txEl>
                                           </p:spTgt>
                                         </p:tgtEl>
@@ -6680,17 +6550,13 @@
                                         <p:strVal val="visible"/>
                                       </p:to>
                                     </p:set>
-                                    <p:animEffect transition="in" filter="wipe(down)">
-                                      <p:cBhvr>
-                                        <p:cTn id="25" dur="580">
-                                          <p:stCondLst>
-                                            <p:cond delay="0"/>
-                                          </p:stCondLst>
-                                        </p:cTn>
-                                        <p:tgtEl>
-                                          <p:spTgt spid="3">
-                                            <p:txEl>
-                                              <p:pRg st="1" end="1"/>
+                                    <p:animEffect transition="in" filter="fade">
+                                      <p:cBhvr>
+                                        <p:cTn id="17" dur="2000"/>
+                                        <p:tgtEl>
+                                          <p:spTgt spid="3">
+                                            <p:txEl>
+                                              <p:pRg st="2" end="2"/>
                                             </p:txEl>
                                           </p:spTgt>
                                         </p:tgtEl>
@@ -6698,86 +6564,20 @@
                                     </p:animEffect>
                                     <p:anim calcmode="lin" valueType="num">
                                       <p:cBhvr>
-                                        <p:cTn id="26" dur="1822" tmFilter="0,0; 0.14,0.36; 0.43,0.73; 0.71,0.91; 1.0,1.0">
-                                          <p:stCondLst>
-                                            <p:cond delay="0"/>
-                                          </p:stCondLst>
-                                        </p:cTn>
-                                        <p:tgtEl>
-                                          <p:spTgt spid="3">
-                                            <p:txEl>
-                                              <p:pRg st="1" end="1"/>
+                                        <p:cTn id="18" dur="2000" fill="hold"/>
+                                        <p:tgtEl>
+                                          <p:spTgt spid="3">
+                                            <p:txEl>
+                                              <p:pRg st="2" end="2"/>
                                             </p:txEl>
                                           </p:spTgt>
                                         </p:tgtEl>
                                         <p:attrNameLst>
-                                          <p:attrName>ppt_x</p:attrName>
+                                          <p:attrName>ppt_w</p:attrName>
                                         </p:attrNameLst>
                                       </p:cBhvr>
                                       <p:tavLst>
-                                        <p:tav tm="0">
-                                          <p:val>
-                                            <p:strVal val="#ppt_x-0.25"/>
-                                          </p:val>
-                                        </p:tav>
-                                        <p:tav tm="100000">
-                                          <p:val>
-                                            <p:strVal val="#ppt_x"/>
-                                          </p:val>
-                                        </p:tav>
-                                      </p:tavLst>
-                                    </p:anim>
-                                    <p:anim calcmode="lin" valueType="num">
-                                      <p:cBhvr>
-                                        <p:cTn id="27" dur="664" tmFilter="0.0,0.0; 0.25,0.07; 0.50,0.2; 0.75,0.467; 1.0,1.0">
-                                          <p:stCondLst>
-                                            <p:cond delay="0"/>
-                                          </p:stCondLst>
-                                        </p:cTn>
-                                        <p:tgtEl>
-                                          <p:spTgt spid="3">
-                                            <p:txEl>
-                                              <p:pRg st="1" end="1"/>
-                                            </p:txEl>
-                                          </p:spTgt>
-                                        </p:tgtEl>
-                                        <p:attrNameLst>
-                                          <p:attrName>ppt_y</p:attrName>
-                                        </p:attrNameLst>
-                                      </p:cBhvr>
-                                      <p:tavLst>
-                                        <p:tav tm="0" fmla="#ppt_y-sin(pi*$)/3">
-                                          <p:val>
-                                            <p:fltVal val="0.5"/>
-                                          </p:val>
-                                        </p:tav>
-                                        <p:tav tm="100000">
-                                          <p:val>
-                                            <p:fltVal val="1"/>
-                                          </p:val>
-                                        </p:tav>
-                                      </p:tavLst>
-                                    </p:anim>
-                                    <p:anim calcmode="lin" valueType="num">
-                                      <p:cBhvr>
-                                        <p:cTn id="28" dur="664" tmFilter="0, 0; 0.125,0.2665; 0.25,0.4; 0.375,0.465; 0.5,0.5;  0.625,0.535; 0.75,0.6; 0.875,0.7335; 1,1">
-                                          <p:stCondLst>
-                                            <p:cond delay="664"/>
-                                          </p:stCondLst>
-                                        </p:cTn>
-                                        <p:tgtEl>
-                                          <p:spTgt spid="3">
-                                            <p:txEl>
-                                              <p:pRg st="1" end="1"/>
-                                            </p:txEl>
-                                          </p:spTgt>
-                                        </p:tgtEl>
-                                        <p:attrNameLst>
-                                          <p:attrName>ppt_y</p:attrName>
-                                        </p:attrNameLst>
-                                      </p:cBhvr>
-                                      <p:tavLst>
-                                        <p:tav tm="0" fmla="#ppt_y-sin(pi*$)/9">
+                                        <p:tav tm="0" fmla="#ppt_w*sin(2.5*pi*$)">
                                           <p:val>
                                             <p:fltVal val="0"/>
                                           </p:val>
@@ -6791,24 +6591,108 @@
                                     </p:anim>
                                     <p:anim calcmode="lin" valueType="num">
                                       <p:cBhvr>
-                                        <p:cTn id="29" dur="332" tmFilter="0, 0; 0.125,0.2665; 0.25,0.4; 0.375,0.465; 0.5,0.5;  0.625,0.535; 0.75,0.6; 0.875,0.7335; 1,1">
+                                        <p:cTn id="19" dur="2000" fill="hold"/>
+                                        <p:tgtEl>
+                                          <p:spTgt spid="3">
+                                            <p:txEl>
+                                              <p:pRg st="2" end="2"/>
+                                            </p:txEl>
+                                          </p:spTgt>
+                                        </p:tgtEl>
+                                        <p:attrNameLst>
+                                          <p:attrName>ppt_h</p:attrName>
+                                        </p:attrNameLst>
+                                      </p:cBhvr>
+                                      <p:tavLst>
+                                        <p:tav tm="0">
+                                          <p:val>
+                                            <p:strVal val="#ppt_h"/>
+                                          </p:val>
+                                        </p:tav>
+                                        <p:tav tm="100000">
+                                          <p:val>
+                                            <p:strVal val="#ppt_h"/>
+                                          </p:val>
+                                        </p:tav>
+                                      </p:tavLst>
+                                    </p:anim>
+                                  </p:childTnLst>
+                                </p:cTn>
+                              </p:par>
+                            </p:childTnLst>
+                          </p:cTn>
+                        </p:par>
+                      </p:childTnLst>
+                    </p:cTn>
+                  </p:par>
+                  <p:par>
+                    <p:cTn id="20" fill="hold">
+                      <p:stCondLst>
+                        <p:cond delay="indefinite"/>
+                      </p:stCondLst>
+                      <p:childTnLst>
+                        <p:par>
+                          <p:cTn id="21" fill="hold">
+                            <p:stCondLst>
+                              <p:cond delay="0"/>
+                            </p:stCondLst>
+                            <p:childTnLst>
+                              <p:par>
+                                <p:cTn id="22" presetID="45" presetClass="entr" presetSubtype="0" fill="hold" grpId="0" nodeType="clickEffect">
+                                  <p:stCondLst>
+                                    <p:cond delay="0"/>
+                                  </p:stCondLst>
+                                  <p:childTnLst>
+                                    <p:set>
+                                      <p:cBhvr>
+                                        <p:cTn id="23" dur="1" fill="hold">
                                           <p:stCondLst>
-                                            <p:cond delay="1324"/>
+                                            <p:cond delay="0"/>
                                           </p:stCondLst>
                                         </p:cTn>
                                         <p:tgtEl>
                                           <p:spTgt spid="3">
                                             <p:txEl>
-                                              <p:pRg st="1" end="1"/>
+                                              <p:pRg st="3" end="3"/>
                                             </p:txEl>
                                           </p:spTgt>
                                         </p:tgtEl>
                                         <p:attrNameLst>
-                                          <p:attrName>ppt_y</p:attrName>
+                                          <p:attrName>style.visibility</p:attrName>
                                         </p:attrNameLst>
                                       </p:cBhvr>
+                                      <p:to>
+                                        <p:strVal val="visible"/>
+                                      </p:to>
+                                    </p:set>
+                                    <p:animEffect transition="in" filter="fade">
+                                      <p:cBhvr>
+                                        <p:cTn id="24" dur="2000"/>
+                                        <p:tgtEl>
+                                          <p:spTgt spid="3">
+                                            <p:txEl>
+                                              <p:pRg st="3" end="3"/>
+                                            </p:txEl>
+                                          </p:spTgt>
+                                        </p:tgtEl>
+                                      </p:cBhvr>
+                                    </p:animEffect>
+                                    <p:anim calcmode="lin" valueType="num">
+                                      <p:cBhvr>
+                                        <p:cTn id="25" dur="2000" fill="hold"/>
+                                        <p:tgtEl>
+                                          <p:spTgt spid="3">
+                                            <p:txEl>
+                                              <p:pRg st="3" end="3"/>
+                                            </p:txEl>
+                                          </p:spTgt>
+                                        </p:tgtEl>
+                                        <p:attrNameLst>
+                                          <p:attrName>ppt_w</p:attrName>
+                                        </p:attrNameLst>
+                                      </p:cBhvr>
                                       <p:tavLst>
-                                        <p:tav tm="0" fmla="#ppt_y-sin(pi*$)/27">
+                                        <p:tav tm="0" fmla="#ppt_w*sin(2.5*pi*$)">
                                           <p:val>
                                             <p:fltVal val="0"/>
                                           </p:val>
@@ -6822,201 +6706,43 @@
                                     </p:anim>
                                     <p:anim calcmode="lin" valueType="num">
                                       <p:cBhvr>
-                                        <p:cTn id="30" dur="164" tmFilter="0, 0; 0.125,0.2665; 0.25,0.4; 0.375,0.465; 0.5,0.5;  0.625,0.535; 0.75,0.6; 0.875,0.7335; 1,1">
-                                          <p:stCondLst>
-                                            <p:cond delay="1656"/>
-                                          </p:stCondLst>
-                                        </p:cTn>
-                                        <p:tgtEl>
-                                          <p:spTgt spid="3">
-                                            <p:txEl>
-                                              <p:pRg st="1" end="1"/>
+                                        <p:cTn id="26" dur="2000" fill="hold"/>
+                                        <p:tgtEl>
+                                          <p:spTgt spid="3">
+                                            <p:txEl>
+                                              <p:pRg st="3" end="3"/>
                                             </p:txEl>
                                           </p:spTgt>
                                         </p:tgtEl>
                                         <p:attrNameLst>
-                                          <p:attrName>ppt_y</p:attrName>
+                                          <p:attrName>ppt_h</p:attrName>
                                         </p:attrNameLst>
                                       </p:cBhvr>
                                       <p:tavLst>
-                                        <p:tav tm="0" fmla="#ppt_y-sin(pi*$)/81">
+                                        <p:tav tm="0">
                                           <p:val>
-                                            <p:fltVal val="0"/>
+                                            <p:strVal val="#ppt_h"/>
                                           </p:val>
                                         </p:tav>
                                         <p:tav tm="100000">
                                           <p:val>
-                                            <p:fltVal val="1"/>
+                                            <p:strVal val="#ppt_h"/>
                                           </p:val>
                                         </p:tav>
                                       </p:tavLst>
                                     </p:anim>
-                                    <p:animScale>
-                                      <p:cBhvr>
-                                        <p:cTn id="31" dur="26">
-                                          <p:stCondLst>
-                                            <p:cond delay="650"/>
-                                          </p:stCondLst>
-                                        </p:cTn>
-                                        <p:tgtEl>
-                                          <p:spTgt spid="3">
-                                            <p:txEl>
-                                              <p:pRg st="1" end="1"/>
-                                            </p:txEl>
-                                          </p:spTgt>
-                                        </p:tgtEl>
-                                      </p:cBhvr>
-                                      <p:to x="100000" y="60000"/>
-                                    </p:animScale>
-                                    <p:animScale>
-                                      <p:cBhvr>
-                                        <p:cTn id="32" dur="166" decel="50000">
-                                          <p:stCondLst>
-                                            <p:cond delay="676"/>
-                                          </p:stCondLst>
-                                        </p:cTn>
-                                        <p:tgtEl>
-                                          <p:spTgt spid="3">
-                                            <p:txEl>
-                                              <p:pRg st="1" end="1"/>
-                                            </p:txEl>
-                                          </p:spTgt>
-                                        </p:tgtEl>
-                                      </p:cBhvr>
-                                      <p:to x="100000" y="100000"/>
-                                    </p:animScale>
-                                    <p:animScale>
-                                      <p:cBhvr>
-                                        <p:cTn id="33" dur="26">
-                                          <p:stCondLst>
-                                            <p:cond delay="1312"/>
-                                          </p:stCondLst>
-                                        </p:cTn>
-                                        <p:tgtEl>
-                                          <p:spTgt spid="3">
-                                            <p:txEl>
-                                              <p:pRg st="1" end="1"/>
-                                            </p:txEl>
-                                          </p:spTgt>
-                                        </p:tgtEl>
-                                      </p:cBhvr>
-                                      <p:to x="100000" y="80000"/>
-                                    </p:animScale>
-                                    <p:animScale>
-                                      <p:cBhvr>
-                                        <p:cTn id="34" dur="166" decel="50000">
-                                          <p:stCondLst>
-                                            <p:cond delay="1338"/>
-                                          </p:stCondLst>
-                                        </p:cTn>
-                                        <p:tgtEl>
-                                          <p:spTgt spid="3">
-                                            <p:txEl>
-                                              <p:pRg st="1" end="1"/>
-                                            </p:txEl>
-                                          </p:spTgt>
-                                        </p:tgtEl>
-                                      </p:cBhvr>
-                                      <p:to x="100000" y="100000"/>
-                                    </p:animScale>
-                                    <p:animScale>
-                                      <p:cBhvr>
-                                        <p:cTn id="35" dur="26">
-                                          <p:stCondLst>
-                                            <p:cond delay="1642"/>
-                                          </p:stCondLst>
-                                        </p:cTn>
-                                        <p:tgtEl>
-                                          <p:spTgt spid="3">
-                                            <p:txEl>
-                                              <p:pRg st="1" end="1"/>
-                                            </p:txEl>
-                                          </p:spTgt>
-                                        </p:tgtEl>
-                                      </p:cBhvr>
-                                      <p:to x="100000" y="90000"/>
-                                    </p:animScale>
-                                    <p:animScale>
-                                      <p:cBhvr>
-                                        <p:cTn id="36" dur="166" decel="50000">
-                                          <p:stCondLst>
-                                            <p:cond delay="1668"/>
-                                          </p:stCondLst>
-                                        </p:cTn>
-                                        <p:tgtEl>
-                                          <p:spTgt spid="3">
-                                            <p:txEl>
-                                              <p:pRg st="1" end="1"/>
-                                            </p:txEl>
-                                          </p:spTgt>
-                                        </p:tgtEl>
-                                      </p:cBhvr>
-                                      <p:to x="100000" y="100000"/>
-                                    </p:animScale>
-                                    <p:animScale>
-                                      <p:cBhvr>
-                                        <p:cTn id="37" dur="26">
-                                          <p:stCondLst>
-                                            <p:cond delay="1808"/>
-                                          </p:stCondLst>
-                                        </p:cTn>
-                                        <p:tgtEl>
-                                          <p:spTgt spid="3">
-                                            <p:txEl>
-                                              <p:pRg st="1" end="1"/>
-                                            </p:txEl>
-                                          </p:spTgt>
-                                        </p:tgtEl>
-                                      </p:cBhvr>
-                                      <p:to x="100000" y="95000"/>
-                                    </p:animScale>
-                                    <p:animScale>
-                                      <p:cBhvr>
-                                        <p:cTn id="38" dur="166" decel="50000">
-                                          <p:stCondLst>
-                                            <p:cond delay="1834"/>
-                                          </p:stCondLst>
-                                        </p:cTn>
-                                        <p:tgtEl>
-                                          <p:spTgt spid="3">
-                                            <p:txEl>
-                                              <p:pRg st="1" end="1"/>
-                                            </p:txEl>
-                                          </p:spTgt>
-                                        </p:tgtEl>
-                                      </p:cBhvr>
-                                      <p:to x="100000" y="100000"/>
-                                    </p:animScale>
                                   </p:childTnLst>
                                 </p:cTn>
                               </p:par>
-                            </p:childTnLst>
-                          </p:cTn>
-                        </p:par>
-                      </p:childTnLst>
-                    </p:cTn>
-                  </p:par>
-                  <p:par>
-                    <p:cTn id="39" fill="hold">
-                      <p:stCondLst>
-                        <p:cond delay="indefinite"/>
-                      </p:stCondLst>
-                      <p:childTnLst>
-                        <p:par>
-                          <p:cTn id="40" fill="hold">
-                            <p:stCondLst>
-                              <p:cond delay="0"/>
-                            </p:stCondLst>
-                            <p:childTnLst>
                               <p:par>
-                                <p:cTn id="41" presetID="26" presetClass="entr" presetSubtype="0" fill="hold" grpId="0" nodeType="clickEffect">
+                                <p:cTn id="27" presetID="45" presetClass="entr" presetSubtype="0" fill="hold" grpId="0" nodeType="withEffect">
                                   <p:stCondLst>
                                     <p:cond delay="0"/>
                                   </p:stCondLst>
                                   <p:childTnLst>
                                     <p:set>
                                       <p:cBhvr>
-                                        <p:cTn id="42" dur="1" fill="hold">
+                                        <p:cTn id="28" dur="1" fill="hold">
                                           <p:stCondLst>
                                             <p:cond delay="0"/>
                                           </p:stCondLst>
@@ -7024,7 +6750,7 @@
                                         <p:tgtEl>
                                           <p:spTgt spid="3">
                                             <p:txEl>
-                                              <p:pRg st="2" end="2"/>
+                                              <p:pRg st="4" end="4"/>
                                             </p:txEl>
                                           </p:spTgt>
                                         </p:tgtEl>
@@ -7036,17 +6762,13 @@
                                         <p:strVal val="visible"/>
                                       </p:to>
                                     </p:set>
-                                    <p:animEffect transition="in" filter="wipe(down)">
-                                      <p:cBhvr>
-                                        <p:cTn id="43" dur="580">
-                                          <p:stCondLst>
-                                            <p:cond delay="0"/>
-                                          </p:stCondLst>
-                                        </p:cTn>
-                                        <p:tgtEl>
-                                          <p:spTgt spid="3">
-                                            <p:txEl>
-                                              <p:pRg st="2" end="2"/>
+                                    <p:animEffect transition="in" filter="fade">
+                                      <p:cBhvr>
+                                        <p:cTn id="29" dur="2000"/>
+                                        <p:tgtEl>
+                                          <p:spTgt spid="3">
+                                            <p:txEl>
+                                              <p:pRg st="4" end="4"/>
                                             </p:txEl>
                                           </p:spTgt>
                                         </p:tgtEl>
@@ -7054,86 +6776,20 @@
                                     </p:animEffect>
                                     <p:anim calcmode="lin" valueType="num">
                                       <p:cBhvr>
-                                        <p:cTn id="44" dur="1822" tmFilter="0,0; 0.14,0.36; 0.43,0.73; 0.71,0.91; 1.0,1.0">
-                                          <p:stCondLst>
-                                            <p:cond delay="0"/>
-                                          </p:stCondLst>
-                                        </p:cTn>
-                                        <p:tgtEl>
-                                          <p:spTgt spid="3">
-                                            <p:txEl>
-                                              <p:pRg st="2" end="2"/>
+                                        <p:cTn id="30" dur="2000" fill="hold"/>
+                                        <p:tgtEl>
+                                          <p:spTgt spid="3">
+                                            <p:txEl>
+                                              <p:pRg st="4" end="4"/>
                                             </p:txEl>
                                           </p:spTgt>
                                         </p:tgtEl>
                                         <p:attrNameLst>
-                                          <p:attrName>ppt_x</p:attrName>
+                                          <p:attrName>ppt_w</p:attrName>
                                         </p:attrNameLst>
                                       </p:cBhvr>
                                       <p:tavLst>
-                                        <p:tav tm="0">
-                                          <p:val>
-                                            <p:strVal val="#ppt_x-0.25"/>
-                                          </p:val>
-                                        </p:tav>
-                                        <p:tav tm="100000">
-                                          <p:val>
-                                            <p:strVal val="#ppt_x"/>
-                                          </p:val>
-                                        </p:tav>
-                                      </p:tavLst>
-                                    </p:anim>
-                                    <p:anim calcmode="lin" valueType="num">
-                                      <p:cBhvr>
-                                        <p:cTn id="45" dur="664" tmFilter="0.0,0.0; 0.25,0.07; 0.50,0.2; 0.75,0.467; 1.0,1.0">
-                                          <p:stCondLst>
-                                            <p:cond delay="0"/>
-                                          </p:stCondLst>
-                                        </p:cTn>
-                                        <p:tgtEl>
-                                          <p:spTgt spid="3">
-                                            <p:txEl>
-                                              <p:pRg st="2" end="2"/>
-                                            </p:txEl>
-                                          </p:spTgt>
-                                        </p:tgtEl>
-                                        <p:attrNameLst>
-                                          <p:attrName>ppt_y</p:attrName>
-                                        </p:attrNameLst>
-                                      </p:cBhvr>
-                                      <p:tavLst>
-                                        <p:tav tm="0" fmla="#ppt_y-sin(pi*$)/3">
-                                          <p:val>
-                                            <p:fltVal val="0.5"/>
-                                          </p:val>
-                                        </p:tav>
-                                        <p:tav tm="100000">
-                                          <p:val>
-                                            <p:fltVal val="1"/>
-                                          </p:val>
-                                        </p:tav>
-                                      </p:tavLst>
-                                    </p:anim>
-                                    <p:anim calcmode="lin" valueType="num">
-                                      <p:cBhvr>
-                                        <p:cTn id="46" dur="664" tmFilter="0, 0; 0.125,0.2665; 0.25,0.4; 0.375,0.465; 0.5,0.5;  0.625,0.535; 0.75,0.6; 0.875,0.7335; 1,1">
-                                          <p:stCondLst>
-                                            <p:cond delay="664"/>
-                                          </p:stCondLst>
-                                        </p:cTn>
-                                        <p:tgtEl>
-                                          <p:spTgt spid="3">
-                                            <p:txEl>
-                                              <p:pRg st="2" end="2"/>
-                                            </p:txEl>
-                                          </p:spTgt>
-                                        </p:tgtEl>
-                                        <p:attrNameLst>
-                                          <p:attrName>ppt_y</p:attrName>
-                                        </p:attrNameLst>
-                                      </p:cBhvr>
-                                      <p:tavLst>
-                                        <p:tav tm="0" fmla="#ppt_y-sin(pi*$)/9">
+                                        <p:tav tm="0" fmla="#ppt_w*sin(2.5*pi*$)">
                                           <p:val>
                                             <p:fltVal val="0"/>
                                           </p:val>
@@ -7147,24 +6803,90 @@
                                     </p:anim>
                                     <p:anim calcmode="lin" valueType="num">
                                       <p:cBhvr>
-                                        <p:cTn id="47" dur="332" tmFilter="0, 0; 0.125,0.2665; 0.25,0.4; 0.375,0.465; 0.5,0.5;  0.625,0.535; 0.75,0.6; 0.875,0.7335; 1,1">
+                                        <p:cTn id="31" dur="2000" fill="hold"/>
+                                        <p:tgtEl>
+                                          <p:spTgt spid="3">
+                                            <p:txEl>
+                                              <p:pRg st="4" end="4"/>
+                                            </p:txEl>
+                                          </p:spTgt>
+                                        </p:tgtEl>
+                                        <p:attrNameLst>
+                                          <p:attrName>ppt_h</p:attrName>
+                                        </p:attrNameLst>
+                                      </p:cBhvr>
+                                      <p:tavLst>
+                                        <p:tav tm="0">
+                                          <p:val>
+                                            <p:strVal val="#ppt_h"/>
+                                          </p:val>
+                                        </p:tav>
+                                        <p:tav tm="100000">
+                                          <p:val>
+                                            <p:strVal val="#ppt_h"/>
+                                          </p:val>
+                                        </p:tav>
+                                      </p:tavLst>
+                                    </p:anim>
+                                  </p:childTnLst>
+                                </p:cTn>
+                              </p:par>
+                              <p:par>
+                                <p:cTn id="32" presetID="45" presetClass="entr" presetSubtype="0" fill="hold" grpId="0" nodeType="withEffect">
+                                  <p:stCondLst>
+                                    <p:cond delay="0"/>
+                                  </p:stCondLst>
+                                  <p:childTnLst>
+                                    <p:set>
+                                      <p:cBhvr>
+                                        <p:cTn id="33" dur="1" fill="hold">
                                           <p:stCondLst>
-                                            <p:cond delay="1324"/>
+                                            <p:cond delay="0"/>
                                           </p:stCondLst>
                                         </p:cTn>
                                         <p:tgtEl>
                                           <p:spTgt spid="3">
                                             <p:txEl>
-                                              <p:pRg st="2" end="2"/>
+                                              <p:pRg st="5" end="5"/>
                                             </p:txEl>
                                           </p:spTgt>
                                         </p:tgtEl>
                                         <p:attrNameLst>
-                                          <p:attrName>ppt_y</p:attrName>
+                                          <p:attrName>style.visibility</p:attrName>
                                         </p:attrNameLst>
                                       </p:cBhvr>
+                                      <p:to>
+                                        <p:strVal val="visible"/>
+                                      </p:to>
+                                    </p:set>
+                                    <p:animEffect transition="in" filter="fade">
+                                      <p:cBhvr>
+                                        <p:cTn id="34" dur="2000"/>
+                                        <p:tgtEl>
+                                          <p:spTgt spid="3">
+                                            <p:txEl>
+                                              <p:pRg st="5" end="5"/>
+                                            </p:txEl>
+                                          </p:spTgt>
+                                        </p:tgtEl>
+                                      </p:cBhvr>
+                                    </p:animEffect>
+                                    <p:anim calcmode="lin" valueType="num">
+                                      <p:cBhvr>
+                                        <p:cTn id="35" dur="2000" fill="hold"/>
+                                        <p:tgtEl>
+                                          <p:spTgt spid="3">
+                                            <p:txEl>
+                                              <p:pRg st="5" end="5"/>
+                                            </p:txEl>
+                                          </p:spTgt>
+                                        </p:tgtEl>
+                                        <p:attrNameLst>
+                                          <p:attrName>ppt_w</p:attrName>
+                                        </p:attrNameLst>
+                                      </p:cBhvr>
                                       <p:tavLst>
-                                        <p:tav tm="0" fmla="#ppt_y-sin(pi*$)/27">
+                                        <p:tav tm="0" fmla="#ppt_w*sin(2.5*pi*$)">
                                           <p:val>
                                             <p:fltVal val="0"/>
                                           </p:val>
@@ -7178,201 +6900,43 @@
                                     </p:anim>
                                     <p:anim calcmode="lin" valueType="num">
                                       <p:cBhvr>
-                                        <p:cTn id="48" dur="164" tmFilter="0, 0; 0.125,0.2665; 0.25,0.4; 0.375,0.465; 0.5,0.5;  0.625,0.535; 0.75,0.6; 0.875,0.7335; 1,1">
-                                          <p:stCondLst>
-                                            <p:cond delay="1656"/>
-                                          </p:stCondLst>
-                                        </p:cTn>
-                                        <p:tgtEl>
-                                          <p:spTgt spid="3">
-                                            <p:txEl>
-                                              <p:pRg st="2" end="2"/>
+                                        <p:cTn id="36" dur="2000" fill="hold"/>
+                                        <p:tgtEl>
+                                          <p:spTgt spid="3">
+                                            <p:txEl>
+                                              <p:pRg st="5" end="5"/>
                                             </p:txEl>
                                           </p:spTgt>
                                         </p:tgtEl>
                                         <p:attrNameLst>
-                                          <p:attrName>ppt_y</p:attrName>
+                                          <p:attrName>ppt_h</p:attrName>
                                         </p:attrNameLst>
                                       </p:cBhvr>
                                       <p:tavLst>
-                                        <p:tav tm="0" fmla="#ppt_y-sin(pi*$)/81">
+                                        <p:tav tm="0">
                                           <p:val>
-                                            <p:fltVal val="0"/>
+                                            <p:strVal val="#ppt_h"/>
                                           </p:val>
                                         </p:tav>
                                         <p:tav tm="100000">
                                           <p:val>
-                                            <p:fltVal val="1"/>
+                                            <p:strVal val="#ppt_h"/>
                                           </p:val>
                                         </p:tav>
                                       </p:tavLst>
                                     </p:anim>
-                                    <p:animScale>
-                                      <p:cBhvr>
-                                        <p:cTn id="49" dur="26">
-                                          <p:stCondLst>
-                                            <p:cond delay="650"/>
-                                          </p:stCondLst>
-                                        </p:cTn>
-                                        <p:tgtEl>
-                                          <p:spTgt spid="3">
-                                            <p:txEl>
-                                              <p:pRg st="2" end="2"/>
-                                            </p:txEl>
-                                          </p:spTgt>
-                                        </p:tgtEl>
-                                      </p:cBhvr>
-                                      <p:to x="100000" y="60000"/>
-                                    </p:animScale>
-                                    <p:animScale>
-                                      <p:cBhvr>
-                                        <p:cTn id="50" dur="166" decel="50000">
-                                          <p:stCondLst>
-                                            <p:cond delay="676"/>
-                                          </p:stCondLst>
-                                        </p:cTn>
-                                        <p:tgtEl>
-                                          <p:spTgt spid="3">
-                                            <p:txEl>
-                                              <p:pRg st="2" end="2"/>
-                                            </p:txEl>
-                                          </p:spTgt>
-                                        </p:tgtEl>
-                                      </p:cBhvr>
-                                      <p:to x="100000" y="100000"/>
-                                    </p:animScale>
-                                    <p:animScale>
-                                      <p:cBhvr>
-                                        <p:cTn id="51" dur="26">
-                                          <p:stCondLst>
-                                            <p:cond delay="1312"/>
-                                          </p:stCondLst>
-                                        </p:cTn>
-                                        <p:tgtEl>
-                                          <p:spTgt spid="3">
-                                            <p:txEl>
-                                              <p:pRg st="2" end="2"/>
-                                            </p:txEl>
-                                          </p:spTgt>
-                                        </p:tgtEl>
-                                      </p:cBhvr>
-                                      <p:to x="100000" y="80000"/>
-                                    </p:animScale>
-                                    <p:animScale>
-                                      <p:cBhvr>
-                                        <p:cTn id="52" dur="166" decel="50000">
-                                          <p:stCondLst>
-                                            <p:cond delay="1338"/>
-                                          </p:stCondLst>
-                                        </p:cTn>
-                                        <p:tgtEl>
-                                          <p:spTgt spid="3">
-                                            <p:txEl>
-                                              <p:pRg st="2" end="2"/>
-                                            </p:txEl>
-                                          </p:spTgt>
-                                        </p:tgtEl>
-                                      </p:cBhvr>
-                                      <p:to x="100000" y="100000"/>
-                                    </p:animScale>
-                                    <p:animScale>
-                                      <p:cBhvr>
-                                        <p:cTn id="53" dur="26">
-                                          <p:stCondLst>
-                                            <p:cond delay="1642"/>
-                                          </p:stCondLst>
-                                        </p:cTn>
-                                        <p:tgtEl>
-                                          <p:spTgt spid="3">
-                                            <p:txEl>
-                                              <p:pRg st="2" end="2"/>
-                                            </p:txEl>
-                                          </p:spTgt>
-                                        </p:tgtEl>
-                                      </p:cBhvr>
-                                      <p:to x="100000" y="90000"/>
-                                    </p:animScale>
-                                    <p:animScale>
-                                      <p:cBhvr>
-                                        <p:cTn id="54" dur="166" decel="50000">
-                                          <p:stCondLst>
-                                            <p:cond delay="1668"/>
-                                          </p:stCondLst>
-                                        </p:cTn>
-                                        <p:tgtEl>
-                                          <p:spTgt spid="3">
-                                            <p:txEl>
-                                              <p:pRg st="2" end="2"/>
-                                            </p:txEl>
-                                          </p:spTgt>
-                                        </p:tgtEl>
-                                      </p:cBhvr>
-                                      <p:to x="100000" y="100000"/>
-                                    </p:animScale>
-                                    <p:animScale>
-                                      <p:cBhvr>
-                                        <p:cTn id="55" dur="26">
-                                          <p:stCondLst>
-                                            <p:cond delay="1808"/>
-                                          </p:stCondLst>
-                                        </p:cTn>
-                                        <p:tgtEl>
-                                          <p:spTgt spid="3">
-                                            <p:txEl>
-                                              <p:pRg st="2" end="2"/>
-                                            </p:txEl>
-                                          </p:spTgt>
-                                        </p:tgtEl>
-                                      </p:cBhvr>
-                                      <p:to x="100000" y="95000"/>
-                                    </p:animScale>
-                                    <p:animScale>
-                                      <p:cBhvr>
-                                        <p:cTn id="56" dur="166" decel="50000">
-                                          <p:stCondLst>
-                                            <p:cond delay="1834"/>
-                                          </p:stCondLst>
-                                        </p:cTn>
-                                        <p:tgtEl>
-                                          <p:spTgt spid="3">
-                                            <p:txEl>
-                                              <p:pRg st="2" end="2"/>
-                                            </p:txEl>
-                                          </p:spTgt>
-                                        </p:tgtEl>
-                                      </p:cBhvr>
-                                      <p:to x="100000" y="100000"/>
-                                    </p:animScale>
                                   </p:childTnLst>
                                 </p:cTn>
                               </p:par>
-                            </p:childTnLst>
-                          </p:cTn>
-                        </p:par>
-                      </p:childTnLst>
-                    </p:cTn>
-                  </p:par>
-                  <p:par>
-                    <p:cTn id="57" fill="hold">
-                      <p:stCondLst>
-                        <p:cond delay="indefinite"/>
-                      </p:stCondLst>
-                      <p:childTnLst>
-                        <p:par>
-                          <p:cTn id="58" fill="hold">
-                            <p:stCondLst>
-                              <p:cond delay="0"/>
-                            </p:stCondLst>
-                            <p:childTnLst>
                               <p:par>
-                                <p:cTn id="59" presetID="26" presetClass="entr" presetSubtype="0" fill="hold" grpId="0" nodeType="clickEffect">
+                                <p:cTn id="37" presetID="45" presetClass="entr" presetSubtype="0" fill="hold" grpId="0" nodeType="withEffect">
                                   <p:stCondLst>
                                     <p:cond delay="0"/>
                                   </p:stCondLst>
                                   <p:childTnLst>
                                     <p:set>
                                       <p:cBhvr>
-                                        <p:cTn id="60" dur="1" fill="hold">
+                                        <p:cTn id="38" dur="1" fill="hold">
                                           <p:stCondLst>
                                             <p:cond delay="0"/>
                                           </p:stCondLst>
@@ -7380,7 +6944,7 @@
                                         <p:tgtEl>
                                           <p:spTgt spid="3">
                                             <p:txEl>
-                                              <p:pRg st="3" end="3"/>
+                                              <p:pRg st="6" end="6"/>
                                             </p:txEl>
                                           </p:spTgt>
                                         </p:tgtEl>
@@ -7392,17 +6956,13 @@
                                         <p:strVal val="visible"/>
                                       </p:to>
                                     </p:set>
-                                    <p:animEffect transition="in" filter="wipe(down)">
-                                      <p:cBhvr>
-                                        <p:cTn id="61" dur="580">
-                                          <p:stCondLst>
-                                            <p:cond delay="0"/>
-                                          </p:stCondLst>
-                                        </p:cTn>
-                                        <p:tgtEl>
-                                          <p:spTgt spid="3">
-                                            <p:txEl>
-                                              <p:pRg st="3" end="3"/>
+                                    <p:animEffect transition="in" filter="fade">
+                                      <p:cBhvr>
+                                        <p:cTn id="39" dur="2000"/>
+                                        <p:tgtEl>
+                                          <p:spTgt spid="3">
+                                            <p:txEl>
+                                              <p:pRg st="6" end="6"/>
                                             </p:txEl>
                                           </p:spTgt>
                                         </p:tgtEl>
@@ -7410,86 +6970,20 @@
                                     </p:animEffect>
                                     <p:anim calcmode="lin" valueType="num">
                                       <p:cBhvr>
-                                        <p:cTn id="62" dur="1822" tmFilter="0,0; 0.14,0.36; 0.43,0.73; 0.71,0.91; 1.0,1.0">
-                                          <p:stCondLst>
-                                            <p:cond delay="0"/>
-                                          </p:stCondLst>
-                                        </p:cTn>
-                                        <p:tgtEl>
-                                          <p:spTgt spid="3">
-                                            <p:txEl>
-                                              <p:pRg st="3" end="3"/>
+                                        <p:cTn id="40" dur="2000" fill="hold"/>
+                                        <p:tgtEl>
+                                          <p:spTgt spid="3">
+                                            <p:txEl>
+                                              <p:pRg st="6" end="6"/>
                                             </p:txEl>
                                           </p:spTgt>
                                         </p:tgtEl>
                                         <p:attrNameLst>
-                                          <p:attrName>ppt_x</p:attrName>
+                                          <p:attrName>ppt_w</p:attrName>
                                         </p:attrNameLst>
                                       </p:cBhvr>
                                       <p:tavLst>
-                                        <p:tav tm="0">
-                                          <p:val>
-                                            <p:strVal val="#ppt_x-0.25"/>
-                                          </p:val>
-                                        </p:tav>
-                                        <p:tav tm="100000">
-                                          <p:val>
-                                            <p:strVal val="#ppt_x"/>
-                                          </p:val>
-                                        </p:tav>
-                                      </p:tavLst>
-                                    </p:anim>
-                                    <p:anim calcmode="lin" valueType="num">
-                                      <p:cBhvr>
-                                        <p:cTn id="63" dur="664" tmFilter="0.0,0.0; 0.25,0.07; 0.50,0.2; 0.75,0.467; 1.0,1.0">
-                                          <p:stCondLst>
-                                            <p:cond delay="0"/>
-                                          </p:stCondLst>
-                                        </p:cTn>
-                                        <p:tgtEl>
-                                          <p:spTgt spid="3">
-                                            <p:txEl>
-                                              <p:pRg st="3" end="3"/>
-                                            </p:txEl>
-                                          </p:spTgt>
-                                        </p:tgtEl>
-                                        <p:attrNameLst>
-                                          <p:attrName>ppt_y</p:attrName>
-                                        </p:attrNameLst>
-                                      </p:cBhvr>
-                                      <p:tavLst>
-                                        <p:tav tm="0" fmla="#ppt_y-sin(pi*$)/3">
-                                          <p:val>
-                                            <p:fltVal val="0.5"/>
-                                          </p:val>
-                                        </p:tav>
-                                        <p:tav tm="100000">
-                                          <p:val>
-                                            <p:fltVal val="1"/>
-                                          </p:val>
-                                        </p:tav>
-                                      </p:tavLst>
-                                    </p:anim>
-                                    <p:anim calcmode="lin" valueType="num">
-                                      <p:cBhvr>
-                                        <p:cTn id="64" dur="664" tmFilter="0, 0; 0.125,0.2665; 0.25,0.4; 0.375,0.465; 0.5,0.5;  0.625,0.535; 0.75,0.6; 0.875,0.7335; 1,1">
-                                          <p:stCondLst>
-                                            <p:cond delay="664"/>
-                                          </p:stCondLst>
-                                        </p:cTn>
-                                        <p:tgtEl>
-                                          <p:spTgt spid="3">
-                                            <p:txEl>
-                                              <p:pRg st="3" end="3"/>
-                                            </p:txEl>
-                                          </p:spTgt>
-                                        </p:tgtEl>
-                                        <p:attrNameLst>
-                                          <p:attrName>ppt_y</p:attrName>
-                                        </p:attrNameLst>
-                                      </p:cBhvr>
-                                      <p:tavLst>
-                                        <p:tav tm="0" fmla="#ppt_y-sin(pi*$)/9">
+                                        <p:tav tm="0" fmla="#ppt_w*sin(2.5*pi*$)">
                                           <p:val>
                                             <p:fltVal val="0"/>
                                           </p:val>
@@ -7503,24 +6997,90 @@
                                     </p:anim>
                                     <p:anim calcmode="lin" valueType="num">
                                       <p:cBhvr>
-                                        <p:cTn id="65" dur="332" tmFilter="0, 0; 0.125,0.2665; 0.25,0.4; 0.375,0.465; 0.5,0.5;  0.625,0.535; 0.75,0.6; 0.875,0.7335; 1,1">
+                                        <p:cTn id="41" dur="2000" fill="hold"/>
+                                        <p:tgtEl>
+                                          <p:spTgt spid="3">
+                                            <p:txEl>
+                                              <p:pRg st="6" end="6"/>
+                                            </p:txEl>
+                                          </p:spTgt>
+                                        </p:tgtEl>
+                                        <p:attrNameLst>
+                                          <p:attrName>ppt_h</p:attrName>
+                                        </p:attrNameLst>
+                                      </p:cBhvr>
+                                      <p:tavLst>
+                                        <p:tav tm="0">
+                                          <p:val>
+                                            <p:strVal val="#ppt_h"/>
+                                          </p:val>
+                                        </p:tav>
+                                        <p:tav tm="100000">
+                                          <p:val>
+                                            <p:strVal val="#ppt_h"/>
+                                          </p:val>
+                                        </p:tav>
+                                      </p:tavLst>
+                                    </p:anim>
+                                  </p:childTnLst>
+                                </p:cTn>
+                              </p:par>
+                              <p:par>
+                                <p:cTn id="42" presetID="45" presetClass="entr" presetSubtype="0" fill="hold" grpId="0" nodeType="withEffect">
+                                  <p:stCondLst>
+                                    <p:cond delay="0"/>
+                                  </p:stCondLst>
+                                  <p:childTnLst>
+                                    <p:set>
+                                      <p:cBhvr>
+                                        <p:cTn id="43" dur="1" fill="hold">
                                           <p:stCondLst>
-                                            <p:cond delay="1324"/>
+                                            <p:cond delay="0"/>
                                           </p:stCondLst>
                                         </p:cTn>
                                         <p:tgtEl>
                                           <p:spTgt spid="3">
                                             <p:txEl>
-                                              <p:pRg st="3" end="3"/>
+                                              <p:pRg st="7" end="7"/>
                                             </p:txEl>
                                           </p:spTgt>
                                         </p:tgtEl>
                                         <p:attrNameLst>
-                                          <p:attrName>ppt_y</p:attrName>
+                                          <p:attrName>style.visibility</p:attrName>
                                         </p:attrNameLst>
                                       </p:cBhvr>
+                                      <p:to>
+                                        <p:strVal val="visible"/>
+                                      </p:to>
+                                    </p:set>
+                                    <p:animEffect transition="in" filter="fade">
+                                      <p:cBhvr>
+                                        <p:cTn id="44" dur="2000"/>
+                                        <p:tgtEl>
+                                          <p:spTgt spid="3">
+                                            <p:txEl>
+                                              <p:pRg st="7" end="7"/>
+                                            </p:txEl>
+                                          </p:spTgt>
+                                        </p:tgtEl>
+                                      </p:cBhvr>
+                                    </p:animEffect>
+                                    <p:anim calcmode="lin" valueType="num">
+                                      <p:cBhvr>
+                                        <p:cTn id="45" dur="2000" fill="hold"/>
+                                        <p:tgtEl>
+                                          <p:spTgt spid="3">
+                                            <p:txEl>
+                                              <p:pRg st="7" end="7"/>
+                                            </p:txEl>
+                                          </p:spTgt>
+                                        </p:tgtEl>
+                                        <p:attrNameLst>
+                                          <p:attrName>ppt_w</p:attrName>
+                                        </p:attrNameLst>
+                                      </p:cBhvr>
                                       <p:tavLst>
-                                        <p:tav tm="0" fmla="#ppt_y-sin(pi*$)/27">
+                                        <p:tav tm="0" fmla="#ppt_w*sin(2.5*pi*$)">
                                           <p:val>
                                             <p:fltVal val="0"/>
                                           </p:val>
@@ -7534,201 +7094,43 @@
                                     </p:anim>
                                     <p:anim calcmode="lin" valueType="num">
                                       <p:cBhvr>
-                                        <p:cTn id="66" dur="164" tmFilter="0, 0; 0.125,0.2665; 0.25,0.4; 0.375,0.465; 0.5,0.5;  0.625,0.535; 0.75,0.6; 0.875,0.7335; 1,1">
-                                          <p:stCondLst>
-                                            <p:cond delay="1656"/>
-                                          </p:stCondLst>
-                                        </p:cTn>
-                                        <p:tgtEl>
-                                          <p:spTgt spid="3">
-                                            <p:txEl>
-                                              <p:pRg st="3" end="3"/>
+                                        <p:cTn id="46" dur="2000" fill="hold"/>
+                                        <p:tgtEl>
+                                          <p:spTgt spid="3">
+                                            <p:txEl>
+                                              <p:pRg st="7" end="7"/>
                                             </p:txEl>
                                           </p:spTgt>
                                         </p:tgtEl>
                                         <p:attrNameLst>
-                                          <p:attrName>ppt_y</p:attrName>
+                                          <p:attrName>ppt_h</p:attrName>
                                         </p:attrNameLst>
                                       </p:cBhvr>
                                       <p:tavLst>
-                                        <p:tav tm="0" fmla="#ppt_y-sin(pi*$)/81">
+                                        <p:tav tm="0">
                                           <p:val>
-                                            <p:fltVal val="0"/>
+                                            <p:strVal val="#ppt_h"/>
                                           </p:val>
                                         </p:tav>
                                         <p:tav tm="100000">
                                           <p:val>
-                                            <p:fltVal val="1"/>
+                                            <p:strVal val="#ppt_h"/>
                                           </p:val>
                                         </p:tav>
                                       </p:tavLst>
                                     </p:anim>
-                                    <p:animScale>
-                                      <p:cBhvr>
-                                        <p:cTn id="67" dur="26">
-                                          <p:stCondLst>
-                                            <p:cond delay="650"/>
-                                          </p:stCondLst>
-                                        </p:cTn>
-                                        <p:tgtEl>
-                                          <p:spTgt spid="3">
-                                            <p:txEl>
-                                              <p:pRg st="3" end="3"/>
-                                            </p:txEl>
-                                          </p:spTgt>
-                                        </p:tgtEl>
-                                      </p:cBhvr>
-                                      <p:to x="100000" y="60000"/>
-                                    </p:animScale>
-                                    <p:animScale>
-                                      <p:cBhvr>
-                                        <p:cTn id="68" dur="166" decel="50000">
-                                          <p:stCondLst>
-                                            <p:cond delay="676"/>
-                                          </p:stCondLst>
-                                        </p:cTn>
-                                        <p:tgtEl>
-                                          <p:spTgt spid="3">
-                                            <p:txEl>
-                                              <p:pRg st="3" end="3"/>
-                                            </p:txEl>
-                                          </p:spTgt>
-                                        </p:tgtEl>
-                                      </p:cBhvr>
-                                      <p:to x="100000" y="100000"/>
-                                    </p:animScale>
-                                    <p:animScale>
-                                      <p:cBhvr>
-                                        <p:cTn id="69" dur="26">
-                                          <p:stCondLst>
-                                            <p:cond delay="1312"/>
-                                          </p:stCondLst>
-                                        </p:cTn>
-                                        <p:tgtEl>
-                                          <p:spTgt spid="3">
-                                            <p:txEl>
-                                              <p:pRg st="3" end="3"/>
-                                            </p:txEl>
-                                          </p:spTgt>
-                                        </p:tgtEl>
-                                      </p:cBhvr>
-                                      <p:to x="100000" y="80000"/>
-                                    </p:animScale>
-                                    <p:animScale>
-                                      <p:cBhvr>
-                                        <p:cTn id="70" dur="166" decel="50000">
-                                          <p:stCondLst>
-                                            <p:cond delay="1338"/>
-                                          </p:stCondLst>
-                                        </p:cTn>
-                                        <p:tgtEl>
-                                          <p:spTgt spid="3">
-                                            <p:txEl>
-                                              <p:pRg st="3" end="3"/>
-                                            </p:txEl>
-                                          </p:spTgt>
-                                        </p:tgtEl>
-                                      </p:cBhvr>
-                                      <p:to x="100000" y="100000"/>
-                                    </p:animScale>
-                                    <p:animScale>
-                                      <p:cBhvr>
-                                        <p:cTn id="71" dur="26">
-                                          <p:stCondLst>
-                                            <p:cond delay="1642"/>
-                                          </p:stCondLst>
-                                        </p:cTn>
-                                        <p:tgtEl>
-                                          <p:spTgt spid="3">
-                                            <p:txEl>
-                                              <p:pRg st="3" end="3"/>
-                                            </p:txEl>
-                                          </p:spTgt>
-                                        </p:tgtEl>
-                                      </p:cBhvr>
-                                      <p:to x="100000" y="90000"/>
-                                    </p:animScale>
-                                    <p:animScale>
-                                      <p:cBhvr>
-                                        <p:cTn id="72" dur="166" decel="50000">
-                                          <p:stCondLst>
-                                            <p:cond delay="1668"/>
-                                          </p:stCondLst>
-                                        </p:cTn>
-                                        <p:tgtEl>
-                                          <p:spTgt spid="3">
-                                            <p:txEl>
-                                              <p:pRg st="3" end="3"/>
-                                            </p:txEl>
-                                          </p:spTgt>
-                                        </p:tgtEl>
-                                      </p:cBhvr>
-                                      <p:to x="100000" y="100000"/>
-                                    </p:animScale>
-                                    <p:animScale>
-                                      <p:cBhvr>
-                                        <p:cTn id="73" dur="26">
-                                          <p:stCondLst>
-                                            <p:cond delay="1808"/>
-                                          </p:stCondLst>
-                                        </p:cTn>
-                                        <p:tgtEl>
-                                          <p:spTgt spid="3">
-                                            <p:txEl>
-                                              <p:pRg st="3" end="3"/>
-                                            </p:txEl>
-                                          </p:spTgt>
-                                        </p:tgtEl>
-                                      </p:cBhvr>
-                                      <p:to x="100000" y="95000"/>
-                                    </p:animScale>
-                                    <p:animScale>
-                                      <p:cBhvr>
-                                        <p:cTn id="74" dur="166" decel="50000">
-                                          <p:stCondLst>
-                                            <p:cond delay="1834"/>
-                                          </p:stCondLst>
-                                        </p:cTn>
-                                        <p:tgtEl>
-                                          <p:spTgt spid="3">
-                                            <p:txEl>
-                                              <p:pRg st="3" end="3"/>
-                                            </p:txEl>
-                                          </p:spTgt>
-                                        </p:tgtEl>
-                                      </p:cBhvr>
-                                      <p:to x="100000" y="100000"/>
-                                    </p:animScale>
                                   </p:childTnLst>
                                 </p:cTn>
                               </p:par>
-                            </p:childTnLst>
-                          </p:cTn>
-                        </p:par>
-                      </p:childTnLst>
-                    </p:cTn>
-                  </p:par>
-                  <p:par>
-                    <p:cTn id="75" fill="hold">
-                      <p:stCondLst>
-                        <p:cond delay="indefinite"/>
-                      </p:stCondLst>
-                      <p:childTnLst>
-                        <p:par>
-                          <p:cTn id="76" fill="hold">
-                            <p:stCondLst>
-                              <p:cond delay="0"/>
-                            </p:stCondLst>
-                            <p:childTnLst>
                               <p:par>
-                                <p:cTn id="77" presetID="26" presetClass="entr" presetSubtype="0" fill="hold" grpId="0" nodeType="clickEffect">
+                                <p:cTn id="47" presetID="45" presetClass="entr" presetSubtype="0" fill="hold" grpId="0" nodeType="withEffect">
                                   <p:stCondLst>
                                     <p:cond delay="0"/>
                                   </p:stCondLst>
                                   <p:childTnLst>
                                     <p:set>
                                       <p:cBhvr>
-                                        <p:cTn id="78" dur="1" fill="hold">
+                                        <p:cTn id="48" dur="1" fill="hold">
                                           <p:stCondLst>
                                             <p:cond delay="0"/>
                                           </p:stCondLst>
@@ -7736,7 +7138,7 @@
                                         <p:tgtEl>
                                           <p:spTgt spid="3">
                                             <p:txEl>
-                                              <p:pRg st="4" end="4"/>
+                                              <p:pRg st="8" end="8"/>
                                             </p:txEl>
                                           </p:spTgt>
                                         </p:tgtEl>
@@ -7748,17 +7150,13 @@
                                         <p:strVal val="visible"/>
                                       </p:to>
                                     </p:set>
-                                    <p:animEffect transition="in" filter="wipe(down)">
-                                      <p:cBhvr>
-                                        <p:cTn id="79" dur="580">
-                                          <p:stCondLst>
-                                            <p:cond delay="0"/>
-                                          </p:stCondLst>
-                                        </p:cTn>
-                                        <p:tgtEl>
-                                          <p:spTgt spid="3">
-                                            <p:txEl>
-                                              <p:pRg st="4" end="4"/>
+                                    <p:animEffect transition="in" filter="fade">
+                                      <p:cBhvr>
+                                        <p:cTn id="49" dur="2000"/>
+                                        <p:tgtEl>
+                                          <p:spTgt spid="3">
+                                            <p:txEl>
+                                              <p:pRg st="8" end="8"/>
                                             </p:txEl>
                                           </p:spTgt>
                                         </p:tgtEl>
@@ -7766,86 +7164,20 @@
                                     </p:animEffect>
                                     <p:anim calcmode="lin" valueType="num">
                                       <p:cBhvr>
-                                        <p:cTn id="80" dur="1822" tmFilter="0,0; 0.14,0.36; 0.43,0.73; 0.71,0.91; 1.0,1.0">
-                                          <p:stCondLst>
-                                            <p:cond delay="0"/>
-                                          </p:stCondLst>
-                                        </p:cTn>
-                                        <p:tgtEl>
-                                          <p:spTgt spid="3">
-                                            <p:txEl>
-                                              <p:pRg st="4" end="4"/>
+                                        <p:cTn id="50" dur="2000" fill="hold"/>
+                                        <p:tgtEl>
+                                          <p:spTgt spid="3">
+                                            <p:txEl>
+                                              <p:pRg st="8" end="8"/>
                                             </p:txEl>
                                           </p:spTgt>
                                         </p:tgtEl>
                                         <p:attrNameLst>
-                                          <p:attrName>ppt_x</p:attrName>
+                                          <p:attrName>ppt_w</p:attrName>
                                         </p:attrNameLst>
                                       </p:cBhvr>
                                       <p:tavLst>
-                                        <p:tav tm="0">
-                                          <p:val>
-                                            <p:strVal val="#ppt_x-0.25"/>
-                                          </p:val>
-                                        </p:tav>
-                                        <p:tav tm="100000">
-                                          <p:val>
-                                            <p:strVal val="#ppt_x"/>
-                                          </p:val>
-                                        </p:tav>
-                                      </p:tavLst>
-                                    </p:anim>
-                                    <p:anim calcmode="lin" valueType="num">
-                                      <p:cBhvr>
-                                        <p:cTn id="81" dur="664" tmFilter="0.0,0.0; 0.25,0.07; 0.50,0.2; 0.75,0.467; 1.0,1.0">
-                                          <p:stCondLst>
-                                            <p:cond delay="0"/>
-                                          </p:stCondLst>
-                                        </p:cTn>
-                                        <p:tgtEl>
-                                          <p:spTgt spid="3">
-                                            <p:txEl>
-                                              <p:pRg st="4" end="4"/>
-                                            </p:txEl>
-                                          </p:spTgt>
-                                        </p:tgtEl>
-                                        <p:attrNameLst>
-                                          <p:attrName>ppt_y</p:attrName>
-                                        </p:attrNameLst>
-                                      </p:cBhvr>
-                                      <p:tavLst>
-                                        <p:tav tm="0" fmla="#ppt_y-sin(pi*$)/3">
-                                          <p:val>
-                                            <p:fltVal val="0.5"/>
-                                          </p:val>
-                                        </p:tav>
-                                        <p:tav tm="100000">
-                                          <p:val>
-                                            <p:fltVal val="1"/>
-                                          </p:val>
-                                        </p:tav>
-                                      </p:tavLst>
-                                    </p:anim>
-                                    <p:anim calcmode="lin" valueType="num">
-                                      <p:cBhvr>
-                                        <p:cTn id="82" dur="664" tmFilter="0, 0; 0.125,0.2665; 0.25,0.4; 0.375,0.465; 0.5,0.5;  0.625,0.535; 0.75,0.6; 0.875,0.7335; 1,1">
-                                          <p:stCondLst>
-                                            <p:cond delay="664"/>
-                                          </p:stCondLst>
-                                        </p:cTn>
-                                        <p:tgtEl>
-                                          <p:spTgt spid="3">
-                                            <p:txEl>
-                                              <p:pRg st="4" end="4"/>
-                                            </p:txEl>
-                                          </p:spTgt>
-                                        </p:tgtEl>
-                                        <p:attrNameLst>
-                                          <p:attrName>ppt_y</p:attrName>
-                                        </p:attrNameLst>
-                                      </p:cBhvr>
-                                      <p:tavLst>
-                                        <p:tav tm="0" fmla="#ppt_y-sin(pi*$)/9">
+                                        <p:tav tm="0" fmla="#ppt_w*sin(2.5*pi*$)">
                                           <p:val>
                                             <p:fltVal val="0"/>
                                           </p:val>
@@ -7859,558 +7191,31 @@
                                     </p:anim>
                                     <p:anim calcmode="lin" valueType="num">
                                       <p:cBhvr>
-                                        <p:cTn id="83" dur="332" tmFilter="0, 0; 0.125,0.2665; 0.25,0.4; 0.375,0.465; 0.5,0.5;  0.625,0.535; 0.75,0.6; 0.875,0.7335; 1,1">
-                                          <p:stCondLst>
-                                            <p:cond delay="1324"/>
-                                          </p:stCondLst>
-                                        </p:cTn>
-                                        <p:tgtEl>
-                                          <p:spTgt spid="3">
-                                            <p:txEl>
-                                              <p:pRg st="4" end="4"/>
+                                        <p:cTn id="51" dur="2000" fill="hold"/>
+                                        <p:tgtEl>
+                                          <p:spTgt spid="3">
+                                            <p:txEl>
+                                              <p:pRg st="8" end="8"/>
                                             </p:txEl>
                                           </p:spTgt>
                                         </p:tgtEl>
                                         <p:attrNameLst>
-                                          <p:attrName>ppt_y</p:attrName>
+                                          <p:attrName>ppt_h</p:attrName>
                                         </p:attrNameLst>
                                       </p:cBhvr>
                                       <p:tavLst>
-                                        <p:tav tm="0" fmla="#ppt_y-sin(pi*$)/27">
+                                        <p:tav tm="0">
                                           <p:val>
-                                            <p:fltVal val="0"/>
+                                            <p:strVal val="#ppt_h"/>
                                           </p:val>
                                         </p:tav>
                                         <p:tav tm="100000">
                                           <p:val>
-                                            <p:fltVal val="1"/>
+                                            <p:strVal val="#ppt_h"/>
                                           </p:val>
                                         </p:tav>
                                       </p:tavLst>
                                     </p:anim>
-                                    <p:anim calcmode="lin" valueType="num">
-                                      <p:cBhvr>
-                                        <p:cTn id="84" dur="164" tmFilter="0, 0; 0.125,0.2665; 0.25,0.4; 0.375,0.465; 0.5,0.5;  0.625,0.535; 0.75,0.6; 0.875,0.7335; 1,1">
-                                          <p:stCondLst>
-                                            <p:cond delay="1656"/>
-                                          </p:stCondLst>
-                                        </p:cTn>
-                                        <p:tgtEl>
-                                          <p:spTgt spid="3">
-                                            <p:txEl>
-                                              <p:pRg st="4" end="4"/>
-                                            </p:txEl>
-                                          </p:spTgt>
-                                        </p:tgtEl>
-                                        <p:attrNameLst>
-                                          <p:attrName>ppt_y</p:attrName>
-                                        </p:attrNameLst>
-                                      </p:cBhvr>
-                                      <p:tavLst>
-                                        <p:tav tm="0" fmla="#ppt_y-sin(pi*$)/81">
-                                          <p:val>
-                                            <p:fltVal val="0"/>
-                                          </p:val>
-                                        </p:tav>
-                                        <p:tav tm="100000">
-                                          <p:val>
-                                            <p:fltVal val="1"/>
-                                          </p:val>
-                                        </p:tav>
-                                      </p:tavLst>
-                                    </p:anim>
-                                    <p:animScale>
-                                      <p:cBhvr>
-                                        <p:cTn id="85" dur="26">
-                                          <p:stCondLst>
-                                            <p:cond delay="650"/>
-                                          </p:stCondLst>
-                                        </p:cTn>
-                                        <p:tgtEl>
-                                          <p:spTgt spid="3">
-                                            <p:txEl>
-                                              <p:pRg st="4" end="4"/>
-                                            </p:txEl>
-                                          </p:spTgt>
-                                        </p:tgtEl>
-                                      </p:cBhvr>
-                                      <p:to x="100000" y="60000"/>
-                                    </p:animScale>
-                                    <p:animScale>
-                                      <p:cBhvr>
-                                        <p:cTn id="86" dur="166" decel="50000">
-                                          <p:stCondLst>
-                                            <p:cond delay="676"/>
-                                          </p:stCondLst>
-                                        </p:cTn>
-                                        <p:tgtEl>
-                                          <p:spTgt spid="3">
-                                            <p:txEl>
-                                              <p:pRg st="4" end="4"/>
-                                            </p:txEl>
-                                          </p:spTgt>
-                                        </p:tgtEl>
-                                      </p:cBhvr>
-                                      <p:to x="100000" y="100000"/>
-                                    </p:animScale>
-                                    <p:animScale>
-                                      <p:cBhvr>
-                                        <p:cTn id="87" dur="26">
-                                          <p:stCondLst>
-                                            <p:cond delay="1312"/>
-                                          </p:stCondLst>
-                                        </p:cTn>
-                                        <p:tgtEl>
-                                          <p:spTgt spid="3">
-                                            <p:txEl>
-                                              <p:pRg st="4" end="4"/>
-                                            </p:txEl>
-                                          </p:spTgt>
-                                        </p:tgtEl>
-                                      </p:cBhvr>
-                                      <p:to x="100000" y="80000"/>
-                                    </p:animScale>
-                                    <p:animScale>
-                                      <p:cBhvr>
-                                        <p:cTn id="88" dur="166" decel="50000">
-                                          <p:stCondLst>
-                                            <p:cond delay="1338"/>
-                                          </p:stCondLst>
-                                        </p:cTn>
-                                        <p:tgtEl>
-                                          <p:spTgt spid="3">
-                                            <p:txEl>
-                                              <p:pRg st="4" end="4"/>
-                                            </p:txEl>
-                                          </p:spTgt>
-                                        </p:tgtEl>
-                                      </p:cBhvr>
-                                      <p:to x="100000" y="100000"/>
-                                    </p:animScale>
-                                    <p:animScale>
-                                      <p:cBhvr>
-                                        <p:cTn id="89" dur="26">
-                                          <p:stCondLst>
-                                            <p:cond delay="1642"/>
-                                          </p:stCondLst>
-                                        </p:cTn>
-                                        <p:tgtEl>
-                                          <p:spTgt spid="3">
-                                            <p:txEl>
-                                              <p:pRg st="4" end="4"/>
-                                            </p:txEl>
-                                          </p:spTgt>
-                                        </p:tgtEl>
-                                      </p:cBhvr>
-                                      <p:to x="100000" y="90000"/>
-                                    </p:animScale>
-                                    <p:animScale>
-                                      <p:cBhvr>
-                                        <p:cTn id="90" dur="166" decel="50000">
-                                          <p:stCondLst>
-                                            <p:cond delay="1668"/>
-                                          </p:stCondLst>
-                                        </p:cTn>
-                                        <p:tgtEl>
-                                          <p:spTgt spid="3">
-                                            <p:txEl>
-                                              <p:pRg st="4" end="4"/>
-                                            </p:txEl>
-                                          </p:spTgt>
-                                        </p:tgtEl>
-                                      </p:cBhvr>
-                                      <p:to x="100000" y="100000"/>
-                                    </p:animScale>
-                                    <p:animScale>
-                                      <p:cBhvr>
-                                        <p:cTn id="91" dur="26">
-                                          <p:stCondLst>
-                                            <p:cond delay="1808"/>
-                                          </p:stCondLst>
-                                        </p:cTn>
-                                        <p:tgtEl>
-                                          <p:spTgt spid="3">
-                                            <p:txEl>
-                                              <p:pRg st="4" end="4"/>
-                                            </p:txEl>
-                                          </p:spTgt>
-                                        </p:tgtEl>
-                                      </p:cBhvr>
-                                      <p:to x="100000" y="95000"/>
-                                    </p:animScale>
-                                    <p:animScale>
-                                      <p:cBhvr>
-                                        <p:cTn id="92" dur="166" decel="50000">
-                                          <p:stCondLst>
-                                            <p:cond delay="1834"/>
-                                          </p:stCondLst>
-                                        </p:cTn>
-                                        <p:tgtEl>
-                                          <p:spTgt spid="3">
-                                            <p:txEl>
-                                              <p:pRg st="4" end="4"/>
-                                            </p:txEl>
-                                          </p:spTgt>
-                                        </p:tgtEl>
-                                      </p:cBhvr>
-                                      <p:to x="100000" y="100000"/>
-                                    </p:animScale>
-                                  </p:childTnLst>
-                                </p:cTn>
-                              </p:par>
-                            </p:childTnLst>
-                          </p:cTn>
-                        </p:par>
-                      </p:childTnLst>
-                    </p:cTn>
-                  </p:par>
-                  <p:par>
-                    <p:cTn id="93" fill="hold">
-                      <p:stCondLst>
-                        <p:cond delay="indefinite"/>
-                      </p:stCondLst>
-                      <p:childTnLst>
-                        <p:par>
-                          <p:cTn id="94" fill="hold">
-                            <p:stCondLst>
-                              <p:cond delay="0"/>
-                            </p:stCondLst>
-                            <p:childTnLst>
-                              <p:par>
-                                <p:cTn id="95" presetID="26" presetClass="entr" presetSubtype="0" fill="hold" grpId="0" nodeType="clickEffect">
-                                  <p:stCondLst>
-                                    <p:cond delay="0"/>
-                                  </p:stCondLst>
-                                  <p:childTnLst>
-                                    <p:set>
-                                      <p:cBhvr>
-                                        <p:cTn id="96" dur="1" fill="hold">
-                                          <p:stCondLst>
-                                            <p:cond delay="0"/>
-                                          </p:stCondLst>
-                                        </p:cTn>
-                                        <p:tgtEl>
-                                          <p:spTgt spid="3">
-                                            <p:txEl>
-                                              <p:pRg st="5" end="5"/>
-                                            </p:txEl>
-                                          </p:spTgt>
-                                        </p:tgtEl>
-                                        <p:attrNameLst>
-                                          <p:attrName>style.visibility</p:attrName>
-                                        </p:attrNameLst>
-                                      </p:cBhvr>
-                                      <p:to>
-                                        <p:strVal val="visible"/>
-                                      </p:to>
-                                    </p:set>
-                                    <p:animEffect transition="in" filter="wipe(down)">
-                                      <p:cBhvr>
-                                        <p:cTn id="97" dur="580">
-                                          <p:stCondLst>
-                                            <p:cond delay="0"/>
-                                          </p:stCondLst>
-                                        </p:cTn>
-                                        <p:tgtEl>
-                                          <p:spTgt spid="3">
-                                            <p:txEl>
-                                              <p:pRg st="5" end="5"/>
-                                            </p:txEl>
-                                          </p:spTgt>
-                                        </p:tgtEl>
-                                      </p:cBhvr>
-                                    </p:animEffect>
-                                    <p:anim calcmode="lin" valueType="num">
-                                      <p:cBhvr>
-                                        <p:cTn id="98" dur="1822" tmFilter="0,0; 0.14,0.36; 0.43,0.73; 0.71,0.91; 1.0,1.0">
-                                          <p:stCondLst>
-                                            <p:cond delay="0"/>
-                                          </p:stCondLst>
-                                        </p:cTn>
-                                        <p:tgtEl>
-                                          <p:spTgt spid="3">
-                                            <p:txEl>
-                                              <p:pRg st="5" end="5"/>
-                                            </p:txEl>
-                                          </p:spTgt>
-                                        </p:tgtEl>
-                                        <p:attrNameLst>
-                                          <p:attrName>ppt_x</p:attrName>
-                                        </p:attrNameLst>
-                                      </p:cBhvr>
-                                      <p:tavLst>
-                                        <p:tav tm="0">
-                                          <p:val>
-                                            <p:strVal val="#ppt_x-0.25"/>
-                                          </p:val>
-                                        </p:tav>
-                                        <p:tav tm="100000">
-                                          <p:val>
-                                            <p:strVal val="#ppt_x"/>
-                                          </p:val>
-                                        </p:tav>
-                                      </p:tavLst>
-                                    </p:anim>
-                                    <p:anim calcmode="lin" valueType="num">
-                                      <p:cBhvr>
-                                        <p:cTn id="99" dur="664" tmFilter="0.0,0.0; 0.25,0.07; 0.50,0.2; 0.75,0.467; 1.0,1.0">
-                                          <p:stCondLst>
-                                            <p:cond delay="0"/>
-                                          </p:stCondLst>
-                                        </p:cTn>
-                                        <p:tgtEl>
-                                          <p:spTgt spid="3">
-                                            <p:txEl>
-                                              <p:pRg st="5" end="5"/>
-                                            </p:txEl>
-                                          </p:spTgt>
-                                        </p:tgtEl>
-                                        <p:attrNameLst>
-                                          <p:attrName>ppt_y</p:attrName>
-                                        </p:attrNameLst>
-                                      </p:cBhvr>
-                                      <p:tavLst>
-                                        <p:tav tm="0" fmla="#ppt_y-sin(pi*$)/3">
-                                          <p:val>
-                                            <p:fltVal val="0.5"/>
-                                          </p:val>
-                                        </p:tav>
-                                        <p:tav tm="100000">
-                                          <p:val>
-                                            <p:fltVal val="1"/>
-                                          </p:val>
-                                        </p:tav>
-                                      </p:tavLst>
-                                    </p:anim>
-                                    <p:anim calcmode="lin" valueType="num">
-                                      <p:cBhvr>
-                                        <p:cTn id="100" dur="664" tmFilter="0, 0; 0.125,0.2665; 0.25,0.4; 0.375,0.465; 0.5,0.5;  0.625,0.535; 0.75,0.6; 0.875,0.7335; 1,1">
-                                          <p:stCondLst>
-                                            <p:cond delay="664"/>
-                                          </p:stCondLst>
-                                        </p:cTn>
-                                        <p:tgtEl>
-                                          <p:spTgt spid="3">
-                                            <p:txEl>
-                                              <p:pRg st="5" end="5"/>
-                                            </p:txEl>
-                                          </p:spTgt>
-                                        </p:tgtEl>
-                                        <p:attrNameLst>
-                                          <p:attrName>ppt_y</p:attrName>
-                                        </p:attrNameLst>
-                                      </p:cBhvr>
-                                      <p:tavLst>
-                                        <p:tav tm="0" fmla="#ppt_y-sin(pi*$)/9">
-                                          <p:val>
-                                            <p:fltVal val="0"/>
-                                          </p:val>
-                                        </p:tav>
-                                        <p:tav tm="100000">
-                                          <p:val>
-                                            <p:fltVal val="1"/>
-                                          </p:val>
-                                        </p:tav>
-                                      </p:tavLst>
-                                    </p:anim>
-                                    <p:anim calcmode="lin" valueType="num">
-                                      <p:cBhvr>
-                                        <p:cTn id="101" dur="332" tmFilter="0, 0; 0.125,0.2665; 0.25,0.4; 0.375,0.465; 0.5,0.5;  0.625,0.535; 0.75,0.6; 0.875,0.7335; 1,1">
-                                          <p:stCondLst>
-                                            <p:cond delay="1324"/>
-                                          </p:stCondLst>
-                                        </p:cTn>
-                                        <p:tgtEl>
-                                          <p:spTgt spid="3">
-                                            <p:txEl>
-                                              <p:pRg st="5" end="5"/>
-                                            </p:txEl>
-                                          </p:spTgt>
-                                        </p:tgtEl>
-                                        <p:attrNameLst>
-                                          <p:attrName>ppt_y</p:attrName>
-                                        </p:attrNameLst>
-                                      </p:cBhvr>
-                                      <p:tavLst>
-                                        <p:tav tm="0" fmla="#ppt_y-sin(pi*$)/27">
-                                          <p:val>
-                                            <p:fltVal val="0"/>
-                                          </p:val>
-                                        </p:tav>
-                                        <p:tav tm="100000">
-                                          <p:val>
-                                            <p:fltVal val="1"/>
-                                          </p:val>
-                                        </p:tav>
-                                      </p:tavLst>
-                                    </p:anim>
-                                    <p:anim calcmode="lin" valueType="num">
-                                      <p:cBhvr>
-                                        <p:cTn id="102" dur="164" tmFilter="0, 0; 0.125,0.2665; 0.25,0.4; 0.375,0.465; 0.5,0.5;  0.625,0.535; 0.75,0.6; 0.875,0.7335; 1,1">
-                                          <p:stCondLst>
-                                            <p:cond delay="1656"/>
-                                          </p:stCondLst>
-                                        </p:cTn>
-                                        <p:tgtEl>
-                                          <p:spTgt spid="3">
-                                            <p:txEl>
-                                              <p:pRg st="5" end="5"/>
-                                            </p:txEl>
-                                          </p:spTgt>
-                                        </p:tgtEl>
-                                        <p:attrNameLst>
-                                          <p:attrName>ppt_y</p:attrName>
-                                        </p:attrNameLst>
-                                      </p:cBhvr>
-                                      <p:tavLst>
-                                        <p:tav tm="0" fmla="#ppt_y-sin(pi*$)/81">
-                                          <p:val>
-                                            <p:fltVal val="0"/>
-                                          </p:val>
-                                        </p:tav>
-                                        <p:tav tm="100000">
-                                          <p:val>
-                                            <p:fltVal val="1"/>
-                                          </p:val>
-                                        </p:tav>
-                                      </p:tavLst>
-                                    </p:anim>
-                                    <p:animScale>
-                                      <p:cBhvr>
-                                        <p:cTn id="103" dur="26">
-                                          <p:stCondLst>
-                                            <p:cond delay="650"/>
-                                          </p:stCondLst>
-                                        </p:cTn>
-                                        <p:tgtEl>
-                                          <p:spTgt spid="3">
-                                            <p:txEl>
-                                              <p:pRg st="5" end="5"/>
-                                            </p:txEl>
-                                          </p:spTgt>
-                                        </p:tgtEl>
-                                      </p:cBhvr>
-                                      <p:to x="100000" y="60000"/>
-                                    </p:animScale>
-                                    <p:animScale>
-                                      <p:cBhvr>
-                                        <p:cTn id="104" dur="166" decel="50000">
-                                          <p:stCondLst>
-                                            <p:cond delay="676"/>
-                                          </p:stCondLst>
-                                        </p:cTn>
-                                        <p:tgtEl>
-                                          <p:spTgt spid="3">
-                                            <p:txEl>
-                                              <p:pRg st="5" end="5"/>
-                                            </p:txEl>
-                                          </p:spTgt>
-                                        </p:tgtEl>
-                                      </p:cBhvr>
-                                      <p:to x="100000" y="100000"/>
-                                    </p:animScale>
-                                    <p:animScale>
-                                      <p:cBhvr>
-                                        <p:cTn id="105" dur="26">
-                                          <p:stCondLst>
-                                            <p:cond delay="1312"/>
-                                          </p:stCondLst>
-                                        </p:cTn>
-                                        <p:tgtEl>
-                                          <p:spTgt spid="3">
-                                            <p:txEl>
-                                              <p:pRg st="5" end="5"/>
-                                            </p:txEl>
-                                          </p:spTgt>
-                                        </p:tgtEl>
-                                      </p:cBhvr>
-                                      <p:to x="100000" y="80000"/>
-                                    </p:animScale>
-                                    <p:animScale>
-                                      <p:cBhvr>
-                                        <p:cTn id="106" dur="166" decel="50000">
-                                          <p:stCondLst>
-                                            <p:cond delay="1338"/>
-                                          </p:stCondLst>
-                                        </p:cTn>
-                                        <p:tgtEl>
-                                          <p:spTgt spid="3">
-                                            <p:txEl>
-                                              <p:pRg st="5" end="5"/>
-                                            </p:txEl>
-                                          </p:spTgt>
-                                        </p:tgtEl>
-                                      </p:cBhvr>
-                                      <p:to x="100000" y="100000"/>
-                                    </p:animScale>
-                                    <p:animScale>
-                                      <p:cBhvr>
-                                        <p:cTn id="107" dur="26">
-                                          <p:stCondLst>
-                                            <p:cond delay="1642"/>
-                                          </p:stCondLst>
-                                        </p:cTn>
-                                        <p:tgtEl>
-                                          <p:spTgt spid="3">
-                                            <p:txEl>
-                                              <p:pRg st="5" end="5"/>
-                                            </p:txEl>
-                                          </p:spTgt>
-                                        </p:tgtEl>
-                                      </p:cBhvr>
-                                      <p:to x="100000" y="90000"/>
-                                    </p:animScale>
-                                    <p:animScale>
-                                      <p:cBhvr>
-                                        <p:cTn id="108" dur="166" decel="50000">
-                                          <p:stCondLst>
-                                            <p:cond delay="1668"/>
-                                          </p:stCondLst>
-                                        </p:cTn>
-                                        <p:tgtEl>
-                                          <p:spTgt spid="3">
-                                            <p:txEl>
-                                              <p:pRg st="5" end="5"/>
-                                            </p:txEl>
-                                          </p:spTgt>
-                                        </p:tgtEl>
-                                      </p:cBhvr>
-                                      <p:to x="100000" y="100000"/>
-                                    </p:animScale>
-                                    <p:animScale>
-                                      <p:cBhvr>
-                                        <p:cTn id="109" dur="26">
-                                          <p:stCondLst>
-                                            <p:cond delay="1808"/>
-                                          </p:stCondLst>
-                                        </p:cTn>
-                                        <p:tgtEl>
-                                          <p:spTgt spid="3">
-                                            <p:txEl>
-                                              <p:pRg st="5" end="5"/>
-                                            </p:txEl>
-                                          </p:spTgt>
-                                        </p:tgtEl>
-                                      </p:cBhvr>
-                                      <p:to x="100000" y="95000"/>
-                                    </p:animScale>
-                                    <p:animScale>
-                                      <p:cBhvr>
-                                        <p:cTn id="110" dur="166" decel="50000">
-                                          <p:stCondLst>
-                                            <p:cond delay="1834"/>
-                                          </p:stCondLst>
-                                        </p:cTn>
-                                        <p:tgtEl>
-                                          <p:spTgt spid="3">
-                                            <p:txEl>
-                                              <p:pRg st="5" end="5"/>
-                                            </p:txEl>
-                                          </p:spTgt>
-                                        </p:tgtEl>
-                                      </p:cBhvr>
-                                      <p:to x="100000" y="100000"/>
-                                    </p:animScale>
                                   </p:childTnLst>
                                 </p:cTn>
                               </p:par>
@@ -8470,7 +7275,7 @@
           <p:cNvPr id="2" name="Cím 1">
             <a:extLst>
               <a:ext uri="{FF2B5EF4-FFF2-40B4-BE49-F238E27FC236}">
-                <a16:creationId xmlns:a16="http://schemas.microsoft.com/office/drawing/2014/main" id="{97CD8F89-10D0-4CBE-BD04-B5ED89CF095D}"/>
+                <a16:creationId xmlns:a16="http://schemas.microsoft.com/office/drawing/2014/main" id="{4D378E2C-A5C1-45C1-8753-0AE37994C925}"/>
               </a:ext>
             </a:extLst>
           </p:cNvPr>
@@ -8483,14 +7288,14 @@
         </p:nvSpPr>
         <p:spPr/>
         <p:txBody>
-          <a:bodyPr anchor="ctr">
+          <a:bodyPr>
             <a:normAutofit/>
           </a:bodyPr>
           <a:lstStyle/>
           <a:p>
             <a:r>
               <a:rPr lang="hu-HU" sz="6600" dirty="0"/>
-              <a:t>Program részei</a:t>
+              <a:t>A program működése</a:t>
             </a:r>
           </a:p>
         </p:txBody>
@@ -8500,7 +7305,7 @@
           <p:cNvPr id="3" name="Tartalom helye 2">
             <a:extLst>
               <a:ext uri="{FF2B5EF4-FFF2-40B4-BE49-F238E27FC236}">
-                <a16:creationId xmlns:a16="http://schemas.microsoft.com/office/drawing/2014/main" id="{ED2914A4-6FEC-4CCC-BC7C-F44F78D69335}"/>
+                <a16:creationId xmlns:a16="http://schemas.microsoft.com/office/drawing/2014/main" id="{C8AB9BEE-383F-4ABE-892F-32966D0453A2}"/>
               </a:ext>
             </a:extLst>
           </p:cNvPr>
@@ -8511,12 +7316,7 @@
             <p:ph idx="1"/>
           </p:nvPr>
         </p:nvSpPr>
-        <p:spPr>
-          <a:xfrm>
-            <a:off x="677334" y="2160589"/>
-            <a:ext cx="8596668" cy="4542052"/>
-          </a:xfrm>
-        </p:spPr>
+        <p:spPr/>
         <p:txBody>
           <a:bodyPr>
             <a:normAutofit/>
@@ -8524,63 +7324,38 @@
           <a:lstStyle/>
           <a:p>
             <a:r>
-              <a:rPr lang="hu-HU" sz="2800" dirty="0"/>
-              <a:t>Felhasználó kezelés:</a:t>
-            </a:r>
-          </a:p>
-          <a:p>
-            <a:pPr lvl="1"/>
-            <a:r>
-              <a:rPr lang="hu-HU" sz="2400" dirty="0"/>
-              <a:t>Regisztráció</a:t>
-            </a:r>
-          </a:p>
-          <a:p>
-            <a:pPr lvl="1"/>
-            <a:r>
-              <a:rPr lang="hu-HU" sz="2400" dirty="0"/>
-              <a:t>Bejelentkezés</a:t>
-            </a:r>
-          </a:p>
-          <a:p>
-            <a:r>
-              <a:rPr lang="hu-HU" sz="2800" dirty="0"/>
-              <a:t>Bejegyzés kezelés:</a:t>
-            </a:r>
-          </a:p>
-          <a:p>
-            <a:pPr lvl="1"/>
-            <a:r>
-              <a:rPr lang="hu-HU" sz="2400" dirty="0"/>
-              <a:t>Új írása</a:t>
-            </a:r>
-          </a:p>
-          <a:p>
-            <a:pPr lvl="1"/>
-            <a:r>
-              <a:rPr lang="hu-HU" sz="2400" dirty="0"/>
-              <a:t>Törlés</a:t>
-            </a:r>
-          </a:p>
-          <a:p>
-            <a:pPr lvl="1"/>
-            <a:r>
-              <a:rPr lang="hu-HU" sz="2400" dirty="0"/>
-              <a:t>Szerkesztés</a:t>
-            </a:r>
-          </a:p>
-          <a:p>
-            <a:pPr lvl="1"/>
-            <a:r>
-              <a:rPr lang="hu-HU" sz="2400" dirty="0"/>
-              <a:t>Készre állítás</a:t>
-            </a:r>
-          </a:p>
-          <a:p>
-            <a:pPr lvl="1"/>
-            <a:r>
-              <a:rPr lang="hu-HU" sz="2400" dirty="0"/>
-              <a:t>Listázás</a:t>
+              <a:rPr lang="hu-HU" sz="3200" dirty="0"/>
+              <a:t>1. Lépés: Regisztrálás</a:t>
+            </a:r>
+          </a:p>
+          <a:p>
+            <a:r>
+              <a:rPr lang="hu-HU" sz="3200" dirty="0"/>
+              <a:t>2. Lépés: Bejelentkezés</a:t>
+            </a:r>
+          </a:p>
+          <a:p>
+            <a:r>
+              <a:rPr lang="hu-HU" sz="3200" dirty="0"/>
+              <a:t>3. Lépés: Bejegyzések Írása</a:t>
+            </a:r>
+          </a:p>
+          <a:p>
+            <a:r>
+              <a:rPr lang="hu-HU" sz="3200" dirty="0"/>
+              <a:t>3.2 Lépés: Esetleges szerkesztés/törlés</a:t>
+            </a:r>
+          </a:p>
+          <a:p>
+            <a:r>
+              <a:rPr lang="hu-HU" sz="3200" dirty="0"/>
+              <a:t>4. Lépés: Készre állítás</a:t>
+            </a:r>
+          </a:p>
+          <a:p>
+            <a:r>
+              <a:rPr lang="hu-HU" sz="3200" dirty="0"/>
+              <a:t>5. Lépés: Listázás</a:t>
             </a:r>
           </a:p>
         </p:txBody>
@@ -8588,7 +7363,7 @@
     </p:spTree>
     <p:extLst>
       <p:ext uri="{BB962C8B-B14F-4D97-AF65-F5344CB8AC3E}">
-        <p14:creationId xmlns:p14="http://schemas.microsoft.com/office/powerpoint/2010/main" val="1961176299"/>
+        <p14:creationId xmlns:p14="http://schemas.microsoft.com/office/powerpoint/2010/main" val="3432838001"/>
       </p:ext>
     </p:extLst>
   </p:cSld>
@@ -8597,8 +7372,8 @@
   </p:clrMapOvr>
   <mc:AlternateContent xmlns:mc="http://schemas.openxmlformats.org/markup-compatibility/2006">
     <mc:Choice xmlns:p15="http://schemas.microsoft.com/office/powerpoint/2012/main" Requires="p15">
-      <p:transition xmlns:p14="http://schemas.microsoft.com/office/powerpoint/2010/main" spd="slow" p14:dur="1250">
-        <p15:prstTrans prst="airplane"/>
+      <p:transition xmlns:p14="http://schemas.microsoft.com/office/powerpoint/2010/main" spd="slow" p14:dur="3250">
+        <p15:prstTrans prst="origami"/>
       </p:transition>
     </mc:Choice>
     <mc:Fallback>
@@ -8628,7 +7403,7 @@
                             </p:stCondLst>
                             <p:childTnLst>
                               <p:par>
-                                <p:cTn id="5" presetID="45" presetClass="entr" presetSubtype="0" fill="hold" grpId="0" nodeType="clickEffect">
+                                <p:cTn id="5" presetID="26" presetClass="entr" presetSubtype="0" fill="hold" grpId="0" nodeType="clickEffect">
                                   <p:stCondLst>
                                     <p:cond delay="0"/>
                                   </p:stCondLst>
@@ -8655,9 +7430,13 @@
                                         <p:strVal val="visible"/>
                                       </p:to>
                                     </p:set>
-                                    <p:animEffect transition="in" filter="fade">
-                                      <p:cBhvr>
-                                        <p:cTn id="7" dur="2000"/>
+                                    <p:animEffect transition="in" filter="wipe(down)">
+                                      <p:cBhvr>
+                                        <p:cTn id="7" dur="580">
+                                          <p:stCondLst>
+                                            <p:cond delay="0"/>
+                                          </p:stCondLst>
+                                        </p:cTn>
                                         <p:tgtEl>
                                           <p:spTgt spid="3">
                                             <p:txEl>
@@ -8669,7 +7448,11 @@
                                     </p:animEffect>
                                     <p:anim calcmode="lin" valueType="num">
                                       <p:cBhvr>
-                                        <p:cTn id="8" dur="2000" fill="hold"/>
+                                        <p:cTn id="8" dur="1822" tmFilter="0,0; 0.14,0.36; 0.43,0.73; 0.71,0.91; 1.0,1.0">
+                                          <p:stCondLst>
+                                            <p:cond delay="0"/>
+                                          </p:stCondLst>
+                                        </p:cTn>
                                         <p:tgtEl>
                                           <p:spTgt spid="3">
                                             <p:txEl>
@@ -8678,11 +7461,73 @@
                                           </p:spTgt>
                                         </p:tgtEl>
                                         <p:attrNameLst>
-                                          <p:attrName>ppt_w</p:attrName>
+                                          <p:attrName>ppt_x</p:attrName>
                                         </p:attrNameLst>
                                       </p:cBhvr>
                                       <p:tavLst>
-                                        <p:tav tm="0" fmla="#ppt_w*sin(2.5*pi*$)">
+                                        <p:tav tm="0">
+                                          <p:val>
+                                            <p:strVal val="#ppt_x-0.25"/>
+                                          </p:val>
+                                        </p:tav>
+                                        <p:tav tm="100000">
+                                          <p:val>
+                                            <p:strVal val="#ppt_x"/>
+                                          </p:val>
+                                        </p:tav>
+                                      </p:tavLst>
+                                    </p:anim>
+                                    <p:anim calcmode="lin" valueType="num">
+                                      <p:cBhvr>
+                                        <p:cTn id="9" dur="664" tmFilter="0.0,0.0; 0.25,0.07; 0.50,0.2; 0.75,0.467; 1.0,1.0">
+                                          <p:stCondLst>
+                                            <p:cond delay="0"/>
+                                          </p:stCondLst>
+                                        </p:cTn>
+                                        <p:tgtEl>
+                                          <p:spTgt spid="3">
+                                            <p:txEl>
+                                              <p:pRg st="0" end="0"/>
+                                            </p:txEl>
+                                          </p:spTgt>
+                                        </p:tgtEl>
+                                        <p:attrNameLst>
+                                          <p:attrName>ppt_y</p:attrName>
+                                        </p:attrNameLst>
+                                      </p:cBhvr>
+                                      <p:tavLst>
+                                        <p:tav tm="0" fmla="#ppt_y-sin(pi*$)/3">
+                                          <p:val>
+                                            <p:fltVal val="0.5"/>
+                                          </p:val>
+                                        </p:tav>
+                                        <p:tav tm="100000">
+                                          <p:val>
+                                            <p:fltVal val="1"/>
+                                          </p:val>
+                                        </p:tav>
+                                      </p:tavLst>
+                                    </p:anim>
+                                    <p:anim calcmode="lin" valueType="num">
+                                      <p:cBhvr>
+                                        <p:cTn id="10" dur="664" tmFilter="0, 0; 0.125,0.2665; 0.25,0.4; 0.375,0.465; 0.5,0.5;  0.625,0.535; 0.75,0.6; 0.875,0.7335; 1,1">
+                                          <p:stCondLst>
+                                            <p:cond delay="664"/>
+                                          </p:stCondLst>
+                                        </p:cTn>
+                                        <p:tgtEl>
+                                          <p:spTgt spid="3">
+                                            <p:txEl>
+                                              <p:pRg st="0" end="0"/>
+                                            </p:txEl>
+                                          </p:spTgt>
+                                        </p:tgtEl>
+                                        <p:attrNameLst>
+                                          <p:attrName>ppt_y</p:attrName>
+                                        </p:attrNameLst>
+                                      </p:cBhvr>
+                                      <p:tavLst>
+                                        <p:tav tm="0" fmla="#ppt_y-sin(pi*$)/9">
                                           <p:val>
                                             <p:fltVal val="0"/>
                                           </p:val>
@@ -8696,90 +7541,24 @@
                                     </p:anim>
                                     <p:anim calcmode="lin" valueType="num">
                                       <p:cBhvr>
-                                        <p:cTn id="9" dur="2000" fill="hold"/>
-                                        <p:tgtEl>
-                                          <p:spTgt spid="3">
-                                            <p:txEl>
-                                              <p:pRg st="0" end="0"/>
-                                            </p:txEl>
-                                          </p:spTgt>
-                                        </p:tgtEl>
-                                        <p:attrNameLst>
-                                          <p:attrName>ppt_h</p:attrName>
-                                        </p:attrNameLst>
-                                      </p:cBhvr>
-                                      <p:tavLst>
-                                        <p:tav tm="0">
-                                          <p:val>
-                                            <p:strVal val="#ppt_h"/>
-                                          </p:val>
-                                        </p:tav>
-                                        <p:tav tm="100000">
-                                          <p:val>
-                                            <p:strVal val="#ppt_h"/>
-                                          </p:val>
-                                        </p:tav>
-                                      </p:tavLst>
-                                    </p:anim>
-                                  </p:childTnLst>
-                                </p:cTn>
-                              </p:par>
-                              <p:par>
-                                <p:cTn id="10" presetID="45" presetClass="entr" presetSubtype="0" fill="hold" grpId="0" nodeType="withEffect">
-                                  <p:stCondLst>
-                                    <p:cond delay="0"/>
-                                  </p:stCondLst>
-                                  <p:childTnLst>
-                                    <p:set>
-                                      <p:cBhvr>
-                                        <p:cTn id="11" dur="1" fill="hold">
+                                        <p:cTn id="11" dur="332" tmFilter="0, 0; 0.125,0.2665; 0.25,0.4; 0.375,0.465; 0.5,0.5;  0.625,0.535; 0.75,0.6; 0.875,0.7335; 1,1">
                                           <p:stCondLst>
-                                            <p:cond delay="0"/>
+                                            <p:cond delay="1324"/>
                                           </p:stCondLst>
                                         </p:cTn>
                                         <p:tgtEl>
                                           <p:spTgt spid="3">
                                             <p:txEl>
-                                              <p:pRg st="1" end="1"/>
+                                              <p:pRg st="0" end="0"/>
                                             </p:txEl>
                                           </p:spTgt>
                                         </p:tgtEl>
                                         <p:attrNameLst>
-                                          <p:attrName>style.visibility</p:attrName>
+                                          <p:attrName>ppt_y</p:attrName>
                                         </p:attrNameLst>
                                       </p:cBhvr>
-                                      <p:to>
-                                        <p:strVal val="visible"/>
-                                      </p:to>
-                                    </p:set>
-                                    <p:animEffect transition="in" filter="fade">
-                                      <p:cBhvr>
-                                        <p:cTn id="12" dur="2000"/>
-                                        <p:tgtEl>
-                                          <p:spTgt spid="3">
-                                            <p:txEl>
-                                              <p:pRg st="1" end="1"/>
-                                            </p:txEl>
-                                          </p:spTgt>
-                                        </p:tgtEl>
-                                      </p:cBhvr>
-                                    </p:animEffect>
-                                    <p:anim calcmode="lin" valueType="num">
-                                      <p:cBhvr>
-                                        <p:cTn id="13" dur="2000" fill="hold"/>
-                                        <p:tgtEl>
-                                          <p:spTgt spid="3">
-                                            <p:txEl>
-                                              <p:pRg st="1" end="1"/>
-                                            </p:txEl>
-                                          </p:spTgt>
-                                        </p:tgtEl>
-                                        <p:attrNameLst>
-                                          <p:attrName>ppt_w</p:attrName>
-                                        </p:attrNameLst>
-                                      </p:cBhvr>
                                       <p:tavLst>
-                                        <p:tav tm="0" fmla="#ppt_w*sin(2.5*pi*$)">
+                                        <p:tav tm="0" fmla="#ppt_y-sin(pi*$)/27">
                                           <p:val>
                                             <p:fltVal val="0"/>
                                           </p:val>
@@ -8793,43 +7572,201 @@
                                     </p:anim>
                                     <p:anim calcmode="lin" valueType="num">
                                       <p:cBhvr>
-                                        <p:cTn id="14" dur="2000" fill="hold"/>
-                                        <p:tgtEl>
-                                          <p:spTgt spid="3">
-                                            <p:txEl>
-                                              <p:pRg st="1" end="1"/>
+                                        <p:cTn id="12" dur="164" tmFilter="0, 0; 0.125,0.2665; 0.25,0.4; 0.375,0.465; 0.5,0.5;  0.625,0.535; 0.75,0.6; 0.875,0.7335; 1,1">
+                                          <p:stCondLst>
+                                            <p:cond delay="1656"/>
+                                          </p:stCondLst>
+                                        </p:cTn>
+                                        <p:tgtEl>
+                                          <p:spTgt spid="3">
+                                            <p:txEl>
+                                              <p:pRg st="0" end="0"/>
                                             </p:txEl>
                                           </p:spTgt>
                                         </p:tgtEl>
                                         <p:attrNameLst>
-                                          <p:attrName>ppt_h</p:attrName>
+                                          <p:attrName>ppt_y</p:attrName>
                                         </p:attrNameLst>
                                       </p:cBhvr>
                                       <p:tavLst>
-                                        <p:tav tm="0">
+                                        <p:tav tm="0" fmla="#ppt_y-sin(pi*$)/81">
                                           <p:val>
-                                            <p:strVal val="#ppt_h"/>
+                                            <p:fltVal val="0"/>
                                           </p:val>
                                         </p:tav>
                                         <p:tav tm="100000">
                                           <p:val>
-                                            <p:strVal val="#ppt_h"/>
+                                            <p:fltVal val="1"/>
                                           </p:val>
                                         </p:tav>
                                       </p:tavLst>
                                     </p:anim>
+                                    <p:animScale>
+                                      <p:cBhvr>
+                                        <p:cTn id="13" dur="26">
+                                          <p:stCondLst>
+                                            <p:cond delay="650"/>
+                                          </p:stCondLst>
+                                        </p:cTn>
+                                        <p:tgtEl>
+                                          <p:spTgt spid="3">
+                                            <p:txEl>
+                                              <p:pRg st="0" end="0"/>
+                                            </p:txEl>
+                                          </p:spTgt>
+                                        </p:tgtEl>
+                                      </p:cBhvr>
+                                      <p:to x="100000" y="60000"/>
+                                    </p:animScale>
+                                    <p:animScale>
+                                      <p:cBhvr>
+                                        <p:cTn id="14" dur="166" decel="50000">
+                                          <p:stCondLst>
+                                            <p:cond delay="676"/>
+                                          </p:stCondLst>
+                                        </p:cTn>
+                                        <p:tgtEl>
+                                          <p:spTgt spid="3">
+                                            <p:txEl>
+                                              <p:pRg st="0" end="0"/>
+                                            </p:txEl>
+                                          </p:spTgt>
+                                        </p:tgtEl>
+                                      </p:cBhvr>
+                                      <p:to x="100000" y="100000"/>
+                                    </p:animScale>
+                                    <p:animScale>
+                                      <p:cBhvr>
+                                        <p:cTn id="15" dur="26">
+                                          <p:stCondLst>
+                                            <p:cond delay="1312"/>
+                                          </p:stCondLst>
+                                        </p:cTn>
+                                        <p:tgtEl>
+                                          <p:spTgt spid="3">
+                                            <p:txEl>
+                                              <p:pRg st="0" end="0"/>
+                                            </p:txEl>
+                                          </p:spTgt>
+                                        </p:tgtEl>
+                                      </p:cBhvr>
+                                      <p:to x="100000" y="80000"/>
+                                    </p:animScale>
+                                    <p:animScale>
+                                      <p:cBhvr>
+                                        <p:cTn id="16" dur="166" decel="50000">
+                                          <p:stCondLst>
+                                            <p:cond delay="1338"/>
+                                          </p:stCondLst>
+                                        </p:cTn>
+                                        <p:tgtEl>
+                                          <p:spTgt spid="3">
+                                            <p:txEl>
+                                              <p:pRg st="0" end="0"/>
+                                            </p:txEl>
+                                          </p:spTgt>
+                                        </p:tgtEl>
+                                      </p:cBhvr>
+                                      <p:to x="100000" y="100000"/>
+                                    </p:animScale>
+                                    <p:animScale>
+                                      <p:cBhvr>
+                                        <p:cTn id="17" dur="26">
+                                          <p:stCondLst>
+                                            <p:cond delay="1642"/>
+                                          </p:stCondLst>
+                                        </p:cTn>
+                                        <p:tgtEl>
+                                          <p:spTgt spid="3">
+                                            <p:txEl>
+                                              <p:pRg st="0" end="0"/>
+                                            </p:txEl>
+                                          </p:spTgt>
+                                        </p:tgtEl>
+                                      </p:cBhvr>
+                                      <p:to x="100000" y="90000"/>
+                                    </p:animScale>
+                                    <p:animScale>
+                                      <p:cBhvr>
+                                        <p:cTn id="18" dur="166" decel="50000">
+                                          <p:stCondLst>
+                                            <p:cond delay="1668"/>
+                                          </p:stCondLst>
+                                        </p:cTn>
+                                        <p:tgtEl>
+                                          <p:spTgt spid="3">
+                                            <p:txEl>
+                                              <p:pRg st="0" end="0"/>
+                                            </p:txEl>
+                                          </p:spTgt>
+                                        </p:tgtEl>
+                                      </p:cBhvr>
+                                      <p:to x="100000" y="100000"/>
+                                    </p:animScale>
+                                    <p:animScale>
+                                      <p:cBhvr>
+                                        <p:cTn id="19" dur="26">
+                                          <p:stCondLst>
+                                            <p:cond delay="1808"/>
+                                          </p:stCondLst>
+                                        </p:cTn>
+                                        <p:tgtEl>
+                                          <p:spTgt spid="3">
+                                            <p:txEl>
+                                              <p:pRg st="0" end="0"/>
+                                            </p:txEl>
+                                          </p:spTgt>
+                                        </p:tgtEl>
+                                      </p:cBhvr>
+                                      <p:to x="100000" y="95000"/>
+                                    </p:animScale>
+                                    <p:animScale>
+                                      <p:cBhvr>
+                                        <p:cTn id="20" dur="166" decel="50000">
+                                          <p:stCondLst>
+                                            <p:cond delay="1834"/>
+                                          </p:stCondLst>
+                                        </p:cTn>
+                                        <p:tgtEl>
+                                          <p:spTgt spid="3">
+                                            <p:txEl>
+                                              <p:pRg st="0" end="0"/>
+                                            </p:txEl>
+                                          </p:spTgt>
+                                        </p:tgtEl>
+                                      </p:cBhvr>
+                                      <p:to x="100000" y="100000"/>
+                                    </p:animScale>
                                   </p:childTnLst>
                                 </p:cTn>
                               </p:par>
+                            </p:childTnLst>
+                          </p:cTn>
+                        </p:par>
+                      </p:childTnLst>
+                    </p:cTn>
+                  </p:par>
+                  <p:par>
+                    <p:cTn id="21" fill="hold">
+                      <p:stCondLst>
+                        <p:cond delay="indefinite"/>
+                      </p:stCondLst>
+                      <p:childTnLst>
+                        <p:par>
+                          <p:cTn id="22" fill="hold">
+                            <p:stCondLst>
+                              <p:cond delay="0"/>
+                            </p:stCondLst>
+                            <p:childTnLst>
                               <p:par>
-                                <p:cTn id="15" presetID="45" presetClass="entr" presetSubtype="0" fill="hold" grpId="0" nodeType="withEffect">
+                                <p:cTn id="23" presetID="26" presetClass="entr" presetSubtype="0" fill="hold" grpId="0" nodeType="clickEffect">
                                   <p:stCondLst>
                                     <p:cond delay="0"/>
                                   </p:stCondLst>
                                   <p:childTnLst>
                                     <p:set>
                                       <p:cBhvr>
-                                        <p:cTn id="16" dur="1" fill="hold">
+                                        <p:cTn id="24" dur="1" fill="hold">
                                           <p:stCondLst>
                                             <p:cond delay="0"/>
                                           </p:stCondLst>
@@ -8837,7 +7774,7 @@
                                         <p:tgtEl>
                                           <p:spTgt spid="3">
                                             <p:txEl>
-                                              <p:pRg st="2" end="2"/>
+                                              <p:pRg st="1" end="1"/>
                                             </p:txEl>
                                           </p:spTgt>
                                         </p:tgtEl>
@@ -8849,13 +7786,17 @@
                                         <p:strVal val="visible"/>
                                       </p:to>
                                     </p:set>
-                                    <p:animEffect transition="in" filter="fade">
-                                      <p:cBhvr>
-                                        <p:cTn id="17" dur="2000"/>
-                                        <p:tgtEl>
-                                          <p:spTgt spid="3">
-                                            <p:txEl>
-                                              <p:pRg st="2" end="2"/>
+                                    <p:animEffect transition="in" filter="wipe(down)">
+                                      <p:cBhvr>
+                                        <p:cTn id="25" dur="580">
+                                          <p:stCondLst>
+                                            <p:cond delay="0"/>
+                                          </p:stCondLst>
+                                        </p:cTn>
+                                        <p:tgtEl>
+                                          <p:spTgt spid="3">
+                                            <p:txEl>
+                                              <p:pRg st="1" end="1"/>
                                             </p:txEl>
                                           </p:spTgt>
                                         </p:tgtEl>
@@ -8863,20 +7804,86 @@
                                     </p:animEffect>
                                     <p:anim calcmode="lin" valueType="num">
                                       <p:cBhvr>
-                                        <p:cTn id="18" dur="2000" fill="hold"/>
-                                        <p:tgtEl>
-                                          <p:spTgt spid="3">
-                                            <p:txEl>
-                                              <p:pRg st="2" end="2"/>
+                                        <p:cTn id="26" dur="1822" tmFilter="0,0; 0.14,0.36; 0.43,0.73; 0.71,0.91; 1.0,1.0">
+                                          <p:stCondLst>
+                                            <p:cond delay="0"/>
+                                          </p:stCondLst>
+                                        </p:cTn>
+                                        <p:tgtEl>
+                                          <p:spTgt spid="3">
+                                            <p:txEl>
+                                              <p:pRg st="1" end="1"/>
                                             </p:txEl>
                                           </p:spTgt>
                                         </p:tgtEl>
                                         <p:attrNameLst>
-                                          <p:attrName>ppt_w</p:attrName>
+                                          <p:attrName>ppt_x</p:attrName>
                                         </p:attrNameLst>
                                       </p:cBhvr>
                                       <p:tavLst>
-                                        <p:tav tm="0" fmla="#ppt_w*sin(2.5*pi*$)">
+                                        <p:tav tm="0">
+                                          <p:val>
+                                            <p:strVal val="#ppt_x-0.25"/>
+                                          </p:val>
+                                        </p:tav>
+                                        <p:tav tm="100000">
+                                          <p:val>
+                                            <p:strVal val="#ppt_x"/>
+                                          </p:val>
+                                        </p:tav>
+                                      </p:tavLst>
+                                    </p:anim>
+                                    <p:anim calcmode="lin" valueType="num">
+                                      <p:cBhvr>
+                                        <p:cTn id="27" dur="664" tmFilter="0.0,0.0; 0.25,0.07; 0.50,0.2; 0.75,0.467; 1.0,1.0">
+                                          <p:stCondLst>
+                                            <p:cond delay="0"/>
+                                          </p:stCondLst>
+                                        </p:cTn>
+                                        <p:tgtEl>
+                                          <p:spTgt spid="3">
+                                            <p:txEl>
+                                              <p:pRg st="1" end="1"/>
+                                            </p:txEl>
+                                          </p:spTgt>
+                                        </p:tgtEl>
+                                        <p:attrNameLst>
+                                          <p:attrName>ppt_y</p:attrName>
+                                        </p:attrNameLst>
+                                      </p:cBhvr>
+                                      <p:tavLst>
+                                        <p:tav tm="0" fmla="#ppt_y-sin(pi*$)/3">
+                                          <p:val>
+                                            <p:fltVal val="0.5"/>
+                                          </p:val>
+                                        </p:tav>
+                                        <p:tav tm="100000">
+                                          <p:val>
+                                            <p:fltVal val="1"/>
+                                          </p:val>
+                                        </p:tav>
+                                      </p:tavLst>
+                                    </p:anim>
+                                    <p:anim calcmode="lin" valueType="num">
+                                      <p:cBhvr>
+                                        <p:cTn id="28" dur="664" tmFilter="0, 0; 0.125,0.2665; 0.25,0.4; 0.375,0.465; 0.5,0.5;  0.625,0.535; 0.75,0.6; 0.875,0.7335; 1,1">
+                                          <p:stCondLst>
+                                            <p:cond delay="664"/>
+                                          </p:stCondLst>
+                                        </p:cTn>
+                                        <p:tgtEl>
+                                          <p:spTgt spid="3">
+                                            <p:txEl>
+                                              <p:pRg st="1" end="1"/>
+                                            </p:txEl>
+                                          </p:spTgt>
+                                        </p:tgtEl>
+                                        <p:attrNameLst>
+                                          <p:attrName>ppt_y</p:attrName>
+                                        </p:attrNameLst>
+                                      </p:cBhvr>
+                                      <p:tavLst>
+                                        <p:tav tm="0" fmla="#ppt_y-sin(pi*$)/9">
                                           <p:val>
                                             <p:fltVal val="0"/>
                                           </p:val>
@@ -8890,108 +7897,24 @@
                                     </p:anim>
                                     <p:anim calcmode="lin" valueType="num">
                                       <p:cBhvr>
-                                        <p:cTn id="19" dur="2000" fill="hold"/>
-                                        <p:tgtEl>
-                                          <p:spTgt spid="3">
-                                            <p:txEl>
-                                              <p:pRg st="2" end="2"/>
-                                            </p:txEl>
-                                          </p:spTgt>
-                                        </p:tgtEl>
-                                        <p:attrNameLst>
-                                          <p:attrName>ppt_h</p:attrName>
-                                        </p:attrNameLst>
-                                      </p:cBhvr>
-                                      <p:tavLst>
-                                        <p:tav tm="0">
-                                          <p:val>
-                                            <p:strVal val="#ppt_h"/>
-                                          </p:val>
-                                        </p:tav>
-                                        <p:tav tm="100000">
-                                          <p:val>
-                                            <p:strVal val="#ppt_h"/>
-                                          </p:val>
-                                        </p:tav>
-                                      </p:tavLst>
-                                    </p:anim>
-                                  </p:childTnLst>
-                                </p:cTn>
-                              </p:par>
-                            </p:childTnLst>
-                          </p:cTn>
-                        </p:par>
-                      </p:childTnLst>
-                    </p:cTn>
-                  </p:par>
-                  <p:par>
-                    <p:cTn id="20" fill="hold">
-                      <p:stCondLst>
-                        <p:cond delay="indefinite"/>
-                      </p:stCondLst>
-                      <p:childTnLst>
-                        <p:par>
-                          <p:cTn id="21" fill="hold">
-                            <p:stCondLst>
-                              <p:cond delay="0"/>
-                            </p:stCondLst>
-                            <p:childTnLst>
-                              <p:par>
-                                <p:cTn id="22" presetID="45" presetClass="entr" presetSubtype="0" fill="hold" grpId="0" nodeType="clickEffect">
-                                  <p:stCondLst>
-                                    <p:cond delay="0"/>
-                                  </p:stCondLst>
-                                  <p:childTnLst>
-                                    <p:set>
-                                      <p:cBhvr>
-                                        <p:cTn id="23" dur="1" fill="hold">
+                                        <p:cTn id="29" dur="332" tmFilter="0, 0; 0.125,0.2665; 0.25,0.4; 0.375,0.465; 0.5,0.5;  0.625,0.535; 0.75,0.6; 0.875,0.7335; 1,1">
                                           <p:stCondLst>
-                                            <p:cond delay="0"/>
+                                            <p:cond delay="1324"/>
                                           </p:stCondLst>
                                         </p:cTn>
                                         <p:tgtEl>
                                           <p:spTgt spid="3">
                                             <p:txEl>
-                                              <p:pRg st="3" end="3"/>
+                                              <p:pRg st="1" end="1"/>
                                             </p:txEl>
                                           </p:spTgt>
                                         </p:tgtEl>
                                         <p:attrNameLst>
-                                          <p:attrName>style.visibility</p:attrName>
+                                          <p:attrName>ppt_y</p:attrName>
                                         </p:attrNameLst>
                                       </p:cBhvr>
-                                      <p:to>
-                                        <p:strVal val="visible"/>
-                                      </p:to>
-                                    </p:set>
-                                    <p:animEffect transition="in" filter="fade">
-                                      <p:cBhvr>
-                                        <p:cTn id="24" dur="2000"/>
-                                        <p:tgtEl>
-                                          <p:spTgt spid="3">
-                                            <p:txEl>
-                                              <p:pRg st="3" end="3"/>
-                                            </p:txEl>
-                                          </p:spTgt>
-                                        </p:tgtEl>
-                                      </p:cBhvr>
-                                    </p:animEffect>
-                                    <p:anim calcmode="lin" valueType="num">
-                                      <p:cBhvr>
-                                        <p:cTn id="25" dur="2000" fill="hold"/>
-                                        <p:tgtEl>
-                                          <p:spTgt spid="3">
-                                            <p:txEl>
-                                              <p:pRg st="3" end="3"/>
-                                            </p:txEl>
-                                          </p:spTgt>
-                                        </p:tgtEl>
-                                        <p:attrNameLst>
-                                          <p:attrName>ppt_w</p:attrName>
-                                        </p:attrNameLst>
-                                      </p:cBhvr>
                                       <p:tavLst>
-                                        <p:tav tm="0" fmla="#ppt_w*sin(2.5*pi*$)">
+                                        <p:tav tm="0" fmla="#ppt_y-sin(pi*$)/27">
                                           <p:val>
                                             <p:fltVal val="0"/>
                                           </p:val>
@@ -9005,43 +7928,201 @@
                                     </p:anim>
                                     <p:anim calcmode="lin" valueType="num">
                                       <p:cBhvr>
-                                        <p:cTn id="26" dur="2000" fill="hold"/>
-                                        <p:tgtEl>
-                                          <p:spTgt spid="3">
-                                            <p:txEl>
-                                              <p:pRg st="3" end="3"/>
+                                        <p:cTn id="30" dur="164" tmFilter="0, 0; 0.125,0.2665; 0.25,0.4; 0.375,0.465; 0.5,0.5;  0.625,0.535; 0.75,0.6; 0.875,0.7335; 1,1">
+                                          <p:stCondLst>
+                                            <p:cond delay="1656"/>
+                                          </p:stCondLst>
+                                        </p:cTn>
+                                        <p:tgtEl>
+                                          <p:spTgt spid="3">
+                                            <p:txEl>
+                                              <p:pRg st="1" end="1"/>
                                             </p:txEl>
                                           </p:spTgt>
                                         </p:tgtEl>
                                         <p:attrNameLst>
-                                          <p:attrName>ppt_h</p:attrName>
+                                          <p:attrName>ppt_y</p:attrName>
                                         </p:attrNameLst>
                                       </p:cBhvr>
                                       <p:tavLst>
-                                        <p:tav tm="0">
+                                        <p:tav tm="0" fmla="#ppt_y-sin(pi*$)/81">
                                           <p:val>
-                                            <p:strVal val="#ppt_h"/>
+                                            <p:fltVal val="0"/>
                                           </p:val>
                                         </p:tav>
                                         <p:tav tm="100000">
                                           <p:val>
-                                            <p:strVal val="#ppt_h"/>
+                                            <p:fltVal val="1"/>
                                           </p:val>
                                         </p:tav>
                                       </p:tavLst>
                                     </p:anim>
+                                    <p:animScale>
+                                      <p:cBhvr>
+                                        <p:cTn id="31" dur="26">
+                                          <p:stCondLst>
+                                            <p:cond delay="650"/>
+                                          </p:stCondLst>
+                                        </p:cTn>
+                                        <p:tgtEl>
+                                          <p:spTgt spid="3">
+                                            <p:txEl>
+                                              <p:pRg st="1" end="1"/>
+                                            </p:txEl>
+                                          </p:spTgt>
+                                        </p:tgtEl>
+                                      </p:cBhvr>
+                                      <p:to x="100000" y="60000"/>
+                                    </p:animScale>
+                                    <p:animScale>
+                                      <p:cBhvr>
+                                        <p:cTn id="32" dur="166" decel="50000">
+                                          <p:stCondLst>
+                                            <p:cond delay="676"/>
+                                          </p:stCondLst>
+                                        </p:cTn>
+                                        <p:tgtEl>
+                                          <p:spTgt spid="3">
+                                            <p:txEl>
+                                              <p:pRg st="1" end="1"/>
+                                            </p:txEl>
+                                          </p:spTgt>
+                                        </p:tgtEl>
+                                      </p:cBhvr>
+                                      <p:to x="100000" y="100000"/>
+                                    </p:animScale>
+                                    <p:animScale>
+                                      <p:cBhvr>
+                                        <p:cTn id="33" dur="26">
+                                          <p:stCondLst>
+                                            <p:cond delay="1312"/>
+                                          </p:stCondLst>
+                                        </p:cTn>
+                                        <p:tgtEl>
+                                          <p:spTgt spid="3">
+                                            <p:txEl>
+                                              <p:pRg st="1" end="1"/>
+                                            </p:txEl>
+                                          </p:spTgt>
+                                        </p:tgtEl>
+                                      </p:cBhvr>
+                                      <p:to x="100000" y="80000"/>
+                                    </p:animScale>
+                                    <p:animScale>
+                                      <p:cBhvr>
+                                        <p:cTn id="34" dur="166" decel="50000">
+                                          <p:stCondLst>
+                                            <p:cond delay="1338"/>
+                                          </p:stCondLst>
+                                        </p:cTn>
+                                        <p:tgtEl>
+                                          <p:spTgt spid="3">
+                                            <p:txEl>
+                                              <p:pRg st="1" end="1"/>
+                                            </p:txEl>
+                                          </p:spTgt>
+                                        </p:tgtEl>
+                                      </p:cBhvr>
+                                      <p:to x="100000" y="100000"/>
+                                    </p:animScale>
+                                    <p:animScale>
+                                      <p:cBhvr>
+                                        <p:cTn id="35" dur="26">
+                                          <p:stCondLst>
+                                            <p:cond delay="1642"/>
+                                          </p:stCondLst>
+                                        </p:cTn>
+                                        <p:tgtEl>
+                                          <p:spTgt spid="3">
+                                            <p:txEl>
+                                              <p:pRg st="1" end="1"/>
+                                            </p:txEl>
+                                          </p:spTgt>
+                                        </p:tgtEl>
+                                      </p:cBhvr>
+                                      <p:to x="100000" y="90000"/>
+                                    </p:animScale>
+                                    <p:animScale>
+                                      <p:cBhvr>
+                                        <p:cTn id="36" dur="166" decel="50000">
+                                          <p:stCondLst>
+                                            <p:cond delay="1668"/>
+                                          </p:stCondLst>
+                                        </p:cTn>
+                                        <p:tgtEl>
+                                          <p:spTgt spid="3">
+                                            <p:txEl>
+                                              <p:pRg st="1" end="1"/>
+                                            </p:txEl>
+                                          </p:spTgt>
+                                        </p:tgtEl>
+                                      </p:cBhvr>
+                                      <p:to x="100000" y="100000"/>
+                                    </p:animScale>
+                                    <p:animScale>
+                                      <p:cBhvr>
+                                        <p:cTn id="37" dur="26">
+                                          <p:stCondLst>
+                                            <p:cond delay="1808"/>
+                                          </p:stCondLst>
+                                        </p:cTn>
+                                        <p:tgtEl>
+                                          <p:spTgt spid="3">
+                                            <p:txEl>
+                                              <p:pRg st="1" end="1"/>
+                                            </p:txEl>
+                                          </p:spTgt>
+                                        </p:tgtEl>
+                                      </p:cBhvr>
+                                      <p:to x="100000" y="95000"/>
+                                    </p:animScale>
+                                    <p:animScale>
+                                      <p:cBhvr>
+                                        <p:cTn id="38" dur="166" decel="50000">
+                                          <p:stCondLst>
+                                            <p:cond delay="1834"/>
+                                          </p:stCondLst>
+                                        </p:cTn>
+                                        <p:tgtEl>
+                                          <p:spTgt spid="3">
+                                            <p:txEl>
+                                              <p:pRg st="1" end="1"/>
+                                            </p:txEl>
+                                          </p:spTgt>
+                                        </p:tgtEl>
+                                      </p:cBhvr>
+                                      <p:to x="100000" y="100000"/>
+                                    </p:animScale>
                                   </p:childTnLst>
                                 </p:cTn>
                               </p:par>
+                            </p:childTnLst>
+                          </p:cTn>
+                        </p:par>
+                      </p:childTnLst>
+                    </p:cTn>
+                  </p:par>
+                  <p:par>
+                    <p:cTn id="39" fill="hold">
+                      <p:stCondLst>
+                        <p:cond delay="indefinite"/>
+                      </p:stCondLst>
+                      <p:childTnLst>
+                        <p:par>
+                          <p:cTn id="40" fill="hold">
+                            <p:stCondLst>
+                              <p:cond delay="0"/>
+                            </p:stCondLst>
+                            <p:childTnLst>
                               <p:par>
-                                <p:cTn id="27" presetID="45" presetClass="entr" presetSubtype="0" fill="hold" grpId="0" nodeType="withEffect">
+                                <p:cTn id="41" presetID="26" presetClass="entr" presetSubtype="0" fill="hold" grpId="0" nodeType="clickEffect">
                                   <p:stCondLst>
                                     <p:cond delay="0"/>
                                   </p:stCondLst>
                                   <p:childTnLst>
                                     <p:set>
                                       <p:cBhvr>
-                                        <p:cTn id="28" dur="1" fill="hold">
+                                        <p:cTn id="42" dur="1" fill="hold">
                                           <p:stCondLst>
                                             <p:cond delay="0"/>
                                           </p:stCondLst>
@@ -9049,7 +8130,7 @@
                                         <p:tgtEl>
                                           <p:spTgt spid="3">
                                             <p:txEl>
-                                              <p:pRg st="4" end="4"/>
+                                              <p:pRg st="2" end="2"/>
                                             </p:txEl>
                                           </p:spTgt>
                                         </p:tgtEl>
@@ -9061,13 +8142,17 @@
                                         <p:strVal val="visible"/>
                                       </p:to>
                                     </p:set>
-                                    <p:animEffect transition="in" filter="fade">
-                                      <p:cBhvr>
-                                        <p:cTn id="29" dur="2000"/>
-                                        <p:tgtEl>
-                                          <p:spTgt spid="3">
-                                            <p:txEl>
-                                              <p:pRg st="4" end="4"/>
+                                    <p:animEffect transition="in" filter="wipe(down)">
+                                      <p:cBhvr>
+                                        <p:cTn id="43" dur="580">
+                                          <p:stCondLst>
+                                            <p:cond delay="0"/>
+                                          </p:stCondLst>
+                                        </p:cTn>
+                                        <p:tgtEl>
+                                          <p:spTgt spid="3">
+                                            <p:txEl>
+                                              <p:pRg st="2" end="2"/>
                                             </p:txEl>
                                           </p:spTgt>
                                         </p:tgtEl>
@@ -9075,20 +8160,86 @@
                                     </p:animEffect>
                                     <p:anim calcmode="lin" valueType="num">
                                       <p:cBhvr>
-                                        <p:cTn id="30" dur="2000" fill="hold"/>
-                                        <p:tgtEl>
-                                          <p:spTgt spid="3">
-                                            <p:txEl>
-                                              <p:pRg st="4" end="4"/>
+                                        <p:cTn id="44" dur="1822" tmFilter="0,0; 0.14,0.36; 0.43,0.73; 0.71,0.91; 1.0,1.0">
+                                          <p:stCondLst>
+                                            <p:cond delay="0"/>
+                                          </p:stCondLst>
+                                        </p:cTn>
+                                        <p:tgtEl>
+                                          <p:spTgt spid="3">
+                                            <p:txEl>
+                                              <p:pRg st="2" end="2"/>
                                             </p:txEl>
                                           </p:spTgt>
                                         </p:tgtEl>
                                         <p:attrNameLst>
-                                          <p:attrName>ppt_w</p:attrName>
+                                          <p:attrName>ppt_x</p:attrName>
                                         </p:attrNameLst>
                                       </p:cBhvr>
                                       <p:tavLst>
-                                        <p:tav tm="0" fmla="#ppt_w*sin(2.5*pi*$)">
+                                        <p:tav tm="0">
+                                          <p:val>
+                                            <p:strVal val="#ppt_x-0.25"/>
+                                          </p:val>
+                                        </p:tav>
+                                        <p:tav tm="100000">
+                                          <p:val>
+                                            <p:strVal val="#ppt_x"/>
+                                          </p:val>
+                                        </p:tav>
+                                      </p:tavLst>
+                                    </p:anim>
+                                    <p:anim calcmode="lin" valueType="num">
+                                      <p:cBhvr>
+                                        <p:cTn id="45" dur="664" tmFilter="0.0,0.0; 0.25,0.07; 0.50,0.2; 0.75,0.467; 1.0,1.0">
+                                          <p:stCondLst>
+                                            <p:cond delay="0"/>
+                                          </p:stCondLst>
+                                        </p:cTn>
+                                        <p:tgtEl>
+                                          <p:spTgt spid="3">
+                                            <p:txEl>
+                                              <p:pRg st="2" end="2"/>
+                                            </p:txEl>
+                                          </p:spTgt>
+                                        </p:tgtEl>
+                                        <p:attrNameLst>
+                                          <p:attrName>ppt_y</p:attrName>
+                                        </p:attrNameLst>
+                                      </p:cBhvr>
+                                      <p:tavLst>
+                                        <p:tav tm="0" fmla="#ppt_y-sin(pi*$)/3">
+                                          <p:val>
+                                            <p:fltVal val="0.5"/>
+                                          </p:val>
+                                        </p:tav>
+                                        <p:tav tm="100000">
+                                          <p:val>
+                                            <p:fltVal val="1"/>
+                                          </p:val>
+                                        </p:tav>
+                                      </p:tavLst>
+                                    </p:anim>
+                                    <p:anim calcmode="lin" valueType="num">
+                                      <p:cBhvr>
+                                        <p:cTn id="46" dur="664" tmFilter="0, 0; 0.125,0.2665; 0.25,0.4; 0.375,0.465; 0.5,0.5;  0.625,0.535; 0.75,0.6; 0.875,0.7335; 1,1">
+                                          <p:stCondLst>
+                                            <p:cond delay="664"/>
+                                          </p:stCondLst>
+                                        </p:cTn>
+                                        <p:tgtEl>
+                                          <p:spTgt spid="3">
+                                            <p:txEl>
+                                              <p:pRg st="2" end="2"/>
+                                            </p:txEl>
+                                          </p:spTgt>
+                                        </p:tgtEl>
+                                        <p:attrNameLst>
+                                          <p:attrName>ppt_y</p:attrName>
+                                        </p:attrNameLst>
+                                      </p:cBhvr>
+                                      <p:tavLst>
+                                        <p:tav tm="0" fmla="#ppt_y-sin(pi*$)/9">
                                           <p:val>
                                             <p:fltVal val="0"/>
                                           </p:val>
@@ -9102,90 +8253,24 @@
                                     </p:anim>
                                     <p:anim calcmode="lin" valueType="num">
                                       <p:cBhvr>
-                                        <p:cTn id="31" dur="2000" fill="hold"/>
-                                        <p:tgtEl>
-                                          <p:spTgt spid="3">
-                                            <p:txEl>
-                                              <p:pRg st="4" end="4"/>
-                                            </p:txEl>
-                                          </p:spTgt>
-                                        </p:tgtEl>
-                                        <p:attrNameLst>
-                                          <p:attrName>ppt_h</p:attrName>
-                                        </p:attrNameLst>
-                                      </p:cBhvr>
-                                      <p:tavLst>
-                                        <p:tav tm="0">
-                                          <p:val>
-                                            <p:strVal val="#ppt_h"/>
-                                          </p:val>
-                                        </p:tav>
-                                        <p:tav tm="100000">
-                                          <p:val>
-                                            <p:strVal val="#ppt_h"/>
-                                          </p:val>
-                                        </p:tav>
-                                      </p:tavLst>
-                                    </p:anim>
-                                  </p:childTnLst>
-                                </p:cTn>
-                              </p:par>
-                              <p:par>
-                                <p:cTn id="32" presetID="45" presetClass="entr" presetSubtype="0" fill="hold" grpId="0" nodeType="withEffect">
-                                  <p:stCondLst>
-                                    <p:cond delay="0"/>
-                                  </p:stCondLst>
-                                  <p:childTnLst>
-                                    <p:set>
-                                      <p:cBhvr>
-                                        <p:cTn id="33" dur="1" fill="hold">
+                                        <p:cTn id="47" dur="332" tmFilter="0, 0; 0.125,0.2665; 0.25,0.4; 0.375,0.465; 0.5,0.5;  0.625,0.535; 0.75,0.6; 0.875,0.7335; 1,1">
                                           <p:stCondLst>
-                                            <p:cond delay="0"/>
+                                            <p:cond delay="1324"/>
                                           </p:stCondLst>
                                         </p:cTn>
                                         <p:tgtEl>
                                           <p:spTgt spid="3">
                                             <p:txEl>
-                                              <p:pRg st="5" end="5"/>
+                                              <p:pRg st="2" end="2"/>
                                             </p:txEl>
                                           </p:spTgt>
                                         </p:tgtEl>
                                         <p:attrNameLst>
-                                          <p:attrName>style.visibility</p:attrName>
+                                          <p:attrName>ppt_y</p:attrName>
                                         </p:attrNameLst>
                                       </p:cBhvr>
-                                      <p:to>
-                                        <p:strVal val="visible"/>
-                                      </p:to>
-                                    </p:set>
-                                    <p:animEffect transition="in" filter="fade">
-                                      <p:cBhvr>
-                                        <p:cTn id="34" dur="2000"/>
-                                        <p:tgtEl>
-                                          <p:spTgt spid="3">
-                                            <p:txEl>
-                                              <p:pRg st="5" end="5"/>
-                                            </p:txEl>
-                                          </p:spTgt>
-                                        </p:tgtEl>
-                                      </p:cBhvr>
-                                    </p:animEffect>
-                                    <p:anim calcmode="lin" valueType="num">
-                                      <p:cBhvr>
-                                        <p:cTn id="35" dur="2000" fill="hold"/>
-                                        <p:tgtEl>
-                                          <p:spTgt spid="3">
-                                            <p:txEl>
-                                              <p:pRg st="5" end="5"/>
-                                            </p:txEl>
-                                          </p:spTgt>
-                                        </p:tgtEl>
-                                        <p:attrNameLst>
-                                          <p:attrName>ppt_w</p:attrName>
-                                        </p:attrNameLst>
-                                      </p:cBhvr>
                                       <p:tavLst>
-                                        <p:tav tm="0" fmla="#ppt_w*sin(2.5*pi*$)">
+                                        <p:tav tm="0" fmla="#ppt_y-sin(pi*$)/27">
                                           <p:val>
                                             <p:fltVal val="0"/>
                                           </p:val>
@@ -9199,43 +8284,201 @@
                                     </p:anim>
                                     <p:anim calcmode="lin" valueType="num">
                                       <p:cBhvr>
-                                        <p:cTn id="36" dur="2000" fill="hold"/>
-                                        <p:tgtEl>
-                                          <p:spTgt spid="3">
-                                            <p:txEl>
-                                              <p:pRg st="5" end="5"/>
+                                        <p:cTn id="48" dur="164" tmFilter="0, 0; 0.125,0.2665; 0.25,0.4; 0.375,0.465; 0.5,0.5;  0.625,0.535; 0.75,0.6; 0.875,0.7335; 1,1">
+                                          <p:stCondLst>
+                                            <p:cond delay="1656"/>
+                                          </p:stCondLst>
+                                        </p:cTn>
+                                        <p:tgtEl>
+                                          <p:spTgt spid="3">
+                                            <p:txEl>
+                                              <p:pRg st="2" end="2"/>
                                             </p:txEl>
                                           </p:spTgt>
                                         </p:tgtEl>
                                         <p:attrNameLst>
-                                          <p:attrName>ppt_h</p:attrName>
+                                          <p:attrName>ppt_y</p:attrName>
                                         </p:attrNameLst>
                                       </p:cBhvr>
                                       <p:tavLst>
-                                        <p:tav tm="0">
+                                        <p:tav tm="0" fmla="#ppt_y-sin(pi*$)/81">
                                           <p:val>
-                                            <p:strVal val="#ppt_h"/>
+                                            <p:fltVal val="0"/>
                                           </p:val>
                                         </p:tav>
                                         <p:tav tm="100000">
                                           <p:val>
-                                            <p:strVal val="#ppt_h"/>
+                                            <p:fltVal val="1"/>
                                           </p:val>
                                         </p:tav>
                                       </p:tavLst>
                                     </p:anim>
+                                    <p:animScale>
+                                      <p:cBhvr>
+                                        <p:cTn id="49" dur="26">
+                                          <p:stCondLst>
+                                            <p:cond delay="650"/>
+                                          </p:stCondLst>
+                                        </p:cTn>
+                                        <p:tgtEl>
+                                          <p:spTgt spid="3">
+                                            <p:txEl>
+                                              <p:pRg st="2" end="2"/>
+                                            </p:txEl>
+                                          </p:spTgt>
+                                        </p:tgtEl>
+                                      </p:cBhvr>
+                                      <p:to x="100000" y="60000"/>
+                                    </p:animScale>
+                                    <p:animScale>
+                                      <p:cBhvr>
+                                        <p:cTn id="50" dur="166" decel="50000">
+                                          <p:stCondLst>
+                                            <p:cond delay="676"/>
+                                          </p:stCondLst>
+                                        </p:cTn>
+                                        <p:tgtEl>
+                                          <p:spTgt spid="3">
+                                            <p:txEl>
+                                              <p:pRg st="2" end="2"/>
+                                            </p:txEl>
+                                          </p:spTgt>
+                                        </p:tgtEl>
+                                      </p:cBhvr>
+                                      <p:to x="100000" y="100000"/>
+                                    </p:animScale>
+                                    <p:animScale>
+                                      <p:cBhvr>
+                                        <p:cTn id="51" dur="26">
+                                          <p:stCondLst>
+                                            <p:cond delay="1312"/>
+                                          </p:stCondLst>
+                                        </p:cTn>
+                                        <p:tgtEl>
+                                          <p:spTgt spid="3">
+                                            <p:txEl>
+                                              <p:pRg st="2" end="2"/>
+                                            </p:txEl>
+                                          </p:spTgt>
+                                        </p:tgtEl>
+                                      </p:cBhvr>
+                                      <p:to x="100000" y="80000"/>
+                                    </p:animScale>
+                                    <p:animScale>
+                                      <p:cBhvr>
+                                        <p:cTn id="52" dur="166" decel="50000">
+                                          <p:stCondLst>
+                                            <p:cond delay="1338"/>
+                                          </p:stCondLst>
+                                        </p:cTn>
+                                        <p:tgtEl>
+                                          <p:spTgt spid="3">
+                                            <p:txEl>
+                                              <p:pRg st="2" end="2"/>
+                                            </p:txEl>
+                                          </p:spTgt>
+                                        </p:tgtEl>
+                                      </p:cBhvr>
+                                      <p:to x="100000" y="100000"/>
+                                    </p:animScale>
+                                    <p:animScale>
+                                      <p:cBhvr>
+                                        <p:cTn id="53" dur="26">
+                                          <p:stCondLst>
+                                            <p:cond delay="1642"/>
+                                          </p:stCondLst>
+                                        </p:cTn>
+                                        <p:tgtEl>
+                                          <p:spTgt spid="3">
+                                            <p:txEl>
+                                              <p:pRg st="2" end="2"/>
+                                            </p:txEl>
+                                          </p:spTgt>
+                                        </p:tgtEl>
+                                      </p:cBhvr>
+                                      <p:to x="100000" y="90000"/>
+                                    </p:animScale>
+                                    <p:animScale>
+                                      <p:cBhvr>
+                                        <p:cTn id="54" dur="166" decel="50000">
+                                          <p:stCondLst>
+                                            <p:cond delay="1668"/>
+                                          </p:stCondLst>
+                                        </p:cTn>
+                                        <p:tgtEl>
+                                          <p:spTgt spid="3">
+                                            <p:txEl>
+                                              <p:pRg st="2" end="2"/>
+                                            </p:txEl>
+                                          </p:spTgt>
+                                        </p:tgtEl>
+                                      </p:cBhvr>
+                                      <p:to x="100000" y="100000"/>
+                                    </p:animScale>
+                                    <p:animScale>
+                                      <p:cBhvr>
+                                        <p:cTn id="55" dur="26">
+                                          <p:stCondLst>
+                                            <p:cond delay="1808"/>
+                                          </p:stCondLst>
+                                        </p:cTn>
+                                        <p:tgtEl>
+                                          <p:spTgt spid="3">
+                                            <p:txEl>
+                                              <p:pRg st="2" end="2"/>
+                                            </p:txEl>
+                                          </p:spTgt>
+                                        </p:tgtEl>
+                                      </p:cBhvr>
+                                      <p:to x="100000" y="95000"/>
+                                    </p:animScale>
+                                    <p:animScale>
+                                      <p:cBhvr>
+                                        <p:cTn id="56" dur="166" decel="50000">
+                                          <p:stCondLst>
+                                            <p:cond delay="1834"/>
+                                          </p:stCondLst>
+                                        </p:cTn>
+                                        <p:tgtEl>
+                                          <p:spTgt spid="3">
+                                            <p:txEl>
+                                              <p:pRg st="2" end="2"/>
+                                            </p:txEl>
+                                          </p:spTgt>
+                                        </p:tgtEl>
+                                      </p:cBhvr>
+                                      <p:to x="100000" y="100000"/>
+                                    </p:animScale>
                                   </p:childTnLst>
                                 </p:cTn>
                               </p:par>
+                            </p:childTnLst>
+                          </p:cTn>
+                        </p:par>
+                      </p:childTnLst>
+                    </p:cTn>
+                  </p:par>
+                  <p:par>
+                    <p:cTn id="57" fill="hold">
+                      <p:stCondLst>
+                        <p:cond delay="indefinite"/>
+                      </p:stCondLst>
+                      <p:childTnLst>
+                        <p:par>
+                          <p:cTn id="58" fill="hold">
+                            <p:stCondLst>
+                              <p:cond delay="0"/>
+                            </p:stCondLst>
+                            <p:childTnLst>
                               <p:par>
-                                <p:cTn id="37" presetID="45" presetClass="entr" presetSubtype="0" fill="hold" grpId="0" nodeType="withEffect">
+                                <p:cTn id="59" presetID="26" presetClass="entr" presetSubtype="0" fill="hold" grpId="0" nodeType="clickEffect">
                                   <p:stCondLst>
                                     <p:cond delay="0"/>
                                   </p:stCondLst>
                                   <p:childTnLst>
                                     <p:set>
                                       <p:cBhvr>
-                                        <p:cTn id="38" dur="1" fill="hold">
+                                        <p:cTn id="60" dur="1" fill="hold">
                                           <p:stCondLst>
                                             <p:cond delay="0"/>
                                           </p:stCondLst>
@@ -9243,7 +8486,7 @@
                                         <p:tgtEl>
                                           <p:spTgt spid="3">
                                             <p:txEl>
-                                              <p:pRg st="6" end="6"/>
+                                              <p:pRg st="3" end="3"/>
                                             </p:txEl>
                                           </p:spTgt>
                                         </p:tgtEl>
@@ -9255,13 +8498,17 @@
                                         <p:strVal val="visible"/>
                                       </p:to>
                                     </p:set>
-                                    <p:animEffect transition="in" filter="fade">
-                                      <p:cBhvr>
-                                        <p:cTn id="39" dur="2000"/>
-                                        <p:tgtEl>
-                                          <p:spTgt spid="3">
-                                            <p:txEl>
-                                              <p:pRg st="6" end="6"/>
+                                    <p:animEffect transition="in" filter="wipe(down)">
+                                      <p:cBhvr>
+                                        <p:cTn id="61" dur="580">
+                                          <p:stCondLst>
+                                            <p:cond delay="0"/>
+                                          </p:stCondLst>
+                                        </p:cTn>
+                                        <p:tgtEl>
+                                          <p:spTgt spid="3">
+                                            <p:txEl>
+                                              <p:pRg st="3" end="3"/>
                                             </p:txEl>
                                           </p:spTgt>
                                         </p:tgtEl>
@@ -9269,20 +8516,86 @@
                                     </p:animEffect>
                                     <p:anim calcmode="lin" valueType="num">
                                       <p:cBhvr>
-                                        <p:cTn id="40" dur="2000" fill="hold"/>
-                                        <p:tgtEl>
-                                          <p:spTgt spid="3">
-                                            <p:txEl>
-                                              <p:pRg st="6" end="6"/>
+                                        <p:cTn id="62" dur="1822" tmFilter="0,0; 0.14,0.36; 0.43,0.73; 0.71,0.91; 1.0,1.0">
+                                          <p:stCondLst>
+                                            <p:cond delay="0"/>
+                                          </p:stCondLst>
+                                        </p:cTn>
+                                        <p:tgtEl>
+                                          <p:spTgt spid="3">
+                                            <p:txEl>
+                                              <p:pRg st="3" end="3"/>
                                             </p:txEl>
                                           </p:spTgt>
                                         </p:tgtEl>
                                         <p:attrNameLst>
-                                          <p:attrName>ppt_w</p:attrName>
+                                          <p:attrName>ppt_x</p:attrName>
                                         </p:attrNameLst>
                                       </p:cBhvr>
                                       <p:tavLst>
-                                        <p:tav tm="0" fmla="#ppt_w*sin(2.5*pi*$)">
+                                        <p:tav tm="0">
+                                          <p:val>
+                                            <p:strVal val="#ppt_x-0.25"/>
+                                          </p:val>
+                                        </p:tav>
+                                        <p:tav tm="100000">
+                                          <p:val>
+                                            <p:strVal val="#ppt_x"/>
+                                          </p:val>
+                                        </p:tav>
+                                      </p:tavLst>
+                                    </p:anim>
+                                    <p:anim calcmode="lin" valueType="num">
+                                      <p:cBhvr>
+                                        <p:cTn id="63" dur="664" tmFilter="0.0,0.0; 0.25,0.07; 0.50,0.2; 0.75,0.467; 1.0,1.0">
+                                          <p:stCondLst>
+                                            <p:cond delay="0"/>
+                                          </p:stCondLst>
+                                        </p:cTn>
+                                        <p:tgtEl>
+                                          <p:spTgt spid="3">
+                                            <p:txEl>
+                                              <p:pRg st="3" end="3"/>
+                                            </p:txEl>
+                                          </p:spTgt>
+                                        </p:tgtEl>
+                                        <p:attrNameLst>
+                                          <p:attrName>ppt_y</p:attrName>
+                                        </p:attrNameLst>
+                                      </p:cBhvr>
+                                      <p:tavLst>
+                                        <p:tav tm="0" fmla="#ppt_y-sin(pi*$)/3">
+                                          <p:val>
+                                            <p:fltVal val="0.5"/>
+                                          </p:val>
+                                        </p:tav>
+                                        <p:tav tm="100000">
+                                          <p:val>
+                                            <p:fltVal val="1"/>
+                                          </p:val>
+                                        </p:tav>
+                                      </p:tavLst>
+                                    </p:anim>
+                                    <p:anim calcmode="lin" valueType="num">
+                                      <p:cBhvr>
+                                        <p:cTn id="64" dur="664" tmFilter="0, 0; 0.125,0.2665; 0.25,0.4; 0.375,0.465; 0.5,0.5;  0.625,0.535; 0.75,0.6; 0.875,0.7335; 1,1">
+                                          <p:stCondLst>
+                                            <p:cond delay="664"/>
+                                          </p:stCondLst>
+                                        </p:cTn>
+                                        <p:tgtEl>
+                                          <p:spTgt spid="3">
+                                            <p:txEl>
+                                              <p:pRg st="3" end="3"/>
+                                            </p:txEl>
+                                          </p:spTgt>
+                                        </p:tgtEl>
+                                        <p:attrNameLst>
+                                          <p:attrName>ppt_y</p:attrName>
+                                        </p:attrNameLst>
+                                      </p:cBhvr>
+                                      <p:tavLst>
+                                        <p:tav tm="0" fmla="#ppt_y-sin(pi*$)/9">
                                           <p:val>
                                             <p:fltVal val="0"/>
                                           </p:val>
@@ -9296,90 +8609,24 @@
                                     </p:anim>
                                     <p:anim calcmode="lin" valueType="num">
                                       <p:cBhvr>
-                                        <p:cTn id="41" dur="2000" fill="hold"/>
-                                        <p:tgtEl>
-                                          <p:spTgt spid="3">
-                                            <p:txEl>
-                                              <p:pRg st="6" end="6"/>
-                                            </p:txEl>
-                                          </p:spTgt>
-                                        </p:tgtEl>
-                                        <p:attrNameLst>
-                                          <p:attrName>ppt_h</p:attrName>
-                                        </p:attrNameLst>
-                                      </p:cBhvr>
-                                      <p:tavLst>
-                                        <p:tav tm="0">
-                                          <p:val>
-                                            <p:strVal val="#ppt_h"/>
-                                          </p:val>
-                                        </p:tav>
-                                        <p:tav tm="100000">
-                                          <p:val>
-                                            <p:strVal val="#ppt_h"/>
-                                          </p:val>
-                                        </p:tav>
-                                      </p:tavLst>
-                                    </p:anim>
-                                  </p:childTnLst>
-                                </p:cTn>
-                              </p:par>
-                              <p:par>
-                                <p:cTn id="42" presetID="45" presetClass="entr" presetSubtype="0" fill="hold" grpId="0" nodeType="withEffect">
-                                  <p:stCondLst>
-                                    <p:cond delay="0"/>
-                                  </p:stCondLst>
-                                  <p:childTnLst>
-                                    <p:set>
-                                      <p:cBhvr>
-                                        <p:cTn id="43" dur="1" fill="hold">
+                                        <p:cTn id="65" dur="332" tmFilter="0, 0; 0.125,0.2665; 0.25,0.4; 0.375,0.465; 0.5,0.5;  0.625,0.535; 0.75,0.6; 0.875,0.7335; 1,1">
                                           <p:stCondLst>
-                                            <p:cond delay="0"/>
+                                            <p:cond delay="1324"/>
                                           </p:stCondLst>
                                         </p:cTn>
                                         <p:tgtEl>
                                           <p:spTgt spid="3">
                                             <p:txEl>
-                                              <p:pRg st="7" end="7"/>
+                                              <p:pRg st="3" end="3"/>
                                             </p:txEl>
                                           </p:spTgt>
                                         </p:tgtEl>
                                         <p:attrNameLst>
-                                          <p:attrName>style.visibility</p:attrName>
+                                          <p:attrName>ppt_y</p:attrName>
                                         </p:attrNameLst>
                                       </p:cBhvr>
-                                      <p:to>
-                                        <p:strVal val="visible"/>
-                                      </p:to>
-                                    </p:set>
-                                    <p:animEffect transition="in" filter="fade">
-                                      <p:cBhvr>
-                                        <p:cTn id="44" dur="2000"/>
-                                        <p:tgtEl>
-                                          <p:spTgt spid="3">
-                                            <p:txEl>
-                                              <p:pRg st="7" end="7"/>
-                                            </p:txEl>
-                                          </p:spTgt>
-                                        </p:tgtEl>
-                                      </p:cBhvr>
-                                    </p:animEffect>
-                                    <p:anim calcmode="lin" valueType="num">
-                                      <p:cBhvr>
-                                        <p:cTn id="45" dur="2000" fill="hold"/>
-                                        <p:tgtEl>
-                                          <p:spTgt spid="3">
-                                            <p:txEl>
-                                              <p:pRg st="7" end="7"/>
-                                            </p:txEl>
-                                          </p:spTgt>
-                                        </p:tgtEl>
-                                        <p:attrNameLst>
-                                          <p:attrName>ppt_w</p:attrName>
-                                        </p:attrNameLst>
-                                      </p:cBhvr>
                                       <p:tavLst>
-                                        <p:tav tm="0" fmla="#ppt_w*sin(2.5*pi*$)">
+                                        <p:tav tm="0" fmla="#ppt_y-sin(pi*$)/27">
                                           <p:val>
                                             <p:fltVal val="0"/>
                                           </p:val>
@@ -9393,43 +8640,201 @@
                                     </p:anim>
                                     <p:anim calcmode="lin" valueType="num">
                                       <p:cBhvr>
-                                        <p:cTn id="46" dur="2000" fill="hold"/>
-                                        <p:tgtEl>
-                                          <p:spTgt spid="3">
-                                            <p:txEl>
-                                              <p:pRg st="7" end="7"/>
+                                        <p:cTn id="66" dur="164" tmFilter="0, 0; 0.125,0.2665; 0.25,0.4; 0.375,0.465; 0.5,0.5;  0.625,0.535; 0.75,0.6; 0.875,0.7335; 1,1">
+                                          <p:stCondLst>
+                                            <p:cond delay="1656"/>
+                                          </p:stCondLst>
+                                        </p:cTn>
+                                        <p:tgtEl>
+                                          <p:spTgt spid="3">
+                                            <p:txEl>
+                                              <p:pRg st="3" end="3"/>
                                             </p:txEl>
                                           </p:spTgt>
                                         </p:tgtEl>
                                         <p:attrNameLst>
-                                          <p:attrName>ppt_h</p:attrName>
+                                          <p:attrName>ppt_y</p:attrName>
                                         </p:attrNameLst>
                                       </p:cBhvr>
                                       <p:tavLst>
-                                        <p:tav tm="0">
+                                        <p:tav tm="0" fmla="#ppt_y-sin(pi*$)/81">
                                           <p:val>
-                                            <p:strVal val="#ppt_h"/>
+                                            <p:fltVal val="0"/>
                                           </p:val>
                                         </p:tav>
                                         <p:tav tm="100000">
                                           <p:val>
-                                            <p:strVal val="#ppt_h"/>
+                                            <p:fltVal val="1"/>
                                           </p:val>
                                         </p:tav>
                                       </p:tavLst>
                                     </p:anim>
+                                    <p:animScale>
+                                      <p:cBhvr>
+                                        <p:cTn id="67" dur="26">
+                                          <p:stCondLst>
+                                            <p:cond delay="650"/>
+                                          </p:stCondLst>
+                                        </p:cTn>
+                                        <p:tgtEl>
+                                          <p:spTgt spid="3">
+                                            <p:txEl>
+                                              <p:pRg st="3" end="3"/>
+                                            </p:txEl>
+                                          </p:spTgt>
+                                        </p:tgtEl>
+                                      </p:cBhvr>
+                                      <p:to x="100000" y="60000"/>
+                                    </p:animScale>
+                                    <p:animScale>
+                                      <p:cBhvr>
+                                        <p:cTn id="68" dur="166" decel="50000">
+                                          <p:stCondLst>
+                                            <p:cond delay="676"/>
+                                          </p:stCondLst>
+                                        </p:cTn>
+                                        <p:tgtEl>
+                                          <p:spTgt spid="3">
+                                            <p:txEl>
+                                              <p:pRg st="3" end="3"/>
+                                            </p:txEl>
+                                          </p:spTgt>
+                                        </p:tgtEl>
+                                      </p:cBhvr>
+                                      <p:to x="100000" y="100000"/>
+                                    </p:animScale>
+                                    <p:animScale>
+                                      <p:cBhvr>
+                                        <p:cTn id="69" dur="26">
+                                          <p:stCondLst>
+                                            <p:cond delay="1312"/>
+                                          </p:stCondLst>
+                                        </p:cTn>
+                                        <p:tgtEl>
+                                          <p:spTgt spid="3">
+                                            <p:txEl>
+                                              <p:pRg st="3" end="3"/>
+                                            </p:txEl>
+                                          </p:spTgt>
+                                        </p:tgtEl>
+                                      </p:cBhvr>
+                                      <p:to x="100000" y="80000"/>
+                                    </p:animScale>
+                                    <p:animScale>
+                                      <p:cBhvr>
+                                        <p:cTn id="70" dur="166" decel="50000">
+                                          <p:stCondLst>
+                                            <p:cond delay="1338"/>
+                                          </p:stCondLst>
+                                        </p:cTn>
+                                        <p:tgtEl>
+                                          <p:spTgt spid="3">
+                                            <p:txEl>
+                                              <p:pRg st="3" end="3"/>
+                                            </p:txEl>
+                                          </p:spTgt>
+                                        </p:tgtEl>
+                                      </p:cBhvr>
+                                      <p:to x="100000" y="100000"/>
+                                    </p:animScale>
+                                    <p:animScale>
+                                      <p:cBhvr>
+                                        <p:cTn id="71" dur="26">
+                                          <p:stCondLst>
+                                            <p:cond delay="1642"/>
+                                          </p:stCondLst>
+                                        </p:cTn>
+                                        <p:tgtEl>
+                                          <p:spTgt spid="3">
+                                            <p:txEl>
+                                              <p:pRg st="3" end="3"/>
+                                            </p:txEl>
+                                          </p:spTgt>
+                                        </p:tgtEl>
+                                      </p:cBhvr>
+                                      <p:to x="100000" y="90000"/>
+                                    </p:animScale>
+                                    <p:animScale>
+                                      <p:cBhvr>
+                                        <p:cTn id="72" dur="166" decel="50000">
+                                          <p:stCondLst>
+                                            <p:cond delay="1668"/>
+                                          </p:stCondLst>
+                                        </p:cTn>
+                                        <p:tgtEl>
+                                          <p:spTgt spid="3">
+                                            <p:txEl>
+                                              <p:pRg st="3" end="3"/>
+                                            </p:txEl>
+                                          </p:spTgt>
+                                        </p:tgtEl>
+                                      </p:cBhvr>
+                                      <p:to x="100000" y="100000"/>
+                                    </p:animScale>
+                                    <p:animScale>
+                                      <p:cBhvr>
+                                        <p:cTn id="73" dur="26">
+                                          <p:stCondLst>
+                                            <p:cond delay="1808"/>
+                                          </p:stCondLst>
+                                        </p:cTn>
+                                        <p:tgtEl>
+                                          <p:spTgt spid="3">
+                                            <p:txEl>
+                                              <p:pRg st="3" end="3"/>
+                                            </p:txEl>
+                                          </p:spTgt>
+                                        </p:tgtEl>
+                                      </p:cBhvr>
+                                      <p:to x="100000" y="95000"/>
+                                    </p:animScale>
+                                    <p:animScale>
+                                      <p:cBhvr>
+                                        <p:cTn id="74" dur="166" decel="50000">
+                                          <p:stCondLst>
+                                            <p:cond delay="1834"/>
+                                          </p:stCondLst>
+                                        </p:cTn>
+                                        <p:tgtEl>
+                                          <p:spTgt spid="3">
+                                            <p:txEl>
+                                              <p:pRg st="3" end="3"/>
+                                            </p:txEl>
+                                          </p:spTgt>
+                                        </p:tgtEl>
+                                      </p:cBhvr>
+                                      <p:to x="100000" y="100000"/>
+                                    </p:animScale>
                                   </p:childTnLst>
                                 </p:cTn>
                               </p:par>
+                            </p:childTnLst>
+                          </p:cTn>
+                        </p:par>
+                      </p:childTnLst>
+                    </p:cTn>
+                  </p:par>
+                  <p:par>
+                    <p:cTn id="75" fill="hold">
+                      <p:stCondLst>
+                        <p:cond delay="indefinite"/>
+                      </p:stCondLst>
+                      <p:childTnLst>
+                        <p:par>
+                          <p:cTn id="76" fill="hold">
+                            <p:stCondLst>
+                              <p:cond delay="0"/>
+                            </p:stCondLst>
+                            <p:childTnLst>
                               <p:par>
-                                <p:cTn id="47" presetID="45" presetClass="entr" presetSubtype="0" fill="hold" grpId="0" nodeType="withEffect">
+                                <p:cTn id="77" presetID="26" presetClass="entr" presetSubtype="0" fill="hold" grpId="0" nodeType="clickEffect">
                                   <p:stCondLst>
                                     <p:cond delay="0"/>
                                   </p:stCondLst>
                                   <p:childTnLst>
                                     <p:set>
                                       <p:cBhvr>
-                                        <p:cTn id="48" dur="1" fill="hold">
+                                        <p:cTn id="78" dur="1" fill="hold">
                                           <p:stCondLst>
                                             <p:cond delay="0"/>
                                           </p:stCondLst>
@@ -9437,7 +8842,7 @@
                                         <p:tgtEl>
                                           <p:spTgt spid="3">
                                             <p:txEl>
-                                              <p:pRg st="8" end="8"/>
+                                              <p:pRg st="4" end="4"/>
                                             </p:txEl>
                                           </p:spTgt>
                                         </p:tgtEl>
@@ -9449,13 +8854,17 @@
                                         <p:strVal val="visible"/>
                                       </p:to>
                                     </p:set>
-                                    <p:animEffect transition="in" filter="fade">
-                                      <p:cBhvr>
-                                        <p:cTn id="49" dur="2000"/>
-                                        <p:tgtEl>
-                                          <p:spTgt spid="3">
-                                            <p:txEl>
-                                              <p:pRg st="8" end="8"/>
+                                    <p:animEffect transition="in" filter="wipe(down)">
+                                      <p:cBhvr>
+                                        <p:cTn id="79" dur="580">
+                                          <p:stCondLst>
+                                            <p:cond delay="0"/>
+                                          </p:stCondLst>
+                                        </p:cTn>
+                                        <p:tgtEl>
+                                          <p:spTgt spid="3">
+                                            <p:txEl>
+                                              <p:pRg st="4" end="4"/>
                                             </p:txEl>
                                           </p:spTgt>
                                         </p:tgtEl>
@@ -9463,20 +8872,86 @@
                                     </p:animEffect>
                                     <p:anim calcmode="lin" valueType="num">
                                       <p:cBhvr>
-                                        <p:cTn id="50" dur="2000" fill="hold"/>
-                                        <p:tgtEl>
-                                          <p:spTgt spid="3">
-                                            <p:txEl>
-                                              <p:pRg st="8" end="8"/>
+                                        <p:cTn id="80" dur="1822" tmFilter="0,0; 0.14,0.36; 0.43,0.73; 0.71,0.91; 1.0,1.0">
+                                          <p:stCondLst>
+                                            <p:cond delay="0"/>
+                                          </p:stCondLst>
+                                        </p:cTn>
+                                        <p:tgtEl>
+                                          <p:spTgt spid="3">
+                                            <p:txEl>
+                                              <p:pRg st="4" end="4"/>
                                             </p:txEl>
                                           </p:spTgt>
                                         </p:tgtEl>
                                         <p:attrNameLst>
-                                          <p:attrName>ppt_w</p:attrName>
+                                          <p:attrName>ppt_x</p:attrName>
                                         </p:attrNameLst>
                                       </p:cBhvr>
                                       <p:tavLst>
-                                        <p:tav tm="0" fmla="#ppt_w*sin(2.5*pi*$)">
+                                        <p:tav tm="0">
+                                          <p:val>
+                                            <p:strVal val="#ppt_x-0.25"/>
+                                          </p:val>
+                                        </p:tav>
+                                        <p:tav tm="100000">
+                                          <p:val>
+                                            <p:strVal val="#ppt_x"/>
+                                          </p:val>
+                                        </p:tav>
+                                      </p:tavLst>
+                                    </p:anim>
+                                    <p:anim calcmode="lin" valueType="num">
+                                      <p:cBhvr>
+                                        <p:cTn id="81" dur="664" tmFilter="0.0,0.0; 0.25,0.07; 0.50,0.2; 0.75,0.467; 1.0,1.0">
+                                          <p:stCondLst>
+                                            <p:cond delay="0"/>
+                                          </p:stCondLst>
+                                        </p:cTn>
+                                        <p:tgtEl>
+                                          <p:spTgt spid="3">
+                                            <p:txEl>
+                                              <p:pRg st="4" end="4"/>
+                                            </p:txEl>
+                                          </p:spTgt>
+                                        </p:tgtEl>
+                                        <p:attrNameLst>
+                                          <p:attrName>ppt_y</p:attrName>
+                                        </p:attrNameLst>
+                                      </p:cBhvr>
+                                      <p:tavLst>
+                                        <p:tav tm="0" fmla="#ppt_y-sin(pi*$)/3">
+                                          <p:val>
+                                            <p:fltVal val="0.5"/>
+                                          </p:val>
+                                        </p:tav>
+                                        <p:tav tm="100000">
+                                          <p:val>
+                                            <p:fltVal val="1"/>
+                                          </p:val>
+                                        </p:tav>
+                                      </p:tavLst>
+                                    </p:anim>
+                                    <p:anim calcmode="lin" valueType="num">
+                                      <p:cBhvr>
+                                        <p:cTn id="82" dur="664" tmFilter="0, 0; 0.125,0.2665; 0.25,0.4; 0.375,0.465; 0.5,0.5;  0.625,0.535; 0.75,0.6; 0.875,0.7335; 1,1">
+                                          <p:stCondLst>
+                                            <p:cond delay="664"/>
+                                          </p:stCondLst>
+                                        </p:cTn>
+                                        <p:tgtEl>
+                                          <p:spTgt spid="3">
+                                            <p:txEl>
+                                              <p:pRg st="4" end="4"/>
+                                            </p:txEl>
+                                          </p:spTgt>
+                                        </p:tgtEl>
+                                        <p:attrNameLst>
+                                          <p:attrName>ppt_y</p:attrName>
+                                        </p:attrNameLst>
+                                      </p:cBhvr>
+                                      <p:tavLst>
+                                        <p:tav tm="0" fmla="#ppt_y-sin(pi*$)/9">
                                           <p:val>
                                             <p:fltVal val="0"/>
                                           </p:val>
@@ -9490,31 +8965,558 @@
                                     </p:anim>
                                     <p:anim calcmode="lin" valueType="num">
                                       <p:cBhvr>
-                                        <p:cTn id="51" dur="2000" fill="hold"/>
-                                        <p:tgtEl>
-                                          <p:spTgt spid="3">
-                                            <p:txEl>
-                                              <p:pRg st="8" end="8"/>
+                                        <p:cTn id="83" dur="332" tmFilter="0, 0; 0.125,0.2665; 0.25,0.4; 0.375,0.465; 0.5,0.5;  0.625,0.535; 0.75,0.6; 0.875,0.7335; 1,1">
+                                          <p:stCondLst>
+                                            <p:cond delay="1324"/>
+                                          </p:stCondLst>
+                                        </p:cTn>
+                                        <p:tgtEl>
+                                          <p:spTgt spid="3">
+                                            <p:txEl>
+                                              <p:pRg st="4" end="4"/>
                                             </p:txEl>
                                           </p:spTgt>
                                         </p:tgtEl>
                                         <p:attrNameLst>
-                                          <p:attrName>ppt_h</p:attrName>
+                                          <p:attrName>ppt_y</p:attrName>
                                         </p:attrNameLst>
                                       </p:cBhvr>
                                       <p:tavLst>
-                                        <p:tav tm="0">
+                                        <p:tav tm="0" fmla="#ppt_y-sin(pi*$)/27">
                                           <p:val>
-                                            <p:strVal val="#ppt_h"/>
+                                            <p:fltVal val="0"/>
                                           </p:val>
                                         </p:tav>
                                         <p:tav tm="100000">
                                           <p:val>
-                                            <p:strVal val="#ppt_h"/>
+                                            <p:fltVal val="1"/>
                                           </p:val>
                                         </p:tav>
                                       </p:tavLst>
                                     </p:anim>
+                                    <p:anim calcmode="lin" valueType="num">
+                                      <p:cBhvr>
+                                        <p:cTn id="84" dur="164" tmFilter="0, 0; 0.125,0.2665; 0.25,0.4; 0.375,0.465; 0.5,0.5;  0.625,0.535; 0.75,0.6; 0.875,0.7335; 1,1">
+                                          <p:stCondLst>
+                                            <p:cond delay="1656"/>
+                                          </p:stCondLst>
+                                        </p:cTn>
+                                        <p:tgtEl>
+                                          <p:spTgt spid="3">
+                                            <p:txEl>
+                                              <p:pRg st="4" end="4"/>
+                                            </p:txEl>
+                                          </p:spTgt>
+                                        </p:tgtEl>
+                                        <p:attrNameLst>
+                                          <p:attrName>ppt_y</p:attrName>
+                                        </p:attrNameLst>
+                                      </p:cBhvr>
+                                      <p:tavLst>
+                                        <p:tav tm="0" fmla="#ppt_y-sin(pi*$)/81">
+                                          <p:val>
+                                            <p:fltVal val="0"/>
+                                          </p:val>
+                                        </p:tav>
+                                        <p:tav tm="100000">
+                                          <p:val>
+                                            <p:fltVal val="1"/>
+                                          </p:val>
+                                        </p:tav>
+                                      </p:tavLst>
+                                    </p:anim>
+                                    <p:animScale>
+                                      <p:cBhvr>
+                                        <p:cTn id="85" dur="26">
+                                          <p:stCondLst>
+                                            <p:cond delay="650"/>
+                                          </p:stCondLst>
+                                        </p:cTn>
+                                        <p:tgtEl>
+                                          <p:spTgt spid="3">
+                                            <p:txEl>
+                                              <p:pRg st="4" end="4"/>
+                                            </p:txEl>
+                                          </p:spTgt>
+                                        </p:tgtEl>
+                                      </p:cBhvr>
+                                      <p:to x="100000" y="60000"/>
+                                    </p:animScale>
+                                    <p:animScale>
+                                      <p:cBhvr>
+                                        <p:cTn id="86" dur="166" decel="50000">
+                                          <p:stCondLst>
+                                            <p:cond delay="676"/>
+                                          </p:stCondLst>
+                                        </p:cTn>
+                                        <p:tgtEl>
+                                          <p:spTgt spid="3">
+                                            <p:txEl>
+                                              <p:pRg st="4" end="4"/>
+                                            </p:txEl>
+                                          </p:spTgt>
+                                        </p:tgtEl>
+                                      </p:cBhvr>
+                                      <p:to x="100000" y="100000"/>
+                                    </p:animScale>
+                                    <p:animScale>
+                                      <p:cBhvr>
+                                        <p:cTn id="87" dur="26">
+                                          <p:stCondLst>
+                                            <p:cond delay="1312"/>
+                                          </p:stCondLst>
+                                        </p:cTn>
+                                        <p:tgtEl>
+                                          <p:spTgt spid="3">
+                                            <p:txEl>
+                                              <p:pRg st="4" end="4"/>
+                                            </p:txEl>
+                                          </p:spTgt>
+                                        </p:tgtEl>
+                                      </p:cBhvr>
+                                      <p:to x="100000" y="80000"/>
+                                    </p:animScale>
+                                    <p:animScale>
+                                      <p:cBhvr>
+                                        <p:cTn id="88" dur="166" decel="50000">
+                                          <p:stCondLst>
+                                            <p:cond delay="1338"/>
+                                          </p:stCondLst>
+                                        </p:cTn>
+                                        <p:tgtEl>
+                                          <p:spTgt spid="3">
+                                            <p:txEl>
+                                              <p:pRg st="4" end="4"/>
+                                            </p:txEl>
+                                          </p:spTgt>
+                                        </p:tgtEl>
+                                      </p:cBhvr>
+                                      <p:to x="100000" y="100000"/>
+                                    </p:animScale>
+                                    <p:animScale>
+                                      <p:cBhvr>
+                                        <p:cTn id="89" dur="26">
+                                          <p:stCondLst>
+                                            <p:cond delay="1642"/>
+                                          </p:stCondLst>
+                                        </p:cTn>
+                                        <p:tgtEl>
+                                          <p:spTgt spid="3">
+                                            <p:txEl>
+                                              <p:pRg st="4" end="4"/>
+                                            </p:txEl>
+                                          </p:spTgt>
+                                        </p:tgtEl>
+                                      </p:cBhvr>
+                                      <p:to x="100000" y="90000"/>
+                                    </p:animScale>
+                                    <p:animScale>
+                                      <p:cBhvr>
+                                        <p:cTn id="90" dur="166" decel="50000">
+                                          <p:stCondLst>
+                                            <p:cond delay="1668"/>
+                                          </p:stCondLst>
+                                        </p:cTn>
+                                        <p:tgtEl>
+                                          <p:spTgt spid="3">
+                                            <p:txEl>
+                                              <p:pRg st="4" end="4"/>
+                                            </p:txEl>
+                                          </p:spTgt>
+                                        </p:tgtEl>
+                                      </p:cBhvr>
+                                      <p:to x="100000" y="100000"/>
+                                    </p:animScale>
+                                    <p:animScale>
+                                      <p:cBhvr>
+                                        <p:cTn id="91" dur="26">
+                                          <p:stCondLst>
+                                            <p:cond delay="1808"/>
+                                          </p:stCondLst>
+                                        </p:cTn>
+                                        <p:tgtEl>
+                                          <p:spTgt spid="3">
+                                            <p:txEl>
+                                              <p:pRg st="4" end="4"/>
+                                            </p:txEl>
+                                          </p:spTgt>
+                                        </p:tgtEl>
+                                      </p:cBhvr>
+                                      <p:to x="100000" y="95000"/>
+                                    </p:animScale>
+                                    <p:animScale>
+                                      <p:cBhvr>
+                                        <p:cTn id="92" dur="166" decel="50000">
+                                          <p:stCondLst>
+                                            <p:cond delay="1834"/>
+                                          </p:stCondLst>
+                                        </p:cTn>
+                                        <p:tgtEl>
+                                          <p:spTgt spid="3">
+                                            <p:txEl>
+                                              <p:pRg st="4" end="4"/>
+                                            </p:txEl>
+                                          </p:spTgt>
+                                        </p:tgtEl>
+                                      </p:cBhvr>
+                                      <p:to x="100000" y="100000"/>
+                                    </p:animScale>
+                                  </p:childTnLst>
+                                </p:cTn>
+                              </p:par>
+                            </p:childTnLst>
+                          </p:cTn>
+                        </p:par>
+                      </p:childTnLst>
+                    </p:cTn>
+                  </p:par>
+                  <p:par>
+                    <p:cTn id="93" fill="hold">
+                      <p:stCondLst>
+                        <p:cond delay="indefinite"/>
+                      </p:stCondLst>
+                      <p:childTnLst>
+                        <p:par>
+                          <p:cTn id="94" fill="hold">
+                            <p:stCondLst>
+                              <p:cond delay="0"/>
+                            </p:stCondLst>
+                            <p:childTnLst>
+                              <p:par>
+                                <p:cTn id="95" presetID="26" presetClass="entr" presetSubtype="0" fill="hold" grpId="0" nodeType="clickEffect">
+                                  <p:stCondLst>
+                                    <p:cond delay="0"/>
+                                  </p:stCondLst>
+                                  <p:childTnLst>
+                                    <p:set>
+                                      <p:cBhvr>
+                                        <p:cTn id="96" dur="1" fill="hold">
+                                          <p:stCondLst>
+                                            <p:cond delay="0"/>
+                                          </p:stCondLst>
+                                        </p:cTn>
+                                        <p:tgtEl>
+                                          <p:spTgt spid="3">
+                                            <p:txEl>
+                                              <p:pRg st="5" end="5"/>
+                                            </p:txEl>
+                                          </p:spTgt>
+                                        </p:tgtEl>
+                                        <p:attrNameLst>
+                                          <p:attrName>style.visibility</p:attrName>
+                                        </p:attrNameLst>
+                                      </p:cBhvr>
+                                      <p:to>
+                                        <p:strVal val="visible"/>
+                                      </p:to>
+                                    </p:set>
+                                    <p:animEffect transition="in" filter="wipe(down)">
+                                      <p:cBhvr>
+                                        <p:cTn id="97" dur="580">
+                                          <p:stCondLst>
+                                            <p:cond delay="0"/>
+                                          </p:stCondLst>
+                                        </p:cTn>
+                                        <p:tgtEl>
+                                          <p:spTgt spid="3">
+                                            <p:txEl>
+                                              <p:pRg st="5" end="5"/>
+                                            </p:txEl>
+                                          </p:spTgt>
+                                        </p:tgtEl>
+                                      </p:cBhvr>
+                                    </p:animEffect>
+                                    <p:anim calcmode="lin" valueType="num">
+                                      <p:cBhvr>
+                                        <p:cTn id="98" dur="1822" tmFilter="0,0; 0.14,0.36; 0.43,0.73; 0.71,0.91; 1.0,1.0">
+                                          <p:stCondLst>
+                                            <p:cond delay="0"/>
+                                          </p:stCondLst>
+                                        </p:cTn>
+                                        <p:tgtEl>
+                                          <p:spTgt spid="3">
+                                            <p:txEl>
+                                              <p:pRg st="5" end="5"/>
+                                            </p:txEl>
+                                          </p:spTgt>
+                                        </p:tgtEl>
+                                        <p:attrNameLst>
+                                          <p:attrName>ppt_x</p:attrName>
+                                        </p:attrNameLst>
+                                      </p:cBhvr>
+                                      <p:tavLst>
+                                        <p:tav tm="0">
+                                          <p:val>
+                                            <p:strVal val="#ppt_x-0.25"/>
+                                          </p:val>
+                                        </p:tav>
+                                        <p:tav tm="100000">
+                                          <p:val>
+                                            <p:strVal val="#ppt_x"/>
+                                          </p:val>
+                                        </p:tav>
+                                      </p:tavLst>
+                                    </p:anim>
+                                    <p:anim calcmode="lin" valueType="num">
+                                      <p:cBhvr>
+                                        <p:cTn id="99" dur="664" tmFilter="0.0,0.0; 0.25,0.07; 0.50,0.2; 0.75,0.467; 1.0,1.0">
+                                          <p:stCondLst>
+                                            <p:cond delay="0"/>
+                                          </p:stCondLst>
+                                        </p:cTn>
+                                        <p:tgtEl>
+                                          <p:spTgt spid="3">
+                                            <p:txEl>
+                                              <p:pRg st="5" end="5"/>
+                                            </p:txEl>
+                                          </p:spTgt>
+                                        </p:tgtEl>
+                                        <p:attrNameLst>
+                                          <p:attrName>ppt_y</p:attrName>
+                                        </p:attrNameLst>
+                                      </p:cBhvr>
+                                      <p:tavLst>
+                                        <p:tav tm="0" fmla="#ppt_y-sin(pi*$)/3">
+                                          <p:val>
+                                            <p:fltVal val="0.5"/>
+                                          </p:val>
+                                        </p:tav>
+                                        <p:tav tm="100000">
+                                          <p:val>
+                                            <p:fltVal val="1"/>
+                                          </p:val>
+                                        </p:tav>
+                                      </p:tavLst>
+                                    </p:anim>
+                                    <p:anim calcmode="lin" valueType="num">
+                                      <p:cBhvr>
+                                        <p:cTn id="100" dur="664" tmFilter="0, 0; 0.125,0.2665; 0.25,0.4; 0.375,0.465; 0.5,0.5;  0.625,0.535; 0.75,0.6; 0.875,0.7335; 1,1">
+                                          <p:stCondLst>
+                                            <p:cond delay="664"/>
+                                          </p:stCondLst>
+                                        </p:cTn>
+                                        <p:tgtEl>
+                                          <p:spTgt spid="3">
+                                            <p:txEl>
+                                              <p:pRg st="5" end="5"/>
+                                            </p:txEl>
+                                          </p:spTgt>
+                                        </p:tgtEl>
+                                        <p:attrNameLst>
+                                          <p:attrName>ppt_y</p:attrName>
+                                        </p:attrNameLst>
+                                      </p:cBhvr>
+                                      <p:tavLst>
+                                        <p:tav tm="0" fmla="#ppt_y-sin(pi*$)/9">
+                                          <p:val>
+                                            <p:fltVal val="0"/>
+                                          </p:val>
+                                        </p:tav>
+                                        <p:tav tm="100000">
+                                          <p:val>
+                                            <p:fltVal val="1"/>
+                                          </p:val>
+                                        </p:tav>
+                                      </p:tavLst>
+                                    </p:anim>
+                                    <p:anim calcmode="lin" valueType="num">
+                                      <p:cBhvr>
+                                        <p:cTn id="101" dur="332" tmFilter="0, 0; 0.125,0.2665; 0.25,0.4; 0.375,0.465; 0.5,0.5;  0.625,0.535; 0.75,0.6; 0.875,0.7335; 1,1">
+                                          <p:stCondLst>
+                                            <p:cond delay="1324"/>
+                                          </p:stCondLst>
+                                        </p:cTn>
+                                        <p:tgtEl>
+                                          <p:spTgt spid="3">
+                                            <p:txEl>
+                                              <p:pRg st="5" end="5"/>
+                                            </p:txEl>
+                                          </p:spTgt>
+                                        </p:tgtEl>
+                                        <p:attrNameLst>
+                                          <p:attrName>ppt_y</p:attrName>
+                                        </p:attrNameLst>
+                                      </p:cBhvr>
+                                      <p:tavLst>
+                                        <p:tav tm="0" fmla="#ppt_y-sin(pi*$)/27">
+                                          <p:val>
+                                            <p:fltVal val="0"/>
+                                          </p:val>
+                                        </p:tav>
+                                        <p:tav tm="100000">
+                                          <p:val>
+                                            <p:fltVal val="1"/>
+                                          </p:val>
+                                        </p:tav>
+                                      </p:tavLst>
+                                    </p:anim>
+                                    <p:anim calcmode="lin" valueType="num">
+                                      <p:cBhvr>
+                                        <p:cTn id="102" dur="164" tmFilter="0, 0; 0.125,0.2665; 0.25,0.4; 0.375,0.465; 0.5,0.5;  0.625,0.535; 0.75,0.6; 0.875,0.7335; 1,1">
+                                          <p:stCondLst>
+                                            <p:cond delay="1656"/>
+                                          </p:stCondLst>
+                                        </p:cTn>
+                                        <p:tgtEl>
+                                          <p:spTgt spid="3">
+                                            <p:txEl>
+                                              <p:pRg st="5" end="5"/>
+                                            </p:txEl>
+                                          </p:spTgt>
+                                        </p:tgtEl>
+                                        <p:attrNameLst>
+                                          <p:attrName>ppt_y</p:attrName>
+                                        </p:attrNameLst>
+                                      </p:cBhvr>
+                                      <p:tavLst>
+                                        <p:tav tm="0" fmla="#ppt_y-sin(pi*$)/81">
+                                          <p:val>
+                                            <p:fltVal val="0"/>
+                                          </p:val>
+                                        </p:tav>
+                                        <p:tav tm="100000">
+                                          <p:val>
+                                            <p:fltVal val="1"/>
+                                          </p:val>
+                                        </p:tav>
+                                      </p:tavLst>
+                                    </p:anim>
+                                    <p:animScale>
+                                      <p:cBhvr>
+                                        <p:cTn id="103" dur="26">
+                                          <p:stCondLst>
+                                            <p:cond delay="650"/>
+                                          </p:stCondLst>
+                                        </p:cTn>
+                                        <p:tgtEl>
+                                          <p:spTgt spid="3">
+                                            <p:txEl>
+                                              <p:pRg st="5" end="5"/>
+                                            </p:txEl>
+                                          </p:spTgt>
+                                        </p:tgtEl>
+                                      </p:cBhvr>
+                                      <p:to x="100000" y="60000"/>
+                                    </p:animScale>
+                                    <p:animScale>
+                                      <p:cBhvr>
+                                        <p:cTn id="104" dur="166" decel="50000">
+                                          <p:stCondLst>
+                                            <p:cond delay="676"/>
+                                          </p:stCondLst>
+                                        </p:cTn>
+                                        <p:tgtEl>
+                                          <p:spTgt spid="3">
+                                            <p:txEl>
+                                              <p:pRg st="5" end="5"/>
+                                            </p:txEl>
+                                          </p:spTgt>
+                                        </p:tgtEl>
+                                      </p:cBhvr>
+                                      <p:to x="100000" y="100000"/>
+                                    </p:animScale>
+                                    <p:animScale>
+                                      <p:cBhvr>
+                                        <p:cTn id="105" dur="26">
+                                          <p:stCondLst>
+                                            <p:cond delay="1312"/>
+                                          </p:stCondLst>
+                                        </p:cTn>
+                                        <p:tgtEl>
+                                          <p:spTgt spid="3">
+                                            <p:txEl>
+                                              <p:pRg st="5" end="5"/>
+                                            </p:txEl>
+                                          </p:spTgt>
+                                        </p:tgtEl>
+                                      </p:cBhvr>
+                                      <p:to x="100000" y="80000"/>
+                                    </p:animScale>
+                                    <p:animScale>
+                                      <p:cBhvr>
+                                        <p:cTn id="106" dur="166" decel="50000">
+                                          <p:stCondLst>
+                                            <p:cond delay="1338"/>
+                                          </p:stCondLst>
+                                        </p:cTn>
+                                        <p:tgtEl>
+                                          <p:spTgt spid="3">
+                                            <p:txEl>
+                                              <p:pRg st="5" end="5"/>
+                                            </p:txEl>
+                                          </p:spTgt>
+                                        </p:tgtEl>
+                                      </p:cBhvr>
+                                      <p:to x="100000" y="100000"/>
+                                    </p:animScale>
+                                    <p:animScale>
+                                      <p:cBhvr>
+                                        <p:cTn id="107" dur="26">
+                                          <p:stCondLst>
+                                            <p:cond delay="1642"/>
+                                          </p:stCondLst>
+                                        </p:cTn>
+                                        <p:tgtEl>
+                                          <p:spTgt spid="3">
+                                            <p:txEl>
+                                              <p:pRg st="5" end="5"/>
+                                            </p:txEl>
+                                          </p:spTgt>
+                                        </p:tgtEl>
+                                      </p:cBhvr>
+                                      <p:to x="100000" y="90000"/>
+                                    </p:animScale>
+                                    <p:animScale>
+                                      <p:cBhvr>
+                                        <p:cTn id="108" dur="166" decel="50000">
+                                          <p:stCondLst>
+                                            <p:cond delay="1668"/>
+                                          </p:stCondLst>
+                                        </p:cTn>
+                                        <p:tgtEl>
+                                          <p:spTgt spid="3">
+                                            <p:txEl>
+                                              <p:pRg st="5" end="5"/>
+                                            </p:txEl>
+                                          </p:spTgt>
+                                        </p:tgtEl>
+                                      </p:cBhvr>
+                                      <p:to x="100000" y="100000"/>
+                                    </p:animScale>
+                                    <p:animScale>
+                                      <p:cBhvr>
+                                        <p:cTn id="109" dur="26">
+                                          <p:stCondLst>
+                                            <p:cond delay="1808"/>
+                                          </p:stCondLst>
+                                        </p:cTn>
+                                        <p:tgtEl>
+                                          <p:spTgt spid="3">
+                                            <p:txEl>
+                                              <p:pRg st="5" end="5"/>
+                                            </p:txEl>
+                                          </p:spTgt>
+                                        </p:tgtEl>
+                                      </p:cBhvr>
+                                      <p:to x="100000" y="95000"/>
+                                    </p:animScale>
+                                    <p:animScale>
+                                      <p:cBhvr>
+                                        <p:cTn id="110" dur="166" decel="50000">
+                                          <p:stCondLst>
+                                            <p:cond delay="1834"/>
+                                          </p:stCondLst>
+                                        </p:cTn>
+                                        <p:tgtEl>
+                                          <p:spTgt spid="3">
+                                            <p:txEl>
+                                              <p:pRg st="5" end="5"/>
+                                            </p:txEl>
+                                          </p:spTgt>
+                                        </p:tgtEl>
+                                      </p:cBhvr>
+                                      <p:to x="100000" y="100000"/>
+                                    </p:animScale>
                                   </p:childTnLst>
                                 </p:cTn>
                               </p:par>
@@ -9553,6 +9555,389 @@
 </file>
 
 <file path=ppt/slides/slide4.xml><?xml version="1.0" encoding="utf-8"?>
+<p:sld xmlns:a="http://schemas.openxmlformats.org/drawingml/2006/main" xmlns:r="http://schemas.openxmlformats.org/officeDocument/2006/relationships" xmlns:p="http://schemas.openxmlformats.org/presentationml/2006/main">
+  <p:cSld>
+    <p:spTree>
+      <p:nvGrpSpPr>
+        <p:cNvPr id="1" name=""/>
+        <p:cNvGrpSpPr/>
+        <p:nvPr/>
+      </p:nvGrpSpPr>
+      <p:grpSpPr>
+        <a:xfrm>
+          <a:off x="0" y="0"/>
+          <a:ext cx="0" cy="0"/>
+          <a:chOff x="0" y="0"/>
+          <a:chExt cx="0" cy="0"/>
+        </a:xfrm>
+      </p:grpSpPr>
+      <p:sp>
+        <p:nvSpPr>
+          <p:cNvPr id="2" name="Cím 1">
+            <a:extLst>
+              <a:ext uri="{FF2B5EF4-FFF2-40B4-BE49-F238E27FC236}">
+                <a16:creationId xmlns:a16="http://schemas.microsoft.com/office/drawing/2014/main" id="{032358AA-712B-4FAE-BADB-CC2352FE46BF}"/>
+              </a:ext>
+            </a:extLst>
+          </p:cNvPr>
+          <p:cNvSpPr>
+            <a:spLocks noGrp="1"/>
+          </p:cNvSpPr>
+          <p:nvPr>
+            <p:ph type="title"/>
+          </p:nvPr>
+        </p:nvSpPr>
+        <p:spPr/>
+        <p:txBody>
+          <a:bodyPr>
+            <a:normAutofit/>
+          </a:bodyPr>
+          <a:lstStyle/>
+          <a:p>
+            <a:r>
+              <a:rPr lang="hu-HU" sz="8000" dirty="0" err="1"/>
+              <a:t>Főmenü</a:t>
+            </a:r>
+            <a:endParaRPr lang="hu-HU" sz="8000" dirty="0"/>
+          </a:p>
+        </p:txBody>
+      </p:sp>
+      <p:pic>
+        <p:nvPicPr>
+          <p:cNvPr id="9" name="Tartalom helye 8">
+            <a:extLst>
+              <a:ext uri="{FF2B5EF4-FFF2-40B4-BE49-F238E27FC236}">
+                <a16:creationId xmlns:a16="http://schemas.microsoft.com/office/drawing/2014/main" id="{6877300C-4401-4392-B1D6-541667B8F098}"/>
+              </a:ext>
+            </a:extLst>
+          </p:cNvPr>
+          <p:cNvPicPr>
+            <a:picLocks noGrp="1" noChangeAspect="1"/>
+          </p:cNvPicPr>
+          <p:nvPr>
+            <p:ph sz="half" idx="2"/>
+          </p:nvPr>
+        </p:nvPicPr>
+        <p:blipFill>
+          <a:blip r:embed="rId2"/>
+          <a:stretch>
+            <a:fillRect/>
+          </a:stretch>
+        </p:blipFill>
+        <p:spPr>
+          <a:xfrm>
+            <a:off x="5229225" y="2715419"/>
+            <a:ext cx="3905250" cy="2771775"/>
+          </a:xfrm>
+          <a:prstGeom prst="rect">
+            <a:avLst/>
+          </a:prstGeom>
+        </p:spPr>
+      </p:pic>
+      <p:sp>
+        <p:nvSpPr>
+          <p:cNvPr id="8" name="Tartalom helye 7">
+            <a:extLst>
+              <a:ext uri="{FF2B5EF4-FFF2-40B4-BE49-F238E27FC236}">
+                <a16:creationId xmlns:a16="http://schemas.microsoft.com/office/drawing/2014/main" id="{4EF228B0-8073-42DB-AB59-8E16454F0B85}"/>
+              </a:ext>
+            </a:extLst>
+          </p:cNvPr>
+          <p:cNvSpPr>
+            <a:spLocks noGrp="1"/>
+          </p:cNvSpPr>
+          <p:nvPr>
+            <p:ph sz="half" idx="1"/>
+          </p:nvPr>
+        </p:nvSpPr>
+        <p:spPr/>
+        <p:txBody>
+          <a:bodyPr>
+            <a:normAutofit/>
+          </a:bodyPr>
+          <a:lstStyle/>
+          <a:p>
+            <a:r>
+              <a:rPr lang="hu-HU" sz="2400" dirty="0"/>
+              <a:t>A </a:t>
+            </a:r>
+            <a:r>
+              <a:rPr lang="hu-HU" sz="2400" dirty="0" err="1"/>
+              <a:t>főmenüben</a:t>
+            </a:r>
+            <a:r>
+              <a:rPr lang="hu-HU" sz="2400" dirty="0"/>
+              <a:t> a felhasználó navigálhat a választható funkciók között</a:t>
+            </a:r>
+          </a:p>
+          <a:p>
+            <a:r>
+              <a:rPr lang="hu-HU" sz="2400" dirty="0"/>
+              <a:t>Lehetőségek:</a:t>
+            </a:r>
+          </a:p>
+          <a:p>
+            <a:pPr lvl="1"/>
+            <a:r>
+              <a:rPr lang="hu-HU" sz="2000" dirty="0"/>
+              <a:t>Regisztráció</a:t>
+            </a:r>
+          </a:p>
+          <a:p>
+            <a:pPr lvl="1"/>
+            <a:r>
+              <a:rPr lang="hu-HU" sz="2000" dirty="0"/>
+              <a:t>Bejelentkezés</a:t>
+            </a:r>
+          </a:p>
+          <a:p>
+            <a:pPr lvl="1"/>
+            <a:r>
+              <a:rPr lang="hu-HU" sz="2000" dirty="0"/>
+              <a:t>Bejegyzések kezelése</a:t>
+            </a:r>
+          </a:p>
+          <a:p>
+            <a:pPr lvl="1"/>
+            <a:r>
+              <a:rPr lang="hu-HU" sz="2000" dirty="0"/>
+              <a:t>Kilépés a programból</a:t>
+            </a:r>
+          </a:p>
+        </p:txBody>
+      </p:sp>
+    </p:spTree>
+    <p:extLst>
+      <p:ext uri="{BB962C8B-B14F-4D97-AF65-F5344CB8AC3E}">
+        <p14:creationId xmlns:p14="http://schemas.microsoft.com/office/powerpoint/2010/main" val="2631532149"/>
+      </p:ext>
+    </p:extLst>
+  </p:cSld>
+  <p:clrMapOvr>
+    <a:masterClrMapping/>
+  </p:clrMapOvr>
+  <mc:AlternateContent xmlns:mc="http://schemas.openxmlformats.org/markup-compatibility/2006">
+    <mc:Choice xmlns:p15="http://schemas.microsoft.com/office/powerpoint/2012/main" Requires="p15">
+      <p:transition xmlns:p14="http://schemas.microsoft.com/office/powerpoint/2010/main" spd="slow" p14:dur="2000">
+        <p15:prstTrans prst="crush"/>
+      </p:transition>
+    </mc:Choice>
+    <mc:Fallback>
+      <p:transition spd="slow">
+        <p:fade/>
+      </p:transition>
+    </mc:Fallback>
+  </mc:AlternateContent>
+</p:sld>
+</file>
+
+<file path=ppt/slides/slide5.xml><?xml version="1.0" encoding="utf-8"?>
+<p:sld xmlns:a="http://schemas.openxmlformats.org/drawingml/2006/main" xmlns:r="http://schemas.openxmlformats.org/officeDocument/2006/relationships" xmlns:p="http://schemas.openxmlformats.org/presentationml/2006/main">
+  <p:cSld>
+    <p:spTree>
+      <p:nvGrpSpPr>
+        <p:cNvPr id="1" name=""/>
+        <p:cNvGrpSpPr/>
+        <p:nvPr/>
+      </p:nvGrpSpPr>
+      <p:grpSpPr>
+        <a:xfrm>
+          <a:off x="0" y="0"/>
+          <a:ext cx="0" cy="0"/>
+          <a:chOff x="0" y="0"/>
+          <a:chExt cx="0" cy="0"/>
+        </a:xfrm>
+      </p:grpSpPr>
+      <p:sp>
+        <p:nvSpPr>
+          <p:cNvPr id="7" name="Cím 6">
+            <a:extLst>
+              <a:ext uri="{FF2B5EF4-FFF2-40B4-BE49-F238E27FC236}">
+                <a16:creationId xmlns:a16="http://schemas.microsoft.com/office/drawing/2014/main" id="{64247D1F-9A4C-476B-8683-EE4BBAF5C966}"/>
+              </a:ext>
+            </a:extLst>
+          </p:cNvPr>
+          <p:cNvSpPr>
+            <a:spLocks noGrp="1"/>
+          </p:cNvSpPr>
+          <p:nvPr>
+            <p:ph type="title"/>
+          </p:nvPr>
+        </p:nvSpPr>
+        <p:spPr/>
+        <p:txBody>
+          <a:bodyPr/>
+          <a:lstStyle/>
+          <a:p>
+            <a:r>
+              <a:rPr lang="hu-HU" dirty="0"/>
+              <a:t>Új bejegyzés írása</a:t>
+            </a:r>
+          </a:p>
+        </p:txBody>
+      </p:sp>
+      <p:sp>
+        <p:nvSpPr>
+          <p:cNvPr id="8" name="Tartalom helye 7">
+            <a:extLst>
+              <a:ext uri="{FF2B5EF4-FFF2-40B4-BE49-F238E27FC236}">
+                <a16:creationId xmlns:a16="http://schemas.microsoft.com/office/drawing/2014/main" id="{E38A5038-99C9-4D25-91BB-0AA27F660EDF}"/>
+              </a:ext>
+            </a:extLst>
+          </p:cNvPr>
+          <p:cNvSpPr>
+            <a:spLocks noGrp="1"/>
+          </p:cNvSpPr>
+          <p:nvPr>
+            <p:ph sz="half" idx="1"/>
+          </p:nvPr>
+        </p:nvSpPr>
+        <p:spPr/>
+        <p:txBody>
+          <a:bodyPr/>
+          <a:lstStyle/>
+          <a:p>
+            <a:r>
+              <a:rPr lang="hu-HU" dirty="0"/>
+              <a:t>A </a:t>
+            </a:r>
+            <a:r>
+              <a:rPr lang="hu-HU" dirty="0" err="1"/>
+              <a:t>főmenübe</a:t>
+            </a:r>
+            <a:r>
+              <a:rPr lang="hu-HU" dirty="0"/>
+              <a:t> bejelentkezés után válasszuk ki a 3. opciót</a:t>
+            </a:r>
+          </a:p>
+          <a:p>
+            <a:r>
+              <a:rPr lang="hu-HU" dirty="0"/>
+              <a:t>Ezután válasszuk ki az új bejegyezés írása opciót</a:t>
+            </a:r>
+          </a:p>
+          <a:p>
+            <a:r>
+              <a:rPr lang="hu-HU" dirty="0"/>
+              <a:t>Ezután adjunk meg egy:</a:t>
+            </a:r>
+          </a:p>
+          <a:p>
+            <a:pPr lvl="1"/>
+            <a:r>
+              <a:rPr lang="hu-HU" dirty="0"/>
+              <a:t>Címet</a:t>
+            </a:r>
+          </a:p>
+          <a:p>
+            <a:pPr lvl="1"/>
+            <a:r>
+              <a:rPr lang="hu-HU" dirty="0"/>
+              <a:t>Leírást</a:t>
+            </a:r>
+          </a:p>
+          <a:p>
+            <a:pPr lvl="1"/>
+            <a:r>
+              <a:rPr lang="hu-HU" dirty="0"/>
+              <a:t>Határidőt</a:t>
+            </a:r>
+          </a:p>
+          <a:p>
+            <a:r>
+              <a:rPr lang="hu-HU" dirty="0"/>
+              <a:t>A rendszer automatikusan menti a megírt bejegyzésünket</a:t>
+            </a:r>
+          </a:p>
+        </p:txBody>
+      </p:sp>
+      <p:pic>
+        <p:nvPicPr>
+          <p:cNvPr id="10" name="Tartalom helye 9">
+            <a:extLst>
+              <a:ext uri="{FF2B5EF4-FFF2-40B4-BE49-F238E27FC236}">
+                <a16:creationId xmlns:a16="http://schemas.microsoft.com/office/drawing/2014/main" id="{8B101867-85B6-4305-86D5-DEB7083E0A4F}"/>
+              </a:ext>
+            </a:extLst>
+          </p:cNvPr>
+          <p:cNvPicPr>
+            <a:picLocks noGrp="1" noChangeAspect="1"/>
+          </p:cNvPicPr>
+          <p:nvPr>
+            <p:ph sz="half" idx="2"/>
+          </p:nvPr>
+        </p:nvPicPr>
+        <p:blipFill>
+          <a:blip r:embed="rId2"/>
+          <a:stretch>
+            <a:fillRect/>
+          </a:stretch>
+        </p:blipFill>
+        <p:spPr>
+          <a:xfrm>
+            <a:off x="5191957" y="3541714"/>
+            <a:ext cx="4601759" cy="2312740"/>
+          </a:xfrm>
+          <a:prstGeom prst="rect">
+            <a:avLst/>
+          </a:prstGeom>
+        </p:spPr>
+      </p:pic>
+      <p:pic>
+        <p:nvPicPr>
+          <p:cNvPr id="11" name="Tartalom helye 8">
+            <a:extLst>
+              <a:ext uri="{FF2B5EF4-FFF2-40B4-BE49-F238E27FC236}">
+                <a16:creationId xmlns:a16="http://schemas.microsoft.com/office/drawing/2014/main" id="{F8426ED1-CC14-4AB4-B131-1768979E2536}"/>
+              </a:ext>
+            </a:extLst>
+          </p:cNvPr>
+          <p:cNvPicPr>
+            <a:picLocks noChangeAspect="1"/>
+          </p:cNvPicPr>
+          <p:nvPr/>
+        </p:nvPicPr>
+        <p:blipFill rotWithShape="1">
+          <a:blip r:embed="rId3"/>
+          <a:srcRect t="22313"/>
+          <a:stretch/>
+        </p:blipFill>
+        <p:spPr>
+          <a:xfrm>
+            <a:off x="5368752" y="1162975"/>
+            <a:ext cx="3905250" cy="2153312"/>
+          </a:xfrm>
+          <a:prstGeom prst="rect">
+            <a:avLst/>
+          </a:prstGeom>
+        </p:spPr>
+      </p:pic>
+    </p:spTree>
+    <p:extLst>
+      <p:ext uri="{BB962C8B-B14F-4D97-AF65-F5344CB8AC3E}">
+        <p14:creationId xmlns:p14="http://schemas.microsoft.com/office/powerpoint/2010/main" val="2163114552"/>
+      </p:ext>
+    </p:extLst>
+  </p:cSld>
+  <p:clrMapOvr>
+    <a:masterClrMapping/>
+  </p:clrMapOvr>
+  <mc:AlternateContent xmlns:mc="http://schemas.openxmlformats.org/markup-compatibility/2006">
+    <mc:Choice xmlns:p15="http://schemas.microsoft.com/office/powerpoint/2012/main" Requires="p15">
+      <p:transition xmlns:p14="http://schemas.microsoft.com/office/powerpoint/2010/main" spd="slow" p14:dur="2000">
+        <p15:prstTrans prst="crush"/>
+      </p:transition>
+    </mc:Choice>
+    <mc:Fallback>
+      <p:transition spd="slow">
+        <p:fade/>
+      </p:transition>
+    </mc:Fallback>
+  </mc:AlternateContent>
+</p:sld>
+</file>
+
+<file path=ppt/slides/slide6.xml><?xml version="1.0" encoding="utf-8"?>
 <p:sld xmlns:a="http://schemas.openxmlformats.org/drawingml/2006/main" xmlns:r="http://schemas.openxmlformats.org/officeDocument/2006/relationships" xmlns:p="http://schemas.openxmlformats.org/presentationml/2006/main">
   <p:cSld>
     <p:spTree>

--- a/Határidőnapló.pptx
+++ b/Határidőnapló.pptx
@@ -10,7 +10,11 @@
     <p:sldId id="257" r:id="rId4"/>
     <p:sldId id="260" r:id="rId5"/>
     <p:sldId id="261" r:id="rId6"/>
-    <p:sldId id="259" r:id="rId7"/>
+    <p:sldId id="262" r:id="rId7"/>
+    <p:sldId id="263" r:id="rId8"/>
+    <p:sldId id="264" r:id="rId9"/>
+    <p:sldId id="265" r:id="rId10"/>
+    <p:sldId id="259" r:id="rId11"/>
   </p:sldIdLst>
   <p:sldSz cx="12192000" cy="6858000"/>
   <p:notesSz cx="6858000" cy="9144000"/>
@@ -109,6 +113,11 @@
       </a:defRPr>
     </a:lvl9pPr>
   </p:defaultTextStyle>
+  <p:extLst>
+    <p:ext uri="{EFAFB233-063F-42B5-8137-9DF3F51BA10A}">
+      <p15:sldGuideLst xmlns:p15="http://schemas.microsoft.com/office/powerpoint/2012/main"/>
+    </p:ext>
+  </p:extLst>
 </p:presentation>
 </file>
 
@@ -892,13 +901,13 @@
   <p:clrMapOvr>
     <a:masterClrMapping/>
   </p:clrMapOvr>
-  <mc:AlternateContent xmlns:mc="http://schemas.openxmlformats.org/markup-compatibility/2006">
-    <mc:Choice xmlns:p15="http://schemas.microsoft.com/office/powerpoint/2012/main" Requires="p15">
+  <mc:AlternateContent xmlns:mc="http://schemas.openxmlformats.org/markup-compatibility/2006" xmlns:p15="http://schemas.microsoft.com/office/powerpoint/2012/main">
+    <mc:Choice Requires="p15">
       <p:transition xmlns:p14="http://schemas.microsoft.com/office/powerpoint/2010/main" spd="slow" p14:dur="2000">
         <p15:prstTrans prst="crush"/>
       </p:transition>
     </mc:Choice>
-    <mc:Fallback>
+    <mc:Fallback xmlns="">
       <p:transition spd="slow">
         <p:fade/>
       </p:transition>
@@ -1155,13 +1164,13 @@
   <p:clrMapOvr>
     <a:masterClrMapping/>
   </p:clrMapOvr>
-  <mc:AlternateContent xmlns:mc="http://schemas.openxmlformats.org/markup-compatibility/2006">
-    <mc:Choice xmlns:p15="http://schemas.microsoft.com/office/powerpoint/2012/main" Requires="p15">
+  <mc:AlternateContent xmlns:mc="http://schemas.openxmlformats.org/markup-compatibility/2006" xmlns:p15="http://schemas.microsoft.com/office/powerpoint/2012/main">
+    <mc:Choice Requires="p15">
       <p:transition xmlns:p14="http://schemas.microsoft.com/office/powerpoint/2010/main" spd="slow" p14:dur="2000">
         <p15:prstTrans prst="crush"/>
       </p:transition>
     </mc:Choice>
-    <mc:Fallback>
+    <mc:Fallback xmlns="">
       <p:transition spd="slow">
         <p:fade/>
       </p:transition>
@@ -1571,13 +1580,13 @@
   <p:clrMapOvr>
     <a:masterClrMapping/>
   </p:clrMapOvr>
-  <mc:AlternateContent xmlns:mc="http://schemas.openxmlformats.org/markup-compatibility/2006">
-    <mc:Choice xmlns:p15="http://schemas.microsoft.com/office/powerpoint/2012/main" Requires="p15">
+  <mc:AlternateContent xmlns:mc="http://schemas.openxmlformats.org/markup-compatibility/2006" xmlns:p15="http://schemas.microsoft.com/office/powerpoint/2012/main">
+    <mc:Choice Requires="p15">
       <p:transition xmlns:p14="http://schemas.microsoft.com/office/powerpoint/2010/main" spd="slow" p14:dur="2000">
         <p15:prstTrans prst="crush"/>
       </p:transition>
     </mc:Choice>
-    <mc:Fallback>
+    <mc:Fallback xmlns="">
       <p:transition spd="slow">
         <p:fade/>
       </p:transition>
@@ -1834,13 +1843,13 @@
   <p:clrMapOvr>
     <a:masterClrMapping/>
   </p:clrMapOvr>
-  <mc:AlternateContent xmlns:mc="http://schemas.openxmlformats.org/markup-compatibility/2006">
-    <mc:Choice xmlns:p15="http://schemas.microsoft.com/office/powerpoint/2012/main" Requires="p15">
+  <mc:AlternateContent xmlns:mc="http://schemas.openxmlformats.org/markup-compatibility/2006" xmlns:p15="http://schemas.microsoft.com/office/powerpoint/2012/main">
+    <mc:Choice Requires="p15">
       <p:transition xmlns:p14="http://schemas.microsoft.com/office/powerpoint/2010/main" spd="slow" p14:dur="2000">
         <p15:prstTrans prst="crush"/>
       </p:transition>
     </mc:Choice>
-    <mc:Fallback>
+    <mc:Fallback xmlns="">
       <p:transition spd="slow">
         <p:fade/>
       </p:transition>
@@ -2242,13 +2251,13 @@
   <p:clrMapOvr>
     <a:masterClrMapping/>
   </p:clrMapOvr>
-  <mc:AlternateContent xmlns:mc="http://schemas.openxmlformats.org/markup-compatibility/2006">
-    <mc:Choice xmlns:p15="http://schemas.microsoft.com/office/powerpoint/2012/main" Requires="p15">
+  <mc:AlternateContent xmlns:mc="http://schemas.openxmlformats.org/markup-compatibility/2006" xmlns:p15="http://schemas.microsoft.com/office/powerpoint/2012/main">
+    <mc:Choice Requires="p15">
       <p:transition xmlns:p14="http://schemas.microsoft.com/office/powerpoint/2010/main" spd="slow" p14:dur="2000">
         <p15:prstTrans prst="crush"/>
       </p:transition>
     </mc:Choice>
-    <mc:Fallback>
+    <mc:Fallback xmlns="">
       <p:transition spd="slow">
         <p:fade/>
       </p:transition>
@@ -2565,13 +2574,13 @@
   <p:clrMapOvr>
     <a:masterClrMapping/>
   </p:clrMapOvr>
-  <mc:AlternateContent xmlns:mc="http://schemas.openxmlformats.org/markup-compatibility/2006">
-    <mc:Choice xmlns:p15="http://schemas.microsoft.com/office/powerpoint/2012/main" Requires="p15">
+  <mc:AlternateContent xmlns:mc="http://schemas.openxmlformats.org/markup-compatibility/2006" xmlns:p15="http://schemas.microsoft.com/office/powerpoint/2012/main">
+    <mc:Choice Requires="p15">
       <p:transition xmlns:p14="http://schemas.microsoft.com/office/powerpoint/2010/main" spd="slow" p14:dur="2000">
         <p15:prstTrans prst="crush"/>
       </p:transition>
     </mc:Choice>
-    <mc:Fallback>
+    <mc:Fallback xmlns="">
       <p:transition spd="slow">
         <p:fade/>
       </p:transition>
@@ -2747,13 +2756,13 @@
   <p:clrMapOvr>
     <a:masterClrMapping/>
   </p:clrMapOvr>
-  <mc:AlternateContent xmlns:mc="http://schemas.openxmlformats.org/markup-compatibility/2006">
-    <mc:Choice xmlns:p15="http://schemas.microsoft.com/office/powerpoint/2012/main" Requires="p15">
+  <mc:AlternateContent xmlns:mc="http://schemas.openxmlformats.org/markup-compatibility/2006" xmlns:p15="http://schemas.microsoft.com/office/powerpoint/2012/main">
+    <mc:Choice Requires="p15">
       <p:transition xmlns:p14="http://schemas.microsoft.com/office/powerpoint/2010/main" spd="slow" p14:dur="2000">
         <p15:prstTrans prst="crush"/>
       </p:transition>
     </mc:Choice>
-    <mc:Fallback>
+    <mc:Fallback xmlns="">
       <p:transition spd="slow">
         <p:fade/>
       </p:transition>
@@ -2939,13 +2948,13 @@
   <p:clrMapOvr>
     <a:masterClrMapping/>
   </p:clrMapOvr>
-  <mc:AlternateContent xmlns:mc="http://schemas.openxmlformats.org/markup-compatibility/2006">
-    <mc:Choice xmlns:p15="http://schemas.microsoft.com/office/powerpoint/2012/main" Requires="p15">
+  <mc:AlternateContent xmlns:mc="http://schemas.openxmlformats.org/markup-compatibility/2006" xmlns:p15="http://schemas.microsoft.com/office/powerpoint/2012/main">
+    <mc:Choice Requires="p15">
       <p:transition xmlns:p14="http://schemas.microsoft.com/office/powerpoint/2010/main" spd="slow" p14:dur="2000">
         <p15:prstTrans prst="crush"/>
       </p:transition>
     </mc:Choice>
-    <mc:Fallback>
+    <mc:Fallback xmlns="">
       <p:transition spd="slow">
         <p:fade/>
       </p:transition>
@@ -3127,13 +3136,13 @@
   <p:clrMapOvr>
     <a:masterClrMapping/>
   </p:clrMapOvr>
-  <mc:AlternateContent xmlns:mc="http://schemas.openxmlformats.org/markup-compatibility/2006">
-    <mc:Choice xmlns:p15="http://schemas.microsoft.com/office/powerpoint/2012/main" Requires="p15">
+  <mc:AlternateContent xmlns:mc="http://schemas.openxmlformats.org/markup-compatibility/2006" xmlns:p15="http://schemas.microsoft.com/office/powerpoint/2012/main">
+    <mc:Choice Requires="p15">
       <p:transition xmlns:p14="http://schemas.microsoft.com/office/powerpoint/2010/main" spd="slow" p14:dur="2000">
         <p15:prstTrans prst="crush"/>
       </p:transition>
     </mc:Choice>
-    <mc:Fallback>
+    <mc:Fallback xmlns="">
       <p:transition spd="slow">
         <p:fade/>
       </p:transition>
@@ -3386,13 +3395,13 @@
   <p:clrMapOvr>
     <a:masterClrMapping/>
   </p:clrMapOvr>
-  <mc:AlternateContent xmlns:mc="http://schemas.openxmlformats.org/markup-compatibility/2006">
-    <mc:Choice xmlns:p15="http://schemas.microsoft.com/office/powerpoint/2012/main" Requires="p15">
+  <mc:AlternateContent xmlns:mc="http://schemas.openxmlformats.org/markup-compatibility/2006" xmlns:p15="http://schemas.microsoft.com/office/powerpoint/2012/main">
+    <mc:Choice Requires="p15">
       <p:transition xmlns:p14="http://schemas.microsoft.com/office/powerpoint/2010/main" spd="slow" p14:dur="2000">
         <p15:prstTrans prst="crush"/>
       </p:transition>
     </mc:Choice>
-    <mc:Fallback>
+    <mc:Fallback xmlns="">
       <p:transition spd="slow">
         <p:fade/>
       </p:transition>
@@ -3630,13 +3639,13 @@
   <p:clrMapOvr>
     <a:masterClrMapping/>
   </p:clrMapOvr>
-  <mc:AlternateContent xmlns:mc="http://schemas.openxmlformats.org/markup-compatibility/2006">
-    <mc:Choice xmlns:p15="http://schemas.microsoft.com/office/powerpoint/2012/main" Requires="p15">
+  <mc:AlternateContent xmlns:mc="http://schemas.openxmlformats.org/markup-compatibility/2006" xmlns:p15="http://schemas.microsoft.com/office/powerpoint/2012/main">
+    <mc:Choice Requires="p15">
       <p:transition xmlns:p14="http://schemas.microsoft.com/office/powerpoint/2010/main" spd="slow" p14:dur="2000">
         <p15:prstTrans prst="crush"/>
       </p:transition>
     </mc:Choice>
-    <mc:Fallback>
+    <mc:Fallback xmlns="">
       <p:transition spd="slow">
         <p:fade/>
       </p:transition>
@@ -4016,13 +4025,13 @@
   <p:clrMapOvr>
     <a:masterClrMapping/>
   </p:clrMapOvr>
-  <mc:AlternateContent xmlns:mc="http://schemas.openxmlformats.org/markup-compatibility/2006">
-    <mc:Choice xmlns:p15="http://schemas.microsoft.com/office/powerpoint/2012/main" Requires="p15">
+  <mc:AlternateContent xmlns:mc="http://schemas.openxmlformats.org/markup-compatibility/2006" xmlns:p15="http://schemas.microsoft.com/office/powerpoint/2012/main">
+    <mc:Choice Requires="p15">
       <p:transition xmlns:p14="http://schemas.microsoft.com/office/powerpoint/2010/main" spd="slow" p14:dur="2000">
         <p15:prstTrans prst="crush"/>
       </p:transition>
     </mc:Choice>
-    <mc:Fallback>
+    <mc:Fallback xmlns="">
       <p:transition spd="slow">
         <p:fade/>
       </p:transition>
@@ -4151,13 +4160,13 @@
   <p:clrMapOvr>
     <a:masterClrMapping/>
   </p:clrMapOvr>
-  <mc:AlternateContent xmlns:mc="http://schemas.openxmlformats.org/markup-compatibility/2006">
-    <mc:Choice xmlns:p15="http://schemas.microsoft.com/office/powerpoint/2012/main" Requires="p15">
+  <mc:AlternateContent xmlns:mc="http://schemas.openxmlformats.org/markup-compatibility/2006" xmlns:p15="http://schemas.microsoft.com/office/powerpoint/2012/main">
+    <mc:Choice Requires="p15">
       <p:transition xmlns:p14="http://schemas.microsoft.com/office/powerpoint/2010/main" spd="slow" p14:dur="2000">
         <p15:prstTrans prst="crush"/>
       </p:transition>
     </mc:Choice>
-    <mc:Fallback>
+    <mc:Fallback xmlns="">
       <p:transition spd="slow">
         <p:fade/>
       </p:transition>
@@ -4258,13 +4267,13 @@
   <p:clrMapOvr>
     <a:masterClrMapping/>
   </p:clrMapOvr>
-  <mc:AlternateContent xmlns:mc="http://schemas.openxmlformats.org/markup-compatibility/2006">
-    <mc:Choice xmlns:p15="http://schemas.microsoft.com/office/powerpoint/2012/main" Requires="p15">
+  <mc:AlternateContent xmlns:mc="http://schemas.openxmlformats.org/markup-compatibility/2006" xmlns:p15="http://schemas.microsoft.com/office/powerpoint/2012/main">
+    <mc:Choice Requires="p15">
       <p:transition xmlns:p14="http://schemas.microsoft.com/office/powerpoint/2010/main" spd="slow" p14:dur="2000">
         <p15:prstTrans prst="crush"/>
       </p:transition>
     </mc:Choice>
-    <mc:Fallback>
+    <mc:Fallback xmlns="">
       <p:transition spd="slow">
         <p:fade/>
       </p:transition>
@@ -4525,13 +4534,13 @@
   <p:clrMapOvr>
     <a:masterClrMapping/>
   </p:clrMapOvr>
-  <mc:AlternateContent xmlns:mc="http://schemas.openxmlformats.org/markup-compatibility/2006">
-    <mc:Choice xmlns:p15="http://schemas.microsoft.com/office/powerpoint/2012/main" Requires="p15">
+  <mc:AlternateContent xmlns:mc="http://schemas.openxmlformats.org/markup-compatibility/2006" xmlns:p15="http://schemas.microsoft.com/office/powerpoint/2012/main">
+    <mc:Choice Requires="p15">
       <p:transition xmlns:p14="http://schemas.microsoft.com/office/powerpoint/2010/main" spd="slow" p14:dur="2000">
         <p15:prstTrans prst="crush"/>
       </p:transition>
     </mc:Choice>
-    <mc:Fallback>
+    <mc:Fallback xmlns="">
       <p:transition spd="slow">
         <p:fade/>
       </p:transition>
@@ -4800,13 +4809,13 @@
   <p:clrMapOvr>
     <a:masterClrMapping/>
   </p:clrMapOvr>
-  <mc:AlternateContent xmlns:mc="http://schemas.openxmlformats.org/markup-compatibility/2006">
-    <mc:Choice xmlns:p15="http://schemas.microsoft.com/office/powerpoint/2012/main" Requires="p15">
+  <mc:AlternateContent xmlns:mc="http://schemas.openxmlformats.org/markup-compatibility/2006" xmlns:p15="http://schemas.microsoft.com/office/powerpoint/2012/main">
+    <mc:Choice Requires="p15">
       <p:transition xmlns:p14="http://schemas.microsoft.com/office/powerpoint/2010/main" spd="slow" p14:dur="2000">
         <p15:prstTrans prst="crush"/>
       </p:transition>
     </mc:Choice>
-    <mc:Fallback>
+    <mc:Fallback xmlns="">
       <p:transition spd="slow">
         <p:fade/>
       </p:transition>
@@ -5605,13 +5614,13 @@
     <p:sldLayoutId id="2147483709" r:id="rId15"/>
     <p:sldLayoutId id="2147483710" r:id="rId16"/>
   </p:sldLayoutIdLst>
-  <mc:AlternateContent xmlns:mc="http://schemas.openxmlformats.org/markup-compatibility/2006">
-    <mc:Choice xmlns:p15="http://schemas.microsoft.com/office/powerpoint/2012/main" Requires="p15">
+  <mc:AlternateContent xmlns:mc="http://schemas.openxmlformats.org/markup-compatibility/2006" xmlns:p15="http://schemas.microsoft.com/office/powerpoint/2012/main">
+    <mc:Choice Requires="p15">
       <p:transition xmlns:p14="http://schemas.microsoft.com/office/powerpoint/2010/main" spd="slow" p14:dur="2000">
         <p15:prstTrans prst="crush"/>
       </p:transition>
     </mc:Choice>
-    <mc:Fallback>
+    <mc:Fallback xmlns="">
       <p:transition spd="slow">
         <p:fade/>
       </p:transition>
@@ -6134,13 +6143,114 @@
   <p:clrMapOvr>
     <a:masterClrMapping/>
   </p:clrMapOvr>
-  <mc:AlternateContent xmlns:mc="http://schemas.openxmlformats.org/markup-compatibility/2006">
-    <mc:Choice xmlns:p15="http://schemas.microsoft.com/office/powerpoint/2012/main" Requires="p15">
+  <mc:AlternateContent xmlns:mc="http://schemas.openxmlformats.org/markup-compatibility/2006" xmlns:p15="http://schemas.microsoft.com/office/powerpoint/2012/main">
+    <mc:Choice Requires="p15">
       <p:transition xmlns:p14="http://schemas.microsoft.com/office/powerpoint/2010/main" spd="slow" p14:dur="2000">
         <p15:prstTrans prst="crush"/>
       </p:transition>
     </mc:Choice>
-    <mc:Fallback>
+    <mc:Fallback xmlns="">
+      <p:transition spd="slow">
+        <p:fade/>
+      </p:transition>
+    </mc:Fallback>
+  </mc:AlternateContent>
+</p:sld>
+</file>
+
+<file path=ppt/slides/slide10.xml><?xml version="1.0" encoding="utf-8"?>
+<p:sld xmlns:a="http://schemas.openxmlformats.org/drawingml/2006/main" xmlns:r="http://schemas.openxmlformats.org/officeDocument/2006/relationships" xmlns:p="http://schemas.openxmlformats.org/presentationml/2006/main">
+  <p:cSld>
+    <p:spTree>
+      <p:nvGrpSpPr>
+        <p:cNvPr id="1" name=""/>
+        <p:cNvGrpSpPr/>
+        <p:nvPr/>
+      </p:nvGrpSpPr>
+      <p:grpSpPr>
+        <a:xfrm>
+          <a:off x="0" y="0"/>
+          <a:ext cx="0" cy="0"/>
+          <a:chOff x="0" y="0"/>
+          <a:chExt cx="0" cy="0"/>
+        </a:xfrm>
+      </p:grpSpPr>
+      <p:sp>
+        <p:nvSpPr>
+          <p:cNvPr id="4" name="Cím 3">
+            <a:extLst>
+              <a:ext uri="{FF2B5EF4-FFF2-40B4-BE49-F238E27FC236}">
+                <a16:creationId xmlns:a16="http://schemas.microsoft.com/office/drawing/2014/main" id="{A96955AB-81B9-452E-8023-67E6F32C6602}"/>
+              </a:ext>
+            </a:extLst>
+          </p:cNvPr>
+          <p:cNvSpPr>
+            <a:spLocks noGrp="1"/>
+          </p:cNvSpPr>
+          <p:nvPr>
+            <p:ph type="ctrTitle"/>
+          </p:nvPr>
+        </p:nvSpPr>
+        <p:spPr>
+          <a:xfrm>
+            <a:off x="585926" y="1710268"/>
+            <a:ext cx="9206144" cy="2340568"/>
+          </a:xfrm>
+        </p:spPr>
+        <p:txBody>
+          <a:bodyPr/>
+          <a:lstStyle/>
+          <a:p>
+            <a:pPr algn="ctr"/>
+            <a:r>
+              <a:rPr lang="hu-HU" sz="6600" dirty="0"/>
+              <a:t>Köszönjük a figyelmet!</a:t>
+            </a:r>
+          </a:p>
+        </p:txBody>
+      </p:sp>
+      <p:sp>
+        <p:nvSpPr>
+          <p:cNvPr id="5" name="Alcím 4">
+            <a:extLst>
+              <a:ext uri="{FF2B5EF4-FFF2-40B4-BE49-F238E27FC236}">
+                <a16:creationId xmlns:a16="http://schemas.microsoft.com/office/drawing/2014/main" id="{C2BBE5C3-8B9B-4D92-B192-5523EEE84938}"/>
+              </a:ext>
+            </a:extLst>
+          </p:cNvPr>
+          <p:cNvSpPr>
+            <a:spLocks noGrp="1"/>
+          </p:cNvSpPr>
+          <p:nvPr>
+            <p:ph type="subTitle" idx="1"/>
+          </p:nvPr>
+        </p:nvSpPr>
+        <p:spPr/>
+        <p:txBody>
+          <a:bodyPr/>
+          <a:lstStyle/>
+          <a:p>
+            <a:endParaRPr lang="hu-HU"/>
+          </a:p>
+        </p:txBody>
+      </p:sp>
+    </p:spTree>
+    <p:extLst>
+      <p:ext uri="{BB962C8B-B14F-4D97-AF65-F5344CB8AC3E}">
+        <p14:creationId xmlns:p14="http://schemas.microsoft.com/office/powerpoint/2010/main" val="3357058011"/>
+      </p:ext>
+    </p:extLst>
+  </p:cSld>
+  <p:clrMapOvr>
+    <a:masterClrMapping/>
+  </p:clrMapOvr>
+  <mc:AlternateContent xmlns:mc="http://schemas.openxmlformats.org/markup-compatibility/2006" xmlns:p14="http://schemas.microsoft.com/office/powerpoint/2010/main">
+    <mc:Choice Requires="p14">
+      <p:transition spd="slow" p14:dur="4400">
+        <p14:honeycomb/>
+      </p:transition>
+    </mc:Choice>
+    <mc:Fallback xmlns="">
       <p:transition spd="slow">
         <p:fade/>
       </p:transition>
@@ -6296,13 +6406,13 @@
   <p:clrMapOvr>
     <a:masterClrMapping/>
   </p:clrMapOvr>
-  <mc:AlternateContent xmlns:mc="http://schemas.openxmlformats.org/markup-compatibility/2006">
-    <mc:Choice xmlns:p15="http://schemas.microsoft.com/office/powerpoint/2012/main" Requires="p15">
+  <mc:AlternateContent xmlns:mc="http://schemas.openxmlformats.org/markup-compatibility/2006" xmlns:p15="http://schemas.microsoft.com/office/powerpoint/2012/main">
+    <mc:Choice Requires="p15">
       <p:transition xmlns:p14="http://schemas.microsoft.com/office/powerpoint/2010/main" spd="slow" p14:dur="1250">
         <p15:prstTrans prst="airplane"/>
       </p:transition>
     </mc:Choice>
-    <mc:Fallback>
+    <mc:Fallback xmlns="">
       <p:transition spd="slow">
         <p:fade/>
       </p:transition>
@@ -7370,13 +7480,13 @@
   <p:clrMapOvr>
     <a:masterClrMapping/>
   </p:clrMapOvr>
-  <mc:AlternateContent xmlns:mc="http://schemas.openxmlformats.org/markup-compatibility/2006">
-    <mc:Choice xmlns:p15="http://schemas.microsoft.com/office/powerpoint/2012/main" Requires="p15">
+  <mc:AlternateContent xmlns:mc="http://schemas.openxmlformats.org/markup-compatibility/2006" xmlns:p15="http://schemas.microsoft.com/office/powerpoint/2012/main">
+    <mc:Choice Requires="p15">
       <p:transition xmlns:p14="http://schemas.microsoft.com/office/powerpoint/2010/main" spd="slow" p14:dur="3250">
         <p15:prstTrans prst="origami"/>
       </p:transition>
     </mc:Choice>
-    <mc:Fallback>
+    <mc:Fallback xmlns="">
       <p:transition spd="slow">
         <p:fade/>
       </p:transition>
@@ -9716,18 +9826,444 @@
   <p:clrMapOvr>
     <a:masterClrMapping/>
   </p:clrMapOvr>
-  <mc:AlternateContent xmlns:mc="http://schemas.openxmlformats.org/markup-compatibility/2006">
-    <mc:Choice xmlns:p15="http://schemas.microsoft.com/office/powerpoint/2012/main" Requires="p15">
+  <mc:AlternateContent xmlns:mc="http://schemas.openxmlformats.org/markup-compatibility/2006" xmlns:p15="http://schemas.microsoft.com/office/powerpoint/2012/main">
+    <mc:Choice Requires="p15">
       <p:transition xmlns:p14="http://schemas.microsoft.com/office/powerpoint/2010/main" spd="slow" p14:dur="2000">
         <p15:prstTrans prst="crush"/>
       </p:transition>
     </mc:Choice>
-    <mc:Fallback>
+    <mc:Fallback xmlns="">
       <p:transition spd="slow">
         <p:fade/>
       </p:transition>
     </mc:Fallback>
   </mc:AlternateContent>
+  <p:timing>
+    <p:tnLst>
+      <p:par>
+        <p:cTn id="1" dur="indefinite" restart="never" nodeType="tmRoot">
+          <p:childTnLst>
+            <p:seq concurrent="1" nextAc="seek">
+              <p:cTn id="2" dur="indefinite" nodeType="mainSeq">
+                <p:childTnLst>
+                  <p:par>
+                    <p:cTn id="3" fill="hold">
+                      <p:stCondLst>
+                        <p:cond delay="indefinite"/>
+                      </p:stCondLst>
+                      <p:childTnLst>
+                        <p:par>
+                          <p:cTn id="4" fill="hold">
+                            <p:stCondLst>
+                              <p:cond delay="0"/>
+                            </p:stCondLst>
+                            <p:childTnLst>
+                              <p:par>
+                                <p:cTn id="5" presetID="21" presetClass="entr" presetSubtype="1" fill="hold" grpId="0" nodeType="clickEffect">
+                                  <p:stCondLst>
+                                    <p:cond delay="0"/>
+                                  </p:stCondLst>
+                                  <p:childTnLst>
+                                    <p:set>
+                                      <p:cBhvr>
+                                        <p:cTn id="6" dur="1" fill="hold">
+                                          <p:stCondLst>
+                                            <p:cond delay="0"/>
+                                          </p:stCondLst>
+                                        </p:cTn>
+                                        <p:tgtEl>
+                                          <p:spTgt spid="8">
+                                            <p:txEl>
+                                              <p:pRg st="0" end="0"/>
+                                            </p:txEl>
+                                          </p:spTgt>
+                                        </p:tgtEl>
+                                        <p:attrNameLst>
+                                          <p:attrName>style.visibility</p:attrName>
+                                        </p:attrNameLst>
+                                      </p:cBhvr>
+                                      <p:to>
+                                        <p:strVal val="visible"/>
+                                      </p:to>
+                                    </p:set>
+                                    <p:animEffect transition="in" filter="wheel(1)">
+                                      <p:cBhvr>
+                                        <p:cTn id="7" dur="2000"/>
+                                        <p:tgtEl>
+                                          <p:spTgt spid="8">
+                                            <p:txEl>
+                                              <p:pRg st="0" end="0"/>
+                                            </p:txEl>
+                                          </p:spTgt>
+                                        </p:tgtEl>
+                                      </p:cBhvr>
+                                    </p:animEffect>
+                                  </p:childTnLst>
+                                </p:cTn>
+                              </p:par>
+                            </p:childTnLst>
+                          </p:cTn>
+                        </p:par>
+                      </p:childTnLst>
+                    </p:cTn>
+                  </p:par>
+                  <p:par>
+                    <p:cTn id="8" fill="hold">
+                      <p:stCondLst>
+                        <p:cond delay="indefinite"/>
+                      </p:stCondLst>
+                      <p:childTnLst>
+                        <p:par>
+                          <p:cTn id="9" fill="hold">
+                            <p:stCondLst>
+                              <p:cond delay="0"/>
+                            </p:stCondLst>
+                            <p:childTnLst>
+                              <p:par>
+                                <p:cTn id="10" presetID="21" presetClass="entr" presetSubtype="1" fill="hold" grpId="0" nodeType="clickEffect">
+                                  <p:stCondLst>
+                                    <p:cond delay="0"/>
+                                  </p:stCondLst>
+                                  <p:childTnLst>
+                                    <p:set>
+                                      <p:cBhvr>
+                                        <p:cTn id="11" dur="1" fill="hold">
+                                          <p:stCondLst>
+                                            <p:cond delay="0"/>
+                                          </p:stCondLst>
+                                        </p:cTn>
+                                        <p:tgtEl>
+                                          <p:spTgt spid="8">
+                                            <p:txEl>
+                                              <p:pRg st="1" end="1"/>
+                                            </p:txEl>
+                                          </p:spTgt>
+                                        </p:tgtEl>
+                                        <p:attrNameLst>
+                                          <p:attrName>style.visibility</p:attrName>
+                                        </p:attrNameLst>
+                                      </p:cBhvr>
+                                      <p:to>
+                                        <p:strVal val="visible"/>
+                                      </p:to>
+                                    </p:set>
+                                    <p:animEffect transition="in" filter="wheel(1)">
+                                      <p:cBhvr>
+                                        <p:cTn id="12" dur="2000"/>
+                                        <p:tgtEl>
+                                          <p:spTgt spid="8">
+                                            <p:txEl>
+                                              <p:pRg st="1" end="1"/>
+                                            </p:txEl>
+                                          </p:spTgt>
+                                        </p:tgtEl>
+                                      </p:cBhvr>
+                                    </p:animEffect>
+                                  </p:childTnLst>
+                                </p:cTn>
+                              </p:par>
+                              <p:par>
+                                <p:cTn id="13" presetID="21" presetClass="entr" presetSubtype="1" fill="hold" grpId="0" nodeType="withEffect">
+                                  <p:stCondLst>
+                                    <p:cond delay="0"/>
+                                  </p:stCondLst>
+                                  <p:childTnLst>
+                                    <p:set>
+                                      <p:cBhvr>
+                                        <p:cTn id="14" dur="1" fill="hold">
+                                          <p:stCondLst>
+                                            <p:cond delay="0"/>
+                                          </p:stCondLst>
+                                        </p:cTn>
+                                        <p:tgtEl>
+                                          <p:spTgt spid="8">
+                                            <p:txEl>
+                                              <p:pRg st="2" end="2"/>
+                                            </p:txEl>
+                                          </p:spTgt>
+                                        </p:tgtEl>
+                                        <p:attrNameLst>
+                                          <p:attrName>style.visibility</p:attrName>
+                                        </p:attrNameLst>
+                                      </p:cBhvr>
+                                      <p:to>
+                                        <p:strVal val="visible"/>
+                                      </p:to>
+                                    </p:set>
+                                    <p:animEffect transition="in" filter="wheel(1)">
+                                      <p:cBhvr>
+                                        <p:cTn id="15" dur="2000"/>
+                                        <p:tgtEl>
+                                          <p:spTgt spid="8">
+                                            <p:txEl>
+                                              <p:pRg st="2" end="2"/>
+                                            </p:txEl>
+                                          </p:spTgt>
+                                        </p:tgtEl>
+                                      </p:cBhvr>
+                                    </p:animEffect>
+                                  </p:childTnLst>
+                                </p:cTn>
+                              </p:par>
+                              <p:par>
+                                <p:cTn id="16" presetID="21" presetClass="entr" presetSubtype="1" fill="hold" grpId="0" nodeType="withEffect">
+                                  <p:stCondLst>
+                                    <p:cond delay="0"/>
+                                  </p:stCondLst>
+                                  <p:childTnLst>
+                                    <p:set>
+                                      <p:cBhvr>
+                                        <p:cTn id="17" dur="1" fill="hold">
+                                          <p:stCondLst>
+                                            <p:cond delay="0"/>
+                                          </p:stCondLst>
+                                        </p:cTn>
+                                        <p:tgtEl>
+                                          <p:spTgt spid="8">
+                                            <p:txEl>
+                                              <p:pRg st="3" end="3"/>
+                                            </p:txEl>
+                                          </p:spTgt>
+                                        </p:tgtEl>
+                                        <p:attrNameLst>
+                                          <p:attrName>style.visibility</p:attrName>
+                                        </p:attrNameLst>
+                                      </p:cBhvr>
+                                      <p:to>
+                                        <p:strVal val="visible"/>
+                                      </p:to>
+                                    </p:set>
+                                    <p:animEffect transition="in" filter="wheel(1)">
+                                      <p:cBhvr>
+                                        <p:cTn id="18" dur="2000"/>
+                                        <p:tgtEl>
+                                          <p:spTgt spid="8">
+                                            <p:txEl>
+                                              <p:pRg st="3" end="3"/>
+                                            </p:txEl>
+                                          </p:spTgt>
+                                        </p:tgtEl>
+                                      </p:cBhvr>
+                                    </p:animEffect>
+                                  </p:childTnLst>
+                                </p:cTn>
+                              </p:par>
+                              <p:par>
+                                <p:cTn id="19" presetID="21" presetClass="entr" presetSubtype="1" fill="hold" grpId="0" nodeType="withEffect">
+                                  <p:stCondLst>
+                                    <p:cond delay="0"/>
+                                  </p:stCondLst>
+                                  <p:childTnLst>
+                                    <p:set>
+                                      <p:cBhvr>
+                                        <p:cTn id="20" dur="1" fill="hold">
+                                          <p:stCondLst>
+                                            <p:cond delay="0"/>
+                                          </p:stCondLst>
+                                        </p:cTn>
+                                        <p:tgtEl>
+                                          <p:spTgt spid="8">
+                                            <p:txEl>
+                                              <p:pRg st="4" end="4"/>
+                                            </p:txEl>
+                                          </p:spTgt>
+                                        </p:tgtEl>
+                                        <p:attrNameLst>
+                                          <p:attrName>style.visibility</p:attrName>
+                                        </p:attrNameLst>
+                                      </p:cBhvr>
+                                      <p:to>
+                                        <p:strVal val="visible"/>
+                                      </p:to>
+                                    </p:set>
+                                    <p:animEffect transition="in" filter="wheel(1)">
+                                      <p:cBhvr>
+                                        <p:cTn id="21" dur="2000"/>
+                                        <p:tgtEl>
+                                          <p:spTgt spid="8">
+                                            <p:txEl>
+                                              <p:pRg st="4" end="4"/>
+                                            </p:txEl>
+                                          </p:spTgt>
+                                        </p:tgtEl>
+                                      </p:cBhvr>
+                                    </p:animEffect>
+                                  </p:childTnLst>
+                                </p:cTn>
+                              </p:par>
+                              <p:par>
+                                <p:cTn id="22" presetID="21" presetClass="entr" presetSubtype="1" fill="hold" grpId="0" nodeType="withEffect">
+                                  <p:stCondLst>
+                                    <p:cond delay="0"/>
+                                  </p:stCondLst>
+                                  <p:childTnLst>
+                                    <p:set>
+                                      <p:cBhvr>
+                                        <p:cTn id="23" dur="1" fill="hold">
+                                          <p:stCondLst>
+                                            <p:cond delay="0"/>
+                                          </p:stCondLst>
+                                        </p:cTn>
+                                        <p:tgtEl>
+                                          <p:spTgt spid="8">
+                                            <p:txEl>
+                                              <p:pRg st="5" end="5"/>
+                                            </p:txEl>
+                                          </p:spTgt>
+                                        </p:tgtEl>
+                                        <p:attrNameLst>
+                                          <p:attrName>style.visibility</p:attrName>
+                                        </p:attrNameLst>
+                                      </p:cBhvr>
+                                      <p:to>
+                                        <p:strVal val="visible"/>
+                                      </p:to>
+                                    </p:set>
+                                    <p:animEffect transition="in" filter="wheel(1)">
+                                      <p:cBhvr>
+                                        <p:cTn id="24" dur="2000"/>
+                                        <p:tgtEl>
+                                          <p:spTgt spid="8">
+                                            <p:txEl>
+                                              <p:pRg st="5" end="5"/>
+                                            </p:txEl>
+                                          </p:spTgt>
+                                        </p:tgtEl>
+                                      </p:cBhvr>
+                                    </p:animEffect>
+                                  </p:childTnLst>
+                                </p:cTn>
+                              </p:par>
+                            </p:childTnLst>
+                          </p:cTn>
+                        </p:par>
+                      </p:childTnLst>
+                    </p:cTn>
+                  </p:par>
+                  <p:par>
+                    <p:cTn id="25" fill="hold">
+                      <p:stCondLst>
+                        <p:cond delay="indefinite"/>
+                      </p:stCondLst>
+                      <p:childTnLst>
+                        <p:par>
+                          <p:cTn id="26" fill="hold">
+                            <p:stCondLst>
+                              <p:cond delay="0"/>
+                            </p:stCondLst>
+                            <p:childTnLst>
+                              <p:par>
+                                <p:cTn id="27" presetID="42" presetClass="entr" presetSubtype="0" fill="hold" nodeType="clickEffect">
+                                  <p:stCondLst>
+                                    <p:cond delay="0"/>
+                                  </p:stCondLst>
+                                  <p:childTnLst>
+                                    <p:set>
+                                      <p:cBhvr>
+                                        <p:cTn id="28" dur="1" fill="hold">
+                                          <p:stCondLst>
+                                            <p:cond delay="0"/>
+                                          </p:stCondLst>
+                                        </p:cTn>
+                                        <p:tgtEl>
+                                          <p:spTgt spid="9"/>
+                                        </p:tgtEl>
+                                        <p:attrNameLst>
+                                          <p:attrName>style.visibility</p:attrName>
+                                        </p:attrNameLst>
+                                      </p:cBhvr>
+                                      <p:to>
+                                        <p:strVal val="visible"/>
+                                      </p:to>
+                                    </p:set>
+                                    <p:animEffect transition="in" filter="fade">
+                                      <p:cBhvr>
+                                        <p:cTn id="29" dur="1000"/>
+                                        <p:tgtEl>
+                                          <p:spTgt spid="9"/>
+                                        </p:tgtEl>
+                                      </p:cBhvr>
+                                    </p:animEffect>
+                                    <p:anim calcmode="lin" valueType="num">
+                                      <p:cBhvr>
+                                        <p:cTn id="30" dur="1000" fill="hold"/>
+                                        <p:tgtEl>
+                                          <p:spTgt spid="9"/>
+                                        </p:tgtEl>
+                                        <p:attrNameLst>
+                                          <p:attrName>ppt_x</p:attrName>
+                                        </p:attrNameLst>
+                                      </p:cBhvr>
+                                      <p:tavLst>
+                                        <p:tav tm="0">
+                                          <p:val>
+                                            <p:strVal val="#ppt_x"/>
+                                          </p:val>
+                                        </p:tav>
+                                        <p:tav tm="100000">
+                                          <p:val>
+                                            <p:strVal val="#ppt_x"/>
+                                          </p:val>
+                                        </p:tav>
+                                      </p:tavLst>
+                                    </p:anim>
+                                    <p:anim calcmode="lin" valueType="num">
+                                      <p:cBhvr>
+                                        <p:cTn id="31" dur="1000" fill="hold"/>
+                                        <p:tgtEl>
+                                          <p:spTgt spid="9"/>
+                                        </p:tgtEl>
+                                        <p:attrNameLst>
+                                          <p:attrName>ppt_y</p:attrName>
+                                        </p:attrNameLst>
+                                      </p:cBhvr>
+                                      <p:tavLst>
+                                        <p:tav tm="0">
+                                          <p:val>
+                                            <p:strVal val="#ppt_y+.1"/>
+                                          </p:val>
+                                        </p:tav>
+                                        <p:tav tm="100000">
+                                          <p:val>
+                                            <p:strVal val="#ppt_y"/>
+                                          </p:val>
+                                        </p:tav>
+                                      </p:tavLst>
+                                    </p:anim>
+                                  </p:childTnLst>
+                                </p:cTn>
+                              </p:par>
+                            </p:childTnLst>
+                          </p:cTn>
+                        </p:par>
+                      </p:childTnLst>
+                    </p:cTn>
+                  </p:par>
+                </p:childTnLst>
+              </p:cTn>
+              <p:prevCondLst>
+                <p:cond evt="onPrev" delay="0">
+                  <p:tgtEl>
+                    <p:sldTgt/>
+                  </p:tgtEl>
+                </p:cond>
+              </p:prevCondLst>
+              <p:nextCondLst>
+                <p:cond evt="onNext" delay="0">
+                  <p:tgtEl>
+                    <p:sldTgt/>
+                  </p:tgtEl>
+                </p:cond>
+              </p:nextCondLst>
+            </p:seq>
+          </p:childTnLst>
+        </p:cTn>
+      </p:par>
+    </p:tnLst>
+    <p:bldLst>
+      <p:bldP spid="8" grpId="0" build="p"/>
+    </p:bldLst>
+  </p:timing>
 </p:sld>
 </file>
 
@@ -9912,6 +10448,50 @@
           </a:prstGeom>
         </p:spPr>
       </p:pic>
+      <p:cxnSp>
+        <p:nvCxnSpPr>
+          <p:cNvPr id="3" name="Egyenes összekötő nyíllal 2">
+            <a:extLst>
+              <a:ext uri="{FF2B5EF4-FFF2-40B4-BE49-F238E27FC236}">
+                <a16:creationId xmlns:a16="http://schemas.microsoft.com/office/drawing/2014/main" id="{071F3177-C34B-4DCF-BBF9-1314C294D1A5}"/>
+              </a:ext>
+            </a:extLst>
+          </p:cNvPr>
+          <p:cNvCxnSpPr>
+            <a:cxnSpLocks/>
+          </p:cNvCxnSpPr>
+          <p:nvPr/>
+        </p:nvCxnSpPr>
+        <p:spPr>
+          <a:xfrm>
+            <a:off x="7421732" y="2592280"/>
+            <a:ext cx="328474" cy="949434"/>
+          </a:xfrm>
+          <a:prstGeom prst="straightConnector1">
+            <a:avLst/>
+          </a:prstGeom>
+          <a:ln>
+            <a:solidFill>
+              <a:srgbClr val="FF0000"/>
+            </a:solidFill>
+            <a:tailEnd type="triangle"/>
+          </a:ln>
+        </p:spPr>
+        <p:style>
+          <a:lnRef idx="3">
+            <a:schemeClr val="dk1"/>
+          </a:lnRef>
+          <a:fillRef idx="0">
+            <a:schemeClr val="dk1"/>
+          </a:fillRef>
+          <a:effectRef idx="2">
+            <a:schemeClr val="dk1"/>
+          </a:effectRef>
+          <a:fontRef idx="minor">
+            <a:schemeClr val="tx1"/>
+          </a:fontRef>
+        </p:style>
+      </p:cxnSp>
     </p:spTree>
     <p:extLst>
       <p:ext uri="{BB962C8B-B14F-4D97-AF65-F5344CB8AC3E}">
@@ -9924,8 +10504,8 @@
   </p:clrMapOvr>
   <mc:AlternateContent xmlns:mc="http://schemas.openxmlformats.org/markup-compatibility/2006">
     <mc:Choice xmlns:p15="http://schemas.microsoft.com/office/powerpoint/2012/main" Requires="p15">
-      <p:transition xmlns:p14="http://schemas.microsoft.com/office/powerpoint/2010/main" spd="slow" p14:dur="2000">
-        <p15:prstTrans prst="crush"/>
+      <p:transition xmlns:p14="http://schemas.microsoft.com/office/powerpoint/2010/main" spd="slow" p14:dur="6000">
+        <p15:prstTrans prst="curtains"/>
       </p:transition>
     </mc:Choice>
     <mc:Fallback>
@@ -9934,6 +10514,979 @@
       </p:transition>
     </mc:Fallback>
   </mc:AlternateContent>
+  <p:timing>
+    <p:tnLst>
+      <p:par>
+        <p:cTn id="1" dur="indefinite" restart="never" nodeType="tmRoot">
+          <p:childTnLst>
+            <p:seq concurrent="1" nextAc="seek">
+              <p:cTn id="2" dur="indefinite" nodeType="mainSeq">
+                <p:childTnLst>
+                  <p:par>
+                    <p:cTn id="3" fill="hold">
+                      <p:stCondLst>
+                        <p:cond delay="indefinite"/>
+                      </p:stCondLst>
+                      <p:childTnLst>
+                        <p:par>
+                          <p:cTn id="4" fill="hold">
+                            <p:stCondLst>
+                              <p:cond delay="0"/>
+                            </p:stCondLst>
+                            <p:childTnLst>
+                              <p:par>
+                                <p:cTn id="5" presetID="2" presetClass="entr" presetSubtype="4" fill="hold" grpId="0" nodeType="clickEffect">
+                                  <p:stCondLst>
+                                    <p:cond delay="0"/>
+                                  </p:stCondLst>
+                                  <p:childTnLst>
+                                    <p:set>
+                                      <p:cBhvr>
+                                        <p:cTn id="6" dur="1" fill="hold">
+                                          <p:stCondLst>
+                                            <p:cond delay="0"/>
+                                          </p:stCondLst>
+                                        </p:cTn>
+                                        <p:tgtEl>
+                                          <p:spTgt spid="8">
+                                            <p:txEl>
+                                              <p:pRg st="0" end="0"/>
+                                            </p:txEl>
+                                          </p:spTgt>
+                                        </p:tgtEl>
+                                        <p:attrNameLst>
+                                          <p:attrName>style.visibility</p:attrName>
+                                        </p:attrNameLst>
+                                      </p:cBhvr>
+                                      <p:to>
+                                        <p:strVal val="visible"/>
+                                      </p:to>
+                                    </p:set>
+                                    <p:anim calcmode="lin" valueType="num">
+                                      <p:cBhvr additive="base">
+                                        <p:cTn id="7" dur="500" fill="hold"/>
+                                        <p:tgtEl>
+                                          <p:spTgt spid="8">
+                                            <p:txEl>
+                                              <p:pRg st="0" end="0"/>
+                                            </p:txEl>
+                                          </p:spTgt>
+                                        </p:tgtEl>
+                                        <p:attrNameLst>
+                                          <p:attrName>ppt_x</p:attrName>
+                                        </p:attrNameLst>
+                                      </p:cBhvr>
+                                      <p:tavLst>
+                                        <p:tav tm="0">
+                                          <p:val>
+                                            <p:strVal val="#ppt_x"/>
+                                          </p:val>
+                                        </p:tav>
+                                        <p:tav tm="100000">
+                                          <p:val>
+                                            <p:strVal val="#ppt_x"/>
+                                          </p:val>
+                                        </p:tav>
+                                      </p:tavLst>
+                                    </p:anim>
+                                    <p:anim calcmode="lin" valueType="num">
+                                      <p:cBhvr additive="base">
+                                        <p:cTn id="8" dur="500" fill="hold"/>
+                                        <p:tgtEl>
+                                          <p:spTgt spid="8">
+                                            <p:txEl>
+                                              <p:pRg st="0" end="0"/>
+                                            </p:txEl>
+                                          </p:spTgt>
+                                        </p:tgtEl>
+                                        <p:attrNameLst>
+                                          <p:attrName>ppt_y</p:attrName>
+                                        </p:attrNameLst>
+                                      </p:cBhvr>
+                                      <p:tavLst>
+                                        <p:tav tm="0">
+                                          <p:val>
+                                            <p:strVal val="1+#ppt_h/2"/>
+                                          </p:val>
+                                        </p:tav>
+                                        <p:tav tm="100000">
+                                          <p:val>
+                                            <p:strVal val="#ppt_y"/>
+                                          </p:val>
+                                        </p:tav>
+                                      </p:tavLst>
+                                    </p:anim>
+                                  </p:childTnLst>
+                                </p:cTn>
+                              </p:par>
+                            </p:childTnLst>
+                          </p:cTn>
+                        </p:par>
+                      </p:childTnLst>
+                    </p:cTn>
+                  </p:par>
+                  <p:par>
+                    <p:cTn id="9" fill="hold">
+                      <p:stCondLst>
+                        <p:cond delay="indefinite"/>
+                      </p:stCondLst>
+                      <p:childTnLst>
+                        <p:par>
+                          <p:cTn id="10" fill="hold">
+                            <p:stCondLst>
+                              <p:cond delay="0"/>
+                            </p:stCondLst>
+                            <p:childTnLst>
+                              <p:par>
+                                <p:cTn id="11" presetID="2" presetClass="entr" presetSubtype="4" fill="hold" grpId="0" nodeType="clickEffect">
+                                  <p:stCondLst>
+                                    <p:cond delay="0"/>
+                                  </p:stCondLst>
+                                  <p:childTnLst>
+                                    <p:set>
+                                      <p:cBhvr>
+                                        <p:cTn id="12" dur="1" fill="hold">
+                                          <p:stCondLst>
+                                            <p:cond delay="0"/>
+                                          </p:stCondLst>
+                                        </p:cTn>
+                                        <p:tgtEl>
+                                          <p:spTgt spid="8">
+                                            <p:txEl>
+                                              <p:pRg st="1" end="1"/>
+                                            </p:txEl>
+                                          </p:spTgt>
+                                        </p:tgtEl>
+                                        <p:attrNameLst>
+                                          <p:attrName>style.visibility</p:attrName>
+                                        </p:attrNameLst>
+                                      </p:cBhvr>
+                                      <p:to>
+                                        <p:strVal val="visible"/>
+                                      </p:to>
+                                    </p:set>
+                                    <p:anim calcmode="lin" valueType="num">
+                                      <p:cBhvr additive="base">
+                                        <p:cTn id="13" dur="500" fill="hold"/>
+                                        <p:tgtEl>
+                                          <p:spTgt spid="8">
+                                            <p:txEl>
+                                              <p:pRg st="1" end="1"/>
+                                            </p:txEl>
+                                          </p:spTgt>
+                                        </p:tgtEl>
+                                        <p:attrNameLst>
+                                          <p:attrName>ppt_x</p:attrName>
+                                        </p:attrNameLst>
+                                      </p:cBhvr>
+                                      <p:tavLst>
+                                        <p:tav tm="0">
+                                          <p:val>
+                                            <p:strVal val="#ppt_x"/>
+                                          </p:val>
+                                        </p:tav>
+                                        <p:tav tm="100000">
+                                          <p:val>
+                                            <p:strVal val="#ppt_x"/>
+                                          </p:val>
+                                        </p:tav>
+                                      </p:tavLst>
+                                    </p:anim>
+                                    <p:anim calcmode="lin" valueType="num">
+                                      <p:cBhvr additive="base">
+                                        <p:cTn id="14" dur="500" fill="hold"/>
+                                        <p:tgtEl>
+                                          <p:spTgt spid="8">
+                                            <p:txEl>
+                                              <p:pRg st="1" end="1"/>
+                                            </p:txEl>
+                                          </p:spTgt>
+                                        </p:tgtEl>
+                                        <p:attrNameLst>
+                                          <p:attrName>ppt_y</p:attrName>
+                                        </p:attrNameLst>
+                                      </p:cBhvr>
+                                      <p:tavLst>
+                                        <p:tav tm="0">
+                                          <p:val>
+                                            <p:strVal val="1+#ppt_h/2"/>
+                                          </p:val>
+                                        </p:tav>
+                                        <p:tav tm="100000">
+                                          <p:val>
+                                            <p:strVal val="#ppt_y"/>
+                                          </p:val>
+                                        </p:tav>
+                                      </p:tavLst>
+                                    </p:anim>
+                                  </p:childTnLst>
+                                </p:cTn>
+                              </p:par>
+                            </p:childTnLst>
+                          </p:cTn>
+                        </p:par>
+                      </p:childTnLst>
+                    </p:cTn>
+                  </p:par>
+                  <p:par>
+                    <p:cTn id="15" fill="hold">
+                      <p:stCondLst>
+                        <p:cond delay="indefinite"/>
+                      </p:stCondLst>
+                      <p:childTnLst>
+                        <p:par>
+                          <p:cTn id="16" fill="hold">
+                            <p:stCondLst>
+                              <p:cond delay="0"/>
+                            </p:stCondLst>
+                            <p:childTnLst>
+                              <p:par>
+                                <p:cTn id="17" presetID="2" presetClass="entr" presetSubtype="4" fill="hold" grpId="0" nodeType="clickEffect">
+                                  <p:stCondLst>
+                                    <p:cond delay="0"/>
+                                  </p:stCondLst>
+                                  <p:childTnLst>
+                                    <p:set>
+                                      <p:cBhvr>
+                                        <p:cTn id="18" dur="1" fill="hold">
+                                          <p:stCondLst>
+                                            <p:cond delay="0"/>
+                                          </p:stCondLst>
+                                        </p:cTn>
+                                        <p:tgtEl>
+                                          <p:spTgt spid="8">
+                                            <p:txEl>
+                                              <p:pRg st="2" end="2"/>
+                                            </p:txEl>
+                                          </p:spTgt>
+                                        </p:tgtEl>
+                                        <p:attrNameLst>
+                                          <p:attrName>style.visibility</p:attrName>
+                                        </p:attrNameLst>
+                                      </p:cBhvr>
+                                      <p:to>
+                                        <p:strVal val="visible"/>
+                                      </p:to>
+                                    </p:set>
+                                    <p:anim calcmode="lin" valueType="num">
+                                      <p:cBhvr additive="base">
+                                        <p:cTn id="19" dur="500" fill="hold"/>
+                                        <p:tgtEl>
+                                          <p:spTgt spid="8">
+                                            <p:txEl>
+                                              <p:pRg st="2" end="2"/>
+                                            </p:txEl>
+                                          </p:spTgt>
+                                        </p:tgtEl>
+                                        <p:attrNameLst>
+                                          <p:attrName>ppt_x</p:attrName>
+                                        </p:attrNameLst>
+                                      </p:cBhvr>
+                                      <p:tavLst>
+                                        <p:tav tm="0">
+                                          <p:val>
+                                            <p:strVal val="#ppt_x"/>
+                                          </p:val>
+                                        </p:tav>
+                                        <p:tav tm="100000">
+                                          <p:val>
+                                            <p:strVal val="#ppt_x"/>
+                                          </p:val>
+                                        </p:tav>
+                                      </p:tavLst>
+                                    </p:anim>
+                                    <p:anim calcmode="lin" valueType="num">
+                                      <p:cBhvr additive="base">
+                                        <p:cTn id="20" dur="500" fill="hold"/>
+                                        <p:tgtEl>
+                                          <p:spTgt spid="8">
+                                            <p:txEl>
+                                              <p:pRg st="2" end="2"/>
+                                            </p:txEl>
+                                          </p:spTgt>
+                                        </p:tgtEl>
+                                        <p:attrNameLst>
+                                          <p:attrName>ppt_y</p:attrName>
+                                        </p:attrNameLst>
+                                      </p:cBhvr>
+                                      <p:tavLst>
+                                        <p:tav tm="0">
+                                          <p:val>
+                                            <p:strVal val="1+#ppt_h/2"/>
+                                          </p:val>
+                                        </p:tav>
+                                        <p:tav tm="100000">
+                                          <p:val>
+                                            <p:strVal val="#ppt_y"/>
+                                          </p:val>
+                                        </p:tav>
+                                      </p:tavLst>
+                                    </p:anim>
+                                  </p:childTnLst>
+                                </p:cTn>
+                              </p:par>
+                              <p:par>
+                                <p:cTn id="21" presetID="2" presetClass="entr" presetSubtype="4" fill="hold" grpId="0" nodeType="withEffect">
+                                  <p:stCondLst>
+                                    <p:cond delay="0"/>
+                                  </p:stCondLst>
+                                  <p:childTnLst>
+                                    <p:set>
+                                      <p:cBhvr>
+                                        <p:cTn id="22" dur="1" fill="hold">
+                                          <p:stCondLst>
+                                            <p:cond delay="0"/>
+                                          </p:stCondLst>
+                                        </p:cTn>
+                                        <p:tgtEl>
+                                          <p:spTgt spid="8">
+                                            <p:txEl>
+                                              <p:pRg st="3" end="3"/>
+                                            </p:txEl>
+                                          </p:spTgt>
+                                        </p:tgtEl>
+                                        <p:attrNameLst>
+                                          <p:attrName>style.visibility</p:attrName>
+                                        </p:attrNameLst>
+                                      </p:cBhvr>
+                                      <p:to>
+                                        <p:strVal val="visible"/>
+                                      </p:to>
+                                    </p:set>
+                                    <p:anim calcmode="lin" valueType="num">
+                                      <p:cBhvr additive="base">
+                                        <p:cTn id="23" dur="500" fill="hold"/>
+                                        <p:tgtEl>
+                                          <p:spTgt spid="8">
+                                            <p:txEl>
+                                              <p:pRg st="3" end="3"/>
+                                            </p:txEl>
+                                          </p:spTgt>
+                                        </p:tgtEl>
+                                        <p:attrNameLst>
+                                          <p:attrName>ppt_x</p:attrName>
+                                        </p:attrNameLst>
+                                      </p:cBhvr>
+                                      <p:tavLst>
+                                        <p:tav tm="0">
+                                          <p:val>
+                                            <p:strVal val="#ppt_x"/>
+                                          </p:val>
+                                        </p:tav>
+                                        <p:tav tm="100000">
+                                          <p:val>
+                                            <p:strVal val="#ppt_x"/>
+                                          </p:val>
+                                        </p:tav>
+                                      </p:tavLst>
+                                    </p:anim>
+                                    <p:anim calcmode="lin" valueType="num">
+                                      <p:cBhvr additive="base">
+                                        <p:cTn id="24" dur="500" fill="hold"/>
+                                        <p:tgtEl>
+                                          <p:spTgt spid="8">
+                                            <p:txEl>
+                                              <p:pRg st="3" end="3"/>
+                                            </p:txEl>
+                                          </p:spTgt>
+                                        </p:tgtEl>
+                                        <p:attrNameLst>
+                                          <p:attrName>ppt_y</p:attrName>
+                                        </p:attrNameLst>
+                                      </p:cBhvr>
+                                      <p:tavLst>
+                                        <p:tav tm="0">
+                                          <p:val>
+                                            <p:strVal val="1+#ppt_h/2"/>
+                                          </p:val>
+                                        </p:tav>
+                                        <p:tav tm="100000">
+                                          <p:val>
+                                            <p:strVal val="#ppt_y"/>
+                                          </p:val>
+                                        </p:tav>
+                                      </p:tavLst>
+                                    </p:anim>
+                                  </p:childTnLst>
+                                </p:cTn>
+                              </p:par>
+                              <p:par>
+                                <p:cTn id="25" presetID="2" presetClass="entr" presetSubtype="4" fill="hold" grpId="0" nodeType="withEffect">
+                                  <p:stCondLst>
+                                    <p:cond delay="0"/>
+                                  </p:stCondLst>
+                                  <p:childTnLst>
+                                    <p:set>
+                                      <p:cBhvr>
+                                        <p:cTn id="26" dur="1" fill="hold">
+                                          <p:stCondLst>
+                                            <p:cond delay="0"/>
+                                          </p:stCondLst>
+                                        </p:cTn>
+                                        <p:tgtEl>
+                                          <p:spTgt spid="8">
+                                            <p:txEl>
+                                              <p:pRg st="4" end="4"/>
+                                            </p:txEl>
+                                          </p:spTgt>
+                                        </p:tgtEl>
+                                        <p:attrNameLst>
+                                          <p:attrName>style.visibility</p:attrName>
+                                        </p:attrNameLst>
+                                      </p:cBhvr>
+                                      <p:to>
+                                        <p:strVal val="visible"/>
+                                      </p:to>
+                                    </p:set>
+                                    <p:anim calcmode="lin" valueType="num">
+                                      <p:cBhvr additive="base">
+                                        <p:cTn id="27" dur="500" fill="hold"/>
+                                        <p:tgtEl>
+                                          <p:spTgt spid="8">
+                                            <p:txEl>
+                                              <p:pRg st="4" end="4"/>
+                                            </p:txEl>
+                                          </p:spTgt>
+                                        </p:tgtEl>
+                                        <p:attrNameLst>
+                                          <p:attrName>ppt_x</p:attrName>
+                                        </p:attrNameLst>
+                                      </p:cBhvr>
+                                      <p:tavLst>
+                                        <p:tav tm="0">
+                                          <p:val>
+                                            <p:strVal val="#ppt_x"/>
+                                          </p:val>
+                                        </p:tav>
+                                        <p:tav tm="100000">
+                                          <p:val>
+                                            <p:strVal val="#ppt_x"/>
+                                          </p:val>
+                                        </p:tav>
+                                      </p:tavLst>
+                                    </p:anim>
+                                    <p:anim calcmode="lin" valueType="num">
+                                      <p:cBhvr additive="base">
+                                        <p:cTn id="28" dur="500" fill="hold"/>
+                                        <p:tgtEl>
+                                          <p:spTgt spid="8">
+                                            <p:txEl>
+                                              <p:pRg st="4" end="4"/>
+                                            </p:txEl>
+                                          </p:spTgt>
+                                        </p:tgtEl>
+                                        <p:attrNameLst>
+                                          <p:attrName>ppt_y</p:attrName>
+                                        </p:attrNameLst>
+                                      </p:cBhvr>
+                                      <p:tavLst>
+                                        <p:tav tm="0">
+                                          <p:val>
+                                            <p:strVal val="1+#ppt_h/2"/>
+                                          </p:val>
+                                        </p:tav>
+                                        <p:tav tm="100000">
+                                          <p:val>
+                                            <p:strVal val="#ppt_y"/>
+                                          </p:val>
+                                        </p:tav>
+                                      </p:tavLst>
+                                    </p:anim>
+                                  </p:childTnLst>
+                                </p:cTn>
+                              </p:par>
+                              <p:par>
+                                <p:cTn id="29" presetID="2" presetClass="entr" presetSubtype="4" fill="hold" grpId="0" nodeType="withEffect">
+                                  <p:stCondLst>
+                                    <p:cond delay="0"/>
+                                  </p:stCondLst>
+                                  <p:childTnLst>
+                                    <p:set>
+                                      <p:cBhvr>
+                                        <p:cTn id="30" dur="1" fill="hold">
+                                          <p:stCondLst>
+                                            <p:cond delay="0"/>
+                                          </p:stCondLst>
+                                        </p:cTn>
+                                        <p:tgtEl>
+                                          <p:spTgt spid="8">
+                                            <p:txEl>
+                                              <p:pRg st="5" end="5"/>
+                                            </p:txEl>
+                                          </p:spTgt>
+                                        </p:tgtEl>
+                                        <p:attrNameLst>
+                                          <p:attrName>style.visibility</p:attrName>
+                                        </p:attrNameLst>
+                                      </p:cBhvr>
+                                      <p:to>
+                                        <p:strVal val="visible"/>
+                                      </p:to>
+                                    </p:set>
+                                    <p:anim calcmode="lin" valueType="num">
+                                      <p:cBhvr additive="base">
+                                        <p:cTn id="31" dur="500" fill="hold"/>
+                                        <p:tgtEl>
+                                          <p:spTgt spid="8">
+                                            <p:txEl>
+                                              <p:pRg st="5" end="5"/>
+                                            </p:txEl>
+                                          </p:spTgt>
+                                        </p:tgtEl>
+                                        <p:attrNameLst>
+                                          <p:attrName>ppt_x</p:attrName>
+                                        </p:attrNameLst>
+                                      </p:cBhvr>
+                                      <p:tavLst>
+                                        <p:tav tm="0">
+                                          <p:val>
+                                            <p:strVal val="#ppt_x"/>
+                                          </p:val>
+                                        </p:tav>
+                                        <p:tav tm="100000">
+                                          <p:val>
+                                            <p:strVal val="#ppt_x"/>
+                                          </p:val>
+                                        </p:tav>
+                                      </p:tavLst>
+                                    </p:anim>
+                                    <p:anim calcmode="lin" valueType="num">
+                                      <p:cBhvr additive="base">
+                                        <p:cTn id="32" dur="500" fill="hold"/>
+                                        <p:tgtEl>
+                                          <p:spTgt spid="8">
+                                            <p:txEl>
+                                              <p:pRg st="5" end="5"/>
+                                            </p:txEl>
+                                          </p:spTgt>
+                                        </p:tgtEl>
+                                        <p:attrNameLst>
+                                          <p:attrName>ppt_y</p:attrName>
+                                        </p:attrNameLst>
+                                      </p:cBhvr>
+                                      <p:tavLst>
+                                        <p:tav tm="0">
+                                          <p:val>
+                                            <p:strVal val="1+#ppt_h/2"/>
+                                          </p:val>
+                                        </p:tav>
+                                        <p:tav tm="100000">
+                                          <p:val>
+                                            <p:strVal val="#ppt_y"/>
+                                          </p:val>
+                                        </p:tav>
+                                      </p:tavLst>
+                                    </p:anim>
+                                  </p:childTnLst>
+                                </p:cTn>
+                              </p:par>
+                            </p:childTnLst>
+                          </p:cTn>
+                        </p:par>
+                      </p:childTnLst>
+                    </p:cTn>
+                  </p:par>
+                  <p:par>
+                    <p:cTn id="33" fill="hold">
+                      <p:stCondLst>
+                        <p:cond delay="indefinite"/>
+                      </p:stCondLst>
+                      <p:childTnLst>
+                        <p:par>
+                          <p:cTn id="34" fill="hold">
+                            <p:stCondLst>
+                              <p:cond delay="0"/>
+                            </p:stCondLst>
+                            <p:childTnLst>
+                              <p:par>
+                                <p:cTn id="35" presetID="2" presetClass="entr" presetSubtype="4" fill="hold" grpId="0" nodeType="clickEffect">
+                                  <p:stCondLst>
+                                    <p:cond delay="0"/>
+                                  </p:stCondLst>
+                                  <p:childTnLst>
+                                    <p:set>
+                                      <p:cBhvr>
+                                        <p:cTn id="36" dur="1" fill="hold">
+                                          <p:stCondLst>
+                                            <p:cond delay="0"/>
+                                          </p:stCondLst>
+                                        </p:cTn>
+                                        <p:tgtEl>
+                                          <p:spTgt spid="8">
+                                            <p:txEl>
+                                              <p:pRg st="6" end="6"/>
+                                            </p:txEl>
+                                          </p:spTgt>
+                                        </p:tgtEl>
+                                        <p:attrNameLst>
+                                          <p:attrName>style.visibility</p:attrName>
+                                        </p:attrNameLst>
+                                      </p:cBhvr>
+                                      <p:to>
+                                        <p:strVal val="visible"/>
+                                      </p:to>
+                                    </p:set>
+                                    <p:anim calcmode="lin" valueType="num">
+                                      <p:cBhvr additive="base">
+                                        <p:cTn id="37" dur="500" fill="hold"/>
+                                        <p:tgtEl>
+                                          <p:spTgt spid="8">
+                                            <p:txEl>
+                                              <p:pRg st="6" end="6"/>
+                                            </p:txEl>
+                                          </p:spTgt>
+                                        </p:tgtEl>
+                                        <p:attrNameLst>
+                                          <p:attrName>ppt_x</p:attrName>
+                                        </p:attrNameLst>
+                                      </p:cBhvr>
+                                      <p:tavLst>
+                                        <p:tav tm="0">
+                                          <p:val>
+                                            <p:strVal val="#ppt_x"/>
+                                          </p:val>
+                                        </p:tav>
+                                        <p:tav tm="100000">
+                                          <p:val>
+                                            <p:strVal val="#ppt_x"/>
+                                          </p:val>
+                                        </p:tav>
+                                      </p:tavLst>
+                                    </p:anim>
+                                    <p:anim calcmode="lin" valueType="num">
+                                      <p:cBhvr additive="base">
+                                        <p:cTn id="38" dur="500" fill="hold"/>
+                                        <p:tgtEl>
+                                          <p:spTgt spid="8">
+                                            <p:txEl>
+                                              <p:pRg st="6" end="6"/>
+                                            </p:txEl>
+                                          </p:spTgt>
+                                        </p:tgtEl>
+                                        <p:attrNameLst>
+                                          <p:attrName>ppt_y</p:attrName>
+                                        </p:attrNameLst>
+                                      </p:cBhvr>
+                                      <p:tavLst>
+                                        <p:tav tm="0">
+                                          <p:val>
+                                            <p:strVal val="1+#ppt_h/2"/>
+                                          </p:val>
+                                        </p:tav>
+                                        <p:tav tm="100000">
+                                          <p:val>
+                                            <p:strVal val="#ppt_y"/>
+                                          </p:val>
+                                        </p:tav>
+                                      </p:tavLst>
+                                    </p:anim>
+                                  </p:childTnLst>
+                                </p:cTn>
+                              </p:par>
+                            </p:childTnLst>
+                          </p:cTn>
+                        </p:par>
+                      </p:childTnLst>
+                    </p:cTn>
+                  </p:par>
+                  <p:par>
+                    <p:cTn id="39" fill="hold">
+                      <p:stCondLst>
+                        <p:cond delay="indefinite"/>
+                      </p:stCondLst>
+                      <p:childTnLst>
+                        <p:par>
+                          <p:cTn id="40" fill="hold">
+                            <p:stCondLst>
+                              <p:cond delay="0"/>
+                            </p:stCondLst>
+                            <p:childTnLst>
+                              <p:par>
+                                <p:cTn id="41" presetID="2" presetClass="entr" presetSubtype="4" fill="hold" nodeType="clickEffect">
+                                  <p:stCondLst>
+                                    <p:cond delay="0"/>
+                                  </p:stCondLst>
+                                  <p:childTnLst>
+                                    <p:set>
+                                      <p:cBhvr>
+                                        <p:cTn id="42" dur="1" fill="hold">
+                                          <p:stCondLst>
+                                            <p:cond delay="0"/>
+                                          </p:stCondLst>
+                                        </p:cTn>
+                                        <p:tgtEl>
+                                          <p:spTgt spid="11"/>
+                                        </p:tgtEl>
+                                        <p:attrNameLst>
+                                          <p:attrName>style.visibility</p:attrName>
+                                        </p:attrNameLst>
+                                      </p:cBhvr>
+                                      <p:to>
+                                        <p:strVal val="visible"/>
+                                      </p:to>
+                                    </p:set>
+                                    <p:anim calcmode="lin" valueType="num">
+                                      <p:cBhvr additive="base">
+                                        <p:cTn id="43" dur="500" fill="hold"/>
+                                        <p:tgtEl>
+                                          <p:spTgt spid="11"/>
+                                        </p:tgtEl>
+                                        <p:attrNameLst>
+                                          <p:attrName>ppt_x</p:attrName>
+                                        </p:attrNameLst>
+                                      </p:cBhvr>
+                                      <p:tavLst>
+                                        <p:tav tm="0">
+                                          <p:val>
+                                            <p:strVal val="#ppt_x"/>
+                                          </p:val>
+                                        </p:tav>
+                                        <p:tav tm="100000">
+                                          <p:val>
+                                            <p:strVal val="#ppt_x"/>
+                                          </p:val>
+                                        </p:tav>
+                                      </p:tavLst>
+                                    </p:anim>
+                                    <p:anim calcmode="lin" valueType="num">
+                                      <p:cBhvr additive="base">
+                                        <p:cTn id="44" dur="500" fill="hold"/>
+                                        <p:tgtEl>
+                                          <p:spTgt spid="11"/>
+                                        </p:tgtEl>
+                                        <p:attrNameLst>
+                                          <p:attrName>ppt_y</p:attrName>
+                                        </p:attrNameLst>
+                                      </p:cBhvr>
+                                      <p:tavLst>
+                                        <p:tav tm="0">
+                                          <p:val>
+                                            <p:strVal val="1+#ppt_h/2"/>
+                                          </p:val>
+                                        </p:tav>
+                                        <p:tav tm="100000">
+                                          <p:val>
+                                            <p:strVal val="#ppt_y"/>
+                                          </p:val>
+                                        </p:tav>
+                                      </p:tavLst>
+                                    </p:anim>
+                                  </p:childTnLst>
+                                </p:cTn>
+                              </p:par>
+                            </p:childTnLst>
+                          </p:cTn>
+                        </p:par>
+                      </p:childTnLst>
+                    </p:cTn>
+                  </p:par>
+                  <p:par>
+                    <p:cTn id="45" fill="hold">
+                      <p:stCondLst>
+                        <p:cond delay="indefinite"/>
+                      </p:stCondLst>
+                      <p:childTnLst>
+                        <p:par>
+                          <p:cTn id="46" fill="hold">
+                            <p:stCondLst>
+                              <p:cond delay="0"/>
+                            </p:stCondLst>
+                            <p:childTnLst>
+                              <p:par>
+                                <p:cTn id="47" presetID="2" presetClass="entr" presetSubtype="4" fill="hold" nodeType="clickEffect">
+                                  <p:stCondLst>
+                                    <p:cond delay="0"/>
+                                  </p:stCondLst>
+                                  <p:childTnLst>
+                                    <p:set>
+                                      <p:cBhvr>
+                                        <p:cTn id="48" dur="1" fill="hold">
+                                          <p:stCondLst>
+                                            <p:cond delay="0"/>
+                                          </p:stCondLst>
+                                        </p:cTn>
+                                        <p:tgtEl>
+                                          <p:spTgt spid="3"/>
+                                        </p:tgtEl>
+                                        <p:attrNameLst>
+                                          <p:attrName>style.visibility</p:attrName>
+                                        </p:attrNameLst>
+                                      </p:cBhvr>
+                                      <p:to>
+                                        <p:strVal val="visible"/>
+                                      </p:to>
+                                    </p:set>
+                                    <p:anim calcmode="lin" valueType="num">
+                                      <p:cBhvr additive="base">
+                                        <p:cTn id="49" dur="500" fill="hold"/>
+                                        <p:tgtEl>
+                                          <p:spTgt spid="3"/>
+                                        </p:tgtEl>
+                                        <p:attrNameLst>
+                                          <p:attrName>ppt_x</p:attrName>
+                                        </p:attrNameLst>
+                                      </p:cBhvr>
+                                      <p:tavLst>
+                                        <p:tav tm="0">
+                                          <p:val>
+                                            <p:strVal val="#ppt_x"/>
+                                          </p:val>
+                                        </p:tav>
+                                        <p:tav tm="100000">
+                                          <p:val>
+                                            <p:strVal val="#ppt_x"/>
+                                          </p:val>
+                                        </p:tav>
+                                      </p:tavLst>
+                                    </p:anim>
+                                    <p:anim calcmode="lin" valueType="num">
+                                      <p:cBhvr additive="base">
+                                        <p:cTn id="50" dur="500" fill="hold"/>
+                                        <p:tgtEl>
+                                          <p:spTgt spid="3"/>
+                                        </p:tgtEl>
+                                        <p:attrNameLst>
+                                          <p:attrName>ppt_y</p:attrName>
+                                        </p:attrNameLst>
+                                      </p:cBhvr>
+                                      <p:tavLst>
+                                        <p:tav tm="0">
+                                          <p:val>
+                                            <p:strVal val="1+#ppt_h/2"/>
+                                          </p:val>
+                                        </p:tav>
+                                        <p:tav tm="100000">
+                                          <p:val>
+                                            <p:strVal val="#ppt_y"/>
+                                          </p:val>
+                                        </p:tav>
+                                      </p:tavLst>
+                                    </p:anim>
+                                  </p:childTnLst>
+                                </p:cTn>
+                              </p:par>
+                            </p:childTnLst>
+                          </p:cTn>
+                        </p:par>
+                      </p:childTnLst>
+                    </p:cTn>
+                  </p:par>
+                  <p:par>
+                    <p:cTn id="51" fill="hold">
+                      <p:stCondLst>
+                        <p:cond delay="indefinite"/>
+                      </p:stCondLst>
+                      <p:childTnLst>
+                        <p:par>
+                          <p:cTn id="52" fill="hold">
+                            <p:stCondLst>
+                              <p:cond delay="0"/>
+                            </p:stCondLst>
+                            <p:childTnLst>
+                              <p:par>
+                                <p:cTn id="53" presetID="2" presetClass="entr" presetSubtype="4" fill="hold" nodeType="clickEffect">
+                                  <p:stCondLst>
+                                    <p:cond delay="0"/>
+                                  </p:stCondLst>
+                                  <p:childTnLst>
+                                    <p:set>
+                                      <p:cBhvr>
+                                        <p:cTn id="54" dur="1" fill="hold">
+                                          <p:stCondLst>
+                                            <p:cond delay="0"/>
+                                          </p:stCondLst>
+                                        </p:cTn>
+                                        <p:tgtEl>
+                                          <p:spTgt spid="10"/>
+                                        </p:tgtEl>
+                                        <p:attrNameLst>
+                                          <p:attrName>style.visibility</p:attrName>
+                                        </p:attrNameLst>
+                                      </p:cBhvr>
+                                      <p:to>
+                                        <p:strVal val="visible"/>
+                                      </p:to>
+                                    </p:set>
+                                    <p:anim calcmode="lin" valueType="num">
+                                      <p:cBhvr additive="base">
+                                        <p:cTn id="55" dur="500" fill="hold"/>
+                                        <p:tgtEl>
+                                          <p:spTgt spid="10"/>
+                                        </p:tgtEl>
+                                        <p:attrNameLst>
+                                          <p:attrName>ppt_x</p:attrName>
+                                        </p:attrNameLst>
+                                      </p:cBhvr>
+                                      <p:tavLst>
+                                        <p:tav tm="0">
+                                          <p:val>
+                                            <p:strVal val="#ppt_x"/>
+                                          </p:val>
+                                        </p:tav>
+                                        <p:tav tm="100000">
+                                          <p:val>
+                                            <p:strVal val="#ppt_x"/>
+                                          </p:val>
+                                        </p:tav>
+                                      </p:tavLst>
+                                    </p:anim>
+                                    <p:anim calcmode="lin" valueType="num">
+                                      <p:cBhvr additive="base">
+                                        <p:cTn id="56" dur="500" fill="hold"/>
+                                        <p:tgtEl>
+                                          <p:spTgt spid="10"/>
+                                        </p:tgtEl>
+                                        <p:attrNameLst>
+                                          <p:attrName>ppt_y</p:attrName>
+                                        </p:attrNameLst>
+                                      </p:cBhvr>
+                                      <p:tavLst>
+                                        <p:tav tm="0">
+                                          <p:val>
+                                            <p:strVal val="1+#ppt_h/2"/>
+                                          </p:val>
+                                        </p:tav>
+                                        <p:tav tm="100000">
+                                          <p:val>
+                                            <p:strVal val="#ppt_y"/>
+                                          </p:val>
+                                        </p:tav>
+                                      </p:tavLst>
+                                    </p:anim>
+                                  </p:childTnLst>
+                                </p:cTn>
+                              </p:par>
+                            </p:childTnLst>
+                          </p:cTn>
+                        </p:par>
+                      </p:childTnLst>
+                    </p:cTn>
+                  </p:par>
+                </p:childTnLst>
+              </p:cTn>
+              <p:prevCondLst>
+                <p:cond evt="onPrev" delay="0">
+                  <p:tgtEl>
+                    <p:sldTgt/>
+                  </p:tgtEl>
+                </p:cond>
+              </p:prevCondLst>
+              <p:nextCondLst>
+                <p:cond evt="onNext" delay="0">
+                  <p:tgtEl>
+                    <p:sldTgt/>
+                  </p:tgtEl>
+                </p:cond>
+              </p:nextCondLst>
+            </p:seq>
+          </p:childTnLst>
+        </p:cTn>
+      </p:par>
+    </p:tnLst>
+    <p:bldLst>
+      <p:bldP spid="8" grpId="0" build="p"/>
+    </p:bldLst>
+  </p:timing>
 </p:sld>
 </file>
 
@@ -9956,10 +11509,10 @@
       </p:grpSpPr>
       <p:sp>
         <p:nvSpPr>
-          <p:cNvPr id="4" name="Cím 3">
+          <p:cNvPr id="7" name="Cím 6">
             <a:extLst>
               <a:ext uri="{FF2B5EF4-FFF2-40B4-BE49-F238E27FC236}">
-                <a16:creationId xmlns:a16="http://schemas.microsoft.com/office/drawing/2014/main" id="{A96955AB-81B9-452E-8023-67E6F32C6602}"/>
+                <a16:creationId xmlns:a16="http://schemas.microsoft.com/office/drawing/2014/main" id="{64247D1F-9A4C-476B-8683-EE4BBAF5C966}"/>
               </a:ext>
             </a:extLst>
           </p:cNvPr>
@@ -9967,33 +11520,27 @@
             <a:spLocks noGrp="1"/>
           </p:cNvSpPr>
           <p:nvPr>
-            <p:ph type="ctrTitle"/>
+            <p:ph type="title"/>
           </p:nvPr>
         </p:nvSpPr>
-        <p:spPr>
-          <a:xfrm>
-            <a:off x="585926" y="1710268"/>
-            <a:ext cx="9206144" cy="2340568"/>
-          </a:xfrm>
-        </p:spPr>
+        <p:spPr/>
         <p:txBody>
           <a:bodyPr/>
           <a:lstStyle/>
           <a:p>
-            <a:pPr algn="ctr"/>
             <a:r>
-              <a:rPr lang="hu-HU" sz="6600" dirty="0"/>
-              <a:t>Köszönjük a figyelmet!</a:t>
+              <a:rPr lang="hu-HU" dirty="0"/>
+              <a:t>Bejegyzések Törlése</a:t>
             </a:r>
           </a:p>
         </p:txBody>
       </p:sp>
       <p:sp>
         <p:nvSpPr>
-          <p:cNvPr id="5" name="Alcím 4">
+          <p:cNvPr id="8" name="Tartalom helye 7">
             <a:extLst>
               <a:ext uri="{FF2B5EF4-FFF2-40B4-BE49-F238E27FC236}">
-                <a16:creationId xmlns:a16="http://schemas.microsoft.com/office/drawing/2014/main" id="{C2BBE5C3-8B9B-4D92-B192-5523EEE84938}"/>
+                <a16:creationId xmlns:a16="http://schemas.microsoft.com/office/drawing/2014/main" id="{E38A5038-99C9-4D25-91BB-0AA27F660EDF}"/>
               </a:ext>
             </a:extLst>
           </p:cNvPr>
@@ -10001,7 +11548,7 @@
             <a:spLocks noGrp="1"/>
           </p:cNvSpPr>
           <p:nvPr>
-            <p:ph type="subTitle" idx="1"/>
+            <p:ph sz="half" idx="1"/>
           </p:nvPr>
         </p:nvSpPr>
         <p:spPr/>
@@ -10009,14 +11556,3986 @@
           <a:bodyPr/>
           <a:lstStyle/>
           <a:p>
-            <a:endParaRPr lang="hu-HU"/>
+            <a:r>
+              <a:rPr lang="hu-HU" dirty="0"/>
+              <a:t>A bejegyzés kezelőbe válasszuk ki a 2. opciót</a:t>
+            </a:r>
+          </a:p>
+          <a:p>
+            <a:r>
+              <a:rPr lang="hu-HU" dirty="0"/>
+              <a:t>Ezután írjuk le annak a bejegyzésnek a címét amelyiket törölni szeretnénk</a:t>
+            </a:r>
+          </a:p>
+          <a:p>
+            <a:r>
+              <a:rPr lang="hu-HU" dirty="0"/>
+              <a:t>Ezután a rendszer törli a kiválasztott bejegyzést</a:t>
+            </a:r>
           </a:p>
         </p:txBody>
       </p:sp>
+      <p:pic>
+        <p:nvPicPr>
+          <p:cNvPr id="2" name="Kép 1">
+            <a:extLst>
+              <a:ext uri="{FF2B5EF4-FFF2-40B4-BE49-F238E27FC236}">
+                <a16:creationId xmlns:a16="http://schemas.microsoft.com/office/drawing/2014/main" id="{5DDFBE77-CD88-496E-9391-1DC220C3EB20}"/>
+              </a:ext>
+            </a:extLst>
+          </p:cNvPr>
+          <p:cNvPicPr>
+            <a:picLocks noChangeAspect="1"/>
+          </p:cNvPicPr>
+          <p:nvPr/>
+        </p:nvPicPr>
+        <p:blipFill>
+          <a:blip r:embed="rId2"/>
+          <a:stretch>
+            <a:fillRect/>
+          </a:stretch>
+        </p:blipFill>
+        <p:spPr>
+          <a:xfrm>
+            <a:off x="5191957" y="1003546"/>
+            <a:ext cx="3610479" cy="1905266"/>
+          </a:xfrm>
+          <a:prstGeom prst="rect">
+            <a:avLst/>
+          </a:prstGeom>
+        </p:spPr>
+      </p:pic>
+      <p:pic>
+        <p:nvPicPr>
+          <p:cNvPr id="12" name="Tartalom helye 11">
+            <a:extLst>
+              <a:ext uri="{FF2B5EF4-FFF2-40B4-BE49-F238E27FC236}">
+                <a16:creationId xmlns:a16="http://schemas.microsoft.com/office/drawing/2014/main" id="{3F1B429E-5DF9-4BFB-8685-134D64E651AD}"/>
+              </a:ext>
+            </a:extLst>
+          </p:cNvPr>
+          <p:cNvPicPr>
+            <a:picLocks noGrp="1" noChangeAspect="1"/>
+          </p:cNvPicPr>
+          <p:nvPr>
+            <p:ph sz="half" idx="2"/>
+          </p:nvPr>
+        </p:nvPicPr>
+        <p:blipFill>
+          <a:blip r:embed="rId3"/>
+          <a:stretch>
+            <a:fillRect/>
+          </a:stretch>
+        </p:blipFill>
+        <p:spPr>
+          <a:xfrm>
+            <a:off x="5381373" y="3177252"/>
+            <a:ext cx="3600953" cy="1848108"/>
+          </a:xfrm>
+          <a:prstGeom prst="rect">
+            <a:avLst/>
+          </a:prstGeom>
+        </p:spPr>
+      </p:pic>
+      <p:cxnSp>
+        <p:nvCxnSpPr>
+          <p:cNvPr id="3" name="Egyenes összekötő nyíllal 2">
+            <a:extLst>
+              <a:ext uri="{FF2B5EF4-FFF2-40B4-BE49-F238E27FC236}">
+                <a16:creationId xmlns:a16="http://schemas.microsoft.com/office/drawing/2014/main" id="{071F3177-C34B-4DCF-BBF9-1314C294D1A5}"/>
+              </a:ext>
+            </a:extLst>
+          </p:cNvPr>
+          <p:cNvCxnSpPr>
+            <a:cxnSpLocks/>
+          </p:cNvCxnSpPr>
+          <p:nvPr/>
+        </p:nvCxnSpPr>
+        <p:spPr>
+          <a:xfrm>
+            <a:off x="6096000" y="2160589"/>
+            <a:ext cx="588885" cy="1016663"/>
+          </a:xfrm>
+          <a:prstGeom prst="straightConnector1">
+            <a:avLst/>
+          </a:prstGeom>
+          <a:ln>
+            <a:solidFill>
+              <a:srgbClr val="FF0000"/>
+            </a:solidFill>
+            <a:tailEnd type="triangle"/>
+          </a:ln>
+        </p:spPr>
+        <p:style>
+          <a:lnRef idx="3">
+            <a:schemeClr val="dk1"/>
+          </a:lnRef>
+          <a:fillRef idx="0">
+            <a:schemeClr val="dk1"/>
+          </a:fillRef>
+          <a:effectRef idx="2">
+            <a:schemeClr val="dk1"/>
+          </a:effectRef>
+          <a:fontRef idx="minor">
+            <a:schemeClr val="tx1"/>
+          </a:fontRef>
+        </p:style>
+      </p:cxnSp>
     </p:spTree>
     <p:extLst>
       <p:ext uri="{BB962C8B-B14F-4D97-AF65-F5344CB8AC3E}">
-        <p14:creationId xmlns:p14="http://schemas.microsoft.com/office/powerpoint/2010/main" val="3357058011"/>
+        <p14:creationId xmlns:p14="http://schemas.microsoft.com/office/powerpoint/2010/main" val="63245484"/>
+      </p:ext>
+    </p:extLst>
+  </p:cSld>
+  <p:clrMapOvr>
+    <a:masterClrMapping/>
+  </p:clrMapOvr>
+  <mc:AlternateContent xmlns:mc="http://schemas.openxmlformats.org/markup-compatibility/2006">
+    <mc:Choice xmlns:p15="http://schemas.microsoft.com/office/powerpoint/2012/main" Requires="p15">
+      <p:transition xmlns:p14="http://schemas.microsoft.com/office/powerpoint/2010/main" spd="slow" p14:dur="2000">
+        <p15:prstTrans prst="fracture"/>
+      </p:transition>
+    </mc:Choice>
+    <mc:Fallback>
+      <p:transition spd="slow">
+        <p:fade/>
+      </p:transition>
+    </mc:Fallback>
+  </mc:AlternateContent>
+  <p:timing>
+    <p:tnLst>
+      <p:par>
+        <p:cTn id="1" dur="indefinite" restart="never" nodeType="tmRoot">
+          <p:childTnLst>
+            <p:seq concurrent="1" nextAc="seek">
+              <p:cTn id="2" dur="indefinite" nodeType="mainSeq">
+                <p:childTnLst>
+                  <p:par>
+                    <p:cTn id="3" fill="hold">
+                      <p:stCondLst>
+                        <p:cond delay="indefinite"/>
+                      </p:stCondLst>
+                      <p:childTnLst>
+                        <p:par>
+                          <p:cTn id="4" fill="hold">
+                            <p:stCondLst>
+                              <p:cond delay="0"/>
+                            </p:stCondLst>
+                            <p:childTnLst>
+                              <p:par>
+                                <p:cTn id="5" presetID="53" presetClass="entr" presetSubtype="16" fill="hold" grpId="0" nodeType="clickEffect">
+                                  <p:stCondLst>
+                                    <p:cond delay="0"/>
+                                  </p:stCondLst>
+                                  <p:childTnLst>
+                                    <p:set>
+                                      <p:cBhvr>
+                                        <p:cTn id="6" dur="1" fill="hold">
+                                          <p:stCondLst>
+                                            <p:cond delay="0"/>
+                                          </p:stCondLst>
+                                        </p:cTn>
+                                        <p:tgtEl>
+                                          <p:spTgt spid="8">
+                                            <p:txEl>
+                                              <p:pRg st="0" end="0"/>
+                                            </p:txEl>
+                                          </p:spTgt>
+                                        </p:tgtEl>
+                                        <p:attrNameLst>
+                                          <p:attrName>style.visibility</p:attrName>
+                                        </p:attrNameLst>
+                                      </p:cBhvr>
+                                      <p:to>
+                                        <p:strVal val="visible"/>
+                                      </p:to>
+                                    </p:set>
+                                    <p:anim calcmode="lin" valueType="num">
+                                      <p:cBhvr>
+                                        <p:cTn id="7" dur="500" fill="hold"/>
+                                        <p:tgtEl>
+                                          <p:spTgt spid="8">
+                                            <p:txEl>
+                                              <p:pRg st="0" end="0"/>
+                                            </p:txEl>
+                                          </p:spTgt>
+                                        </p:tgtEl>
+                                        <p:attrNameLst>
+                                          <p:attrName>ppt_w</p:attrName>
+                                        </p:attrNameLst>
+                                      </p:cBhvr>
+                                      <p:tavLst>
+                                        <p:tav tm="0">
+                                          <p:val>
+                                            <p:fltVal val="0"/>
+                                          </p:val>
+                                        </p:tav>
+                                        <p:tav tm="100000">
+                                          <p:val>
+                                            <p:strVal val="#ppt_w"/>
+                                          </p:val>
+                                        </p:tav>
+                                      </p:tavLst>
+                                    </p:anim>
+                                    <p:anim calcmode="lin" valueType="num">
+                                      <p:cBhvr>
+                                        <p:cTn id="8" dur="500" fill="hold"/>
+                                        <p:tgtEl>
+                                          <p:spTgt spid="8">
+                                            <p:txEl>
+                                              <p:pRg st="0" end="0"/>
+                                            </p:txEl>
+                                          </p:spTgt>
+                                        </p:tgtEl>
+                                        <p:attrNameLst>
+                                          <p:attrName>ppt_h</p:attrName>
+                                        </p:attrNameLst>
+                                      </p:cBhvr>
+                                      <p:tavLst>
+                                        <p:tav tm="0">
+                                          <p:val>
+                                            <p:fltVal val="0"/>
+                                          </p:val>
+                                        </p:tav>
+                                        <p:tav tm="100000">
+                                          <p:val>
+                                            <p:strVal val="#ppt_h"/>
+                                          </p:val>
+                                        </p:tav>
+                                      </p:tavLst>
+                                    </p:anim>
+                                    <p:animEffect transition="in" filter="fade">
+                                      <p:cBhvr>
+                                        <p:cTn id="9" dur="500"/>
+                                        <p:tgtEl>
+                                          <p:spTgt spid="8">
+                                            <p:txEl>
+                                              <p:pRg st="0" end="0"/>
+                                            </p:txEl>
+                                          </p:spTgt>
+                                        </p:tgtEl>
+                                      </p:cBhvr>
+                                    </p:animEffect>
+                                  </p:childTnLst>
+                                </p:cTn>
+                              </p:par>
+                            </p:childTnLst>
+                          </p:cTn>
+                        </p:par>
+                      </p:childTnLst>
+                    </p:cTn>
+                  </p:par>
+                  <p:par>
+                    <p:cTn id="10" fill="hold">
+                      <p:stCondLst>
+                        <p:cond delay="indefinite"/>
+                      </p:stCondLst>
+                      <p:childTnLst>
+                        <p:par>
+                          <p:cTn id="11" fill="hold">
+                            <p:stCondLst>
+                              <p:cond delay="0"/>
+                            </p:stCondLst>
+                            <p:childTnLst>
+                              <p:par>
+                                <p:cTn id="12" presetID="53" presetClass="entr" presetSubtype="16" fill="hold" grpId="0" nodeType="clickEffect">
+                                  <p:stCondLst>
+                                    <p:cond delay="0"/>
+                                  </p:stCondLst>
+                                  <p:childTnLst>
+                                    <p:set>
+                                      <p:cBhvr>
+                                        <p:cTn id="13" dur="1" fill="hold">
+                                          <p:stCondLst>
+                                            <p:cond delay="0"/>
+                                          </p:stCondLst>
+                                        </p:cTn>
+                                        <p:tgtEl>
+                                          <p:spTgt spid="8">
+                                            <p:txEl>
+                                              <p:pRg st="1" end="1"/>
+                                            </p:txEl>
+                                          </p:spTgt>
+                                        </p:tgtEl>
+                                        <p:attrNameLst>
+                                          <p:attrName>style.visibility</p:attrName>
+                                        </p:attrNameLst>
+                                      </p:cBhvr>
+                                      <p:to>
+                                        <p:strVal val="visible"/>
+                                      </p:to>
+                                    </p:set>
+                                    <p:anim calcmode="lin" valueType="num">
+                                      <p:cBhvr>
+                                        <p:cTn id="14" dur="500" fill="hold"/>
+                                        <p:tgtEl>
+                                          <p:spTgt spid="8">
+                                            <p:txEl>
+                                              <p:pRg st="1" end="1"/>
+                                            </p:txEl>
+                                          </p:spTgt>
+                                        </p:tgtEl>
+                                        <p:attrNameLst>
+                                          <p:attrName>ppt_w</p:attrName>
+                                        </p:attrNameLst>
+                                      </p:cBhvr>
+                                      <p:tavLst>
+                                        <p:tav tm="0">
+                                          <p:val>
+                                            <p:fltVal val="0"/>
+                                          </p:val>
+                                        </p:tav>
+                                        <p:tav tm="100000">
+                                          <p:val>
+                                            <p:strVal val="#ppt_w"/>
+                                          </p:val>
+                                        </p:tav>
+                                      </p:tavLst>
+                                    </p:anim>
+                                    <p:anim calcmode="lin" valueType="num">
+                                      <p:cBhvr>
+                                        <p:cTn id="15" dur="500" fill="hold"/>
+                                        <p:tgtEl>
+                                          <p:spTgt spid="8">
+                                            <p:txEl>
+                                              <p:pRg st="1" end="1"/>
+                                            </p:txEl>
+                                          </p:spTgt>
+                                        </p:tgtEl>
+                                        <p:attrNameLst>
+                                          <p:attrName>ppt_h</p:attrName>
+                                        </p:attrNameLst>
+                                      </p:cBhvr>
+                                      <p:tavLst>
+                                        <p:tav tm="0">
+                                          <p:val>
+                                            <p:fltVal val="0"/>
+                                          </p:val>
+                                        </p:tav>
+                                        <p:tav tm="100000">
+                                          <p:val>
+                                            <p:strVal val="#ppt_h"/>
+                                          </p:val>
+                                        </p:tav>
+                                      </p:tavLst>
+                                    </p:anim>
+                                    <p:animEffect transition="in" filter="fade">
+                                      <p:cBhvr>
+                                        <p:cTn id="16" dur="500"/>
+                                        <p:tgtEl>
+                                          <p:spTgt spid="8">
+                                            <p:txEl>
+                                              <p:pRg st="1" end="1"/>
+                                            </p:txEl>
+                                          </p:spTgt>
+                                        </p:tgtEl>
+                                      </p:cBhvr>
+                                    </p:animEffect>
+                                  </p:childTnLst>
+                                </p:cTn>
+                              </p:par>
+                            </p:childTnLst>
+                          </p:cTn>
+                        </p:par>
+                      </p:childTnLst>
+                    </p:cTn>
+                  </p:par>
+                  <p:par>
+                    <p:cTn id="17" fill="hold">
+                      <p:stCondLst>
+                        <p:cond delay="indefinite"/>
+                      </p:stCondLst>
+                      <p:childTnLst>
+                        <p:par>
+                          <p:cTn id="18" fill="hold">
+                            <p:stCondLst>
+                              <p:cond delay="0"/>
+                            </p:stCondLst>
+                            <p:childTnLst>
+                              <p:par>
+                                <p:cTn id="19" presetID="53" presetClass="entr" presetSubtype="16" fill="hold" grpId="0" nodeType="clickEffect">
+                                  <p:stCondLst>
+                                    <p:cond delay="0"/>
+                                  </p:stCondLst>
+                                  <p:childTnLst>
+                                    <p:set>
+                                      <p:cBhvr>
+                                        <p:cTn id="20" dur="1" fill="hold">
+                                          <p:stCondLst>
+                                            <p:cond delay="0"/>
+                                          </p:stCondLst>
+                                        </p:cTn>
+                                        <p:tgtEl>
+                                          <p:spTgt spid="8">
+                                            <p:txEl>
+                                              <p:pRg st="2" end="2"/>
+                                            </p:txEl>
+                                          </p:spTgt>
+                                        </p:tgtEl>
+                                        <p:attrNameLst>
+                                          <p:attrName>style.visibility</p:attrName>
+                                        </p:attrNameLst>
+                                      </p:cBhvr>
+                                      <p:to>
+                                        <p:strVal val="visible"/>
+                                      </p:to>
+                                    </p:set>
+                                    <p:anim calcmode="lin" valueType="num">
+                                      <p:cBhvr>
+                                        <p:cTn id="21" dur="500" fill="hold"/>
+                                        <p:tgtEl>
+                                          <p:spTgt spid="8">
+                                            <p:txEl>
+                                              <p:pRg st="2" end="2"/>
+                                            </p:txEl>
+                                          </p:spTgt>
+                                        </p:tgtEl>
+                                        <p:attrNameLst>
+                                          <p:attrName>ppt_w</p:attrName>
+                                        </p:attrNameLst>
+                                      </p:cBhvr>
+                                      <p:tavLst>
+                                        <p:tav tm="0">
+                                          <p:val>
+                                            <p:fltVal val="0"/>
+                                          </p:val>
+                                        </p:tav>
+                                        <p:tav tm="100000">
+                                          <p:val>
+                                            <p:strVal val="#ppt_w"/>
+                                          </p:val>
+                                        </p:tav>
+                                      </p:tavLst>
+                                    </p:anim>
+                                    <p:anim calcmode="lin" valueType="num">
+                                      <p:cBhvr>
+                                        <p:cTn id="22" dur="500" fill="hold"/>
+                                        <p:tgtEl>
+                                          <p:spTgt spid="8">
+                                            <p:txEl>
+                                              <p:pRg st="2" end="2"/>
+                                            </p:txEl>
+                                          </p:spTgt>
+                                        </p:tgtEl>
+                                        <p:attrNameLst>
+                                          <p:attrName>ppt_h</p:attrName>
+                                        </p:attrNameLst>
+                                      </p:cBhvr>
+                                      <p:tavLst>
+                                        <p:tav tm="0">
+                                          <p:val>
+                                            <p:fltVal val="0"/>
+                                          </p:val>
+                                        </p:tav>
+                                        <p:tav tm="100000">
+                                          <p:val>
+                                            <p:strVal val="#ppt_h"/>
+                                          </p:val>
+                                        </p:tav>
+                                      </p:tavLst>
+                                    </p:anim>
+                                    <p:animEffect transition="in" filter="fade">
+                                      <p:cBhvr>
+                                        <p:cTn id="23" dur="500"/>
+                                        <p:tgtEl>
+                                          <p:spTgt spid="8">
+                                            <p:txEl>
+                                              <p:pRg st="2" end="2"/>
+                                            </p:txEl>
+                                          </p:spTgt>
+                                        </p:tgtEl>
+                                      </p:cBhvr>
+                                    </p:animEffect>
+                                  </p:childTnLst>
+                                </p:cTn>
+                              </p:par>
+                            </p:childTnLst>
+                          </p:cTn>
+                        </p:par>
+                      </p:childTnLst>
+                    </p:cTn>
+                  </p:par>
+                  <p:par>
+                    <p:cTn id="24" fill="hold">
+                      <p:stCondLst>
+                        <p:cond delay="indefinite"/>
+                      </p:stCondLst>
+                      <p:childTnLst>
+                        <p:par>
+                          <p:cTn id="25" fill="hold">
+                            <p:stCondLst>
+                              <p:cond delay="0"/>
+                            </p:stCondLst>
+                            <p:childTnLst>
+                              <p:par>
+                                <p:cTn id="26" presetID="53" presetClass="entr" presetSubtype="16" fill="hold" nodeType="clickEffect">
+                                  <p:stCondLst>
+                                    <p:cond delay="0"/>
+                                  </p:stCondLst>
+                                  <p:childTnLst>
+                                    <p:set>
+                                      <p:cBhvr>
+                                        <p:cTn id="27" dur="1" fill="hold">
+                                          <p:stCondLst>
+                                            <p:cond delay="0"/>
+                                          </p:stCondLst>
+                                        </p:cTn>
+                                        <p:tgtEl>
+                                          <p:spTgt spid="2"/>
+                                        </p:tgtEl>
+                                        <p:attrNameLst>
+                                          <p:attrName>style.visibility</p:attrName>
+                                        </p:attrNameLst>
+                                      </p:cBhvr>
+                                      <p:to>
+                                        <p:strVal val="visible"/>
+                                      </p:to>
+                                    </p:set>
+                                    <p:anim calcmode="lin" valueType="num">
+                                      <p:cBhvr>
+                                        <p:cTn id="28" dur="500" fill="hold"/>
+                                        <p:tgtEl>
+                                          <p:spTgt spid="2"/>
+                                        </p:tgtEl>
+                                        <p:attrNameLst>
+                                          <p:attrName>ppt_w</p:attrName>
+                                        </p:attrNameLst>
+                                      </p:cBhvr>
+                                      <p:tavLst>
+                                        <p:tav tm="0">
+                                          <p:val>
+                                            <p:fltVal val="0"/>
+                                          </p:val>
+                                        </p:tav>
+                                        <p:tav tm="100000">
+                                          <p:val>
+                                            <p:strVal val="#ppt_w"/>
+                                          </p:val>
+                                        </p:tav>
+                                      </p:tavLst>
+                                    </p:anim>
+                                    <p:anim calcmode="lin" valueType="num">
+                                      <p:cBhvr>
+                                        <p:cTn id="29" dur="500" fill="hold"/>
+                                        <p:tgtEl>
+                                          <p:spTgt spid="2"/>
+                                        </p:tgtEl>
+                                        <p:attrNameLst>
+                                          <p:attrName>ppt_h</p:attrName>
+                                        </p:attrNameLst>
+                                      </p:cBhvr>
+                                      <p:tavLst>
+                                        <p:tav tm="0">
+                                          <p:val>
+                                            <p:fltVal val="0"/>
+                                          </p:val>
+                                        </p:tav>
+                                        <p:tav tm="100000">
+                                          <p:val>
+                                            <p:strVal val="#ppt_h"/>
+                                          </p:val>
+                                        </p:tav>
+                                      </p:tavLst>
+                                    </p:anim>
+                                    <p:animEffect transition="in" filter="fade">
+                                      <p:cBhvr>
+                                        <p:cTn id="30" dur="500"/>
+                                        <p:tgtEl>
+                                          <p:spTgt spid="2"/>
+                                        </p:tgtEl>
+                                      </p:cBhvr>
+                                    </p:animEffect>
+                                  </p:childTnLst>
+                                </p:cTn>
+                              </p:par>
+                            </p:childTnLst>
+                          </p:cTn>
+                        </p:par>
+                      </p:childTnLst>
+                    </p:cTn>
+                  </p:par>
+                  <p:par>
+                    <p:cTn id="31" fill="hold">
+                      <p:stCondLst>
+                        <p:cond delay="indefinite"/>
+                      </p:stCondLst>
+                      <p:childTnLst>
+                        <p:par>
+                          <p:cTn id="32" fill="hold">
+                            <p:stCondLst>
+                              <p:cond delay="0"/>
+                            </p:stCondLst>
+                            <p:childTnLst>
+                              <p:par>
+                                <p:cTn id="33" presetID="53" presetClass="entr" presetSubtype="16" fill="hold" nodeType="clickEffect">
+                                  <p:stCondLst>
+                                    <p:cond delay="0"/>
+                                  </p:stCondLst>
+                                  <p:childTnLst>
+                                    <p:set>
+                                      <p:cBhvr>
+                                        <p:cTn id="34" dur="1" fill="hold">
+                                          <p:stCondLst>
+                                            <p:cond delay="0"/>
+                                          </p:stCondLst>
+                                        </p:cTn>
+                                        <p:tgtEl>
+                                          <p:spTgt spid="3"/>
+                                        </p:tgtEl>
+                                        <p:attrNameLst>
+                                          <p:attrName>style.visibility</p:attrName>
+                                        </p:attrNameLst>
+                                      </p:cBhvr>
+                                      <p:to>
+                                        <p:strVal val="visible"/>
+                                      </p:to>
+                                    </p:set>
+                                    <p:anim calcmode="lin" valueType="num">
+                                      <p:cBhvr>
+                                        <p:cTn id="35" dur="500" fill="hold"/>
+                                        <p:tgtEl>
+                                          <p:spTgt spid="3"/>
+                                        </p:tgtEl>
+                                        <p:attrNameLst>
+                                          <p:attrName>ppt_w</p:attrName>
+                                        </p:attrNameLst>
+                                      </p:cBhvr>
+                                      <p:tavLst>
+                                        <p:tav tm="0">
+                                          <p:val>
+                                            <p:fltVal val="0"/>
+                                          </p:val>
+                                        </p:tav>
+                                        <p:tav tm="100000">
+                                          <p:val>
+                                            <p:strVal val="#ppt_w"/>
+                                          </p:val>
+                                        </p:tav>
+                                      </p:tavLst>
+                                    </p:anim>
+                                    <p:anim calcmode="lin" valueType="num">
+                                      <p:cBhvr>
+                                        <p:cTn id="36" dur="500" fill="hold"/>
+                                        <p:tgtEl>
+                                          <p:spTgt spid="3"/>
+                                        </p:tgtEl>
+                                        <p:attrNameLst>
+                                          <p:attrName>ppt_h</p:attrName>
+                                        </p:attrNameLst>
+                                      </p:cBhvr>
+                                      <p:tavLst>
+                                        <p:tav tm="0">
+                                          <p:val>
+                                            <p:fltVal val="0"/>
+                                          </p:val>
+                                        </p:tav>
+                                        <p:tav tm="100000">
+                                          <p:val>
+                                            <p:strVal val="#ppt_h"/>
+                                          </p:val>
+                                        </p:tav>
+                                      </p:tavLst>
+                                    </p:anim>
+                                    <p:animEffect transition="in" filter="fade">
+                                      <p:cBhvr>
+                                        <p:cTn id="37" dur="500"/>
+                                        <p:tgtEl>
+                                          <p:spTgt spid="3"/>
+                                        </p:tgtEl>
+                                      </p:cBhvr>
+                                    </p:animEffect>
+                                  </p:childTnLst>
+                                </p:cTn>
+                              </p:par>
+                            </p:childTnLst>
+                          </p:cTn>
+                        </p:par>
+                      </p:childTnLst>
+                    </p:cTn>
+                  </p:par>
+                  <p:par>
+                    <p:cTn id="38" fill="hold">
+                      <p:stCondLst>
+                        <p:cond delay="indefinite"/>
+                      </p:stCondLst>
+                      <p:childTnLst>
+                        <p:par>
+                          <p:cTn id="39" fill="hold">
+                            <p:stCondLst>
+                              <p:cond delay="0"/>
+                            </p:stCondLst>
+                            <p:childTnLst>
+                              <p:par>
+                                <p:cTn id="40" presetID="53" presetClass="entr" presetSubtype="16" fill="hold" nodeType="clickEffect">
+                                  <p:stCondLst>
+                                    <p:cond delay="0"/>
+                                  </p:stCondLst>
+                                  <p:childTnLst>
+                                    <p:set>
+                                      <p:cBhvr>
+                                        <p:cTn id="41" dur="1" fill="hold">
+                                          <p:stCondLst>
+                                            <p:cond delay="0"/>
+                                          </p:stCondLst>
+                                        </p:cTn>
+                                        <p:tgtEl>
+                                          <p:spTgt spid="12"/>
+                                        </p:tgtEl>
+                                        <p:attrNameLst>
+                                          <p:attrName>style.visibility</p:attrName>
+                                        </p:attrNameLst>
+                                      </p:cBhvr>
+                                      <p:to>
+                                        <p:strVal val="visible"/>
+                                      </p:to>
+                                    </p:set>
+                                    <p:anim calcmode="lin" valueType="num">
+                                      <p:cBhvr>
+                                        <p:cTn id="42" dur="500" fill="hold"/>
+                                        <p:tgtEl>
+                                          <p:spTgt spid="12"/>
+                                        </p:tgtEl>
+                                        <p:attrNameLst>
+                                          <p:attrName>ppt_w</p:attrName>
+                                        </p:attrNameLst>
+                                      </p:cBhvr>
+                                      <p:tavLst>
+                                        <p:tav tm="0">
+                                          <p:val>
+                                            <p:fltVal val="0"/>
+                                          </p:val>
+                                        </p:tav>
+                                        <p:tav tm="100000">
+                                          <p:val>
+                                            <p:strVal val="#ppt_w"/>
+                                          </p:val>
+                                        </p:tav>
+                                      </p:tavLst>
+                                    </p:anim>
+                                    <p:anim calcmode="lin" valueType="num">
+                                      <p:cBhvr>
+                                        <p:cTn id="43" dur="500" fill="hold"/>
+                                        <p:tgtEl>
+                                          <p:spTgt spid="12"/>
+                                        </p:tgtEl>
+                                        <p:attrNameLst>
+                                          <p:attrName>ppt_h</p:attrName>
+                                        </p:attrNameLst>
+                                      </p:cBhvr>
+                                      <p:tavLst>
+                                        <p:tav tm="0">
+                                          <p:val>
+                                            <p:fltVal val="0"/>
+                                          </p:val>
+                                        </p:tav>
+                                        <p:tav tm="100000">
+                                          <p:val>
+                                            <p:strVal val="#ppt_h"/>
+                                          </p:val>
+                                        </p:tav>
+                                      </p:tavLst>
+                                    </p:anim>
+                                    <p:animEffect transition="in" filter="fade">
+                                      <p:cBhvr>
+                                        <p:cTn id="44" dur="500"/>
+                                        <p:tgtEl>
+                                          <p:spTgt spid="12"/>
+                                        </p:tgtEl>
+                                      </p:cBhvr>
+                                    </p:animEffect>
+                                  </p:childTnLst>
+                                </p:cTn>
+                              </p:par>
+                            </p:childTnLst>
+                          </p:cTn>
+                        </p:par>
+                      </p:childTnLst>
+                    </p:cTn>
+                  </p:par>
+                </p:childTnLst>
+              </p:cTn>
+              <p:prevCondLst>
+                <p:cond evt="onPrev" delay="0">
+                  <p:tgtEl>
+                    <p:sldTgt/>
+                  </p:tgtEl>
+                </p:cond>
+              </p:prevCondLst>
+              <p:nextCondLst>
+                <p:cond evt="onNext" delay="0">
+                  <p:tgtEl>
+                    <p:sldTgt/>
+                  </p:tgtEl>
+                </p:cond>
+              </p:nextCondLst>
+            </p:seq>
+          </p:childTnLst>
+        </p:cTn>
+      </p:par>
+    </p:tnLst>
+    <p:bldLst>
+      <p:bldP spid="8" grpId="0" build="p"/>
+    </p:bldLst>
+  </p:timing>
+</p:sld>
+</file>
+
+<file path=ppt/slides/slide7.xml><?xml version="1.0" encoding="utf-8"?>
+<p:sld xmlns:a="http://schemas.openxmlformats.org/drawingml/2006/main" xmlns:r="http://schemas.openxmlformats.org/officeDocument/2006/relationships" xmlns:p="http://schemas.openxmlformats.org/presentationml/2006/main">
+  <p:cSld>
+    <p:spTree>
+      <p:nvGrpSpPr>
+        <p:cNvPr id="1" name=""/>
+        <p:cNvGrpSpPr/>
+        <p:nvPr/>
+      </p:nvGrpSpPr>
+      <p:grpSpPr>
+        <a:xfrm>
+          <a:off x="0" y="0"/>
+          <a:ext cx="0" cy="0"/>
+          <a:chOff x="0" y="0"/>
+          <a:chExt cx="0" cy="0"/>
+        </a:xfrm>
+      </p:grpSpPr>
+      <p:sp>
+        <p:nvSpPr>
+          <p:cNvPr id="7" name="Cím 6">
+            <a:extLst>
+              <a:ext uri="{FF2B5EF4-FFF2-40B4-BE49-F238E27FC236}">
+                <a16:creationId xmlns:a16="http://schemas.microsoft.com/office/drawing/2014/main" id="{64247D1F-9A4C-476B-8683-EE4BBAF5C966}"/>
+              </a:ext>
+            </a:extLst>
+          </p:cNvPr>
+          <p:cNvSpPr>
+            <a:spLocks noGrp="1"/>
+          </p:cNvSpPr>
+          <p:nvPr>
+            <p:ph type="title"/>
+          </p:nvPr>
+        </p:nvSpPr>
+        <p:spPr/>
+        <p:txBody>
+          <a:bodyPr/>
+          <a:lstStyle/>
+          <a:p>
+            <a:r>
+              <a:rPr lang="hu-HU" dirty="0"/>
+              <a:t>Bejegyzések Módosítása</a:t>
+            </a:r>
+          </a:p>
+        </p:txBody>
+      </p:sp>
+      <p:sp>
+        <p:nvSpPr>
+          <p:cNvPr id="8" name="Tartalom helye 7">
+            <a:extLst>
+              <a:ext uri="{FF2B5EF4-FFF2-40B4-BE49-F238E27FC236}">
+                <a16:creationId xmlns:a16="http://schemas.microsoft.com/office/drawing/2014/main" id="{E38A5038-99C9-4D25-91BB-0AA27F660EDF}"/>
+              </a:ext>
+            </a:extLst>
+          </p:cNvPr>
+          <p:cNvSpPr>
+            <a:spLocks noGrp="1"/>
+          </p:cNvSpPr>
+          <p:nvPr>
+            <p:ph sz="half" idx="1"/>
+          </p:nvPr>
+        </p:nvSpPr>
+        <p:spPr/>
+        <p:txBody>
+          <a:bodyPr/>
+          <a:lstStyle/>
+          <a:p>
+            <a:r>
+              <a:rPr lang="hu-HU" dirty="0"/>
+              <a:t>A bejegyzés kezelőbe válasszuk ki a 3. opciót</a:t>
+            </a:r>
+          </a:p>
+          <a:p>
+            <a:r>
+              <a:rPr lang="hu-HU" dirty="0"/>
+              <a:t>Ezután írjuk le annak a bejegyzésnek a címét amelyiket módosítani szeretnénk</a:t>
+            </a:r>
+          </a:p>
+          <a:p>
+            <a:r>
+              <a:rPr lang="hu-HU" dirty="0"/>
+              <a:t>Ezután a adjunk meg egy új:</a:t>
+            </a:r>
+          </a:p>
+          <a:p>
+            <a:pPr lvl="1"/>
+            <a:r>
+              <a:rPr lang="hu-HU" dirty="0"/>
+              <a:t>Címet</a:t>
+            </a:r>
+          </a:p>
+          <a:p>
+            <a:pPr lvl="1"/>
+            <a:r>
+              <a:rPr lang="hu-HU" dirty="0"/>
+              <a:t>Leírást</a:t>
+            </a:r>
+          </a:p>
+          <a:p>
+            <a:pPr lvl="1"/>
+            <a:r>
+              <a:rPr lang="hu-HU" dirty="0"/>
+              <a:t>Határidő dátumot</a:t>
+            </a:r>
+          </a:p>
+          <a:p>
+            <a:r>
+              <a:rPr lang="hu-HU" dirty="0"/>
+              <a:t>Ha semmit nem írunk be akkor a rendszer azt a részt nem módosítja</a:t>
+            </a:r>
+          </a:p>
+        </p:txBody>
+      </p:sp>
+      <p:pic>
+        <p:nvPicPr>
+          <p:cNvPr id="2" name="Kép 1">
+            <a:extLst>
+              <a:ext uri="{FF2B5EF4-FFF2-40B4-BE49-F238E27FC236}">
+                <a16:creationId xmlns:a16="http://schemas.microsoft.com/office/drawing/2014/main" id="{5DDFBE77-CD88-496E-9391-1DC220C3EB20}"/>
+              </a:ext>
+            </a:extLst>
+          </p:cNvPr>
+          <p:cNvPicPr>
+            <a:picLocks noChangeAspect="1"/>
+          </p:cNvPicPr>
+          <p:nvPr/>
+        </p:nvPicPr>
+        <p:blipFill>
+          <a:blip r:embed="rId2"/>
+          <a:stretch>
+            <a:fillRect/>
+          </a:stretch>
+        </p:blipFill>
+        <p:spPr>
+          <a:xfrm>
+            <a:off x="5892563" y="140229"/>
+            <a:ext cx="3610479" cy="1905266"/>
+          </a:xfrm>
+          <a:prstGeom prst="rect">
+            <a:avLst/>
+          </a:prstGeom>
+        </p:spPr>
+      </p:pic>
+      <p:pic>
+        <p:nvPicPr>
+          <p:cNvPr id="6" name="Tartalom helye 5">
+            <a:extLst>
+              <a:ext uri="{FF2B5EF4-FFF2-40B4-BE49-F238E27FC236}">
+                <a16:creationId xmlns:a16="http://schemas.microsoft.com/office/drawing/2014/main" id="{4E6E3252-951F-49BF-A423-00DFE6406784}"/>
+              </a:ext>
+            </a:extLst>
+          </p:cNvPr>
+          <p:cNvPicPr>
+            <a:picLocks noGrp="1" noChangeAspect="1"/>
+          </p:cNvPicPr>
+          <p:nvPr>
+            <p:ph sz="half" idx="2"/>
+          </p:nvPr>
+        </p:nvPicPr>
+        <p:blipFill>
+          <a:blip r:embed="rId3"/>
+          <a:stretch>
+            <a:fillRect/>
+          </a:stretch>
+        </p:blipFill>
+        <p:spPr>
+          <a:xfrm>
+            <a:off x="5949720" y="2475606"/>
+            <a:ext cx="3496163" cy="1848108"/>
+          </a:xfrm>
+          <a:prstGeom prst="rect">
+            <a:avLst/>
+          </a:prstGeom>
+        </p:spPr>
+      </p:pic>
+      <p:cxnSp>
+        <p:nvCxnSpPr>
+          <p:cNvPr id="3" name="Egyenes összekötő nyíllal 2">
+            <a:extLst>
+              <a:ext uri="{FF2B5EF4-FFF2-40B4-BE49-F238E27FC236}">
+                <a16:creationId xmlns:a16="http://schemas.microsoft.com/office/drawing/2014/main" id="{071F3177-C34B-4DCF-BBF9-1314C294D1A5}"/>
+              </a:ext>
+            </a:extLst>
+          </p:cNvPr>
+          <p:cNvCxnSpPr>
+            <a:cxnSpLocks/>
+          </p:cNvCxnSpPr>
+          <p:nvPr/>
+        </p:nvCxnSpPr>
+        <p:spPr>
+          <a:xfrm>
+            <a:off x="6986726" y="1580225"/>
+            <a:ext cx="124288" cy="895381"/>
+          </a:xfrm>
+          <a:prstGeom prst="straightConnector1">
+            <a:avLst/>
+          </a:prstGeom>
+          <a:ln>
+            <a:solidFill>
+              <a:srgbClr val="FF0000"/>
+            </a:solidFill>
+            <a:tailEnd type="triangle"/>
+          </a:ln>
+        </p:spPr>
+        <p:style>
+          <a:lnRef idx="3">
+            <a:schemeClr val="dk1"/>
+          </a:lnRef>
+          <a:fillRef idx="0">
+            <a:schemeClr val="dk1"/>
+          </a:fillRef>
+          <a:effectRef idx="2">
+            <a:schemeClr val="dk1"/>
+          </a:effectRef>
+          <a:fontRef idx="minor">
+            <a:schemeClr val="tx1"/>
+          </a:fontRef>
+        </p:style>
+      </p:cxnSp>
+      <p:pic>
+        <p:nvPicPr>
+          <p:cNvPr id="11" name="Kép 10">
+            <a:extLst>
+              <a:ext uri="{FF2B5EF4-FFF2-40B4-BE49-F238E27FC236}">
+                <a16:creationId xmlns:a16="http://schemas.microsoft.com/office/drawing/2014/main" id="{027B725A-BF91-41A2-BBFE-8CA68FAF0E0E}"/>
+              </a:ext>
+            </a:extLst>
+          </p:cNvPr>
+          <p:cNvPicPr>
+            <a:picLocks noChangeAspect="1"/>
+          </p:cNvPicPr>
+          <p:nvPr/>
+        </p:nvPicPr>
+        <p:blipFill>
+          <a:blip r:embed="rId4"/>
+          <a:stretch>
+            <a:fillRect/>
+          </a:stretch>
+        </p:blipFill>
+        <p:spPr>
+          <a:xfrm>
+            <a:off x="5949722" y="4753826"/>
+            <a:ext cx="2823588" cy="1933544"/>
+          </a:xfrm>
+          <a:prstGeom prst="rect">
+            <a:avLst/>
+          </a:prstGeom>
+        </p:spPr>
+      </p:pic>
+      <p:cxnSp>
+        <p:nvCxnSpPr>
+          <p:cNvPr id="13" name="Egyenes összekötő nyíllal 12">
+            <a:extLst>
+              <a:ext uri="{FF2B5EF4-FFF2-40B4-BE49-F238E27FC236}">
+                <a16:creationId xmlns:a16="http://schemas.microsoft.com/office/drawing/2014/main" id="{DF91783C-9456-4487-B967-02BDF2C191AF}"/>
+              </a:ext>
+            </a:extLst>
+          </p:cNvPr>
+          <p:cNvCxnSpPr>
+            <a:cxnSpLocks/>
+          </p:cNvCxnSpPr>
+          <p:nvPr/>
+        </p:nvCxnSpPr>
+        <p:spPr>
+          <a:xfrm>
+            <a:off x="6862439" y="4323714"/>
+            <a:ext cx="248575" cy="430112"/>
+          </a:xfrm>
+          <a:prstGeom prst="straightConnector1">
+            <a:avLst/>
+          </a:prstGeom>
+          <a:ln>
+            <a:solidFill>
+              <a:srgbClr val="FF0000"/>
+            </a:solidFill>
+            <a:tailEnd type="triangle"/>
+          </a:ln>
+        </p:spPr>
+        <p:style>
+          <a:lnRef idx="3">
+            <a:schemeClr val="dk1"/>
+          </a:lnRef>
+          <a:fillRef idx="0">
+            <a:schemeClr val="dk1"/>
+          </a:fillRef>
+          <a:effectRef idx="2">
+            <a:schemeClr val="dk1"/>
+          </a:effectRef>
+          <a:fontRef idx="minor">
+            <a:schemeClr val="tx1"/>
+          </a:fontRef>
+        </p:style>
+      </p:cxnSp>
+    </p:spTree>
+    <p:extLst>
+      <p:ext uri="{BB962C8B-B14F-4D97-AF65-F5344CB8AC3E}">
+        <p14:creationId xmlns:p14="http://schemas.microsoft.com/office/powerpoint/2010/main" val="539240926"/>
+      </p:ext>
+    </p:extLst>
+  </p:cSld>
+  <p:clrMapOvr>
+    <a:masterClrMapping/>
+  </p:clrMapOvr>
+  <mc:AlternateContent xmlns:mc="http://schemas.openxmlformats.org/markup-compatibility/2006">
+    <mc:Choice xmlns:p15="http://schemas.microsoft.com/office/powerpoint/2012/main" Requires="p15">
+      <p:transition xmlns:p14="http://schemas.microsoft.com/office/powerpoint/2010/main" spd="slow" p14:dur="1250">
+        <p15:prstTrans prst="pageCurlDouble"/>
+      </p:transition>
+    </mc:Choice>
+    <mc:Fallback>
+      <p:transition spd="slow">
+        <p:fade/>
+      </p:transition>
+    </mc:Fallback>
+  </mc:AlternateContent>
+  <p:timing>
+    <p:tnLst>
+      <p:par>
+        <p:cTn id="1" dur="indefinite" restart="never" nodeType="tmRoot">
+          <p:childTnLst>
+            <p:seq concurrent="1" nextAc="seek">
+              <p:cTn id="2" dur="indefinite" nodeType="mainSeq">
+                <p:childTnLst>
+                  <p:par>
+                    <p:cTn id="3" fill="hold">
+                      <p:stCondLst>
+                        <p:cond delay="indefinite"/>
+                      </p:stCondLst>
+                      <p:childTnLst>
+                        <p:par>
+                          <p:cTn id="4" fill="hold">
+                            <p:stCondLst>
+                              <p:cond delay="0"/>
+                            </p:stCondLst>
+                            <p:childTnLst>
+                              <p:par>
+                                <p:cTn id="5" presetID="31" presetClass="entr" presetSubtype="0" fill="hold" grpId="0" nodeType="clickEffect">
+                                  <p:stCondLst>
+                                    <p:cond delay="0"/>
+                                  </p:stCondLst>
+                                  <p:childTnLst>
+                                    <p:set>
+                                      <p:cBhvr>
+                                        <p:cTn id="6" dur="1" fill="hold">
+                                          <p:stCondLst>
+                                            <p:cond delay="0"/>
+                                          </p:stCondLst>
+                                        </p:cTn>
+                                        <p:tgtEl>
+                                          <p:spTgt spid="8">
+                                            <p:txEl>
+                                              <p:pRg st="0" end="0"/>
+                                            </p:txEl>
+                                          </p:spTgt>
+                                        </p:tgtEl>
+                                        <p:attrNameLst>
+                                          <p:attrName>style.visibility</p:attrName>
+                                        </p:attrNameLst>
+                                      </p:cBhvr>
+                                      <p:to>
+                                        <p:strVal val="visible"/>
+                                      </p:to>
+                                    </p:set>
+                                    <p:anim calcmode="lin" valueType="num">
+                                      <p:cBhvr>
+                                        <p:cTn id="7" dur="1000" fill="hold"/>
+                                        <p:tgtEl>
+                                          <p:spTgt spid="8">
+                                            <p:txEl>
+                                              <p:pRg st="0" end="0"/>
+                                            </p:txEl>
+                                          </p:spTgt>
+                                        </p:tgtEl>
+                                        <p:attrNameLst>
+                                          <p:attrName>ppt_w</p:attrName>
+                                        </p:attrNameLst>
+                                      </p:cBhvr>
+                                      <p:tavLst>
+                                        <p:tav tm="0">
+                                          <p:val>
+                                            <p:fltVal val="0"/>
+                                          </p:val>
+                                        </p:tav>
+                                        <p:tav tm="100000">
+                                          <p:val>
+                                            <p:strVal val="#ppt_w"/>
+                                          </p:val>
+                                        </p:tav>
+                                      </p:tavLst>
+                                    </p:anim>
+                                    <p:anim calcmode="lin" valueType="num">
+                                      <p:cBhvr>
+                                        <p:cTn id="8" dur="1000" fill="hold"/>
+                                        <p:tgtEl>
+                                          <p:spTgt spid="8">
+                                            <p:txEl>
+                                              <p:pRg st="0" end="0"/>
+                                            </p:txEl>
+                                          </p:spTgt>
+                                        </p:tgtEl>
+                                        <p:attrNameLst>
+                                          <p:attrName>ppt_h</p:attrName>
+                                        </p:attrNameLst>
+                                      </p:cBhvr>
+                                      <p:tavLst>
+                                        <p:tav tm="0">
+                                          <p:val>
+                                            <p:fltVal val="0"/>
+                                          </p:val>
+                                        </p:tav>
+                                        <p:tav tm="100000">
+                                          <p:val>
+                                            <p:strVal val="#ppt_h"/>
+                                          </p:val>
+                                        </p:tav>
+                                      </p:tavLst>
+                                    </p:anim>
+                                    <p:anim calcmode="lin" valueType="num">
+                                      <p:cBhvr>
+                                        <p:cTn id="9" dur="1000" fill="hold"/>
+                                        <p:tgtEl>
+                                          <p:spTgt spid="8">
+                                            <p:txEl>
+                                              <p:pRg st="0" end="0"/>
+                                            </p:txEl>
+                                          </p:spTgt>
+                                        </p:tgtEl>
+                                        <p:attrNameLst>
+                                          <p:attrName>style.rotation</p:attrName>
+                                        </p:attrNameLst>
+                                      </p:cBhvr>
+                                      <p:tavLst>
+                                        <p:tav tm="0">
+                                          <p:val>
+                                            <p:fltVal val="90"/>
+                                          </p:val>
+                                        </p:tav>
+                                        <p:tav tm="100000">
+                                          <p:val>
+                                            <p:fltVal val="0"/>
+                                          </p:val>
+                                        </p:tav>
+                                      </p:tavLst>
+                                    </p:anim>
+                                    <p:animEffect transition="in" filter="fade">
+                                      <p:cBhvr>
+                                        <p:cTn id="10" dur="1000"/>
+                                        <p:tgtEl>
+                                          <p:spTgt spid="8">
+                                            <p:txEl>
+                                              <p:pRg st="0" end="0"/>
+                                            </p:txEl>
+                                          </p:spTgt>
+                                        </p:tgtEl>
+                                      </p:cBhvr>
+                                    </p:animEffect>
+                                  </p:childTnLst>
+                                </p:cTn>
+                              </p:par>
+                            </p:childTnLst>
+                          </p:cTn>
+                        </p:par>
+                      </p:childTnLst>
+                    </p:cTn>
+                  </p:par>
+                  <p:par>
+                    <p:cTn id="11" fill="hold">
+                      <p:stCondLst>
+                        <p:cond delay="indefinite"/>
+                      </p:stCondLst>
+                      <p:childTnLst>
+                        <p:par>
+                          <p:cTn id="12" fill="hold">
+                            <p:stCondLst>
+                              <p:cond delay="0"/>
+                            </p:stCondLst>
+                            <p:childTnLst>
+                              <p:par>
+                                <p:cTn id="13" presetID="31" presetClass="entr" presetSubtype="0" fill="hold" grpId="0" nodeType="clickEffect">
+                                  <p:stCondLst>
+                                    <p:cond delay="0"/>
+                                  </p:stCondLst>
+                                  <p:childTnLst>
+                                    <p:set>
+                                      <p:cBhvr>
+                                        <p:cTn id="14" dur="1" fill="hold">
+                                          <p:stCondLst>
+                                            <p:cond delay="0"/>
+                                          </p:stCondLst>
+                                        </p:cTn>
+                                        <p:tgtEl>
+                                          <p:spTgt spid="8">
+                                            <p:txEl>
+                                              <p:pRg st="1" end="1"/>
+                                            </p:txEl>
+                                          </p:spTgt>
+                                        </p:tgtEl>
+                                        <p:attrNameLst>
+                                          <p:attrName>style.visibility</p:attrName>
+                                        </p:attrNameLst>
+                                      </p:cBhvr>
+                                      <p:to>
+                                        <p:strVal val="visible"/>
+                                      </p:to>
+                                    </p:set>
+                                    <p:anim calcmode="lin" valueType="num">
+                                      <p:cBhvr>
+                                        <p:cTn id="15" dur="1000" fill="hold"/>
+                                        <p:tgtEl>
+                                          <p:spTgt spid="8">
+                                            <p:txEl>
+                                              <p:pRg st="1" end="1"/>
+                                            </p:txEl>
+                                          </p:spTgt>
+                                        </p:tgtEl>
+                                        <p:attrNameLst>
+                                          <p:attrName>ppt_w</p:attrName>
+                                        </p:attrNameLst>
+                                      </p:cBhvr>
+                                      <p:tavLst>
+                                        <p:tav tm="0">
+                                          <p:val>
+                                            <p:fltVal val="0"/>
+                                          </p:val>
+                                        </p:tav>
+                                        <p:tav tm="100000">
+                                          <p:val>
+                                            <p:strVal val="#ppt_w"/>
+                                          </p:val>
+                                        </p:tav>
+                                      </p:tavLst>
+                                    </p:anim>
+                                    <p:anim calcmode="lin" valueType="num">
+                                      <p:cBhvr>
+                                        <p:cTn id="16" dur="1000" fill="hold"/>
+                                        <p:tgtEl>
+                                          <p:spTgt spid="8">
+                                            <p:txEl>
+                                              <p:pRg st="1" end="1"/>
+                                            </p:txEl>
+                                          </p:spTgt>
+                                        </p:tgtEl>
+                                        <p:attrNameLst>
+                                          <p:attrName>ppt_h</p:attrName>
+                                        </p:attrNameLst>
+                                      </p:cBhvr>
+                                      <p:tavLst>
+                                        <p:tav tm="0">
+                                          <p:val>
+                                            <p:fltVal val="0"/>
+                                          </p:val>
+                                        </p:tav>
+                                        <p:tav tm="100000">
+                                          <p:val>
+                                            <p:strVal val="#ppt_h"/>
+                                          </p:val>
+                                        </p:tav>
+                                      </p:tavLst>
+                                    </p:anim>
+                                    <p:anim calcmode="lin" valueType="num">
+                                      <p:cBhvr>
+                                        <p:cTn id="17" dur="1000" fill="hold"/>
+                                        <p:tgtEl>
+                                          <p:spTgt spid="8">
+                                            <p:txEl>
+                                              <p:pRg st="1" end="1"/>
+                                            </p:txEl>
+                                          </p:spTgt>
+                                        </p:tgtEl>
+                                        <p:attrNameLst>
+                                          <p:attrName>style.rotation</p:attrName>
+                                        </p:attrNameLst>
+                                      </p:cBhvr>
+                                      <p:tavLst>
+                                        <p:tav tm="0">
+                                          <p:val>
+                                            <p:fltVal val="90"/>
+                                          </p:val>
+                                        </p:tav>
+                                        <p:tav tm="100000">
+                                          <p:val>
+                                            <p:fltVal val="0"/>
+                                          </p:val>
+                                        </p:tav>
+                                      </p:tavLst>
+                                    </p:anim>
+                                    <p:animEffect transition="in" filter="fade">
+                                      <p:cBhvr>
+                                        <p:cTn id="18" dur="1000"/>
+                                        <p:tgtEl>
+                                          <p:spTgt spid="8">
+                                            <p:txEl>
+                                              <p:pRg st="1" end="1"/>
+                                            </p:txEl>
+                                          </p:spTgt>
+                                        </p:tgtEl>
+                                      </p:cBhvr>
+                                    </p:animEffect>
+                                  </p:childTnLst>
+                                </p:cTn>
+                              </p:par>
+                            </p:childTnLst>
+                          </p:cTn>
+                        </p:par>
+                      </p:childTnLst>
+                    </p:cTn>
+                  </p:par>
+                  <p:par>
+                    <p:cTn id="19" fill="hold">
+                      <p:stCondLst>
+                        <p:cond delay="indefinite"/>
+                      </p:stCondLst>
+                      <p:childTnLst>
+                        <p:par>
+                          <p:cTn id="20" fill="hold">
+                            <p:stCondLst>
+                              <p:cond delay="0"/>
+                            </p:stCondLst>
+                            <p:childTnLst>
+                              <p:par>
+                                <p:cTn id="21" presetID="31" presetClass="entr" presetSubtype="0" fill="hold" grpId="0" nodeType="clickEffect">
+                                  <p:stCondLst>
+                                    <p:cond delay="0"/>
+                                  </p:stCondLst>
+                                  <p:childTnLst>
+                                    <p:set>
+                                      <p:cBhvr>
+                                        <p:cTn id="22" dur="1" fill="hold">
+                                          <p:stCondLst>
+                                            <p:cond delay="0"/>
+                                          </p:stCondLst>
+                                        </p:cTn>
+                                        <p:tgtEl>
+                                          <p:spTgt spid="8">
+                                            <p:txEl>
+                                              <p:pRg st="2" end="2"/>
+                                            </p:txEl>
+                                          </p:spTgt>
+                                        </p:tgtEl>
+                                        <p:attrNameLst>
+                                          <p:attrName>style.visibility</p:attrName>
+                                        </p:attrNameLst>
+                                      </p:cBhvr>
+                                      <p:to>
+                                        <p:strVal val="visible"/>
+                                      </p:to>
+                                    </p:set>
+                                    <p:anim calcmode="lin" valueType="num">
+                                      <p:cBhvr>
+                                        <p:cTn id="23" dur="1000" fill="hold"/>
+                                        <p:tgtEl>
+                                          <p:spTgt spid="8">
+                                            <p:txEl>
+                                              <p:pRg st="2" end="2"/>
+                                            </p:txEl>
+                                          </p:spTgt>
+                                        </p:tgtEl>
+                                        <p:attrNameLst>
+                                          <p:attrName>ppt_w</p:attrName>
+                                        </p:attrNameLst>
+                                      </p:cBhvr>
+                                      <p:tavLst>
+                                        <p:tav tm="0">
+                                          <p:val>
+                                            <p:fltVal val="0"/>
+                                          </p:val>
+                                        </p:tav>
+                                        <p:tav tm="100000">
+                                          <p:val>
+                                            <p:strVal val="#ppt_w"/>
+                                          </p:val>
+                                        </p:tav>
+                                      </p:tavLst>
+                                    </p:anim>
+                                    <p:anim calcmode="lin" valueType="num">
+                                      <p:cBhvr>
+                                        <p:cTn id="24" dur="1000" fill="hold"/>
+                                        <p:tgtEl>
+                                          <p:spTgt spid="8">
+                                            <p:txEl>
+                                              <p:pRg st="2" end="2"/>
+                                            </p:txEl>
+                                          </p:spTgt>
+                                        </p:tgtEl>
+                                        <p:attrNameLst>
+                                          <p:attrName>ppt_h</p:attrName>
+                                        </p:attrNameLst>
+                                      </p:cBhvr>
+                                      <p:tavLst>
+                                        <p:tav tm="0">
+                                          <p:val>
+                                            <p:fltVal val="0"/>
+                                          </p:val>
+                                        </p:tav>
+                                        <p:tav tm="100000">
+                                          <p:val>
+                                            <p:strVal val="#ppt_h"/>
+                                          </p:val>
+                                        </p:tav>
+                                      </p:tavLst>
+                                    </p:anim>
+                                    <p:anim calcmode="lin" valueType="num">
+                                      <p:cBhvr>
+                                        <p:cTn id="25" dur="1000" fill="hold"/>
+                                        <p:tgtEl>
+                                          <p:spTgt spid="8">
+                                            <p:txEl>
+                                              <p:pRg st="2" end="2"/>
+                                            </p:txEl>
+                                          </p:spTgt>
+                                        </p:tgtEl>
+                                        <p:attrNameLst>
+                                          <p:attrName>style.rotation</p:attrName>
+                                        </p:attrNameLst>
+                                      </p:cBhvr>
+                                      <p:tavLst>
+                                        <p:tav tm="0">
+                                          <p:val>
+                                            <p:fltVal val="90"/>
+                                          </p:val>
+                                        </p:tav>
+                                        <p:tav tm="100000">
+                                          <p:val>
+                                            <p:fltVal val="0"/>
+                                          </p:val>
+                                        </p:tav>
+                                      </p:tavLst>
+                                    </p:anim>
+                                    <p:animEffect transition="in" filter="fade">
+                                      <p:cBhvr>
+                                        <p:cTn id="26" dur="1000"/>
+                                        <p:tgtEl>
+                                          <p:spTgt spid="8">
+                                            <p:txEl>
+                                              <p:pRg st="2" end="2"/>
+                                            </p:txEl>
+                                          </p:spTgt>
+                                        </p:tgtEl>
+                                      </p:cBhvr>
+                                    </p:animEffect>
+                                  </p:childTnLst>
+                                </p:cTn>
+                              </p:par>
+                              <p:par>
+                                <p:cTn id="27" presetID="31" presetClass="entr" presetSubtype="0" fill="hold" grpId="0" nodeType="withEffect">
+                                  <p:stCondLst>
+                                    <p:cond delay="0"/>
+                                  </p:stCondLst>
+                                  <p:childTnLst>
+                                    <p:set>
+                                      <p:cBhvr>
+                                        <p:cTn id="28" dur="1" fill="hold">
+                                          <p:stCondLst>
+                                            <p:cond delay="0"/>
+                                          </p:stCondLst>
+                                        </p:cTn>
+                                        <p:tgtEl>
+                                          <p:spTgt spid="8">
+                                            <p:txEl>
+                                              <p:pRg st="3" end="3"/>
+                                            </p:txEl>
+                                          </p:spTgt>
+                                        </p:tgtEl>
+                                        <p:attrNameLst>
+                                          <p:attrName>style.visibility</p:attrName>
+                                        </p:attrNameLst>
+                                      </p:cBhvr>
+                                      <p:to>
+                                        <p:strVal val="visible"/>
+                                      </p:to>
+                                    </p:set>
+                                    <p:anim calcmode="lin" valueType="num">
+                                      <p:cBhvr>
+                                        <p:cTn id="29" dur="1000" fill="hold"/>
+                                        <p:tgtEl>
+                                          <p:spTgt spid="8">
+                                            <p:txEl>
+                                              <p:pRg st="3" end="3"/>
+                                            </p:txEl>
+                                          </p:spTgt>
+                                        </p:tgtEl>
+                                        <p:attrNameLst>
+                                          <p:attrName>ppt_w</p:attrName>
+                                        </p:attrNameLst>
+                                      </p:cBhvr>
+                                      <p:tavLst>
+                                        <p:tav tm="0">
+                                          <p:val>
+                                            <p:fltVal val="0"/>
+                                          </p:val>
+                                        </p:tav>
+                                        <p:tav tm="100000">
+                                          <p:val>
+                                            <p:strVal val="#ppt_w"/>
+                                          </p:val>
+                                        </p:tav>
+                                      </p:tavLst>
+                                    </p:anim>
+                                    <p:anim calcmode="lin" valueType="num">
+                                      <p:cBhvr>
+                                        <p:cTn id="30" dur="1000" fill="hold"/>
+                                        <p:tgtEl>
+                                          <p:spTgt spid="8">
+                                            <p:txEl>
+                                              <p:pRg st="3" end="3"/>
+                                            </p:txEl>
+                                          </p:spTgt>
+                                        </p:tgtEl>
+                                        <p:attrNameLst>
+                                          <p:attrName>ppt_h</p:attrName>
+                                        </p:attrNameLst>
+                                      </p:cBhvr>
+                                      <p:tavLst>
+                                        <p:tav tm="0">
+                                          <p:val>
+                                            <p:fltVal val="0"/>
+                                          </p:val>
+                                        </p:tav>
+                                        <p:tav tm="100000">
+                                          <p:val>
+                                            <p:strVal val="#ppt_h"/>
+                                          </p:val>
+                                        </p:tav>
+                                      </p:tavLst>
+                                    </p:anim>
+                                    <p:anim calcmode="lin" valueType="num">
+                                      <p:cBhvr>
+                                        <p:cTn id="31" dur="1000" fill="hold"/>
+                                        <p:tgtEl>
+                                          <p:spTgt spid="8">
+                                            <p:txEl>
+                                              <p:pRg st="3" end="3"/>
+                                            </p:txEl>
+                                          </p:spTgt>
+                                        </p:tgtEl>
+                                        <p:attrNameLst>
+                                          <p:attrName>style.rotation</p:attrName>
+                                        </p:attrNameLst>
+                                      </p:cBhvr>
+                                      <p:tavLst>
+                                        <p:tav tm="0">
+                                          <p:val>
+                                            <p:fltVal val="90"/>
+                                          </p:val>
+                                        </p:tav>
+                                        <p:tav tm="100000">
+                                          <p:val>
+                                            <p:fltVal val="0"/>
+                                          </p:val>
+                                        </p:tav>
+                                      </p:tavLst>
+                                    </p:anim>
+                                    <p:animEffect transition="in" filter="fade">
+                                      <p:cBhvr>
+                                        <p:cTn id="32" dur="1000"/>
+                                        <p:tgtEl>
+                                          <p:spTgt spid="8">
+                                            <p:txEl>
+                                              <p:pRg st="3" end="3"/>
+                                            </p:txEl>
+                                          </p:spTgt>
+                                        </p:tgtEl>
+                                      </p:cBhvr>
+                                    </p:animEffect>
+                                  </p:childTnLst>
+                                </p:cTn>
+                              </p:par>
+                              <p:par>
+                                <p:cTn id="33" presetID="31" presetClass="entr" presetSubtype="0" fill="hold" grpId="0" nodeType="withEffect">
+                                  <p:stCondLst>
+                                    <p:cond delay="0"/>
+                                  </p:stCondLst>
+                                  <p:childTnLst>
+                                    <p:set>
+                                      <p:cBhvr>
+                                        <p:cTn id="34" dur="1" fill="hold">
+                                          <p:stCondLst>
+                                            <p:cond delay="0"/>
+                                          </p:stCondLst>
+                                        </p:cTn>
+                                        <p:tgtEl>
+                                          <p:spTgt spid="8">
+                                            <p:txEl>
+                                              <p:pRg st="4" end="4"/>
+                                            </p:txEl>
+                                          </p:spTgt>
+                                        </p:tgtEl>
+                                        <p:attrNameLst>
+                                          <p:attrName>style.visibility</p:attrName>
+                                        </p:attrNameLst>
+                                      </p:cBhvr>
+                                      <p:to>
+                                        <p:strVal val="visible"/>
+                                      </p:to>
+                                    </p:set>
+                                    <p:anim calcmode="lin" valueType="num">
+                                      <p:cBhvr>
+                                        <p:cTn id="35" dur="1000" fill="hold"/>
+                                        <p:tgtEl>
+                                          <p:spTgt spid="8">
+                                            <p:txEl>
+                                              <p:pRg st="4" end="4"/>
+                                            </p:txEl>
+                                          </p:spTgt>
+                                        </p:tgtEl>
+                                        <p:attrNameLst>
+                                          <p:attrName>ppt_w</p:attrName>
+                                        </p:attrNameLst>
+                                      </p:cBhvr>
+                                      <p:tavLst>
+                                        <p:tav tm="0">
+                                          <p:val>
+                                            <p:fltVal val="0"/>
+                                          </p:val>
+                                        </p:tav>
+                                        <p:tav tm="100000">
+                                          <p:val>
+                                            <p:strVal val="#ppt_w"/>
+                                          </p:val>
+                                        </p:tav>
+                                      </p:tavLst>
+                                    </p:anim>
+                                    <p:anim calcmode="lin" valueType="num">
+                                      <p:cBhvr>
+                                        <p:cTn id="36" dur="1000" fill="hold"/>
+                                        <p:tgtEl>
+                                          <p:spTgt spid="8">
+                                            <p:txEl>
+                                              <p:pRg st="4" end="4"/>
+                                            </p:txEl>
+                                          </p:spTgt>
+                                        </p:tgtEl>
+                                        <p:attrNameLst>
+                                          <p:attrName>ppt_h</p:attrName>
+                                        </p:attrNameLst>
+                                      </p:cBhvr>
+                                      <p:tavLst>
+                                        <p:tav tm="0">
+                                          <p:val>
+                                            <p:fltVal val="0"/>
+                                          </p:val>
+                                        </p:tav>
+                                        <p:tav tm="100000">
+                                          <p:val>
+                                            <p:strVal val="#ppt_h"/>
+                                          </p:val>
+                                        </p:tav>
+                                      </p:tavLst>
+                                    </p:anim>
+                                    <p:anim calcmode="lin" valueType="num">
+                                      <p:cBhvr>
+                                        <p:cTn id="37" dur="1000" fill="hold"/>
+                                        <p:tgtEl>
+                                          <p:spTgt spid="8">
+                                            <p:txEl>
+                                              <p:pRg st="4" end="4"/>
+                                            </p:txEl>
+                                          </p:spTgt>
+                                        </p:tgtEl>
+                                        <p:attrNameLst>
+                                          <p:attrName>style.rotation</p:attrName>
+                                        </p:attrNameLst>
+                                      </p:cBhvr>
+                                      <p:tavLst>
+                                        <p:tav tm="0">
+                                          <p:val>
+                                            <p:fltVal val="90"/>
+                                          </p:val>
+                                        </p:tav>
+                                        <p:tav tm="100000">
+                                          <p:val>
+                                            <p:fltVal val="0"/>
+                                          </p:val>
+                                        </p:tav>
+                                      </p:tavLst>
+                                    </p:anim>
+                                    <p:animEffect transition="in" filter="fade">
+                                      <p:cBhvr>
+                                        <p:cTn id="38" dur="1000"/>
+                                        <p:tgtEl>
+                                          <p:spTgt spid="8">
+                                            <p:txEl>
+                                              <p:pRg st="4" end="4"/>
+                                            </p:txEl>
+                                          </p:spTgt>
+                                        </p:tgtEl>
+                                      </p:cBhvr>
+                                    </p:animEffect>
+                                  </p:childTnLst>
+                                </p:cTn>
+                              </p:par>
+                              <p:par>
+                                <p:cTn id="39" presetID="31" presetClass="entr" presetSubtype="0" fill="hold" grpId="0" nodeType="withEffect">
+                                  <p:stCondLst>
+                                    <p:cond delay="0"/>
+                                  </p:stCondLst>
+                                  <p:childTnLst>
+                                    <p:set>
+                                      <p:cBhvr>
+                                        <p:cTn id="40" dur="1" fill="hold">
+                                          <p:stCondLst>
+                                            <p:cond delay="0"/>
+                                          </p:stCondLst>
+                                        </p:cTn>
+                                        <p:tgtEl>
+                                          <p:spTgt spid="8">
+                                            <p:txEl>
+                                              <p:pRg st="5" end="5"/>
+                                            </p:txEl>
+                                          </p:spTgt>
+                                        </p:tgtEl>
+                                        <p:attrNameLst>
+                                          <p:attrName>style.visibility</p:attrName>
+                                        </p:attrNameLst>
+                                      </p:cBhvr>
+                                      <p:to>
+                                        <p:strVal val="visible"/>
+                                      </p:to>
+                                    </p:set>
+                                    <p:anim calcmode="lin" valueType="num">
+                                      <p:cBhvr>
+                                        <p:cTn id="41" dur="1000" fill="hold"/>
+                                        <p:tgtEl>
+                                          <p:spTgt spid="8">
+                                            <p:txEl>
+                                              <p:pRg st="5" end="5"/>
+                                            </p:txEl>
+                                          </p:spTgt>
+                                        </p:tgtEl>
+                                        <p:attrNameLst>
+                                          <p:attrName>ppt_w</p:attrName>
+                                        </p:attrNameLst>
+                                      </p:cBhvr>
+                                      <p:tavLst>
+                                        <p:tav tm="0">
+                                          <p:val>
+                                            <p:fltVal val="0"/>
+                                          </p:val>
+                                        </p:tav>
+                                        <p:tav tm="100000">
+                                          <p:val>
+                                            <p:strVal val="#ppt_w"/>
+                                          </p:val>
+                                        </p:tav>
+                                      </p:tavLst>
+                                    </p:anim>
+                                    <p:anim calcmode="lin" valueType="num">
+                                      <p:cBhvr>
+                                        <p:cTn id="42" dur="1000" fill="hold"/>
+                                        <p:tgtEl>
+                                          <p:spTgt spid="8">
+                                            <p:txEl>
+                                              <p:pRg st="5" end="5"/>
+                                            </p:txEl>
+                                          </p:spTgt>
+                                        </p:tgtEl>
+                                        <p:attrNameLst>
+                                          <p:attrName>ppt_h</p:attrName>
+                                        </p:attrNameLst>
+                                      </p:cBhvr>
+                                      <p:tavLst>
+                                        <p:tav tm="0">
+                                          <p:val>
+                                            <p:fltVal val="0"/>
+                                          </p:val>
+                                        </p:tav>
+                                        <p:tav tm="100000">
+                                          <p:val>
+                                            <p:strVal val="#ppt_h"/>
+                                          </p:val>
+                                        </p:tav>
+                                      </p:tavLst>
+                                    </p:anim>
+                                    <p:anim calcmode="lin" valueType="num">
+                                      <p:cBhvr>
+                                        <p:cTn id="43" dur="1000" fill="hold"/>
+                                        <p:tgtEl>
+                                          <p:spTgt spid="8">
+                                            <p:txEl>
+                                              <p:pRg st="5" end="5"/>
+                                            </p:txEl>
+                                          </p:spTgt>
+                                        </p:tgtEl>
+                                        <p:attrNameLst>
+                                          <p:attrName>style.rotation</p:attrName>
+                                        </p:attrNameLst>
+                                      </p:cBhvr>
+                                      <p:tavLst>
+                                        <p:tav tm="0">
+                                          <p:val>
+                                            <p:fltVal val="90"/>
+                                          </p:val>
+                                        </p:tav>
+                                        <p:tav tm="100000">
+                                          <p:val>
+                                            <p:fltVal val="0"/>
+                                          </p:val>
+                                        </p:tav>
+                                      </p:tavLst>
+                                    </p:anim>
+                                    <p:animEffect transition="in" filter="fade">
+                                      <p:cBhvr>
+                                        <p:cTn id="44" dur="1000"/>
+                                        <p:tgtEl>
+                                          <p:spTgt spid="8">
+                                            <p:txEl>
+                                              <p:pRg st="5" end="5"/>
+                                            </p:txEl>
+                                          </p:spTgt>
+                                        </p:tgtEl>
+                                      </p:cBhvr>
+                                    </p:animEffect>
+                                  </p:childTnLst>
+                                </p:cTn>
+                              </p:par>
+                            </p:childTnLst>
+                          </p:cTn>
+                        </p:par>
+                      </p:childTnLst>
+                    </p:cTn>
+                  </p:par>
+                  <p:par>
+                    <p:cTn id="45" fill="hold">
+                      <p:stCondLst>
+                        <p:cond delay="indefinite"/>
+                      </p:stCondLst>
+                      <p:childTnLst>
+                        <p:par>
+                          <p:cTn id="46" fill="hold">
+                            <p:stCondLst>
+                              <p:cond delay="0"/>
+                            </p:stCondLst>
+                            <p:childTnLst>
+                              <p:par>
+                                <p:cTn id="47" presetID="31" presetClass="entr" presetSubtype="0" fill="hold" grpId="0" nodeType="clickEffect">
+                                  <p:stCondLst>
+                                    <p:cond delay="0"/>
+                                  </p:stCondLst>
+                                  <p:childTnLst>
+                                    <p:set>
+                                      <p:cBhvr>
+                                        <p:cTn id="48" dur="1" fill="hold">
+                                          <p:stCondLst>
+                                            <p:cond delay="0"/>
+                                          </p:stCondLst>
+                                        </p:cTn>
+                                        <p:tgtEl>
+                                          <p:spTgt spid="8">
+                                            <p:txEl>
+                                              <p:pRg st="6" end="6"/>
+                                            </p:txEl>
+                                          </p:spTgt>
+                                        </p:tgtEl>
+                                        <p:attrNameLst>
+                                          <p:attrName>style.visibility</p:attrName>
+                                        </p:attrNameLst>
+                                      </p:cBhvr>
+                                      <p:to>
+                                        <p:strVal val="visible"/>
+                                      </p:to>
+                                    </p:set>
+                                    <p:anim calcmode="lin" valueType="num">
+                                      <p:cBhvr>
+                                        <p:cTn id="49" dur="1000" fill="hold"/>
+                                        <p:tgtEl>
+                                          <p:spTgt spid="8">
+                                            <p:txEl>
+                                              <p:pRg st="6" end="6"/>
+                                            </p:txEl>
+                                          </p:spTgt>
+                                        </p:tgtEl>
+                                        <p:attrNameLst>
+                                          <p:attrName>ppt_w</p:attrName>
+                                        </p:attrNameLst>
+                                      </p:cBhvr>
+                                      <p:tavLst>
+                                        <p:tav tm="0">
+                                          <p:val>
+                                            <p:fltVal val="0"/>
+                                          </p:val>
+                                        </p:tav>
+                                        <p:tav tm="100000">
+                                          <p:val>
+                                            <p:strVal val="#ppt_w"/>
+                                          </p:val>
+                                        </p:tav>
+                                      </p:tavLst>
+                                    </p:anim>
+                                    <p:anim calcmode="lin" valueType="num">
+                                      <p:cBhvr>
+                                        <p:cTn id="50" dur="1000" fill="hold"/>
+                                        <p:tgtEl>
+                                          <p:spTgt spid="8">
+                                            <p:txEl>
+                                              <p:pRg st="6" end="6"/>
+                                            </p:txEl>
+                                          </p:spTgt>
+                                        </p:tgtEl>
+                                        <p:attrNameLst>
+                                          <p:attrName>ppt_h</p:attrName>
+                                        </p:attrNameLst>
+                                      </p:cBhvr>
+                                      <p:tavLst>
+                                        <p:tav tm="0">
+                                          <p:val>
+                                            <p:fltVal val="0"/>
+                                          </p:val>
+                                        </p:tav>
+                                        <p:tav tm="100000">
+                                          <p:val>
+                                            <p:strVal val="#ppt_h"/>
+                                          </p:val>
+                                        </p:tav>
+                                      </p:tavLst>
+                                    </p:anim>
+                                    <p:anim calcmode="lin" valueType="num">
+                                      <p:cBhvr>
+                                        <p:cTn id="51" dur="1000" fill="hold"/>
+                                        <p:tgtEl>
+                                          <p:spTgt spid="8">
+                                            <p:txEl>
+                                              <p:pRg st="6" end="6"/>
+                                            </p:txEl>
+                                          </p:spTgt>
+                                        </p:tgtEl>
+                                        <p:attrNameLst>
+                                          <p:attrName>style.rotation</p:attrName>
+                                        </p:attrNameLst>
+                                      </p:cBhvr>
+                                      <p:tavLst>
+                                        <p:tav tm="0">
+                                          <p:val>
+                                            <p:fltVal val="90"/>
+                                          </p:val>
+                                        </p:tav>
+                                        <p:tav tm="100000">
+                                          <p:val>
+                                            <p:fltVal val="0"/>
+                                          </p:val>
+                                        </p:tav>
+                                      </p:tavLst>
+                                    </p:anim>
+                                    <p:animEffect transition="in" filter="fade">
+                                      <p:cBhvr>
+                                        <p:cTn id="52" dur="1000"/>
+                                        <p:tgtEl>
+                                          <p:spTgt spid="8">
+                                            <p:txEl>
+                                              <p:pRg st="6" end="6"/>
+                                            </p:txEl>
+                                          </p:spTgt>
+                                        </p:tgtEl>
+                                      </p:cBhvr>
+                                    </p:animEffect>
+                                  </p:childTnLst>
+                                </p:cTn>
+                              </p:par>
+                            </p:childTnLst>
+                          </p:cTn>
+                        </p:par>
+                      </p:childTnLst>
+                    </p:cTn>
+                  </p:par>
+                  <p:par>
+                    <p:cTn id="53" fill="hold">
+                      <p:stCondLst>
+                        <p:cond delay="indefinite"/>
+                      </p:stCondLst>
+                      <p:childTnLst>
+                        <p:par>
+                          <p:cTn id="54" fill="hold">
+                            <p:stCondLst>
+                              <p:cond delay="0"/>
+                            </p:stCondLst>
+                            <p:childTnLst>
+                              <p:par>
+                                <p:cTn id="55" presetID="31" presetClass="entr" presetSubtype="0" fill="hold" nodeType="clickEffect">
+                                  <p:stCondLst>
+                                    <p:cond delay="0"/>
+                                  </p:stCondLst>
+                                  <p:childTnLst>
+                                    <p:set>
+                                      <p:cBhvr>
+                                        <p:cTn id="56" dur="1" fill="hold">
+                                          <p:stCondLst>
+                                            <p:cond delay="0"/>
+                                          </p:stCondLst>
+                                        </p:cTn>
+                                        <p:tgtEl>
+                                          <p:spTgt spid="2"/>
+                                        </p:tgtEl>
+                                        <p:attrNameLst>
+                                          <p:attrName>style.visibility</p:attrName>
+                                        </p:attrNameLst>
+                                      </p:cBhvr>
+                                      <p:to>
+                                        <p:strVal val="visible"/>
+                                      </p:to>
+                                    </p:set>
+                                    <p:anim calcmode="lin" valueType="num">
+                                      <p:cBhvr>
+                                        <p:cTn id="57" dur="1000" fill="hold"/>
+                                        <p:tgtEl>
+                                          <p:spTgt spid="2"/>
+                                        </p:tgtEl>
+                                        <p:attrNameLst>
+                                          <p:attrName>ppt_w</p:attrName>
+                                        </p:attrNameLst>
+                                      </p:cBhvr>
+                                      <p:tavLst>
+                                        <p:tav tm="0">
+                                          <p:val>
+                                            <p:fltVal val="0"/>
+                                          </p:val>
+                                        </p:tav>
+                                        <p:tav tm="100000">
+                                          <p:val>
+                                            <p:strVal val="#ppt_w"/>
+                                          </p:val>
+                                        </p:tav>
+                                      </p:tavLst>
+                                    </p:anim>
+                                    <p:anim calcmode="lin" valueType="num">
+                                      <p:cBhvr>
+                                        <p:cTn id="58" dur="1000" fill="hold"/>
+                                        <p:tgtEl>
+                                          <p:spTgt spid="2"/>
+                                        </p:tgtEl>
+                                        <p:attrNameLst>
+                                          <p:attrName>ppt_h</p:attrName>
+                                        </p:attrNameLst>
+                                      </p:cBhvr>
+                                      <p:tavLst>
+                                        <p:tav tm="0">
+                                          <p:val>
+                                            <p:fltVal val="0"/>
+                                          </p:val>
+                                        </p:tav>
+                                        <p:tav tm="100000">
+                                          <p:val>
+                                            <p:strVal val="#ppt_h"/>
+                                          </p:val>
+                                        </p:tav>
+                                      </p:tavLst>
+                                    </p:anim>
+                                    <p:anim calcmode="lin" valueType="num">
+                                      <p:cBhvr>
+                                        <p:cTn id="59" dur="1000" fill="hold"/>
+                                        <p:tgtEl>
+                                          <p:spTgt spid="2"/>
+                                        </p:tgtEl>
+                                        <p:attrNameLst>
+                                          <p:attrName>style.rotation</p:attrName>
+                                        </p:attrNameLst>
+                                      </p:cBhvr>
+                                      <p:tavLst>
+                                        <p:tav tm="0">
+                                          <p:val>
+                                            <p:fltVal val="90"/>
+                                          </p:val>
+                                        </p:tav>
+                                        <p:tav tm="100000">
+                                          <p:val>
+                                            <p:fltVal val="0"/>
+                                          </p:val>
+                                        </p:tav>
+                                      </p:tavLst>
+                                    </p:anim>
+                                    <p:animEffect transition="in" filter="fade">
+                                      <p:cBhvr>
+                                        <p:cTn id="60" dur="1000"/>
+                                        <p:tgtEl>
+                                          <p:spTgt spid="2"/>
+                                        </p:tgtEl>
+                                      </p:cBhvr>
+                                    </p:animEffect>
+                                  </p:childTnLst>
+                                </p:cTn>
+                              </p:par>
+                            </p:childTnLst>
+                          </p:cTn>
+                        </p:par>
+                      </p:childTnLst>
+                    </p:cTn>
+                  </p:par>
+                  <p:par>
+                    <p:cTn id="61" fill="hold">
+                      <p:stCondLst>
+                        <p:cond delay="indefinite"/>
+                      </p:stCondLst>
+                      <p:childTnLst>
+                        <p:par>
+                          <p:cTn id="62" fill="hold">
+                            <p:stCondLst>
+                              <p:cond delay="0"/>
+                            </p:stCondLst>
+                            <p:childTnLst>
+                              <p:par>
+                                <p:cTn id="63" presetID="31" presetClass="entr" presetSubtype="0" fill="hold" nodeType="clickEffect">
+                                  <p:stCondLst>
+                                    <p:cond delay="0"/>
+                                  </p:stCondLst>
+                                  <p:childTnLst>
+                                    <p:set>
+                                      <p:cBhvr>
+                                        <p:cTn id="64" dur="1" fill="hold">
+                                          <p:stCondLst>
+                                            <p:cond delay="0"/>
+                                          </p:stCondLst>
+                                        </p:cTn>
+                                        <p:tgtEl>
+                                          <p:spTgt spid="3"/>
+                                        </p:tgtEl>
+                                        <p:attrNameLst>
+                                          <p:attrName>style.visibility</p:attrName>
+                                        </p:attrNameLst>
+                                      </p:cBhvr>
+                                      <p:to>
+                                        <p:strVal val="visible"/>
+                                      </p:to>
+                                    </p:set>
+                                    <p:anim calcmode="lin" valueType="num">
+                                      <p:cBhvr>
+                                        <p:cTn id="65" dur="1000" fill="hold"/>
+                                        <p:tgtEl>
+                                          <p:spTgt spid="3"/>
+                                        </p:tgtEl>
+                                        <p:attrNameLst>
+                                          <p:attrName>ppt_w</p:attrName>
+                                        </p:attrNameLst>
+                                      </p:cBhvr>
+                                      <p:tavLst>
+                                        <p:tav tm="0">
+                                          <p:val>
+                                            <p:fltVal val="0"/>
+                                          </p:val>
+                                        </p:tav>
+                                        <p:tav tm="100000">
+                                          <p:val>
+                                            <p:strVal val="#ppt_w"/>
+                                          </p:val>
+                                        </p:tav>
+                                      </p:tavLst>
+                                    </p:anim>
+                                    <p:anim calcmode="lin" valueType="num">
+                                      <p:cBhvr>
+                                        <p:cTn id="66" dur="1000" fill="hold"/>
+                                        <p:tgtEl>
+                                          <p:spTgt spid="3"/>
+                                        </p:tgtEl>
+                                        <p:attrNameLst>
+                                          <p:attrName>ppt_h</p:attrName>
+                                        </p:attrNameLst>
+                                      </p:cBhvr>
+                                      <p:tavLst>
+                                        <p:tav tm="0">
+                                          <p:val>
+                                            <p:fltVal val="0"/>
+                                          </p:val>
+                                        </p:tav>
+                                        <p:tav tm="100000">
+                                          <p:val>
+                                            <p:strVal val="#ppt_h"/>
+                                          </p:val>
+                                        </p:tav>
+                                      </p:tavLst>
+                                    </p:anim>
+                                    <p:anim calcmode="lin" valueType="num">
+                                      <p:cBhvr>
+                                        <p:cTn id="67" dur="1000" fill="hold"/>
+                                        <p:tgtEl>
+                                          <p:spTgt spid="3"/>
+                                        </p:tgtEl>
+                                        <p:attrNameLst>
+                                          <p:attrName>style.rotation</p:attrName>
+                                        </p:attrNameLst>
+                                      </p:cBhvr>
+                                      <p:tavLst>
+                                        <p:tav tm="0">
+                                          <p:val>
+                                            <p:fltVal val="90"/>
+                                          </p:val>
+                                        </p:tav>
+                                        <p:tav tm="100000">
+                                          <p:val>
+                                            <p:fltVal val="0"/>
+                                          </p:val>
+                                        </p:tav>
+                                      </p:tavLst>
+                                    </p:anim>
+                                    <p:animEffect transition="in" filter="fade">
+                                      <p:cBhvr>
+                                        <p:cTn id="68" dur="1000"/>
+                                        <p:tgtEl>
+                                          <p:spTgt spid="3"/>
+                                        </p:tgtEl>
+                                      </p:cBhvr>
+                                    </p:animEffect>
+                                  </p:childTnLst>
+                                </p:cTn>
+                              </p:par>
+                            </p:childTnLst>
+                          </p:cTn>
+                        </p:par>
+                      </p:childTnLst>
+                    </p:cTn>
+                  </p:par>
+                  <p:par>
+                    <p:cTn id="69" fill="hold">
+                      <p:stCondLst>
+                        <p:cond delay="indefinite"/>
+                      </p:stCondLst>
+                      <p:childTnLst>
+                        <p:par>
+                          <p:cTn id="70" fill="hold">
+                            <p:stCondLst>
+                              <p:cond delay="0"/>
+                            </p:stCondLst>
+                            <p:childTnLst>
+                              <p:par>
+                                <p:cTn id="71" presetID="31" presetClass="entr" presetSubtype="0" fill="hold" nodeType="clickEffect">
+                                  <p:stCondLst>
+                                    <p:cond delay="0"/>
+                                  </p:stCondLst>
+                                  <p:childTnLst>
+                                    <p:set>
+                                      <p:cBhvr>
+                                        <p:cTn id="72" dur="1" fill="hold">
+                                          <p:stCondLst>
+                                            <p:cond delay="0"/>
+                                          </p:stCondLst>
+                                        </p:cTn>
+                                        <p:tgtEl>
+                                          <p:spTgt spid="6"/>
+                                        </p:tgtEl>
+                                        <p:attrNameLst>
+                                          <p:attrName>style.visibility</p:attrName>
+                                        </p:attrNameLst>
+                                      </p:cBhvr>
+                                      <p:to>
+                                        <p:strVal val="visible"/>
+                                      </p:to>
+                                    </p:set>
+                                    <p:anim calcmode="lin" valueType="num">
+                                      <p:cBhvr>
+                                        <p:cTn id="73" dur="1000" fill="hold"/>
+                                        <p:tgtEl>
+                                          <p:spTgt spid="6"/>
+                                        </p:tgtEl>
+                                        <p:attrNameLst>
+                                          <p:attrName>ppt_w</p:attrName>
+                                        </p:attrNameLst>
+                                      </p:cBhvr>
+                                      <p:tavLst>
+                                        <p:tav tm="0">
+                                          <p:val>
+                                            <p:fltVal val="0"/>
+                                          </p:val>
+                                        </p:tav>
+                                        <p:tav tm="100000">
+                                          <p:val>
+                                            <p:strVal val="#ppt_w"/>
+                                          </p:val>
+                                        </p:tav>
+                                      </p:tavLst>
+                                    </p:anim>
+                                    <p:anim calcmode="lin" valueType="num">
+                                      <p:cBhvr>
+                                        <p:cTn id="74" dur="1000" fill="hold"/>
+                                        <p:tgtEl>
+                                          <p:spTgt spid="6"/>
+                                        </p:tgtEl>
+                                        <p:attrNameLst>
+                                          <p:attrName>ppt_h</p:attrName>
+                                        </p:attrNameLst>
+                                      </p:cBhvr>
+                                      <p:tavLst>
+                                        <p:tav tm="0">
+                                          <p:val>
+                                            <p:fltVal val="0"/>
+                                          </p:val>
+                                        </p:tav>
+                                        <p:tav tm="100000">
+                                          <p:val>
+                                            <p:strVal val="#ppt_h"/>
+                                          </p:val>
+                                        </p:tav>
+                                      </p:tavLst>
+                                    </p:anim>
+                                    <p:anim calcmode="lin" valueType="num">
+                                      <p:cBhvr>
+                                        <p:cTn id="75" dur="1000" fill="hold"/>
+                                        <p:tgtEl>
+                                          <p:spTgt spid="6"/>
+                                        </p:tgtEl>
+                                        <p:attrNameLst>
+                                          <p:attrName>style.rotation</p:attrName>
+                                        </p:attrNameLst>
+                                      </p:cBhvr>
+                                      <p:tavLst>
+                                        <p:tav tm="0">
+                                          <p:val>
+                                            <p:fltVal val="90"/>
+                                          </p:val>
+                                        </p:tav>
+                                        <p:tav tm="100000">
+                                          <p:val>
+                                            <p:fltVal val="0"/>
+                                          </p:val>
+                                        </p:tav>
+                                      </p:tavLst>
+                                    </p:anim>
+                                    <p:animEffect transition="in" filter="fade">
+                                      <p:cBhvr>
+                                        <p:cTn id="76" dur="1000"/>
+                                        <p:tgtEl>
+                                          <p:spTgt spid="6"/>
+                                        </p:tgtEl>
+                                      </p:cBhvr>
+                                    </p:animEffect>
+                                  </p:childTnLst>
+                                </p:cTn>
+                              </p:par>
+                            </p:childTnLst>
+                          </p:cTn>
+                        </p:par>
+                      </p:childTnLst>
+                    </p:cTn>
+                  </p:par>
+                  <p:par>
+                    <p:cTn id="77" fill="hold">
+                      <p:stCondLst>
+                        <p:cond delay="indefinite"/>
+                      </p:stCondLst>
+                      <p:childTnLst>
+                        <p:par>
+                          <p:cTn id="78" fill="hold">
+                            <p:stCondLst>
+                              <p:cond delay="0"/>
+                            </p:stCondLst>
+                            <p:childTnLst>
+                              <p:par>
+                                <p:cTn id="79" presetID="31" presetClass="entr" presetSubtype="0" fill="hold" nodeType="clickEffect">
+                                  <p:stCondLst>
+                                    <p:cond delay="0"/>
+                                  </p:stCondLst>
+                                  <p:childTnLst>
+                                    <p:set>
+                                      <p:cBhvr>
+                                        <p:cTn id="80" dur="1" fill="hold">
+                                          <p:stCondLst>
+                                            <p:cond delay="0"/>
+                                          </p:stCondLst>
+                                        </p:cTn>
+                                        <p:tgtEl>
+                                          <p:spTgt spid="13"/>
+                                        </p:tgtEl>
+                                        <p:attrNameLst>
+                                          <p:attrName>style.visibility</p:attrName>
+                                        </p:attrNameLst>
+                                      </p:cBhvr>
+                                      <p:to>
+                                        <p:strVal val="visible"/>
+                                      </p:to>
+                                    </p:set>
+                                    <p:anim calcmode="lin" valueType="num">
+                                      <p:cBhvr>
+                                        <p:cTn id="81" dur="1000" fill="hold"/>
+                                        <p:tgtEl>
+                                          <p:spTgt spid="13"/>
+                                        </p:tgtEl>
+                                        <p:attrNameLst>
+                                          <p:attrName>ppt_w</p:attrName>
+                                        </p:attrNameLst>
+                                      </p:cBhvr>
+                                      <p:tavLst>
+                                        <p:tav tm="0">
+                                          <p:val>
+                                            <p:fltVal val="0"/>
+                                          </p:val>
+                                        </p:tav>
+                                        <p:tav tm="100000">
+                                          <p:val>
+                                            <p:strVal val="#ppt_w"/>
+                                          </p:val>
+                                        </p:tav>
+                                      </p:tavLst>
+                                    </p:anim>
+                                    <p:anim calcmode="lin" valueType="num">
+                                      <p:cBhvr>
+                                        <p:cTn id="82" dur="1000" fill="hold"/>
+                                        <p:tgtEl>
+                                          <p:spTgt spid="13"/>
+                                        </p:tgtEl>
+                                        <p:attrNameLst>
+                                          <p:attrName>ppt_h</p:attrName>
+                                        </p:attrNameLst>
+                                      </p:cBhvr>
+                                      <p:tavLst>
+                                        <p:tav tm="0">
+                                          <p:val>
+                                            <p:fltVal val="0"/>
+                                          </p:val>
+                                        </p:tav>
+                                        <p:tav tm="100000">
+                                          <p:val>
+                                            <p:strVal val="#ppt_h"/>
+                                          </p:val>
+                                        </p:tav>
+                                      </p:tavLst>
+                                    </p:anim>
+                                    <p:anim calcmode="lin" valueType="num">
+                                      <p:cBhvr>
+                                        <p:cTn id="83" dur="1000" fill="hold"/>
+                                        <p:tgtEl>
+                                          <p:spTgt spid="13"/>
+                                        </p:tgtEl>
+                                        <p:attrNameLst>
+                                          <p:attrName>style.rotation</p:attrName>
+                                        </p:attrNameLst>
+                                      </p:cBhvr>
+                                      <p:tavLst>
+                                        <p:tav tm="0">
+                                          <p:val>
+                                            <p:fltVal val="90"/>
+                                          </p:val>
+                                        </p:tav>
+                                        <p:tav tm="100000">
+                                          <p:val>
+                                            <p:fltVal val="0"/>
+                                          </p:val>
+                                        </p:tav>
+                                      </p:tavLst>
+                                    </p:anim>
+                                    <p:animEffect transition="in" filter="fade">
+                                      <p:cBhvr>
+                                        <p:cTn id="84" dur="1000"/>
+                                        <p:tgtEl>
+                                          <p:spTgt spid="13"/>
+                                        </p:tgtEl>
+                                      </p:cBhvr>
+                                    </p:animEffect>
+                                  </p:childTnLst>
+                                </p:cTn>
+                              </p:par>
+                            </p:childTnLst>
+                          </p:cTn>
+                        </p:par>
+                      </p:childTnLst>
+                    </p:cTn>
+                  </p:par>
+                  <p:par>
+                    <p:cTn id="85" fill="hold">
+                      <p:stCondLst>
+                        <p:cond delay="indefinite"/>
+                      </p:stCondLst>
+                      <p:childTnLst>
+                        <p:par>
+                          <p:cTn id="86" fill="hold">
+                            <p:stCondLst>
+                              <p:cond delay="0"/>
+                            </p:stCondLst>
+                            <p:childTnLst>
+                              <p:par>
+                                <p:cTn id="87" presetID="31" presetClass="entr" presetSubtype="0" fill="hold" nodeType="clickEffect">
+                                  <p:stCondLst>
+                                    <p:cond delay="0"/>
+                                  </p:stCondLst>
+                                  <p:childTnLst>
+                                    <p:set>
+                                      <p:cBhvr>
+                                        <p:cTn id="88" dur="1" fill="hold">
+                                          <p:stCondLst>
+                                            <p:cond delay="0"/>
+                                          </p:stCondLst>
+                                        </p:cTn>
+                                        <p:tgtEl>
+                                          <p:spTgt spid="11"/>
+                                        </p:tgtEl>
+                                        <p:attrNameLst>
+                                          <p:attrName>style.visibility</p:attrName>
+                                        </p:attrNameLst>
+                                      </p:cBhvr>
+                                      <p:to>
+                                        <p:strVal val="visible"/>
+                                      </p:to>
+                                    </p:set>
+                                    <p:anim calcmode="lin" valueType="num">
+                                      <p:cBhvr>
+                                        <p:cTn id="89" dur="1000" fill="hold"/>
+                                        <p:tgtEl>
+                                          <p:spTgt spid="11"/>
+                                        </p:tgtEl>
+                                        <p:attrNameLst>
+                                          <p:attrName>ppt_w</p:attrName>
+                                        </p:attrNameLst>
+                                      </p:cBhvr>
+                                      <p:tavLst>
+                                        <p:tav tm="0">
+                                          <p:val>
+                                            <p:fltVal val="0"/>
+                                          </p:val>
+                                        </p:tav>
+                                        <p:tav tm="100000">
+                                          <p:val>
+                                            <p:strVal val="#ppt_w"/>
+                                          </p:val>
+                                        </p:tav>
+                                      </p:tavLst>
+                                    </p:anim>
+                                    <p:anim calcmode="lin" valueType="num">
+                                      <p:cBhvr>
+                                        <p:cTn id="90" dur="1000" fill="hold"/>
+                                        <p:tgtEl>
+                                          <p:spTgt spid="11"/>
+                                        </p:tgtEl>
+                                        <p:attrNameLst>
+                                          <p:attrName>ppt_h</p:attrName>
+                                        </p:attrNameLst>
+                                      </p:cBhvr>
+                                      <p:tavLst>
+                                        <p:tav tm="0">
+                                          <p:val>
+                                            <p:fltVal val="0"/>
+                                          </p:val>
+                                        </p:tav>
+                                        <p:tav tm="100000">
+                                          <p:val>
+                                            <p:strVal val="#ppt_h"/>
+                                          </p:val>
+                                        </p:tav>
+                                      </p:tavLst>
+                                    </p:anim>
+                                    <p:anim calcmode="lin" valueType="num">
+                                      <p:cBhvr>
+                                        <p:cTn id="91" dur="1000" fill="hold"/>
+                                        <p:tgtEl>
+                                          <p:spTgt spid="11"/>
+                                        </p:tgtEl>
+                                        <p:attrNameLst>
+                                          <p:attrName>style.rotation</p:attrName>
+                                        </p:attrNameLst>
+                                      </p:cBhvr>
+                                      <p:tavLst>
+                                        <p:tav tm="0">
+                                          <p:val>
+                                            <p:fltVal val="90"/>
+                                          </p:val>
+                                        </p:tav>
+                                        <p:tav tm="100000">
+                                          <p:val>
+                                            <p:fltVal val="0"/>
+                                          </p:val>
+                                        </p:tav>
+                                      </p:tavLst>
+                                    </p:anim>
+                                    <p:animEffect transition="in" filter="fade">
+                                      <p:cBhvr>
+                                        <p:cTn id="92" dur="1000"/>
+                                        <p:tgtEl>
+                                          <p:spTgt spid="11"/>
+                                        </p:tgtEl>
+                                      </p:cBhvr>
+                                    </p:animEffect>
+                                  </p:childTnLst>
+                                </p:cTn>
+                              </p:par>
+                            </p:childTnLst>
+                          </p:cTn>
+                        </p:par>
+                      </p:childTnLst>
+                    </p:cTn>
+                  </p:par>
+                </p:childTnLst>
+              </p:cTn>
+              <p:prevCondLst>
+                <p:cond evt="onPrev" delay="0">
+                  <p:tgtEl>
+                    <p:sldTgt/>
+                  </p:tgtEl>
+                </p:cond>
+              </p:prevCondLst>
+              <p:nextCondLst>
+                <p:cond evt="onNext" delay="0">
+                  <p:tgtEl>
+                    <p:sldTgt/>
+                  </p:tgtEl>
+                </p:cond>
+              </p:nextCondLst>
+            </p:seq>
+          </p:childTnLst>
+        </p:cTn>
+      </p:par>
+    </p:tnLst>
+    <p:bldLst>
+      <p:bldP spid="8" grpId="0" build="p"/>
+    </p:bldLst>
+  </p:timing>
+</p:sld>
+</file>
+
+<file path=ppt/slides/slide8.xml><?xml version="1.0" encoding="utf-8"?>
+<p:sld xmlns:a="http://schemas.openxmlformats.org/drawingml/2006/main" xmlns:r="http://schemas.openxmlformats.org/officeDocument/2006/relationships" xmlns:p="http://schemas.openxmlformats.org/presentationml/2006/main">
+  <p:cSld>
+    <p:spTree>
+      <p:nvGrpSpPr>
+        <p:cNvPr id="1" name=""/>
+        <p:cNvGrpSpPr/>
+        <p:nvPr/>
+      </p:nvGrpSpPr>
+      <p:grpSpPr>
+        <a:xfrm>
+          <a:off x="0" y="0"/>
+          <a:ext cx="0" cy="0"/>
+          <a:chOff x="0" y="0"/>
+          <a:chExt cx="0" cy="0"/>
+        </a:xfrm>
+      </p:grpSpPr>
+      <p:sp>
+        <p:nvSpPr>
+          <p:cNvPr id="7" name="Cím 6">
+            <a:extLst>
+              <a:ext uri="{FF2B5EF4-FFF2-40B4-BE49-F238E27FC236}">
+                <a16:creationId xmlns:a16="http://schemas.microsoft.com/office/drawing/2014/main" id="{64247D1F-9A4C-476B-8683-EE4BBAF5C966}"/>
+              </a:ext>
+            </a:extLst>
+          </p:cNvPr>
+          <p:cNvSpPr>
+            <a:spLocks noGrp="1"/>
+          </p:cNvSpPr>
+          <p:nvPr>
+            <p:ph type="title"/>
+          </p:nvPr>
+        </p:nvSpPr>
+        <p:spPr/>
+        <p:txBody>
+          <a:bodyPr/>
+          <a:lstStyle/>
+          <a:p>
+            <a:r>
+              <a:rPr lang="hu-HU" dirty="0"/>
+              <a:t>Bejegyzések </a:t>
+            </a:r>
+            <a:br>
+              <a:rPr lang="hu-HU" dirty="0"/>
+            </a:br>
+            <a:r>
+              <a:rPr lang="hu-HU" dirty="0" err="1"/>
+              <a:t>Készreállítása</a:t>
+            </a:r>
+            <a:endParaRPr lang="hu-HU" dirty="0"/>
+          </a:p>
+        </p:txBody>
+      </p:sp>
+      <p:sp>
+        <p:nvSpPr>
+          <p:cNvPr id="8" name="Tartalom helye 7">
+            <a:extLst>
+              <a:ext uri="{FF2B5EF4-FFF2-40B4-BE49-F238E27FC236}">
+                <a16:creationId xmlns:a16="http://schemas.microsoft.com/office/drawing/2014/main" id="{E38A5038-99C9-4D25-91BB-0AA27F660EDF}"/>
+              </a:ext>
+            </a:extLst>
+          </p:cNvPr>
+          <p:cNvSpPr>
+            <a:spLocks noGrp="1"/>
+          </p:cNvSpPr>
+          <p:nvPr>
+            <p:ph sz="half" idx="1"/>
+          </p:nvPr>
+        </p:nvSpPr>
+        <p:spPr/>
+        <p:txBody>
+          <a:bodyPr/>
+          <a:lstStyle/>
+          <a:p>
+            <a:r>
+              <a:rPr lang="hu-HU" dirty="0"/>
+              <a:t>A bejegyzés kezelőbe válasszuk ki a 4. opciót</a:t>
+            </a:r>
+          </a:p>
+          <a:p>
+            <a:r>
+              <a:rPr lang="hu-HU" dirty="0"/>
+              <a:t>Ezután írjuk le annak a bejegyzésnek a címét amelyiket készre szeretnénk állítani</a:t>
+            </a:r>
+          </a:p>
+          <a:p>
+            <a:r>
+              <a:rPr lang="hu-HU" dirty="0"/>
+              <a:t>Ezután a rendszer készre állítja az adott bejegyzést így nem lehet módosítani</a:t>
+            </a:r>
+          </a:p>
+        </p:txBody>
+      </p:sp>
+      <p:pic>
+        <p:nvPicPr>
+          <p:cNvPr id="2" name="Kép 1">
+            <a:extLst>
+              <a:ext uri="{FF2B5EF4-FFF2-40B4-BE49-F238E27FC236}">
+                <a16:creationId xmlns:a16="http://schemas.microsoft.com/office/drawing/2014/main" id="{5DDFBE77-CD88-496E-9391-1DC220C3EB20}"/>
+              </a:ext>
+            </a:extLst>
+          </p:cNvPr>
+          <p:cNvPicPr>
+            <a:picLocks noChangeAspect="1"/>
+          </p:cNvPicPr>
+          <p:nvPr/>
+        </p:nvPicPr>
+        <p:blipFill>
+          <a:blip r:embed="rId2"/>
+          <a:stretch>
+            <a:fillRect/>
+          </a:stretch>
+        </p:blipFill>
+        <p:spPr>
+          <a:xfrm>
+            <a:off x="5892563" y="140229"/>
+            <a:ext cx="3610479" cy="1905266"/>
+          </a:xfrm>
+          <a:prstGeom prst="rect">
+            <a:avLst/>
+          </a:prstGeom>
+        </p:spPr>
+      </p:pic>
+      <p:cxnSp>
+        <p:nvCxnSpPr>
+          <p:cNvPr id="3" name="Egyenes összekötő nyíllal 2">
+            <a:extLst>
+              <a:ext uri="{FF2B5EF4-FFF2-40B4-BE49-F238E27FC236}">
+                <a16:creationId xmlns:a16="http://schemas.microsoft.com/office/drawing/2014/main" id="{071F3177-C34B-4DCF-BBF9-1314C294D1A5}"/>
+              </a:ext>
+            </a:extLst>
+          </p:cNvPr>
+          <p:cNvCxnSpPr>
+            <a:cxnSpLocks/>
+          </p:cNvCxnSpPr>
+          <p:nvPr/>
+        </p:nvCxnSpPr>
+        <p:spPr>
+          <a:xfrm>
+            <a:off x="7111014" y="1752535"/>
+            <a:ext cx="186431" cy="662746"/>
+          </a:xfrm>
+          <a:prstGeom prst="straightConnector1">
+            <a:avLst/>
+          </a:prstGeom>
+          <a:ln>
+            <a:solidFill>
+              <a:srgbClr val="FF0000"/>
+            </a:solidFill>
+            <a:tailEnd type="triangle"/>
+          </a:ln>
+        </p:spPr>
+        <p:style>
+          <a:lnRef idx="3">
+            <a:schemeClr val="dk1"/>
+          </a:lnRef>
+          <a:fillRef idx="0">
+            <a:schemeClr val="dk1"/>
+          </a:fillRef>
+          <a:effectRef idx="2">
+            <a:schemeClr val="dk1"/>
+          </a:effectRef>
+          <a:fontRef idx="minor">
+            <a:schemeClr val="tx1"/>
+          </a:fontRef>
+        </p:style>
+      </p:cxnSp>
+      <p:pic>
+        <p:nvPicPr>
+          <p:cNvPr id="15" name="Tartalom helye 14">
+            <a:extLst>
+              <a:ext uri="{FF2B5EF4-FFF2-40B4-BE49-F238E27FC236}">
+                <a16:creationId xmlns:a16="http://schemas.microsoft.com/office/drawing/2014/main" id="{CC1A2A88-3292-4F8F-BE03-15C5EEFA1127}"/>
+              </a:ext>
+            </a:extLst>
+          </p:cNvPr>
+          <p:cNvPicPr>
+            <a:picLocks noGrp="1" noChangeAspect="1"/>
+          </p:cNvPicPr>
+          <p:nvPr>
+            <p:ph sz="half" idx="2"/>
+          </p:nvPr>
+        </p:nvPicPr>
+        <p:blipFill>
+          <a:blip r:embed="rId3"/>
+          <a:stretch>
+            <a:fillRect/>
+          </a:stretch>
+        </p:blipFill>
+        <p:spPr>
+          <a:xfrm>
+            <a:off x="5940194" y="2415281"/>
+            <a:ext cx="3515216" cy="1848108"/>
+          </a:xfrm>
+          <a:prstGeom prst="rect">
+            <a:avLst/>
+          </a:prstGeom>
+        </p:spPr>
+      </p:pic>
+      <p:cxnSp>
+        <p:nvCxnSpPr>
+          <p:cNvPr id="13" name="Egyenes összekötő nyíllal 12">
+            <a:extLst>
+              <a:ext uri="{FF2B5EF4-FFF2-40B4-BE49-F238E27FC236}">
+                <a16:creationId xmlns:a16="http://schemas.microsoft.com/office/drawing/2014/main" id="{DF91783C-9456-4487-B967-02BDF2C191AF}"/>
+              </a:ext>
+            </a:extLst>
+          </p:cNvPr>
+          <p:cNvCxnSpPr>
+            <a:cxnSpLocks/>
+          </p:cNvCxnSpPr>
+          <p:nvPr/>
+        </p:nvCxnSpPr>
+        <p:spPr>
+          <a:xfrm>
+            <a:off x="6933460" y="4190260"/>
+            <a:ext cx="177554" cy="563566"/>
+          </a:xfrm>
+          <a:prstGeom prst="straightConnector1">
+            <a:avLst/>
+          </a:prstGeom>
+          <a:ln>
+            <a:solidFill>
+              <a:srgbClr val="FF0000"/>
+            </a:solidFill>
+            <a:tailEnd type="triangle"/>
+          </a:ln>
+        </p:spPr>
+        <p:style>
+          <a:lnRef idx="3">
+            <a:schemeClr val="dk1"/>
+          </a:lnRef>
+          <a:fillRef idx="0">
+            <a:schemeClr val="dk1"/>
+          </a:fillRef>
+          <a:effectRef idx="2">
+            <a:schemeClr val="dk1"/>
+          </a:effectRef>
+          <a:fontRef idx="minor">
+            <a:schemeClr val="tx1"/>
+          </a:fontRef>
+        </p:style>
+      </p:cxnSp>
+      <p:pic>
+        <p:nvPicPr>
+          <p:cNvPr id="19" name="Kép 18">
+            <a:extLst>
+              <a:ext uri="{FF2B5EF4-FFF2-40B4-BE49-F238E27FC236}">
+                <a16:creationId xmlns:a16="http://schemas.microsoft.com/office/drawing/2014/main" id="{2D09F578-5DBF-4BB6-A9F2-A4C4E54F048A}"/>
+              </a:ext>
+            </a:extLst>
+          </p:cNvPr>
+          <p:cNvPicPr>
+            <a:picLocks noChangeAspect="1"/>
+          </p:cNvPicPr>
+          <p:nvPr/>
+        </p:nvPicPr>
+        <p:blipFill>
+          <a:blip r:embed="rId4"/>
+          <a:stretch>
+            <a:fillRect/>
+          </a:stretch>
+        </p:blipFill>
+        <p:spPr>
+          <a:xfrm>
+            <a:off x="5777839" y="4788092"/>
+            <a:ext cx="3496163" cy="552527"/>
+          </a:xfrm>
+          <a:prstGeom prst="rect">
+            <a:avLst/>
+          </a:prstGeom>
+        </p:spPr>
+      </p:pic>
+      <p:cxnSp>
+        <p:nvCxnSpPr>
+          <p:cNvPr id="20" name="Egyenes összekötő nyíllal 19">
+            <a:extLst>
+              <a:ext uri="{FF2B5EF4-FFF2-40B4-BE49-F238E27FC236}">
+                <a16:creationId xmlns:a16="http://schemas.microsoft.com/office/drawing/2014/main" id="{DC6652A5-B1C0-4976-819A-8593EC2EE080}"/>
+              </a:ext>
+            </a:extLst>
+          </p:cNvPr>
+          <p:cNvCxnSpPr>
+            <a:cxnSpLocks/>
+            <a:endCxn id="22" idx="0"/>
+          </p:cNvCxnSpPr>
+          <p:nvPr/>
+        </p:nvCxnSpPr>
+        <p:spPr>
+          <a:xfrm flipH="1">
+            <a:off x="6933460" y="5272973"/>
+            <a:ext cx="186432" cy="413140"/>
+          </a:xfrm>
+          <a:prstGeom prst="straightConnector1">
+            <a:avLst/>
+          </a:prstGeom>
+          <a:ln>
+            <a:solidFill>
+              <a:srgbClr val="FF0000"/>
+            </a:solidFill>
+            <a:tailEnd type="triangle"/>
+          </a:ln>
+        </p:spPr>
+        <p:style>
+          <a:lnRef idx="3">
+            <a:schemeClr val="dk1"/>
+          </a:lnRef>
+          <a:fillRef idx="0">
+            <a:schemeClr val="dk1"/>
+          </a:fillRef>
+          <a:effectRef idx="2">
+            <a:schemeClr val="dk1"/>
+          </a:effectRef>
+          <a:fontRef idx="minor">
+            <a:schemeClr val="tx1"/>
+          </a:fontRef>
+        </p:style>
+      </p:cxnSp>
+      <p:pic>
+        <p:nvPicPr>
+          <p:cNvPr id="22" name="Kép 21">
+            <a:extLst>
+              <a:ext uri="{FF2B5EF4-FFF2-40B4-BE49-F238E27FC236}">
+                <a16:creationId xmlns:a16="http://schemas.microsoft.com/office/drawing/2014/main" id="{1ADD48E2-7955-475D-94B3-1D88A9844023}"/>
+              </a:ext>
+            </a:extLst>
+          </p:cNvPr>
+          <p:cNvPicPr>
+            <a:picLocks noChangeAspect="1"/>
+          </p:cNvPicPr>
+          <p:nvPr/>
+        </p:nvPicPr>
+        <p:blipFill>
+          <a:blip r:embed="rId5"/>
+          <a:stretch>
+            <a:fillRect/>
+          </a:stretch>
+        </p:blipFill>
+        <p:spPr>
+          <a:xfrm>
+            <a:off x="5625062" y="5686113"/>
+            <a:ext cx="2616796" cy="1124573"/>
+          </a:xfrm>
+          <a:prstGeom prst="rect">
+            <a:avLst/>
+          </a:prstGeom>
+        </p:spPr>
+      </p:pic>
+    </p:spTree>
+    <p:extLst>
+      <p:ext uri="{BB962C8B-B14F-4D97-AF65-F5344CB8AC3E}">
+        <p14:creationId xmlns:p14="http://schemas.microsoft.com/office/powerpoint/2010/main" val="1134590754"/>
+      </p:ext>
+    </p:extLst>
+  </p:cSld>
+  <p:clrMapOvr>
+    <a:masterClrMapping/>
+  </p:clrMapOvr>
+  <p:transition spd="slow">
+    <p:comb/>
+  </p:transition>
+  <p:timing>
+    <p:tnLst>
+      <p:par>
+        <p:cTn id="1" dur="indefinite" restart="never" nodeType="tmRoot">
+          <p:childTnLst>
+            <p:seq concurrent="1" nextAc="seek">
+              <p:cTn id="2" dur="indefinite" nodeType="mainSeq">
+                <p:childTnLst>
+                  <p:par>
+                    <p:cTn id="3" fill="hold">
+                      <p:stCondLst>
+                        <p:cond delay="indefinite"/>
+                      </p:stCondLst>
+                      <p:childTnLst>
+                        <p:par>
+                          <p:cTn id="4" fill="hold">
+                            <p:stCondLst>
+                              <p:cond delay="0"/>
+                            </p:stCondLst>
+                            <p:childTnLst>
+                              <p:par>
+                                <p:cTn id="5" presetID="16" presetClass="entr" presetSubtype="21" fill="hold" grpId="0" nodeType="clickEffect">
+                                  <p:stCondLst>
+                                    <p:cond delay="0"/>
+                                  </p:stCondLst>
+                                  <p:childTnLst>
+                                    <p:set>
+                                      <p:cBhvr>
+                                        <p:cTn id="6" dur="1" fill="hold">
+                                          <p:stCondLst>
+                                            <p:cond delay="0"/>
+                                          </p:stCondLst>
+                                        </p:cTn>
+                                        <p:tgtEl>
+                                          <p:spTgt spid="8">
+                                            <p:txEl>
+                                              <p:pRg st="0" end="0"/>
+                                            </p:txEl>
+                                          </p:spTgt>
+                                        </p:tgtEl>
+                                        <p:attrNameLst>
+                                          <p:attrName>style.visibility</p:attrName>
+                                        </p:attrNameLst>
+                                      </p:cBhvr>
+                                      <p:to>
+                                        <p:strVal val="visible"/>
+                                      </p:to>
+                                    </p:set>
+                                    <p:animEffect transition="in" filter="barn(inVertical)">
+                                      <p:cBhvr>
+                                        <p:cTn id="7" dur="500"/>
+                                        <p:tgtEl>
+                                          <p:spTgt spid="8">
+                                            <p:txEl>
+                                              <p:pRg st="0" end="0"/>
+                                            </p:txEl>
+                                          </p:spTgt>
+                                        </p:tgtEl>
+                                      </p:cBhvr>
+                                    </p:animEffect>
+                                  </p:childTnLst>
+                                </p:cTn>
+                              </p:par>
+                            </p:childTnLst>
+                          </p:cTn>
+                        </p:par>
+                      </p:childTnLst>
+                    </p:cTn>
+                  </p:par>
+                  <p:par>
+                    <p:cTn id="8" fill="hold">
+                      <p:stCondLst>
+                        <p:cond delay="indefinite"/>
+                      </p:stCondLst>
+                      <p:childTnLst>
+                        <p:par>
+                          <p:cTn id="9" fill="hold">
+                            <p:stCondLst>
+                              <p:cond delay="0"/>
+                            </p:stCondLst>
+                            <p:childTnLst>
+                              <p:par>
+                                <p:cTn id="10" presetID="16" presetClass="entr" presetSubtype="21" fill="hold" grpId="0" nodeType="clickEffect">
+                                  <p:stCondLst>
+                                    <p:cond delay="0"/>
+                                  </p:stCondLst>
+                                  <p:childTnLst>
+                                    <p:set>
+                                      <p:cBhvr>
+                                        <p:cTn id="11" dur="1" fill="hold">
+                                          <p:stCondLst>
+                                            <p:cond delay="0"/>
+                                          </p:stCondLst>
+                                        </p:cTn>
+                                        <p:tgtEl>
+                                          <p:spTgt spid="8">
+                                            <p:txEl>
+                                              <p:pRg st="1" end="1"/>
+                                            </p:txEl>
+                                          </p:spTgt>
+                                        </p:tgtEl>
+                                        <p:attrNameLst>
+                                          <p:attrName>style.visibility</p:attrName>
+                                        </p:attrNameLst>
+                                      </p:cBhvr>
+                                      <p:to>
+                                        <p:strVal val="visible"/>
+                                      </p:to>
+                                    </p:set>
+                                    <p:animEffect transition="in" filter="barn(inVertical)">
+                                      <p:cBhvr>
+                                        <p:cTn id="12" dur="500"/>
+                                        <p:tgtEl>
+                                          <p:spTgt spid="8">
+                                            <p:txEl>
+                                              <p:pRg st="1" end="1"/>
+                                            </p:txEl>
+                                          </p:spTgt>
+                                        </p:tgtEl>
+                                      </p:cBhvr>
+                                    </p:animEffect>
+                                  </p:childTnLst>
+                                </p:cTn>
+                              </p:par>
+                            </p:childTnLst>
+                          </p:cTn>
+                        </p:par>
+                      </p:childTnLst>
+                    </p:cTn>
+                  </p:par>
+                  <p:par>
+                    <p:cTn id="13" fill="hold">
+                      <p:stCondLst>
+                        <p:cond delay="indefinite"/>
+                      </p:stCondLst>
+                      <p:childTnLst>
+                        <p:par>
+                          <p:cTn id="14" fill="hold">
+                            <p:stCondLst>
+                              <p:cond delay="0"/>
+                            </p:stCondLst>
+                            <p:childTnLst>
+                              <p:par>
+                                <p:cTn id="15" presetID="16" presetClass="entr" presetSubtype="21" fill="hold" grpId="0" nodeType="clickEffect">
+                                  <p:stCondLst>
+                                    <p:cond delay="0"/>
+                                  </p:stCondLst>
+                                  <p:childTnLst>
+                                    <p:set>
+                                      <p:cBhvr>
+                                        <p:cTn id="16" dur="1" fill="hold">
+                                          <p:stCondLst>
+                                            <p:cond delay="0"/>
+                                          </p:stCondLst>
+                                        </p:cTn>
+                                        <p:tgtEl>
+                                          <p:spTgt spid="8">
+                                            <p:txEl>
+                                              <p:pRg st="2" end="2"/>
+                                            </p:txEl>
+                                          </p:spTgt>
+                                        </p:tgtEl>
+                                        <p:attrNameLst>
+                                          <p:attrName>style.visibility</p:attrName>
+                                        </p:attrNameLst>
+                                      </p:cBhvr>
+                                      <p:to>
+                                        <p:strVal val="visible"/>
+                                      </p:to>
+                                    </p:set>
+                                    <p:animEffect transition="in" filter="barn(inVertical)">
+                                      <p:cBhvr>
+                                        <p:cTn id="17" dur="500"/>
+                                        <p:tgtEl>
+                                          <p:spTgt spid="8">
+                                            <p:txEl>
+                                              <p:pRg st="2" end="2"/>
+                                            </p:txEl>
+                                          </p:spTgt>
+                                        </p:tgtEl>
+                                      </p:cBhvr>
+                                    </p:animEffect>
+                                  </p:childTnLst>
+                                </p:cTn>
+                              </p:par>
+                            </p:childTnLst>
+                          </p:cTn>
+                        </p:par>
+                      </p:childTnLst>
+                    </p:cTn>
+                  </p:par>
+                  <p:par>
+                    <p:cTn id="18" fill="hold">
+                      <p:stCondLst>
+                        <p:cond delay="indefinite"/>
+                      </p:stCondLst>
+                      <p:childTnLst>
+                        <p:par>
+                          <p:cTn id="19" fill="hold">
+                            <p:stCondLst>
+                              <p:cond delay="0"/>
+                            </p:stCondLst>
+                            <p:childTnLst>
+                              <p:par>
+                                <p:cTn id="20" presetID="16" presetClass="entr" presetSubtype="21" fill="hold" nodeType="clickEffect">
+                                  <p:stCondLst>
+                                    <p:cond delay="0"/>
+                                  </p:stCondLst>
+                                  <p:childTnLst>
+                                    <p:set>
+                                      <p:cBhvr>
+                                        <p:cTn id="21" dur="1" fill="hold">
+                                          <p:stCondLst>
+                                            <p:cond delay="0"/>
+                                          </p:stCondLst>
+                                        </p:cTn>
+                                        <p:tgtEl>
+                                          <p:spTgt spid="2"/>
+                                        </p:tgtEl>
+                                        <p:attrNameLst>
+                                          <p:attrName>style.visibility</p:attrName>
+                                        </p:attrNameLst>
+                                      </p:cBhvr>
+                                      <p:to>
+                                        <p:strVal val="visible"/>
+                                      </p:to>
+                                    </p:set>
+                                    <p:animEffect transition="in" filter="barn(inVertical)">
+                                      <p:cBhvr>
+                                        <p:cTn id="22" dur="500"/>
+                                        <p:tgtEl>
+                                          <p:spTgt spid="2"/>
+                                        </p:tgtEl>
+                                      </p:cBhvr>
+                                    </p:animEffect>
+                                  </p:childTnLst>
+                                </p:cTn>
+                              </p:par>
+                            </p:childTnLst>
+                          </p:cTn>
+                        </p:par>
+                      </p:childTnLst>
+                    </p:cTn>
+                  </p:par>
+                  <p:par>
+                    <p:cTn id="23" fill="hold">
+                      <p:stCondLst>
+                        <p:cond delay="indefinite"/>
+                      </p:stCondLst>
+                      <p:childTnLst>
+                        <p:par>
+                          <p:cTn id="24" fill="hold">
+                            <p:stCondLst>
+                              <p:cond delay="0"/>
+                            </p:stCondLst>
+                            <p:childTnLst>
+                              <p:par>
+                                <p:cTn id="25" presetID="16" presetClass="entr" presetSubtype="21" fill="hold" nodeType="clickEffect">
+                                  <p:stCondLst>
+                                    <p:cond delay="0"/>
+                                  </p:stCondLst>
+                                  <p:childTnLst>
+                                    <p:set>
+                                      <p:cBhvr>
+                                        <p:cTn id="26" dur="1" fill="hold">
+                                          <p:stCondLst>
+                                            <p:cond delay="0"/>
+                                          </p:stCondLst>
+                                        </p:cTn>
+                                        <p:tgtEl>
+                                          <p:spTgt spid="3"/>
+                                        </p:tgtEl>
+                                        <p:attrNameLst>
+                                          <p:attrName>style.visibility</p:attrName>
+                                        </p:attrNameLst>
+                                      </p:cBhvr>
+                                      <p:to>
+                                        <p:strVal val="visible"/>
+                                      </p:to>
+                                    </p:set>
+                                    <p:animEffect transition="in" filter="barn(inVertical)">
+                                      <p:cBhvr>
+                                        <p:cTn id="27" dur="500"/>
+                                        <p:tgtEl>
+                                          <p:spTgt spid="3"/>
+                                        </p:tgtEl>
+                                      </p:cBhvr>
+                                    </p:animEffect>
+                                  </p:childTnLst>
+                                </p:cTn>
+                              </p:par>
+                            </p:childTnLst>
+                          </p:cTn>
+                        </p:par>
+                      </p:childTnLst>
+                    </p:cTn>
+                  </p:par>
+                  <p:par>
+                    <p:cTn id="28" fill="hold">
+                      <p:stCondLst>
+                        <p:cond delay="indefinite"/>
+                      </p:stCondLst>
+                      <p:childTnLst>
+                        <p:par>
+                          <p:cTn id="29" fill="hold">
+                            <p:stCondLst>
+                              <p:cond delay="0"/>
+                            </p:stCondLst>
+                            <p:childTnLst>
+                              <p:par>
+                                <p:cTn id="30" presetID="16" presetClass="entr" presetSubtype="21" fill="hold" nodeType="clickEffect">
+                                  <p:stCondLst>
+                                    <p:cond delay="0"/>
+                                  </p:stCondLst>
+                                  <p:childTnLst>
+                                    <p:set>
+                                      <p:cBhvr>
+                                        <p:cTn id="31" dur="1" fill="hold">
+                                          <p:stCondLst>
+                                            <p:cond delay="0"/>
+                                          </p:stCondLst>
+                                        </p:cTn>
+                                        <p:tgtEl>
+                                          <p:spTgt spid="15"/>
+                                        </p:tgtEl>
+                                        <p:attrNameLst>
+                                          <p:attrName>style.visibility</p:attrName>
+                                        </p:attrNameLst>
+                                      </p:cBhvr>
+                                      <p:to>
+                                        <p:strVal val="visible"/>
+                                      </p:to>
+                                    </p:set>
+                                    <p:animEffect transition="in" filter="barn(inVertical)">
+                                      <p:cBhvr>
+                                        <p:cTn id="32" dur="500"/>
+                                        <p:tgtEl>
+                                          <p:spTgt spid="15"/>
+                                        </p:tgtEl>
+                                      </p:cBhvr>
+                                    </p:animEffect>
+                                  </p:childTnLst>
+                                </p:cTn>
+                              </p:par>
+                            </p:childTnLst>
+                          </p:cTn>
+                        </p:par>
+                      </p:childTnLst>
+                    </p:cTn>
+                  </p:par>
+                  <p:par>
+                    <p:cTn id="33" fill="hold">
+                      <p:stCondLst>
+                        <p:cond delay="indefinite"/>
+                      </p:stCondLst>
+                      <p:childTnLst>
+                        <p:par>
+                          <p:cTn id="34" fill="hold">
+                            <p:stCondLst>
+                              <p:cond delay="0"/>
+                            </p:stCondLst>
+                            <p:childTnLst>
+                              <p:par>
+                                <p:cTn id="35" presetID="16" presetClass="entr" presetSubtype="21" fill="hold" nodeType="clickEffect">
+                                  <p:stCondLst>
+                                    <p:cond delay="0"/>
+                                  </p:stCondLst>
+                                  <p:childTnLst>
+                                    <p:set>
+                                      <p:cBhvr>
+                                        <p:cTn id="36" dur="1" fill="hold">
+                                          <p:stCondLst>
+                                            <p:cond delay="0"/>
+                                          </p:stCondLst>
+                                        </p:cTn>
+                                        <p:tgtEl>
+                                          <p:spTgt spid="13"/>
+                                        </p:tgtEl>
+                                        <p:attrNameLst>
+                                          <p:attrName>style.visibility</p:attrName>
+                                        </p:attrNameLst>
+                                      </p:cBhvr>
+                                      <p:to>
+                                        <p:strVal val="visible"/>
+                                      </p:to>
+                                    </p:set>
+                                    <p:animEffect transition="in" filter="barn(inVertical)">
+                                      <p:cBhvr>
+                                        <p:cTn id="37" dur="500"/>
+                                        <p:tgtEl>
+                                          <p:spTgt spid="13"/>
+                                        </p:tgtEl>
+                                      </p:cBhvr>
+                                    </p:animEffect>
+                                  </p:childTnLst>
+                                </p:cTn>
+                              </p:par>
+                            </p:childTnLst>
+                          </p:cTn>
+                        </p:par>
+                      </p:childTnLst>
+                    </p:cTn>
+                  </p:par>
+                  <p:par>
+                    <p:cTn id="38" fill="hold">
+                      <p:stCondLst>
+                        <p:cond delay="indefinite"/>
+                      </p:stCondLst>
+                      <p:childTnLst>
+                        <p:par>
+                          <p:cTn id="39" fill="hold">
+                            <p:stCondLst>
+                              <p:cond delay="0"/>
+                            </p:stCondLst>
+                            <p:childTnLst>
+                              <p:par>
+                                <p:cTn id="40" presetID="16" presetClass="entr" presetSubtype="21" fill="hold" nodeType="clickEffect">
+                                  <p:stCondLst>
+                                    <p:cond delay="0"/>
+                                  </p:stCondLst>
+                                  <p:childTnLst>
+                                    <p:set>
+                                      <p:cBhvr>
+                                        <p:cTn id="41" dur="1" fill="hold">
+                                          <p:stCondLst>
+                                            <p:cond delay="0"/>
+                                          </p:stCondLst>
+                                        </p:cTn>
+                                        <p:tgtEl>
+                                          <p:spTgt spid="19"/>
+                                        </p:tgtEl>
+                                        <p:attrNameLst>
+                                          <p:attrName>style.visibility</p:attrName>
+                                        </p:attrNameLst>
+                                      </p:cBhvr>
+                                      <p:to>
+                                        <p:strVal val="visible"/>
+                                      </p:to>
+                                    </p:set>
+                                    <p:animEffect transition="in" filter="barn(inVertical)">
+                                      <p:cBhvr>
+                                        <p:cTn id="42" dur="500"/>
+                                        <p:tgtEl>
+                                          <p:spTgt spid="19"/>
+                                        </p:tgtEl>
+                                      </p:cBhvr>
+                                    </p:animEffect>
+                                  </p:childTnLst>
+                                </p:cTn>
+                              </p:par>
+                            </p:childTnLst>
+                          </p:cTn>
+                        </p:par>
+                      </p:childTnLst>
+                    </p:cTn>
+                  </p:par>
+                  <p:par>
+                    <p:cTn id="43" fill="hold">
+                      <p:stCondLst>
+                        <p:cond delay="indefinite"/>
+                      </p:stCondLst>
+                      <p:childTnLst>
+                        <p:par>
+                          <p:cTn id="44" fill="hold">
+                            <p:stCondLst>
+                              <p:cond delay="0"/>
+                            </p:stCondLst>
+                            <p:childTnLst>
+                              <p:par>
+                                <p:cTn id="45" presetID="16" presetClass="entr" presetSubtype="21" fill="hold" nodeType="clickEffect">
+                                  <p:stCondLst>
+                                    <p:cond delay="0"/>
+                                  </p:stCondLst>
+                                  <p:childTnLst>
+                                    <p:set>
+                                      <p:cBhvr>
+                                        <p:cTn id="46" dur="1" fill="hold">
+                                          <p:stCondLst>
+                                            <p:cond delay="0"/>
+                                          </p:stCondLst>
+                                        </p:cTn>
+                                        <p:tgtEl>
+                                          <p:spTgt spid="20"/>
+                                        </p:tgtEl>
+                                        <p:attrNameLst>
+                                          <p:attrName>style.visibility</p:attrName>
+                                        </p:attrNameLst>
+                                      </p:cBhvr>
+                                      <p:to>
+                                        <p:strVal val="visible"/>
+                                      </p:to>
+                                    </p:set>
+                                    <p:animEffect transition="in" filter="barn(inVertical)">
+                                      <p:cBhvr>
+                                        <p:cTn id="47" dur="500"/>
+                                        <p:tgtEl>
+                                          <p:spTgt spid="20"/>
+                                        </p:tgtEl>
+                                      </p:cBhvr>
+                                    </p:animEffect>
+                                  </p:childTnLst>
+                                </p:cTn>
+                              </p:par>
+                            </p:childTnLst>
+                          </p:cTn>
+                        </p:par>
+                      </p:childTnLst>
+                    </p:cTn>
+                  </p:par>
+                  <p:par>
+                    <p:cTn id="48" fill="hold">
+                      <p:stCondLst>
+                        <p:cond delay="indefinite"/>
+                      </p:stCondLst>
+                      <p:childTnLst>
+                        <p:par>
+                          <p:cTn id="49" fill="hold">
+                            <p:stCondLst>
+                              <p:cond delay="0"/>
+                            </p:stCondLst>
+                            <p:childTnLst>
+                              <p:par>
+                                <p:cTn id="50" presetID="16" presetClass="entr" presetSubtype="21" fill="hold" nodeType="clickEffect">
+                                  <p:stCondLst>
+                                    <p:cond delay="0"/>
+                                  </p:stCondLst>
+                                  <p:childTnLst>
+                                    <p:set>
+                                      <p:cBhvr>
+                                        <p:cTn id="51" dur="1" fill="hold">
+                                          <p:stCondLst>
+                                            <p:cond delay="0"/>
+                                          </p:stCondLst>
+                                        </p:cTn>
+                                        <p:tgtEl>
+                                          <p:spTgt spid="22"/>
+                                        </p:tgtEl>
+                                        <p:attrNameLst>
+                                          <p:attrName>style.visibility</p:attrName>
+                                        </p:attrNameLst>
+                                      </p:cBhvr>
+                                      <p:to>
+                                        <p:strVal val="visible"/>
+                                      </p:to>
+                                    </p:set>
+                                    <p:animEffect transition="in" filter="barn(inVertical)">
+                                      <p:cBhvr>
+                                        <p:cTn id="52" dur="500"/>
+                                        <p:tgtEl>
+                                          <p:spTgt spid="22"/>
+                                        </p:tgtEl>
+                                      </p:cBhvr>
+                                    </p:animEffect>
+                                  </p:childTnLst>
+                                </p:cTn>
+                              </p:par>
+                            </p:childTnLst>
+                          </p:cTn>
+                        </p:par>
+                      </p:childTnLst>
+                    </p:cTn>
+                  </p:par>
+                </p:childTnLst>
+              </p:cTn>
+              <p:prevCondLst>
+                <p:cond evt="onPrev" delay="0">
+                  <p:tgtEl>
+                    <p:sldTgt/>
+                  </p:tgtEl>
+                </p:cond>
+              </p:prevCondLst>
+              <p:nextCondLst>
+                <p:cond evt="onNext" delay="0">
+                  <p:tgtEl>
+                    <p:sldTgt/>
+                  </p:tgtEl>
+                </p:cond>
+              </p:nextCondLst>
+            </p:seq>
+          </p:childTnLst>
+        </p:cTn>
+      </p:par>
+    </p:tnLst>
+    <p:bldLst>
+      <p:bldP spid="8" grpId="0" build="p"/>
+    </p:bldLst>
+  </p:timing>
+</p:sld>
+</file>
+
+<file path=ppt/slides/slide9.xml><?xml version="1.0" encoding="utf-8"?>
+<p:sld xmlns:a="http://schemas.openxmlformats.org/drawingml/2006/main" xmlns:r="http://schemas.openxmlformats.org/officeDocument/2006/relationships" xmlns:p="http://schemas.openxmlformats.org/presentationml/2006/main">
+  <p:cSld>
+    <p:spTree>
+      <p:nvGrpSpPr>
+        <p:cNvPr id="1" name=""/>
+        <p:cNvGrpSpPr/>
+        <p:nvPr/>
+      </p:nvGrpSpPr>
+      <p:grpSpPr>
+        <a:xfrm>
+          <a:off x="0" y="0"/>
+          <a:ext cx="0" cy="0"/>
+          <a:chOff x="0" y="0"/>
+          <a:chExt cx="0" cy="0"/>
+        </a:xfrm>
+      </p:grpSpPr>
+      <p:sp>
+        <p:nvSpPr>
+          <p:cNvPr id="7" name="Cím 6">
+            <a:extLst>
+              <a:ext uri="{FF2B5EF4-FFF2-40B4-BE49-F238E27FC236}">
+                <a16:creationId xmlns:a16="http://schemas.microsoft.com/office/drawing/2014/main" id="{64247D1F-9A4C-476B-8683-EE4BBAF5C966}"/>
+              </a:ext>
+            </a:extLst>
+          </p:cNvPr>
+          <p:cNvSpPr>
+            <a:spLocks noGrp="1"/>
+          </p:cNvSpPr>
+          <p:nvPr>
+            <p:ph type="title"/>
+          </p:nvPr>
+        </p:nvSpPr>
+        <p:spPr/>
+        <p:txBody>
+          <a:bodyPr/>
+          <a:lstStyle/>
+          <a:p>
+            <a:r>
+              <a:rPr lang="hu-HU" dirty="0"/>
+              <a:t>Bejegyzések </a:t>
+            </a:r>
+            <a:br>
+              <a:rPr lang="hu-HU" dirty="0"/>
+            </a:br>
+            <a:r>
+              <a:rPr lang="hu-HU" dirty="0"/>
+              <a:t>Listázása</a:t>
+            </a:r>
+          </a:p>
+        </p:txBody>
+      </p:sp>
+      <p:sp>
+        <p:nvSpPr>
+          <p:cNvPr id="8" name="Tartalom helye 7">
+            <a:extLst>
+              <a:ext uri="{FF2B5EF4-FFF2-40B4-BE49-F238E27FC236}">
+                <a16:creationId xmlns:a16="http://schemas.microsoft.com/office/drawing/2014/main" id="{E38A5038-99C9-4D25-91BB-0AA27F660EDF}"/>
+              </a:ext>
+            </a:extLst>
+          </p:cNvPr>
+          <p:cNvSpPr>
+            <a:spLocks noGrp="1"/>
+          </p:cNvSpPr>
+          <p:nvPr>
+            <p:ph sz="half" idx="1"/>
+          </p:nvPr>
+        </p:nvSpPr>
+        <p:spPr/>
+        <p:txBody>
+          <a:bodyPr/>
+          <a:lstStyle/>
+          <a:p>
+            <a:r>
+              <a:rPr lang="hu-HU" dirty="0"/>
+              <a:t>A bejegyzés kezelőbe válasszuk ki a 5. opciót</a:t>
+            </a:r>
+          </a:p>
+          <a:p>
+            <a:r>
+              <a:rPr lang="hu-HU" dirty="0"/>
+              <a:t>Ezután válasszunk ki egy nekünk tetsző listázási opciót</a:t>
+            </a:r>
+          </a:p>
+          <a:p>
+            <a:r>
+              <a:rPr lang="hu-HU" dirty="0"/>
+              <a:t>Listázási opciók:</a:t>
+            </a:r>
+          </a:p>
+          <a:p>
+            <a:pPr lvl="1"/>
+            <a:r>
+              <a:rPr lang="hu-HU" dirty="0"/>
+              <a:t>Elvégzendő feladatok(Nem készre állítottak)</a:t>
+            </a:r>
+          </a:p>
+          <a:p>
+            <a:pPr lvl="1"/>
+            <a:r>
+              <a:rPr lang="hu-HU" dirty="0"/>
+              <a:t>Aktuális hét feladatai</a:t>
+            </a:r>
+          </a:p>
+          <a:p>
+            <a:pPr lvl="1"/>
+            <a:r>
+              <a:rPr lang="hu-HU" dirty="0"/>
+              <a:t>ABC sorrend szerint</a:t>
+            </a:r>
+          </a:p>
+          <a:p>
+            <a:pPr lvl="1"/>
+            <a:r>
+              <a:rPr lang="hu-HU" dirty="0"/>
+              <a:t>Összes bejegyzés kilistázása</a:t>
+            </a:r>
+          </a:p>
+        </p:txBody>
+      </p:sp>
+      <p:pic>
+        <p:nvPicPr>
+          <p:cNvPr id="2" name="Kép 1">
+            <a:extLst>
+              <a:ext uri="{FF2B5EF4-FFF2-40B4-BE49-F238E27FC236}">
+                <a16:creationId xmlns:a16="http://schemas.microsoft.com/office/drawing/2014/main" id="{5DDFBE77-CD88-496E-9391-1DC220C3EB20}"/>
+              </a:ext>
+            </a:extLst>
+          </p:cNvPr>
+          <p:cNvPicPr>
+            <a:picLocks noChangeAspect="1"/>
+          </p:cNvPicPr>
+          <p:nvPr/>
+        </p:nvPicPr>
+        <p:blipFill>
+          <a:blip r:embed="rId2"/>
+          <a:stretch>
+            <a:fillRect/>
+          </a:stretch>
+        </p:blipFill>
+        <p:spPr>
+          <a:xfrm>
+            <a:off x="5525393" y="255323"/>
+            <a:ext cx="3610479" cy="1905266"/>
+          </a:xfrm>
+          <a:prstGeom prst="rect">
+            <a:avLst/>
+          </a:prstGeom>
+        </p:spPr>
+      </p:pic>
+      <p:cxnSp>
+        <p:nvCxnSpPr>
+          <p:cNvPr id="3" name="Egyenes összekötő nyíllal 2">
+            <a:extLst>
+              <a:ext uri="{FF2B5EF4-FFF2-40B4-BE49-F238E27FC236}">
+                <a16:creationId xmlns:a16="http://schemas.microsoft.com/office/drawing/2014/main" id="{071F3177-C34B-4DCF-BBF9-1314C294D1A5}"/>
+              </a:ext>
+            </a:extLst>
+          </p:cNvPr>
+          <p:cNvCxnSpPr>
+            <a:cxnSpLocks/>
+          </p:cNvCxnSpPr>
+          <p:nvPr/>
+        </p:nvCxnSpPr>
+        <p:spPr>
+          <a:xfrm>
+            <a:off x="6391922" y="2160589"/>
+            <a:ext cx="97655" cy="564856"/>
+          </a:xfrm>
+          <a:prstGeom prst="straightConnector1">
+            <a:avLst/>
+          </a:prstGeom>
+          <a:ln>
+            <a:solidFill>
+              <a:srgbClr val="FF0000"/>
+            </a:solidFill>
+            <a:tailEnd type="triangle"/>
+          </a:ln>
+        </p:spPr>
+        <p:style>
+          <a:lnRef idx="3">
+            <a:schemeClr val="dk1"/>
+          </a:lnRef>
+          <a:fillRef idx="0">
+            <a:schemeClr val="dk1"/>
+          </a:fillRef>
+          <a:effectRef idx="2">
+            <a:schemeClr val="dk1"/>
+          </a:effectRef>
+          <a:fontRef idx="minor">
+            <a:schemeClr val="tx1"/>
+          </a:fontRef>
+        </p:style>
+      </p:cxnSp>
+      <p:pic>
+        <p:nvPicPr>
+          <p:cNvPr id="10" name="Tartalom helye 9">
+            <a:extLst>
+              <a:ext uri="{FF2B5EF4-FFF2-40B4-BE49-F238E27FC236}">
+                <a16:creationId xmlns:a16="http://schemas.microsoft.com/office/drawing/2014/main" id="{B1BE8598-6E45-4EC1-8FAA-D41EE7D8EEFE}"/>
+              </a:ext>
+            </a:extLst>
+          </p:cNvPr>
+          <p:cNvPicPr>
+            <a:picLocks noGrp="1" noChangeAspect="1"/>
+          </p:cNvPicPr>
+          <p:nvPr>
+            <p:ph sz="half" idx="2"/>
+          </p:nvPr>
+        </p:nvPicPr>
+        <p:blipFill>
+          <a:blip r:embed="rId3"/>
+          <a:stretch>
+            <a:fillRect/>
+          </a:stretch>
+        </p:blipFill>
+        <p:spPr>
+          <a:xfrm>
+            <a:off x="5089352" y="2725445"/>
+            <a:ext cx="4184650" cy="1786704"/>
+          </a:xfrm>
+          <a:prstGeom prst="rect">
+            <a:avLst/>
+          </a:prstGeom>
+        </p:spPr>
+      </p:pic>
+      <p:pic>
+        <p:nvPicPr>
+          <p:cNvPr id="14" name="Kép 13">
+            <a:extLst>
+              <a:ext uri="{FF2B5EF4-FFF2-40B4-BE49-F238E27FC236}">
+                <a16:creationId xmlns:a16="http://schemas.microsoft.com/office/drawing/2014/main" id="{A73E2B30-4F2E-4668-B71E-B25BEA769E50}"/>
+              </a:ext>
+            </a:extLst>
+          </p:cNvPr>
+          <p:cNvPicPr>
+            <a:picLocks noChangeAspect="1"/>
+          </p:cNvPicPr>
+          <p:nvPr/>
+        </p:nvPicPr>
+        <p:blipFill>
+          <a:blip r:embed="rId4"/>
+          <a:stretch>
+            <a:fillRect/>
+          </a:stretch>
+        </p:blipFill>
+        <p:spPr>
+          <a:xfrm>
+            <a:off x="5570283" y="4974412"/>
+            <a:ext cx="2534004" cy="1066949"/>
+          </a:xfrm>
+          <a:prstGeom prst="rect">
+            <a:avLst/>
+          </a:prstGeom>
+        </p:spPr>
+      </p:pic>
+      <p:cxnSp>
+        <p:nvCxnSpPr>
+          <p:cNvPr id="13" name="Egyenes összekötő nyíllal 12">
+            <a:extLst>
+              <a:ext uri="{FF2B5EF4-FFF2-40B4-BE49-F238E27FC236}">
+                <a16:creationId xmlns:a16="http://schemas.microsoft.com/office/drawing/2014/main" id="{C2F0F175-046F-4449-8DFD-A0D0E338E803}"/>
+              </a:ext>
+            </a:extLst>
+          </p:cNvPr>
+          <p:cNvCxnSpPr>
+            <a:cxnSpLocks/>
+          </p:cNvCxnSpPr>
+          <p:nvPr/>
+        </p:nvCxnSpPr>
+        <p:spPr>
+          <a:xfrm>
+            <a:off x="6739630" y="4434752"/>
+            <a:ext cx="97655" cy="564856"/>
+          </a:xfrm>
+          <a:prstGeom prst="straightConnector1">
+            <a:avLst/>
+          </a:prstGeom>
+          <a:ln>
+            <a:solidFill>
+              <a:srgbClr val="FF0000"/>
+            </a:solidFill>
+            <a:tailEnd type="triangle"/>
+          </a:ln>
+        </p:spPr>
+        <p:style>
+          <a:lnRef idx="3">
+            <a:schemeClr val="dk1"/>
+          </a:lnRef>
+          <a:fillRef idx="0">
+            <a:schemeClr val="dk1"/>
+          </a:fillRef>
+          <a:effectRef idx="2">
+            <a:schemeClr val="dk1"/>
+          </a:effectRef>
+          <a:fontRef idx="minor">
+            <a:schemeClr val="tx1"/>
+          </a:fontRef>
+        </p:style>
+      </p:cxnSp>
+    </p:spTree>
+    <p:extLst>
+      <p:ext uri="{BB962C8B-B14F-4D97-AF65-F5344CB8AC3E}">
+        <p14:creationId xmlns:p14="http://schemas.microsoft.com/office/powerpoint/2010/main" val="868895241"/>
       </p:ext>
     </p:extLst>
   </p:cSld>
@@ -10025,8 +15544,8 @@
   </p:clrMapOvr>
   <mc:AlternateContent xmlns:mc="http://schemas.openxmlformats.org/markup-compatibility/2006">
     <mc:Choice xmlns:p14="http://schemas.microsoft.com/office/powerpoint/2010/main" Requires="p14">
-      <p:transition spd="slow" p14:dur="4400">
-        <p14:honeycomb/>
+      <p:transition spd="slow" p14:dur="800">
+        <p14:flythrough/>
       </p:transition>
     </mc:Choice>
     <mc:Fallback>
@@ -10035,6 +15554,1872 @@
       </p:transition>
     </mc:Fallback>
   </mc:AlternateContent>
+  <p:timing>
+    <p:tnLst>
+      <p:par>
+        <p:cTn id="1" dur="indefinite" restart="never" nodeType="tmRoot">
+          <p:childTnLst>
+            <p:seq concurrent="1" nextAc="seek">
+              <p:cTn id="2" dur="indefinite" nodeType="mainSeq">
+                <p:childTnLst>
+                  <p:par>
+                    <p:cTn id="3" fill="hold">
+                      <p:stCondLst>
+                        <p:cond delay="indefinite"/>
+                      </p:stCondLst>
+                      <p:childTnLst>
+                        <p:par>
+                          <p:cTn id="4" fill="hold">
+                            <p:stCondLst>
+                              <p:cond delay="0"/>
+                            </p:stCondLst>
+                            <p:childTnLst>
+                              <p:par>
+                                <p:cTn id="5" presetID="26" presetClass="entr" presetSubtype="0" fill="hold" nodeType="clickEffect">
+                                  <p:stCondLst>
+                                    <p:cond delay="0"/>
+                                  </p:stCondLst>
+                                  <p:childTnLst>
+                                    <p:set>
+                                      <p:cBhvr>
+                                        <p:cTn id="6" dur="1" fill="hold">
+                                          <p:stCondLst>
+                                            <p:cond delay="0"/>
+                                          </p:stCondLst>
+                                        </p:cTn>
+                                        <p:tgtEl>
+                                          <p:spTgt spid="8">
+                                            <p:txEl>
+                                              <p:pRg st="0" end="0"/>
+                                            </p:txEl>
+                                          </p:spTgt>
+                                        </p:tgtEl>
+                                        <p:attrNameLst>
+                                          <p:attrName>style.visibility</p:attrName>
+                                        </p:attrNameLst>
+                                      </p:cBhvr>
+                                      <p:to>
+                                        <p:strVal val="visible"/>
+                                      </p:to>
+                                    </p:set>
+                                    <p:animEffect transition="in" filter="wipe(down)">
+                                      <p:cBhvr>
+                                        <p:cTn id="7" dur="580">
+                                          <p:stCondLst>
+                                            <p:cond delay="0"/>
+                                          </p:stCondLst>
+                                        </p:cTn>
+                                        <p:tgtEl>
+                                          <p:spTgt spid="8">
+                                            <p:txEl>
+                                              <p:pRg st="0" end="0"/>
+                                            </p:txEl>
+                                          </p:spTgt>
+                                        </p:tgtEl>
+                                      </p:cBhvr>
+                                    </p:animEffect>
+                                    <p:anim calcmode="lin" valueType="num">
+                                      <p:cBhvr>
+                                        <p:cTn id="8" dur="1822" tmFilter="0,0; 0.14,0.36; 0.43,0.73; 0.71,0.91; 1.0,1.0">
+                                          <p:stCondLst>
+                                            <p:cond delay="0"/>
+                                          </p:stCondLst>
+                                        </p:cTn>
+                                        <p:tgtEl>
+                                          <p:spTgt spid="8">
+                                            <p:txEl>
+                                              <p:pRg st="0" end="0"/>
+                                            </p:txEl>
+                                          </p:spTgt>
+                                        </p:tgtEl>
+                                        <p:attrNameLst>
+                                          <p:attrName>ppt_x</p:attrName>
+                                        </p:attrNameLst>
+                                      </p:cBhvr>
+                                      <p:tavLst>
+                                        <p:tav tm="0">
+                                          <p:val>
+                                            <p:strVal val="#ppt_x-0.25"/>
+                                          </p:val>
+                                        </p:tav>
+                                        <p:tav tm="100000">
+                                          <p:val>
+                                            <p:strVal val="#ppt_x"/>
+                                          </p:val>
+                                        </p:tav>
+                                      </p:tavLst>
+                                    </p:anim>
+                                    <p:anim calcmode="lin" valueType="num">
+                                      <p:cBhvr>
+                                        <p:cTn id="9" dur="664" tmFilter="0.0,0.0; 0.25,0.07; 0.50,0.2; 0.75,0.467; 1.0,1.0">
+                                          <p:stCondLst>
+                                            <p:cond delay="0"/>
+                                          </p:stCondLst>
+                                        </p:cTn>
+                                        <p:tgtEl>
+                                          <p:spTgt spid="8">
+                                            <p:txEl>
+                                              <p:pRg st="0" end="0"/>
+                                            </p:txEl>
+                                          </p:spTgt>
+                                        </p:tgtEl>
+                                        <p:attrNameLst>
+                                          <p:attrName>ppt_y</p:attrName>
+                                        </p:attrNameLst>
+                                      </p:cBhvr>
+                                      <p:tavLst>
+                                        <p:tav tm="0" fmla="#ppt_y-sin(pi*$)/3">
+                                          <p:val>
+                                            <p:fltVal val="0.5"/>
+                                          </p:val>
+                                        </p:tav>
+                                        <p:tav tm="100000">
+                                          <p:val>
+                                            <p:fltVal val="1"/>
+                                          </p:val>
+                                        </p:tav>
+                                      </p:tavLst>
+                                    </p:anim>
+                                    <p:anim calcmode="lin" valueType="num">
+                                      <p:cBhvr>
+                                        <p:cTn id="10" dur="664" tmFilter="0, 0; 0.125,0.2665; 0.25,0.4; 0.375,0.465; 0.5,0.5;  0.625,0.535; 0.75,0.6; 0.875,0.7335; 1,1">
+                                          <p:stCondLst>
+                                            <p:cond delay="664"/>
+                                          </p:stCondLst>
+                                        </p:cTn>
+                                        <p:tgtEl>
+                                          <p:spTgt spid="8">
+                                            <p:txEl>
+                                              <p:pRg st="0" end="0"/>
+                                            </p:txEl>
+                                          </p:spTgt>
+                                        </p:tgtEl>
+                                        <p:attrNameLst>
+                                          <p:attrName>ppt_y</p:attrName>
+                                        </p:attrNameLst>
+                                      </p:cBhvr>
+                                      <p:tavLst>
+                                        <p:tav tm="0" fmla="#ppt_y-sin(pi*$)/9">
+                                          <p:val>
+                                            <p:fltVal val="0"/>
+                                          </p:val>
+                                        </p:tav>
+                                        <p:tav tm="100000">
+                                          <p:val>
+                                            <p:fltVal val="1"/>
+                                          </p:val>
+                                        </p:tav>
+                                      </p:tavLst>
+                                    </p:anim>
+                                    <p:anim calcmode="lin" valueType="num">
+                                      <p:cBhvr>
+                                        <p:cTn id="11" dur="332" tmFilter="0, 0; 0.125,0.2665; 0.25,0.4; 0.375,0.465; 0.5,0.5;  0.625,0.535; 0.75,0.6; 0.875,0.7335; 1,1">
+                                          <p:stCondLst>
+                                            <p:cond delay="1324"/>
+                                          </p:stCondLst>
+                                        </p:cTn>
+                                        <p:tgtEl>
+                                          <p:spTgt spid="8">
+                                            <p:txEl>
+                                              <p:pRg st="0" end="0"/>
+                                            </p:txEl>
+                                          </p:spTgt>
+                                        </p:tgtEl>
+                                        <p:attrNameLst>
+                                          <p:attrName>ppt_y</p:attrName>
+                                        </p:attrNameLst>
+                                      </p:cBhvr>
+                                      <p:tavLst>
+                                        <p:tav tm="0" fmla="#ppt_y-sin(pi*$)/27">
+                                          <p:val>
+                                            <p:fltVal val="0"/>
+                                          </p:val>
+                                        </p:tav>
+                                        <p:tav tm="100000">
+                                          <p:val>
+                                            <p:fltVal val="1"/>
+                                          </p:val>
+                                        </p:tav>
+                                      </p:tavLst>
+                                    </p:anim>
+                                    <p:anim calcmode="lin" valueType="num">
+                                      <p:cBhvr>
+                                        <p:cTn id="12" dur="164" tmFilter="0, 0; 0.125,0.2665; 0.25,0.4; 0.375,0.465; 0.5,0.5;  0.625,0.535; 0.75,0.6; 0.875,0.7335; 1,1">
+                                          <p:stCondLst>
+                                            <p:cond delay="1656"/>
+                                          </p:stCondLst>
+                                        </p:cTn>
+                                        <p:tgtEl>
+                                          <p:spTgt spid="8">
+                                            <p:txEl>
+                                              <p:pRg st="0" end="0"/>
+                                            </p:txEl>
+                                          </p:spTgt>
+                                        </p:tgtEl>
+                                        <p:attrNameLst>
+                                          <p:attrName>ppt_y</p:attrName>
+                                        </p:attrNameLst>
+                                      </p:cBhvr>
+                                      <p:tavLst>
+                                        <p:tav tm="0" fmla="#ppt_y-sin(pi*$)/81">
+                                          <p:val>
+                                            <p:fltVal val="0"/>
+                                          </p:val>
+                                        </p:tav>
+                                        <p:tav tm="100000">
+                                          <p:val>
+                                            <p:fltVal val="1"/>
+                                          </p:val>
+                                        </p:tav>
+                                      </p:tavLst>
+                                    </p:anim>
+                                    <p:animScale>
+                                      <p:cBhvr>
+                                        <p:cTn id="13" dur="26">
+                                          <p:stCondLst>
+                                            <p:cond delay="650"/>
+                                          </p:stCondLst>
+                                        </p:cTn>
+                                        <p:tgtEl>
+                                          <p:spTgt spid="8">
+                                            <p:txEl>
+                                              <p:pRg st="0" end="0"/>
+                                            </p:txEl>
+                                          </p:spTgt>
+                                        </p:tgtEl>
+                                      </p:cBhvr>
+                                      <p:to x="100000" y="60000"/>
+                                    </p:animScale>
+                                    <p:animScale>
+                                      <p:cBhvr>
+                                        <p:cTn id="14" dur="166" decel="50000">
+                                          <p:stCondLst>
+                                            <p:cond delay="676"/>
+                                          </p:stCondLst>
+                                        </p:cTn>
+                                        <p:tgtEl>
+                                          <p:spTgt spid="8">
+                                            <p:txEl>
+                                              <p:pRg st="0" end="0"/>
+                                            </p:txEl>
+                                          </p:spTgt>
+                                        </p:tgtEl>
+                                      </p:cBhvr>
+                                      <p:to x="100000" y="100000"/>
+                                    </p:animScale>
+                                    <p:animScale>
+                                      <p:cBhvr>
+                                        <p:cTn id="15" dur="26">
+                                          <p:stCondLst>
+                                            <p:cond delay="1312"/>
+                                          </p:stCondLst>
+                                        </p:cTn>
+                                        <p:tgtEl>
+                                          <p:spTgt spid="8">
+                                            <p:txEl>
+                                              <p:pRg st="0" end="0"/>
+                                            </p:txEl>
+                                          </p:spTgt>
+                                        </p:tgtEl>
+                                      </p:cBhvr>
+                                      <p:to x="100000" y="80000"/>
+                                    </p:animScale>
+                                    <p:animScale>
+                                      <p:cBhvr>
+                                        <p:cTn id="16" dur="166" decel="50000">
+                                          <p:stCondLst>
+                                            <p:cond delay="1338"/>
+                                          </p:stCondLst>
+                                        </p:cTn>
+                                        <p:tgtEl>
+                                          <p:spTgt spid="8">
+                                            <p:txEl>
+                                              <p:pRg st="0" end="0"/>
+                                            </p:txEl>
+                                          </p:spTgt>
+                                        </p:tgtEl>
+                                      </p:cBhvr>
+                                      <p:to x="100000" y="100000"/>
+                                    </p:animScale>
+                                    <p:animScale>
+                                      <p:cBhvr>
+                                        <p:cTn id="17" dur="26">
+                                          <p:stCondLst>
+                                            <p:cond delay="1642"/>
+                                          </p:stCondLst>
+                                        </p:cTn>
+                                        <p:tgtEl>
+                                          <p:spTgt spid="8">
+                                            <p:txEl>
+                                              <p:pRg st="0" end="0"/>
+                                            </p:txEl>
+                                          </p:spTgt>
+                                        </p:tgtEl>
+                                      </p:cBhvr>
+                                      <p:to x="100000" y="90000"/>
+                                    </p:animScale>
+                                    <p:animScale>
+                                      <p:cBhvr>
+                                        <p:cTn id="18" dur="166" decel="50000">
+                                          <p:stCondLst>
+                                            <p:cond delay="1668"/>
+                                          </p:stCondLst>
+                                        </p:cTn>
+                                        <p:tgtEl>
+                                          <p:spTgt spid="8">
+                                            <p:txEl>
+                                              <p:pRg st="0" end="0"/>
+                                            </p:txEl>
+                                          </p:spTgt>
+                                        </p:tgtEl>
+                                      </p:cBhvr>
+                                      <p:to x="100000" y="100000"/>
+                                    </p:animScale>
+                                    <p:animScale>
+                                      <p:cBhvr>
+                                        <p:cTn id="19" dur="26">
+                                          <p:stCondLst>
+                                            <p:cond delay="1808"/>
+                                          </p:stCondLst>
+                                        </p:cTn>
+                                        <p:tgtEl>
+                                          <p:spTgt spid="8">
+                                            <p:txEl>
+                                              <p:pRg st="0" end="0"/>
+                                            </p:txEl>
+                                          </p:spTgt>
+                                        </p:tgtEl>
+                                      </p:cBhvr>
+                                      <p:to x="100000" y="95000"/>
+                                    </p:animScale>
+                                    <p:animScale>
+                                      <p:cBhvr>
+                                        <p:cTn id="20" dur="166" decel="50000">
+                                          <p:stCondLst>
+                                            <p:cond delay="1834"/>
+                                          </p:stCondLst>
+                                        </p:cTn>
+                                        <p:tgtEl>
+                                          <p:spTgt spid="8">
+                                            <p:txEl>
+                                              <p:pRg st="0" end="0"/>
+                                            </p:txEl>
+                                          </p:spTgt>
+                                        </p:tgtEl>
+                                      </p:cBhvr>
+                                      <p:to x="100000" y="100000"/>
+                                    </p:animScale>
+                                  </p:childTnLst>
+                                </p:cTn>
+                              </p:par>
+                            </p:childTnLst>
+                          </p:cTn>
+                        </p:par>
+                      </p:childTnLst>
+                    </p:cTn>
+                  </p:par>
+                  <p:par>
+                    <p:cTn id="21" fill="hold">
+                      <p:stCondLst>
+                        <p:cond delay="indefinite"/>
+                      </p:stCondLst>
+                      <p:childTnLst>
+                        <p:par>
+                          <p:cTn id="22" fill="hold">
+                            <p:stCondLst>
+                              <p:cond delay="0"/>
+                            </p:stCondLst>
+                            <p:childTnLst>
+                              <p:par>
+                                <p:cTn id="23" presetID="26" presetClass="entr" presetSubtype="0" fill="hold" nodeType="clickEffect">
+                                  <p:stCondLst>
+                                    <p:cond delay="0"/>
+                                  </p:stCondLst>
+                                  <p:childTnLst>
+                                    <p:set>
+                                      <p:cBhvr>
+                                        <p:cTn id="24" dur="1" fill="hold">
+                                          <p:stCondLst>
+                                            <p:cond delay="0"/>
+                                          </p:stCondLst>
+                                        </p:cTn>
+                                        <p:tgtEl>
+                                          <p:spTgt spid="2"/>
+                                        </p:tgtEl>
+                                        <p:attrNameLst>
+                                          <p:attrName>style.visibility</p:attrName>
+                                        </p:attrNameLst>
+                                      </p:cBhvr>
+                                      <p:to>
+                                        <p:strVal val="visible"/>
+                                      </p:to>
+                                    </p:set>
+                                    <p:animEffect transition="in" filter="wipe(down)">
+                                      <p:cBhvr>
+                                        <p:cTn id="25" dur="580">
+                                          <p:stCondLst>
+                                            <p:cond delay="0"/>
+                                          </p:stCondLst>
+                                        </p:cTn>
+                                        <p:tgtEl>
+                                          <p:spTgt spid="2"/>
+                                        </p:tgtEl>
+                                      </p:cBhvr>
+                                    </p:animEffect>
+                                    <p:anim calcmode="lin" valueType="num">
+                                      <p:cBhvr>
+                                        <p:cTn id="26" dur="1822" tmFilter="0,0; 0.14,0.36; 0.43,0.73; 0.71,0.91; 1.0,1.0">
+                                          <p:stCondLst>
+                                            <p:cond delay="0"/>
+                                          </p:stCondLst>
+                                        </p:cTn>
+                                        <p:tgtEl>
+                                          <p:spTgt spid="2"/>
+                                        </p:tgtEl>
+                                        <p:attrNameLst>
+                                          <p:attrName>ppt_x</p:attrName>
+                                        </p:attrNameLst>
+                                      </p:cBhvr>
+                                      <p:tavLst>
+                                        <p:tav tm="0">
+                                          <p:val>
+                                            <p:strVal val="#ppt_x-0.25"/>
+                                          </p:val>
+                                        </p:tav>
+                                        <p:tav tm="100000">
+                                          <p:val>
+                                            <p:strVal val="#ppt_x"/>
+                                          </p:val>
+                                        </p:tav>
+                                      </p:tavLst>
+                                    </p:anim>
+                                    <p:anim calcmode="lin" valueType="num">
+                                      <p:cBhvr>
+                                        <p:cTn id="27" dur="664" tmFilter="0.0,0.0; 0.25,0.07; 0.50,0.2; 0.75,0.467; 1.0,1.0">
+                                          <p:stCondLst>
+                                            <p:cond delay="0"/>
+                                          </p:stCondLst>
+                                        </p:cTn>
+                                        <p:tgtEl>
+                                          <p:spTgt spid="2"/>
+                                        </p:tgtEl>
+                                        <p:attrNameLst>
+                                          <p:attrName>ppt_y</p:attrName>
+                                        </p:attrNameLst>
+                                      </p:cBhvr>
+                                      <p:tavLst>
+                                        <p:tav tm="0" fmla="#ppt_y-sin(pi*$)/3">
+                                          <p:val>
+                                            <p:fltVal val="0.5"/>
+                                          </p:val>
+                                        </p:tav>
+                                        <p:tav tm="100000">
+                                          <p:val>
+                                            <p:fltVal val="1"/>
+                                          </p:val>
+                                        </p:tav>
+                                      </p:tavLst>
+                                    </p:anim>
+                                    <p:anim calcmode="lin" valueType="num">
+                                      <p:cBhvr>
+                                        <p:cTn id="28" dur="664" tmFilter="0, 0; 0.125,0.2665; 0.25,0.4; 0.375,0.465; 0.5,0.5;  0.625,0.535; 0.75,0.6; 0.875,0.7335; 1,1">
+                                          <p:stCondLst>
+                                            <p:cond delay="664"/>
+                                          </p:stCondLst>
+                                        </p:cTn>
+                                        <p:tgtEl>
+                                          <p:spTgt spid="2"/>
+                                        </p:tgtEl>
+                                        <p:attrNameLst>
+                                          <p:attrName>ppt_y</p:attrName>
+                                        </p:attrNameLst>
+                                      </p:cBhvr>
+                                      <p:tavLst>
+                                        <p:tav tm="0" fmla="#ppt_y-sin(pi*$)/9">
+                                          <p:val>
+                                            <p:fltVal val="0"/>
+                                          </p:val>
+                                        </p:tav>
+                                        <p:tav tm="100000">
+                                          <p:val>
+                                            <p:fltVal val="1"/>
+                                          </p:val>
+                                        </p:tav>
+                                      </p:tavLst>
+                                    </p:anim>
+                                    <p:anim calcmode="lin" valueType="num">
+                                      <p:cBhvr>
+                                        <p:cTn id="29" dur="332" tmFilter="0, 0; 0.125,0.2665; 0.25,0.4; 0.375,0.465; 0.5,0.5;  0.625,0.535; 0.75,0.6; 0.875,0.7335; 1,1">
+                                          <p:stCondLst>
+                                            <p:cond delay="1324"/>
+                                          </p:stCondLst>
+                                        </p:cTn>
+                                        <p:tgtEl>
+                                          <p:spTgt spid="2"/>
+                                        </p:tgtEl>
+                                        <p:attrNameLst>
+                                          <p:attrName>ppt_y</p:attrName>
+                                        </p:attrNameLst>
+                                      </p:cBhvr>
+                                      <p:tavLst>
+                                        <p:tav tm="0" fmla="#ppt_y-sin(pi*$)/27">
+                                          <p:val>
+                                            <p:fltVal val="0"/>
+                                          </p:val>
+                                        </p:tav>
+                                        <p:tav tm="100000">
+                                          <p:val>
+                                            <p:fltVal val="1"/>
+                                          </p:val>
+                                        </p:tav>
+                                      </p:tavLst>
+                                    </p:anim>
+                                    <p:anim calcmode="lin" valueType="num">
+                                      <p:cBhvr>
+                                        <p:cTn id="30" dur="164" tmFilter="0, 0; 0.125,0.2665; 0.25,0.4; 0.375,0.465; 0.5,0.5;  0.625,0.535; 0.75,0.6; 0.875,0.7335; 1,1">
+                                          <p:stCondLst>
+                                            <p:cond delay="1656"/>
+                                          </p:stCondLst>
+                                        </p:cTn>
+                                        <p:tgtEl>
+                                          <p:spTgt spid="2"/>
+                                        </p:tgtEl>
+                                        <p:attrNameLst>
+                                          <p:attrName>ppt_y</p:attrName>
+                                        </p:attrNameLst>
+                                      </p:cBhvr>
+                                      <p:tavLst>
+                                        <p:tav tm="0" fmla="#ppt_y-sin(pi*$)/81">
+                                          <p:val>
+                                            <p:fltVal val="0"/>
+                                          </p:val>
+                                        </p:tav>
+                                        <p:tav tm="100000">
+                                          <p:val>
+                                            <p:fltVal val="1"/>
+                                          </p:val>
+                                        </p:tav>
+                                      </p:tavLst>
+                                    </p:anim>
+                                    <p:animScale>
+                                      <p:cBhvr>
+                                        <p:cTn id="31" dur="26">
+                                          <p:stCondLst>
+                                            <p:cond delay="650"/>
+                                          </p:stCondLst>
+                                        </p:cTn>
+                                        <p:tgtEl>
+                                          <p:spTgt spid="2"/>
+                                        </p:tgtEl>
+                                      </p:cBhvr>
+                                      <p:to x="100000" y="60000"/>
+                                    </p:animScale>
+                                    <p:animScale>
+                                      <p:cBhvr>
+                                        <p:cTn id="32" dur="166" decel="50000">
+                                          <p:stCondLst>
+                                            <p:cond delay="676"/>
+                                          </p:stCondLst>
+                                        </p:cTn>
+                                        <p:tgtEl>
+                                          <p:spTgt spid="2"/>
+                                        </p:tgtEl>
+                                      </p:cBhvr>
+                                      <p:to x="100000" y="100000"/>
+                                    </p:animScale>
+                                    <p:animScale>
+                                      <p:cBhvr>
+                                        <p:cTn id="33" dur="26">
+                                          <p:stCondLst>
+                                            <p:cond delay="1312"/>
+                                          </p:stCondLst>
+                                        </p:cTn>
+                                        <p:tgtEl>
+                                          <p:spTgt spid="2"/>
+                                        </p:tgtEl>
+                                      </p:cBhvr>
+                                      <p:to x="100000" y="80000"/>
+                                    </p:animScale>
+                                    <p:animScale>
+                                      <p:cBhvr>
+                                        <p:cTn id="34" dur="166" decel="50000">
+                                          <p:stCondLst>
+                                            <p:cond delay="1338"/>
+                                          </p:stCondLst>
+                                        </p:cTn>
+                                        <p:tgtEl>
+                                          <p:spTgt spid="2"/>
+                                        </p:tgtEl>
+                                      </p:cBhvr>
+                                      <p:to x="100000" y="100000"/>
+                                    </p:animScale>
+                                    <p:animScale>
+                                      <p:cBhvr>
+                                        <p:cTn id="35" dur="26">
+                                          <p:stCondLst>
+                                            <p:cond delay="1642"/>
+                                          </p:stCondLst>
+                                        </p:cTn>
+                                        <p:tgtEl>
+                                          <p:spTgt spid="2"/>
+                                        </p:tgtEl>
+                                      </p:cBhvr>
+                                      <p:to x="100000" y="90000"/>
+                                    </p:animScale>
+                                    <p:animScale>
+                                      <p:cBhvr>
+                                        <p:cTn id="36" dur="166" decel="50000">
+                                          <p:stCondLst>
+                                            <p:cond delay="1668"/>
+                                          </p:stCondLst>
+                                        </p:cTn>
+                                        <p:tgtEl>
+                                          <p:spTgt spid="2"/>
+                                        </p:tgtEl>
+                                      </p:cBhvr>
+                                      <p:to x="100000" y="100000"/>
+                                    </p:animScale>
+                                    <p:animScale>
+                                      <p:cBhvr>
+                                        <p:cTn id="37" dur="26">
+                                          <p:stCondLst>
+                                            <p:cond delay="1808"/>
+                                          </p:stCondLst>
+                                        </p:cTn>
+                                        <p:tgtEl>
+                                          <p:spTgt spid="2"/>
+                                        </p:tgtEl>
+                                      </p:cBhvr>
+                                      <p:to x="100000" y="95000"/>
+                                    </p:animScale>
+                                    <p:animScale>
+                                      <p:cBhvr>
+                                        <p:cTn id="38" dur="166" decel="50000">
+                                          <p:stCondLst>
+                                            <p:cond delay="1834"/>
+                                          </p:stCondLst>
+                                        </p:cTn>
+                                        <p:tgtEl>
+                                          <p:spTgt spid="2"/>
+                                        </p:tgtEl>
+                                      </p:cBhvr>
+                                      <p:to x="100000" y="100000"/>
+                                    </p:animScale>
+                                  </p:childTnLst>
+                                </p:cTn>
+                              </p:par>
+                            </p:childTnLst>
+                          </p:cTn>
+                        </p:par>
+                      </p:childTnLst>
+                    </p:cTn>
+                  </p:par>
+                  <p:par>
+                    <p:cTn id="39" fill="hold">
+                      <p:stCondLst>
+                        <p:cond delay="indefinite"/>
+                      </p:stCondLst>
+                      <p:childTnLst>
+                        <p:par>
+                          <p:cTn id="40" fill="hold">
+                            <p:stCondLst>
+                              <p:cond delay="0"/>
+                            </p:stCondLst>
+                            <p:childTnLst>
+                              <p:par>
+                                <p:cTn id="41" presetID="26" presetClass="entr" presetSubtype="0" fill="hold" nodeType="clickEffect">
+                                  <p:stCondLst>
+                                    <p:cond delay="0"/>
+                                  </p:stCondLst>
+                                  <p:childTnLst>
+                                    <p:set>
+                                      <p:cBhvr>
+                                        <p:cTn id="42" dur="1" fill="hold">
+                                          <p:stCondLst>
+                                            <p:cond delay="0"/>
+                                          </p:stCondLst>
+                                        </p:cTn>
+                                        <p:tgtEl>
+                                          <p:spTgt spid="3"/>
+                                        </p:tgtEl>
+                                        <p:attrNameLst>
+                                          <p:attrName>style.visibility</p:attrName>
+                                        </p:attrNameLst>
+                                      </p:cBhvr>
+                                      <p:to>
+                                        <p:strVal val="visible"/>
+                                      </p:to>
+                                    </p:set>
+                                    <p:animEffect transition="in" filter="wipe(down)">
+                                      <p:cBhvr>
+                                        <p:cTn id="43" dur="580">
+                                          <p:stCondLst>
+                                            <p:cond delay="0"/>
+                                          </p:stCondLst>
+                                        </p:cTn>
+                                        <p:tgtEl>
+                                          <p:spTgt spid="3"/>
+                                        </p:tgtEl>
+                                      </p:cBhvr>
+                                    </p:animEffect>
+                                    <p:anim calcmode="lin" valueType="num">
+                                      <p:cBhvr>
+                                        <p:cTn id="44" dur="1822" tmFilter="0,0; 0.14,0.36; 0.43,0.73; 0.71,0.91; 1.0,1.0">
+                                          <p:stCondLst>
+                                            <p:cond delay="0"/>
+                                          </p:stCondLst>
+                                        </p:cTn>
+                                        <p:tgtEl>
+                                          <p:spTgt spid="3"/>
+                                        </p:tgtEl>
+                                        <p:attrNameLst>
+                                          <p:attrName>ppt_x</p:attrName>
+                                        </p:attrNameLst>
+                                      </p:cBhvr>
+                                      <p:tavLst>
+                                        <p:tav tm="0">
+                                          <p:val>
+                                            <p:strVal val="#ppt_x-0.25"/>
+                                          </p:val>
+                                        </p:tav>
+                                        <p:tav tm="100000">
+                                          <p:val>
+                                            <p:strVal val="#ppt_x"/>
+                                          </p:val>
+                                        </p:tav>
+                                      </p:tavLst>
+                                    </p:anim>
+                                    <p:anim calcmode="lin" valueType="num">
+                                      <p:cBhvr>
+                                        <p:cTn id="45" dur="664" tmFilter="0.0,0.0; 0.25,0.07; 0.50,0.2; 0.75,0.467; 1.0,1.0">
+                                          <p:stCondLst>
+                                            <p:cond delay="0"/>
+                                          </p:stCondLst>
+                                        </p:cTn>
+                                        <p:tgtEl>
+                                          <p:spTgt spid="3"/>
+                                        </p:tgtEl>
+                                        <p:attrNameLst>
+                                          <p:attrName>ppt_y</p:attrName>
+                                        </p:attrNameLst>
+                                      </p:cBhvr>
+                                      <p:tavLst>
+                                        <p:tav tm="0" fmla="#ppt_y-sin(pi*$)/3">
+                                          <p:val>
+                                            <p:fltVal val="0.5"/>
+                                          </p:val>
+                                        </p:tav>
+                                        <p:tav tm="100000">
+                                          <p:val>
+                                            <p:fltVal val="1"/>
+                                          </p:val>
+                                        </p:tav>
+                                      </p:tavLst>
+                                    </p:anim>
+                                    <p:anim calcmode="lin" valueType="num">
+                                      <p:cBhvr>
+                                        <p:cTn id="46" dur="664" tmFilter="0, 0; 0.125,0.2665; 0.25,0.4; 0.375,0.465; 0.5,0.5;  0.625,0.535; 0.75,0.6; 0.875,0.7335; 1,1">
+                                          <p:stCondLst>
+                                            <p:cond delay="664"/>
+                                          </p:stCondLst>
+                                        </p:cTn>
+                                        <p:tgtEl>
+                                          <p:spTgt spid="3"/>
+                                        </p:tgtEl>
+                                        <p:attrNameLst>
+                                          <p:attrName>ppt_y</p:attrName>
+                                        </p:attrNameLst>
+                                      </p:cBhvr>
+                                      <p:tavLst>
+                                        <p:tav tm="0" fmla="#ppt_y-sin(pi*$)/9">
+                                          <p:val>
+                                            <p:fltVal val="0"/>
+                                          </p:val>
+                                        </p:tav>
+                                        <p:tav tm="100000">
+                                          <p:val>
+                                            <p:fltVal val="1"/>
+                                          </p:val>
+                                        </p:tav>
+                                      </p:tavLst>
+                                    </p:anim>
+                                    <p:anim calcmode="lin" valueType="num">
+                                      <p:cBhvr>
+                                        <p:cTn id="47" dur="332" tmFilter="0, 0; 0.125,0.2665; 0.25,0.4; 0.375,0.465; 0.5,0.5;  0.625,0.535; 0.75,0.6; 0.875,0.7335; 1,1">
+                                          <p:stCondLst>
+                                            <p:cond delay="1324"/>
+                                          </p:stCondLst>
+                                        </p:cTn>
+                                        <p:tgtEl>
+                                          <p:spTgt spid="3"/>
+                                        </p:tgtEl>
+                                        <p:attrNameLst>
+                                          <p:attrName>ppt_y</p:attrName>
+                                        </p:attrNameLst>
+                                      </p:cBhvr>
+                                      <p:tavLst>
+                                        <p:tav tm="0" fmla="#ppt_y-sin(pi*$)/27">
+                                          <p:val>
+                                            <p:fltVal val="0"/>
+                                          </p:val>
+                                        </p:tav>
+                                        <p:tav tm="100000">
+                                          <p:val>
+                                            <p:fltVal val="1"/>
+                                          </p:val>
+                                        </p:tav>
+                                      </p:tavLst>
+                                    </p:anim>
+                                    <p:anim calcmode="lin" valueType="num">
+                                      <p:cBhvr>
+                                        <p:cTn id="48" dur="164" tmFilter="0, 0; 0.125,0.2665; 0.25,0.4; 0.375,0.465; 0.5,0.5;  0.625,0.535; 0.75,0.6; 0.875,0.7335; 1,1">
+                                          <p:stCondLst>
+                                            <p:cond delay="1656"/>
+                                          </p:stCondLst>
+                                        </p:cTn>
+                                        <p:tgtEl>
+                                          <p:spTgt spid="3"/>
+                                        </p:tgtEl>
+                                        <p:attrNameLst>
+                                          <p:attrName>ppt_y</p:attrName>
+                                        </p:attrNameLst>
+                                      </p:cBhvr>
+                                      <p:tavLst>
+                                        <p:tav tm="0" fmla="#ppt_y-sin(pi*$)/81">
+                                          <p:val>
+                                            <p:fltVal val="0"/>
+                                          </p:val>
+                                        </p:tav>
+                                        <p:tav tm="100000">
+                                          <p:val>
+                                            <p:fltVal val="1"/>
+                                          </p:val>
+                                        </p:tav>
+                                      </p:tavLst>
+                                    </p:anim>
+                                    <p:animScale>
+                                      <p:cBhvr>
+                                        <p:cTn id="49" dur="26">
+                                          <p:stCondLst>
+                                            <p:cond delay="650"/>
+                                          </p:stCondLst>
+                                        </p:cTn>
+                                        <p:tgtEl>
+                                          <p:spTgt spid="3"/>
+                                        </p:tgtEl>
+                                      </p:cBhvr>
+                                      <p:to x="100000" y="60000"/>
+                                    </p:animScale>
+                                    <p:animScale>
+                                      <p:cBhvr>
+                                        <p:cTn id="50" dur="166" decel="50000">
+                                          <p:stCondLst>
+                                            <p:cond delay="676"/>
+                                          </p:stCondLst>
+                                        </p:cTn>
+                                        <p:tgtEl>
+                                          <p:spTgt spid="3"/>
+                                        </p:tgtEl>
+                                      </p:cBhvr>
+                                      <p:to x="100000" y="100000"/>
+                                    </p:animScale>
+                                    <p:animScale>
+                                      <p:cBhvr>
+                                        <p:cTn id="51" dur="26">
+                                          <p:stCondLst>
+                                            <p:cond delay="1312"/>
+                                          </p:stCondLst>
+                                        </p:cTn>
+                                        <p:tgtEl>
+                                          <p:spTgt spid="3"/>
+                                        </p:tgtEl>
+                                      </p:cBhvr>
+                                      <p:to x="100000" y="80000"/>
+                                    </p:animScale>
+                                    <p:animScale>
+                                      <p:cBhvr>
+                                        <p:cTn id="52" dur="166" decel="50000">
+                                          <p:stCondLst>
+                                            <p:cond delay="1338"/>
+                                          </p:stCondLst>
+                                        </p:cTn>
+                                        <p:tgtEl>
+                                          <p:spTgt spid="3"/>
+                                        </p:tgtEl>
+                                      </p:cBhvr>
+                                      <p:to x="100000" y="100000"/>
+                                    </p:animScale>
+                                    <p:animScale>
+                                      <p:cBhvr>
+                                        <p:cTn id="53" dur="26">
+                                          <p:stCondLst>
+                                            <p:cond delay="1642"/>
+                                          </p:stCondLst>
+                                        </p:cTn>
+                                        <p:tgtEl>
+                                          <p:spTgt spid="3"/>
+                                        </p:tgtEl>
+                                      </p:cBhvr>
+                                      <p:to x="100000" y="90000"/>
+                                    </p:animScale>
+                                    <p:animScale>
+                                      <p:cBhvr>
+                                        <p:cTn id="54" dur="166" decel="50000">
+                                          <p:stCondLst>
+                                            <p:cond delay="1668"/>
+                                          </p:stCondLst>
+                                        </p:cTn>
+                                        <p:tgtEl>
+                                          <p:spTgt spid="3"/>
+                                        </p:tgtEl>
+                                      </p:cBhvr>
+                                      <p:to x="100000" y="100000"/>
+                                    </p:animScale>
+                                    <p:animScale>
+                                      <p:cBhvr>
+                                        <p:cTn id="55" dur="26">
+                                          <p:stCondLst>
+                                            <p:cond delay="1808"/>
+                                          </p:stCondLst>
+                                        </p:cTn>
+                                        <p:tgtEl>
+                                          <p:spTgt spid="3"/>
+                                        </p:tgtEl>
+                                      </p:cBhvr>
+                                      <p:to x="100000" y="95000"/>
+                                    </p:animScale>
+                                    <p:animScale>
+                                      <p:cBhvr>
+                                        <p:cTn id="56" dur="166" decel="50000">
+                                          <p:stCondLst>
+                                            <p:cond delay="1834"/>
+                                          </p:stCondLst>
+                                        </p:cTn>
+                                        <p:tgtEl>
+                                          <p:spTgt spid="3"/>
+                                        </p:tgtEl>
+                                      </p:cBhvr>
+                                      <p:to x="100000" y="100000"/>
+                                    </p:animScale>
+                                  </p:childTnLst>
+                                </p:cTn>
+                              </p:par>
+                            </p:childTnLst>
+                          </p:cTn>
+                        </p:par>
+                      </p:childTnLst>
+                    </p:cTn>
+                  </p:par>
+                  <p:par>
+                    <p:cTn id="57" fill="hold">
+                      <p:stCondLst>
+                        <p:cond delay="indefinite"/>
+                      </p:stCondLst>
+                      <p:childTnLst>
+                        <p:par>
+                          <p:cTn id="58" fill="hold">
+                            <p:stCondLst>
+                              <p:cond delay="0"/>
+                            </p:stCondLst>
+                            <p:childTnLst>
+                              <p:par>
+                                <p:cTn id="59" presetID="26" presetClass="entr" presetSubtype="0" fill="hold" nodeType="clickEffect">
+                                  <p:stCondLst>
+                                    <p:cond delay="0"/>
+                                  </p:stCondLst>
+                                  <p:childTnLst>
+                                    <p:set>
+                                      <p:cBhvr>
+                                        <p:cTn id="60" dur="1" fill="hold">
+                                          <p:stCondLst>
+                                            <p:cond delay="0"/>
+                                          </p:stCondLst>
+                                        </p:cTn>
+                                        <p:tgtEl>
+                                          <p:spTgt spid="10"/>
+                                        </p:tgtEl>
+                                        <p:attrNameLst>
+                                          <p:attrName>style.visibility</p:attrName>
+                                        </p:attrNameLst>
+                                      </p:cBhvr>
+                                      <p:to>
+                                        <p:strVal val="visible"/>
+                                      </p:to>
+                                    </p:set>
+                                    <p:animEffect transition="in" filter="wipe(down)">
+                                      <p:cBhvr>
+                                        <p:cTn id="61" dur="580">
+                                          <p:stCondLst>
+                                            <p:cond delay="0"/>
+                                          </p:stCondLst>
+                                        </p:cTn>
+                                        <p:tgtEl>
+                                          <p:spTgt spid="10"/>
+                                        </p:tgtEl>
+                                      </p:cBhvr>
+                                    </p:animEffect>
+                                    <p:anim calcmode="lin" valueType="num">
+                                      <p:cBhvr>
+                                        <p:cTn id="62" dur="1822" tmFilter="0,0; 0.14,0.36; 0.43,0.73; 0.71,0.91; 1.0,1.0">
+                                          <p:stCondLst>
+                                            <p:cond delay="0"/>
+                                          </p:stCondLst>
+                                        </p:cTn>
+                                        <p:tgtEl>
+                                          <p:spTgt spid="10"/>
+                                        </p:tgtEl>
+                                        <p:attrNameLst>
+                                          <p:attrName>ppt_x</p:attrName>
+                                        </p:attrNameLst>
+                                      </p:cBhvr>
+                                      <p:tavLst>
+                                        <p:tav tm="0">
+                                          <p:val>
+                                            <p:strVal val="#ppt_x-0.25"/>
+                                          </p:val>
+                                        </p:tav>
+                                        <p:tav tm="100000">
+                                          <p:val>
+                                            <p:strVal val="#ppt_x"/>
+                                          </p:val>
+                                        </p:tav>
+                                      </p:tavLst>
+                                    </p:anim>
+                                    <p:anim calcmode="lin" valueType="num">
+                                      <p:cBhvr>
+                                        <p:cTn id="63" dur="664" tmFilter="0.0,0.0; 0.25,0.07; 0.50,0.2; 0.75,0.467; 1.0,1.0">
+                                          <p:stCondLst>
+                                            <p:cond delay="0"/>
+                                          </p:stCondLst>
+                                        </p:cTn>
+                                        <p:tgtEl>
+                                          <p:spTgt spid="10"/>
+                                        </p:tgtEl>
+                                        <p:attrNameLst>
+                                          <p:attrName>ppt_y</p:attrName>
+                                        </p:attrNameLst>
+                                      </p:cBhvr>
+                                      <p:tavLst>
+                                        <p:tav tm="0" fmla="#ppt_y-sin(pi*$)/3">
+                                          <p:val>
+                                            <p:fltVal val="0.5"/>
+                                          </p:val>
+                                        </p:tav>
+                                        <p:tav tm="100000">
+                                          <p:val>
+                                            <p:fltVal val="1"/>
+                                          </p:val>
+                                        </p:tav>
+                                      </p:tavLst>
+                                    </p:anim>
+                                    <p:anim calcmode="lin" valueType="num">
+                                      <p:cBhvr>
+                                        <p:cTn id="64" dur="664" tmFilter="0, 0; 0.125,0.2665; 0.25,0.4; 0.375,0.465; 0.5,0.5;  0.625,0.535; 0.75,0.6; 0.875,0.7335; 1,1">
+                                          <p:stCondLst>
+                                            <p:cond delay="664"/>
+                                          </p:stCondLst>
+                                        </p:cTn>
+                                        <p:tgtEl>
+                                          <p:spTgt spid="10"/>
+                                        </p:tgtEl>
+                                        <p:attrNameLst>
+                                          <p:attrName>ppt_y</p:attrName>
+                                        </p:attrNameLst>
+                                      </p:cBhvr>
+                                      <p:tavLst>
+                                        <p:tav tm="0" fmla="#ppt_y-sin(pi*$)/9">
+                                          <p:val>
+                                            <p:fltVal val="0"/>
+                                          </p:val>
+                                        </p:tav>
+                                        <p:tav tm="100000">
+                                          <p:val>
+                                            <p:fltVal val="1"/>
+                                          </p:val>
+                                        </p:tav>
+                                      </p:tavLst>
+                                    </p:anim>
+                                    <p:anim calcmode="lin" valueType="num">
+                                      <p:cBhvr>
+                                        <p:cTn id="65" dur="332" tmFilter="0, 0; 0.125,0.2665; 0.25,0.4; 0.375,0.465; 0.5,0.5;  0.625,0.535; 0.75,0.6; 0.875,0.7335; 1,1">
+                                          <p:stCondLst>
+                                            <p:cond delay="1324"/>
+                                          </p:stCondLst>
+                                        </p:cTn>
+                                        <p:tgtEl>
+                                          <p:spTgt spid="10"/>
+                                        </p:tgtEl>
+                                        <p:attrNameLst>
+                                          <p:attrName>ppt_y</p:attrName>
+                                        </p:attrNameLst>
+                                      </p:cBhvr>
+                                      <p:tavLst>
+                                        <p:tav tm="0" fmla="#ppt_y-sin(pi*$)/27">
+                                          <p:val>
+                                            <p:fltVal val="0"/>
+                                          </p:val>
+                                        </p:tav>
+                                        <p:tav tm="100000">
+                                          <p:val>
+                                            <p:fltVal val="1"/>
+                                          </p:val>
+                                        </p:tav>
+                                      </p:tavLst>
+                                    </p:anim>
+                                    <p:anim calcmode="lin" valueType="num">
+                                      <p:cBhvr>
+                                        <p:cTn id="66" dur="164" tmFilter="0, 0; 0.125,0.2665; 0.25,0.4; 0.375,0.465; 0.5,0.5;  0.625,0.535; 0.75,0.6; 0.875,0.7335; 1,1">
+                                          <p:stCondLst>
+                                            <p:cond delay="1656"/>
+                                          </p:stCondLst>
+                                        </p:cTn>
+                                        <p:tgtEl>
+                                          <p:spTgt spid="10"/>
+                                        </p:tgtEl>
+                                        <p:attrNameLst>
+                                          <p:attrName>ppt_y</p:attrName>
+                                        </p:attrNameLst>
+                                      </p:cBhvr>
+                                      <p:tavLst>
+                                        <p:tav tm="0" fmla="#ppt_y-sin(pi*$)/81">
+                                          <p:val>
+                                            <p:fltVal val="0"/>
+                                          </p:val>
+                                        </p:tav>
+                                        <p:tav tm="100000">
+                                          <p:val>
+                                            <p:fltVal val="1"/>
+                                          </p:val>
+                                        </p:tav>
+                                      </p:tavLst>
+                                    </p:anim>
+                                    <p:animScale>
+                                      <p:cBhvr>
+                                        <p:cTn id="67" dur="26">
+                                          <p:stCondLst>
+                                            <p:cond delay="650"/>
+                                          </p:stCondLst>
+                                        </p:cTn>
+                                        <p:tgtEl>
+                                          <p:spTgt spid="10"/>
+                                        </p:tgtEl>
+                                      </p:cBhvr>
+                                      <p:to x="100000" y="60000"/>
+                                    </p:animScale>
+                                    <p:animScale>
+                                      <p:cBhvr>
+                                        <p:cTn id="68" dur="166" decel="50000">
+                                          <p:stCondLst>
+                                            <p:cond delay="676"/>
+                                          </p:stCondLst>
+                                        </p:cTn>
+                                        <p:tgtEl>
+                                          <p:spTgt spid="10"/>
+                                        </p:tgtEl>
+                                      </p:cBhvr>
+                                      <p:to x="100000" y="100000"/>
+                                    </p:animScale>
+                                    <p:animScale>
+                                      <p:cBhvr>
+                                        <p:cTn id="69" dur="26">
+                                          <p:stCondLst>
+                                            <p:cond delay="1312"/>
+                                          </p:stCondLst>
+                                        </p:cTn>
+                                        <p:tgtEl>
+                                          <p:spTgt spid="10"/>
+                                        </p:tgtEl>
+                                      </p:cBhvr>
+                                      <p:to x="100000" y="80000"/>
+                                    </p:animScale>
+                                    <p:animScale>
+                                      <p:cBhvr>
+                                        <p:cTn id="70" dur="166" decel="50000">
+                                          <p:stCondLst>
+                                            <p:cond delay="1338"/>
+                                          </p:stCondLst>
+                                        </p:cTn>
+                                        <p:tgtEl>
+                                          <p:spTgt spid="10"/>
+                                        </p:tgtEl>
+                                      </p:cBhvr>
+                                      <p:to x="100000" y="100000"/>
+                                    </p:animScale>
+                                    <p:animScale>
+                                      <p:cBhvr>
+                                        <p:cTn id="71" dur="26">
+                                          <p:stCondLst>
+                                            <p:cond delay="1642"/>
+                                          </p:stCondLst>
+                                        </p:cTn>
+                                        <p:tgtEl>
+                                          <p:spTgt spid="10"/>
+                                        </p:tgtEl>
+                                      </p:cBhvr>
+                                      <p:to x="100000" y="90000"/>
+                                    </p:animScale>
+                                    <p:animScale>
+                                      <p:cBhvr>
+                                        <p:cTn id="72" dur="166" decel="50000">
+                                          <p:stCondLst>
+                                            <p:cond delay="1668"/>
+                                          </p:stCondLst>
+                                        </p:cTn>
+                                        <p:tgtEl>
+                                          <p:spTgt spid="10"/>
+                                        </p:tgtEl>
+                                      </p:cBhvr>
+                                      <p:to x="100000" y="100000"/>
+                                    </p:animScale>
+                                    <p:animScale>
+                                      <p:cBhvr>
+                                        <p:cTn id="73" dur="26">
+                                          <p:stCondLst>
+                                            <p:cond delay="1808"/>
+                                          </p:stCondLst>
+                                        </p:cTn>
+                                        <p:tgtEl>
+                                          <p:spTgt spid="10"/>
+                                        </p:tgtEl>
+                                      </p:cBhvr>
+                                      <p:to x="100000" y="95000"/>
+                                    </p:animScale>
+                                    <p:animScale>
+                                      <p:cBhvr>
+                                        <p:cTn id="74" dur="166" decel="50000">
+                                          <p:stCondLst>
+                                            <p:cond delay="1834"/>
+                                          </p:stCondLst>
+                                        </p:cTn>
+                                        <p:tgtEl>
+                                          <p:spTgt spid="10"/>
+                                        </p:tgtEl>
+                                      </p:cBhvr>
+                                      <p:to x="100000" y="100000"/>
+                                    </p:animScale>
+                                  </p:childTnLst>
+                                </p:cTn>
+                              </p:par>
+                            </p:childTnLst>
+                          </p:cTn>
+                        </p:par>
+                      </p:childTnLst>
+                    </p:cTn>
+                  </p:par>
+                  <p:par>
+                    <p:cTn id="75" fill="hold">
+                      <p:stCondLst>
+                        <p:cond delay="indefinite"/>
+                      </p:stCondLst>
+                      <p:childTnLst>
+                        <p:par>
+                          <p:cTn id="76" fill="hold">
+                            <p:stCondLst>
+                              <p:cond delay="0"/>
+                            </p:stCondLst>
+                            <p:childTnLst>
+                              <p:par>
+                                <p:cTn id="77" presetID="26" presetClass="entr" presetSubtype="0" fill="hold" nodeType="clickEffect">
+                                  <p:stCondLst>
+                                    <p:cond delay="0"/>
+                                  </p:stCondLst>
+                                  <p:childTnLst>
+                                    <p:set>
+                                      <p:cBhvr>
+                                        <p:cTn id="78" dur="1" fill="hold">
+                                          <p:stCondLst>
+                                            <p:cond delay="0"/>
+                                          </p:stCondLst>
+                                        </p:cTn>
+                                        <p:tgtEl>
+                                          <p:spTgt spid="13"/>
+                                        </p:tgtEl>
+                                        <p:attrNameLst>
+                                          <p:attrName>style.visibility</p:attrName>
+                                        </p:attrNameLst>
+                                      </p:cBhvr>
+                                      <p:to>
+                                        <p:strVal val="visible"/>
+                                      </p:to>
+                                    </p:set>
+                                    <p:animEffect transition="in" filter="wipe(down)">
+                                      <p:cBhvr>
+                                        <p:cTn id="79" dur="580">
+                                          <p:stCondLst>
+                                            <p:cond delay="0"/>
+                                          </p:stCondLst>
+                                        </p:cTn>
+                                        <p:tgtEl>
+                                          <p:spTgt spid="13"/>
+                                        </p:tgtEl>
+                                      </p:cBhvr>
+                                    </p:animEffect>
+                                    <p:anim calcmode="lin" valueType="num">
+                                      <p:cBhvr>
+                                        <p:cTn id="80" dur="1822" tmFilter="0,0; 0.14,0.36; 0.43,0.73; 0.71,0.91; 1.0,1.0">
+                                          <p:stCondLst>
+                                            <p:cond delay="0"/>
+                                          </p:stCondLst>
+                                        </p:cTn>
+                                        <p:tgtEl>
+                                          <p:spTgt spid="13"/>
+                                        </p:tgtEl>
+                                        <p:attrNameLst>
+                                          <p:attrName>ppt_x</p:attrName>
+                                        </p:attrNameLst>
+                                      </p:cBhvr>
+                                      <p:tavLst>
+                                        <p:tav tm="0">
+                                          <p:val>
+                                            <p:strVal val="#ppt_x-0.25"/>
+                                          </p:val>
+                                        </p:tav>
+                                        <p:tav tm="100000">
+                                          <p:val>
+                                            <p:strVal val="#ppt_x"/>
+                                          </p:val>
+                                        </p:tav>
+                                      </p:tavLst>
+                                    </p:anim>
+                                    <p:anim calcmode="lin" valueType="num">
+                                      <p:cBhvr>
+                                        <p:cTn id="81" dur="664" tmFilter="0.0,0.0; 0.25,0.07; 0.50,0.2; 0.75,0.467; 1.0,1.0">
+                                          <p:stCondLst>
+                                            <p:cond delay="0"/>
+                                          </p:stCondLst>
+                                        </p:cTn>
+                                        <p:tgtEl>
+                                          <p:spTgt spid="13"/>
+                                        </p:tgtEl>
+                                        <p:attrNameLst>
+                                          <p:attrName>ppt_y</p:attrName>
+                                        </p:attrNameLst>
+                                      </p:cBhvr>
+                                      <p:tavLst>
+                                        <p:tav tm="0" fmla="#ppt_y-sin(pi*$)/3">
+                                          <p:val>
+                                            <p:fltVal val="0.5"/>
+                                          </p:val>
+                                        </p:tav>
+                                        <p:tav tm="100000">
+                                          <p:val>
+                                            <p:fltVal val="1"/>
+                                          </p:val>
+                                        </p:tav>
+                                      </p:tavLst>
+                                    </p:anim>
+                                    <p:anim calcmode="lin" valueType="num">
+                                      <p:cBhvr>
+                                        <p:cTn id="82" dur="664" tmFilter="0, 0; 0.125,0.2665; 0.25,0.4; 0.375,0.465; 0.5,0.5;  0.625,0.535; 0.75,0.6; 0.875,0.7335; 1,1">
+                                          <p:stCondLst>
+                                            <p:cond delay="664"/>
+                                          </p:stCondLst>
+                                        </p:cTn>
+                                        <p:tgtEl>
+                                          <p:spTgt spid="13"/>
+                                        </p:tgtEl>
+                                        <p:attrNameLst>
+                                          <p:attrName>ppt_y</p:attrName>
+                                        </p:attrNameLst>
+                                      </p:cBhvr>
+                                      <p:tavLst>
+                                        <p:tav tm="0" fmla="#ppt_y-sin(pi*$)/9">
+                                          <p:val>
+                                            <p:fltVal val="0"/>
+                                          </p:val>
+                                        </p:tav>
+                                        <p:tav tm="100000">
+                                          <p:val>
+                                            <p:fltVal val="1"/>
+                                          </p:val>
+                                        </p:tav>
+                                      </p:tavLst>
+                                    </p:anim>
+                                    <p:anim calcmode="lin" valueType="num">
+                                      <p:cBhvr>
+                                        <p:cTn id="83" dur="332" tmFilter="0, 0; 0.125,0.2665; 0.25,0.4; 0.375,0.465; 0.5,0.5;  0.625,0.535; 0.75,0.6; 0.875,0.7335; 1,1">
+                                          <p:stCondLst>
+                                            <p:cond delay="1324"/>
+                                          </p:stCondLst>
+                                        </p:cTn>
+                                        <p:tgtEl>
+                                          <p:spTgt spid="13"/>
+                                        </p:tgtEl>
+                                        <p:attrNameLst>
+                                          <p:attrName>ppt_y</p:attrName>
+                                        </p:attrNameLst>
+                                      </p:cBhvr>
+                                      <p:tavLst>
+                                        <p:tav tm="0" fmla="#ppt_y-sin(pi*$)/27">
+                                          <p:val>
+                                            <p:fltVal val="0"/>
+                                          </p:val>
+                                        </p:tav>
+                                        <p:tav tm="100000">
+                                          <p:val>
+                                            <p:fltVal val="1"/>
+                                          </p:val>
+                                        </p:tav>
+                                      </p:tavLst>
+                                    </p:anim>
+                                    <p:anim calcmode="lin" valueType="num">
+                                      <p:cBhvr>
+                                        <p:cTn id="84" dur="164" tmFilter="0, 0; 0.125,0.2665; 0.25,0.4; 0.375,0.465; 0.5,0.5;  0.625,0.535; 0.75,0.6; 0.875,0.7335; 1,1">
+                                          <p:stCondLst>
+                                            <p:cond delay="1656"/>
+                                          </p:stCondLst>
+                                        </p:cTn>
+                                        <p:tgtEl>
+                                          <p:spTgt spid="13"/>
+                                        </p:tgtEl>
+                                        <p:attrNameLst>
+                                          <p:attrName>ppt_y</p:attrName>
+                                        </p:attrNameLst>
+                                      </p:cBhvr>
+                                      <p:tavLst>
+                                        <p:tav tm="0" fmla="#ppt_y-sin(pi*$)/81">
+                                          <p:val>
+                                            <p:fltVal val="0"/>
+                                          </p:val>
+                                        </p:tav>
+                                        <p:tav tm="100000">
+                                          <p:val>
+                                            <p:fltVal val="1"/>
+                                          </p:val>
+                                        </p:tav>
+                                      </p:tavLst>
+                                    </p:anim>
+                                    <p:animScale>
+                                      <p:cBhvr>
+                                        <p:cTn id="85" dur="26">
+                                          <p:stCondLst>
+                                            <p:cond delay="650"/>
+                                          </p:stCondLst>
+                                        </p:cTn>
+                                        <p:tgtEl>
+                                          <p:spTgt spid="13"/>
+                                        </p:tgtEl>
+                                      </p:cBhvr>
+                                      <p:to x="100000" y="60000"/>
+                                    </p:animScale>
+                                    <p:animScale>
+                                      <p:cBhvr>
+                                        <p:cTn id="86" dur="166" decel="50000">
+                                          <p:stCondLst>
+                                            <p:cond delay="676"/>
+                                          </p:stCondLst>
+                                        </p:cTn>
+                                        <p:tgtEl>
+                                          <p:spTgt spid="13"/>
+                                        </p:tgtEl>
+                                      </p:cBhvr>
+                                      <p:to x="100000" y="100000"/>
+                                    </p:animScale>
+                                    <p:animScale>
+                                      <p:cBhvr>
+                                        <p:cTn id="87" dur="26">
+                                          <p:stCondLst>
+                                            <p:cond delay="1312"/>
+                                          </p:stCondLst>
+                                        </p:cTn>
+                                        <p:tgtEl>
+                                          <p:spTgt spid="13"/>
+                                        </p:tgtEl>
+                                      </p:cBhvr>
+                                      <p:to x="100000" y="80000"/>
+                                    </p:animScale>
+                                    <p:animScale>
+                                      <p:cBhvr>
+                                        <p:cTn id="88" dur="166" decel="50000">
+                                          <p:stCondLst>
+                                            <p:cond delay="1338"/>
+                                          </p:stCondLst>
+                                        </p:cTn>
+                                        <p:tgtEl>
+                                          <p:spTgt spid="13"/>
+                                        </p:tgtEl>
+                                      </p:cBhvr>
+                                      <p:to x="100000" y="100000"/>
+                                    </p:animScale>
+                                    <p:animScale>
+                                      <p:cBhvr>
+                                        <p:cTn id="89" dur="26">
+                                          <p:stCondLst>
+                                            <p:cond delay="1642"/>
+                                          </p:stCondLst>
+                                        </p:cTn>
+                                        <p:tgtEl>
+                                          <p:spTgt spid="13"/>
+                                        </p:tgtEl>
+                                      </p:cBhvr>
+                                      <p:to x="100000" y="90000"/>
+                                    </p:animScale>
+                                    <p:animScale>
+                                      <p:cBhvr>
+                                        <p:cTn id="90" dur="166" decel="50000">
+                                          <p:stCondLst>
+                                            <p:cond delay="1668"/>
+                                          </p:stCondLst>
+                                        </p:cTn>
+                                        <p:tgtEl>
+                                          <p:spTgt spid="13"/>
+                                        </p:tgtEl>
+                                      </p:cBhvr>
+                                      <p:to x="100000" y="100000"/>
+                                    </p:animScale>
+                                    <p:animScale>
+                                      <p:cBhvr>
+                                        <p:cTn id="91" dur="26">
+                                          <p:stCondLst>
+                                            <p:cond delay="1808"/>
+                                          </p:stCondLst>
+                                        </p:cTn>
+                                        <p:tgtEl>
+                                          <p:spTgt spid="13"/>
+                                        </p:tgtEl>
+                                      </p:cBhvr>
+                                      <p:to x="100000" y="95000"/>
+                                    </p:animScale>
+                                    <p:animScale>
+                                      <p:cBhvr>
+                                        <p:cTn id="92" dur="166" decel="50000">
+                                          <p:stCondLst>
+                                            <p:cond delay="1834"/>
+                                          </p:stCondLst>
+                                        </p:cTn>
+                                        <p:tgtEl>
+                                          <p:spTgt spid="13"/>
+                                        </p:tgtEl>
+                                      </p:cBhvr>
+                                      <p:to x="100000" y="100000"/>
+                                    </p:animScale>
+                                  </p:childTnLst>
+                                </p:cTn>
+                              </p:par>
+                            </p:childTnLst>
+                          </p:cTn>
+                        </p:par>
+                      </p:childTnLst>
+                    </p:cTn>
+                  </p:par>
+                  <p:par>
+                    <p:cTn id="93" fill="hold">
+                      <p:stCondLst>
+                        <p:cond delay="indefinite"/>
+                      </p:stCondLst>
+                      <p:childTnLst>
+                        <p:par>
+                          <p:cTn id="94" fill="hold">
+                            <p:stCondLst>
+                              <p:cond delay="0"/>
+                            </p:stCondLst>
+                            <p:childTnLst>
+                              <p:par>
+                                <p:cTn id="95" presetID="26" presetClass="entr" presetSubtype="0" fill="hold" nodeType="clickEffect">
+                                  <p:stCondLst>
+                                    <p:cond delay="0"/>
+                                  </p:stCondLst>
+                                  <p:childTnLst>
+                                    <p:set>
+                                      <p:cBhvr>
+                                        <p:cTn id="96" dur="1" fill="hold">
+                                          <p:stCondLst>
+                                            <p:cond delay="0"/>
+                                          </p:stCondLst>
+                                        </p:cTn>
+                                        <p:tgtEl>
+                                          <p:spTgt spid="14"/>
+                                        </p:tgtEl>
+                                        <p:attrNameLst>
+                                          <p:attrName>style.visibility</p:attrName>
+                                        </p:attrNameLst>
+                                      </p:cBhvr>
+                                      <p:to>
+                                        <p:strVal val="visible"/>
+                                      </p:to>
+                                    </p:set>
+                                    <p:animEffect transition="in" filter="wipe(down)">
+                                      <p:cBhvr>
+                                        <p:cTn id="97" dur="580">
+                                          <p:stCondLst>
+                                            <p:cond delay="0"/>
+                                          </p:stCondLst>
+                                        </p:cTn>
+                                        <p:tgtEl>
+                                          <p:spTgt spid="14"/>
+                                        </p:tgtEl>
+                                      </p:cBhvr>
+                                    </p:animEffect>
+                                    <p:anim calcmode="lin" valueType="num">
+                                      <p:cBhvr>
+                                        <p:cTn id="98" dur="1822" tmFilter="0,0; 0.14,0.36; 0.43,0.73; 0.71,0.91; 1.0,1.0">
+                                          <p:stCondLst>
+                                            <p:cond delay="0"/>
+                                          </p:stCondLst>
+                                        </p:cTn>
+                                        <p:tgtEl>
+                                          <p:spTgt spid="14"/>
+                                        </p:tgtEl>
+                                        <p:attrNameLst>
+                                          <p:attrName>ppt_x</p:attrName>
+                                        </p:attrNameLst>
+                                      </p:cBhvr>
+                                      <p:tavLst>
+                                        <p:tav tm="0">
+                                          <p:val>
+                                            <p:strVal val="#ppt_x-0.25"/>
+                                          </p:val>
+                                        </p:tav>
+                                        <p:tav tm="100000">
+                                          <p:val>
+                                            <p:strVal val="#ppt_x"/>
+                                          </p:val>
+                                        </p:tav>
+                                      </p:tavLst>
+                                    </p:anim>
+                                    <p:anim calcmode="lin" valueType="num">
+                                      <p:cBhvr>
+                                        <p:cTn id="99" dur="664" tmFilter="0.0,0.0; 0.25,0.07; 0.50,0.2; 0.75,0.467; 1.0,1.0">
+                                          <p:stCondLst>
+                                            <p:cond delay="0"/>
+                                          </p:stCondLst>
+                                        </p:cTn>
+                                        <p:tgtEl>
+                                          <p:spTgt spid="14"/>
+                                        </p:tgtEl>
+                                        <p:attrNameLst>
+                                          <p:attrName>ppt_y</p:attrName>
+                                        </p:attrNameLst>
+                                      </p:cBhvr>
+                                      <p:tavLst>
+                                        <p:tav tm="0" fmla="#ppt_y-sin(pi*$)/3">
+                                          <p:val>
+                                            <p:fltVal val="0.5"/>
+                                          </p:val>
+                                        </p:tav>
+                                        <p:tav tm="100000">
+                                          <p:val>
+                                            <p:fltVal val="1"/>
+                                          </p:val>
+                                        </p:tav>
+                                      </p:tavLst>
+                                    </p:anim>
+                                    <p:anim calcmode="lin" valueType="num">
+                                      <p:cBhvr>
+                                        <p:cTn id="100" dur="664" tmFilter="0, 0; 0.125,0.2665; 0.25,0.4; 0.375,0.465; 0.5,0.5;  0.625,0.535; 0.75,0.6; 0.875,0.7335; 1,1">
+                                          <p:stCondLst>
+                                            <p:cond delay="664"/>
+                                          </p:stCondLst>
+                                        </p:cTn>
+                                        <p:tgtEl>
+                                          <p:spTgt spid="14"/>
+                                        </p:tgtEl>
+                                        <p:attrNameLst>
+                                          <p:attrName>ppt_y</p:attrName>
+                                        </p:attrNameLst>
+                                      </p:cBhvr>
+                                      <p:tavLst>
+                                        <p:tav tm="0" fmla="#ppt_y-sin(pi*$)/9">
+                                          <p:val>
+                                            <p:fltVal val="0"/>
+                                          </p:val>
+                                        </p:tav>
+                                        <p:tav tm="100000">
+                                          <p:val>
+                                            <p:fltVal val="1"/>
+                                          </p:val>
+                                        </p:tav>
+                                      </p:tavLst>
+                                    </p:anim>
+                                    <p:anim calcmode="lin" valueType="num">
+                                      <p:cBhvr>
+                                        <p:cTn id="101" dur="332" tmFilter="0, 0; 0.125,0.2665; 0.25,0.4; 0.375,0.465; 0.5,0.5;  0.625,0.535; 0.75,0.6; 0.875,0.7335; 1,1">
+                                          <p:stCondLst>
+                                            <p:cond delay="1324"/>
+                                          </p:stCondLst>
+                                        </p:cTn>
+                                        <p:tgtEl>
+                                          <p:spTgt spid="14"/>
+                                        </p:tgtEl>
+                                        <p:attrNameLst>
+                                          <p:attrName>ppt_y</p:attrName>
+                                        </p:attrNameLst>
+                                      </p:cBhvr>
+                                      <p:tavLst>
+                                        <p:tav tm="0" fmla="#ppt_y-sin(pi*$)/27">
+                                          <p:val>
+                                            <p:fltVal val="0"/>
+                                          </p:val>
+                                        </p:tav>
+                                        <p:tav tm="100000">
+                                          <p:val>
+                                            <p:fltVal val="1"/>
+                                          </p:val>
+                                        </p:tav>
+                                      </p:tavLst>
+                                    </p:anim>
+                                    <p:anim calcmode="lin" valueType="num">
+                                      <p:cBhvr>
+                                        <p:cTn id="102" dur="164" tmFilter="0, 0; 0.125,0.2665; 0.25,0.4; 0.375,0.465; 0.5,0.5;  0.625,0.535; 0.75,0.6; 0.875,0.7335; 1,1">
+                                          <p:stCondLst>
+                                            <p:cond delay="1656"/>
+                                          </p:stCondLst>
+                                        </p:cTn>
+                                        <p:tgtEl>
+                                          <p:spTgt spid="14"/>
+                                        </p:tgtEl>
+                                        <p:attrNameLst>
+                                          <p:attrName>ppt_y</p:attrName>
+                                        </p:attrNameLst>
+                                      </p:cBhvr>
+                                      <p:tavLst>
+                                        <p:tav tm="0" fmla="#ppt_y-sin(pi*$)/81">
+                                          <p:val>
+                                            <p:fltVal val="0"/>
+                                          </p:val>
+                                        </p:tav>
+                                        <p:tav tm="100000">
+                                          <p:val>
+                                            <p:fltVal val="1"/>
+                                          </p:val>
+                                        </p:tav>
+                                      </p:tavLst>
+                                    </p:anim>
+                                    <p:animScale>
+                                      <p:cBhvr>
+                                        <p:cTn id="103" dur="26">
+                                          <p:stCondLst>
+                                            <p:cond delay="650"/>
+                                          </p:stCondLst>
+                                        </p:cTn>
+                                        <p:tgtEl>
+                                          <p:spTgt spid="14"/>
+                                        </p:tgtEl>
+                                      </p:cBhvr>
+                                      <p:to x="100000" y="60000"/>
+                                    </p:animScale>
+                                    <p:animScale>
+                                      <p:cBhvr>
+                                        <p:cTn id="104" dur="166" decel="50000">
+                                          <p:stCondLst>
+                                            <p:cond delay="676"/>
+                                          </p:stCondLst>
+                                        </p:cTn>
+                                        <p:tgtEl>
+                                          <p:spTgt spid="14"/>
+                                        </p:tgtEl>
+                                      </p:cBhvr>
+                                      <p:to x="100000" y="100000"/>
+                                    </p:animScale>
+                                    <p:animScale>
+                                      <p:cBhvr>
+                                        <p:cTn id="105" dur="26">
+                                          <p:stCondLst>
+                                            <p:cond delay="1312"/>
+                                          </p:stCondLst>
+                                        </p:cTn>
+                                        <p:tgtEl>
+                                          <p:spTgt spid="14"/>
+                                        </p:tgtEl>
+                                      </p:cBhvr>
+                                      <p:to x="100000" y="80000"/>
+                                    </p:animScale>
+                                    <p:animScale>
+                                      <p:cBhvr>
+                                        <p:cTn id="106" dur="166" decel="50000">
+                                          <p:stCondLst>
+                                            <p:cond delay="1338"/>
+                                          </p:stCondLst>
+                                        </p:cTn>
+                                        <p:tgtEl>
+                                          <p:spTgt spid="14"/>
+                                        </p:tgtEl>
+                                      </p:cBhvr>
+                                      <p:to x="100000" y="100000"/>
+                                    </p:animScale>
+                                    <p:animScale>
+                                      <p:cBhvr>
+                                        <p:cTn id="107" dur="26">
+                                          <p:stCondLst>
+                                            <p:cond delay="1642"/>
+                                          </p:stCondLst>
+                                        </p:cTn>
+                                        <p:tgtEl>
+                                          <p:spTgt spid="14"/>
+                                        </p:tgtEl>
+                                      </p:cBhvr>
+                                      <p:to x="100000" y="90000"/>
+                                    </p:animScale>
+                                    <p:animScale>
+                                      <p:cBhvr>
+                                        <p:cTn id="108" dur="166" decel="50000">
+                                          <p:stCondLst>
+                                            <p:cond delay="1668"/>
+                                          </p:stCondLst>
+                                        </p:cTn>
+                                        <p:tgtEl>
+                                          <p:spTgt spid="14"/>
+                                        </p:tgtEl>
+                                      </p:cBhvr>
+                                      <p:to x="100000" y="100000"/>
+                                    </p:animScale>
+                                    <p:animScale>
+                                      <p:cBhvr>
+                                        <p:cTn id="109" dur="26">
+                                          <p:stCondLst>
+                                            <p:cond delay="1808"/>
+                                          </p:stCondLst>
+                                        </p:cTn>
+                                        <p:tgtEl>
+                                          <p:spTgt spid="14"/>
+                                        </p:tgtEl>
+                                      </p:cBhvr>
+                                      <p:to x="100000" y="95000"/>
+                                    </p:animScale>
+                                    <p:animScale>
+                                      <p:cBhvr>
+                                        <p:cTn id="110" dur="166" decel="50000">
+                                          <p:stCondLst>
+                                            <p:cond delay="1834"/>
+                                          </p:stCondLst>
+                                        </p:cTn>
+                                        <p:tgtEl>
+                                          <p:spTgt spid="14"/>
+                                        </p:tgtEl>
+                                      </p:cBhvr>
+                                      <p:to x="100000" y="100000"/>
+                                    </p:animScale>
+                                  </p:childTnLst>
+                                </p:cTn>
+                              </p:par>
+                            </p:childTnLst>
+                          </p:cTn>
+                        </p:par>
+                      </p:childTnLst>
+                    </p:cTn>
+                  </p:par>
+                </p:childTnLst>
+              </p:cTn>
+              <p:prevCondLst>
+                <p:cond evt="onPrev" delay="0">
+                  <p:tgtEl>
+                    <p:sldTgt/>
+                  </p:tgtEl>
+                </p:cond>
+              </p:prevCondLst>
+              <p:nextCondLst>
+                <p:cond evt="onNext" delay="0">
+                  <p:tgtEl>
+                    <p:sldTgt/>
+                  </p:tgtEl>
+                </p:cond>
+              </p:nextCondLst>
+            </p:seq>
+          </p:childTnLst>
+        </p:cTn>
+      </p:par>
+    </p:tnLst>
+  </p:timing>
 </p:sld>
 </file>
 

--- a/Határidőnapló.pptx
+++ b/Határidőnapló.pptx
@@ -10502,13 +10502,13 @@
   <p:clrMapOvr>
     <a:masterClrMapping/>
   </p:clrMapOvr>
-  <mc:AlternateContent xmlns:mc="http://schemas.openxmlformats.org/markup-compatibility/2006">
-    <mc:Choice xmlns:p15="http://schemas.microsoft.com/office/powerpoint/2012/main" Requires="p15">
+  <mc:AlternateContent xmlns:mc="http://schemas.openxmlformats.org/markup-compatibility/2006" xmlns:p15="http://schemas.microsoft.com/office/powerpoint/2012/main">
+    <mc:Choice Requires="p15">
       <p:transition xmlns:p14="http://schemas.microsoft.com/office/powerpoint/2010/main" spd="slow" p14:dur="6000">
         <p15:prstTrans prst="curtains"/>
       </p:transition>
     </mc:Choice>
-    <mc:Fallback>
+    <mc:Fallback xmlns="">
       <p:transition spd="slow">
         <p:fade/>
       </p:transition>
@@ -11691,13 +11691,13 @@
   <p:clrMapOvr>
     <a:masterClrMapping/>
   </p:clrMapOvr>
-  <mc:AlternateContent xmlns:mc="http://schemas.openxmlformats.org/markup-compatibility/2006">
-    <mc:Choice xmlns:p15="http://schemas.microsoft.com/office/powerpoint/2012/main" Requires="p15">
+  <mc:AlternateContent xmlns:mc="http://schemas.openxmlformats.org/markup-compatibility/2006" xmlns:p15="http://schemas.microsoft.com/office/powerpoint/2012/main">
+    <mc:Choice Requires="p15">
       <p:transition xmlns:p14="http://schemas.microsoft.com/office/powerpoint/2010/main" spd="slow" p14:dur="2000">
         <p15:prstTrans prst="fracture"/>
       </p:transition>
     </mc:Choice>
-    <mc:Fallback>
+    <mc:Fallback xmlns="">
       <p:transition spd="slow">
         <p:fade/>
       </p:transition>
@@ -12683,13 +12683,13 @@
   <p:clrMapOvr>
     <a:masterClrMapping/>
   </p:clrMapOvr>
-  <mc:AlternateContent xmlns:mc="http://schemas.openxmlformats.org/markup-compatibility/2006">
-    <mc:Choice xmlns:p15="http://schemas.microsoft.com/office/powerpoint/2012/main" Requires="p15">
+  <mc:AlternateContent xmlns:mc="http://schemas.openxmlformats.org/markup-compatibility/2006" xmlns:p15="http://schemas.microsoft.com/office/powerpoint/2012/main">
+    <mc:Choice Requires="p15">
       <p:transition xmlns:p14="http://schemas.microsoft.com/office/powerpoint/2010/main" spd="slow" p14:dur="1250">
         <p15:prstTrans prst="pageCurlDouble"/>
       </p:transition>
     </mc:Choice>
-    <mc:Fallback>
+    <mc:Fallback xmlns="">
       <p:transition spd="slow">
         <p:fade/>
       </p:transition>
@@ -15374,7 +15374,7 @@
         </p:blipFill>
         <p:spPr>
           <a:xfrm>
-            <a:off x="5525393" y="255323"/>
+            <a:off x="5525393" y="228690"/>
             <a:ext cx="3610479" cy="1905266"/>
           </a:xfrm>
           <a:prstGeom prst="rect">
@@ -15542,13 +15542,13 @@
   <p:clrMapOvr>
     <a:masterClrMapping/>
   </p:clrMapOvr>
-  <mc:AlternateContent xmlns:mc="http://schemas.openxmlformats.org/markup-compatibility/2006">
-    <mc:Choice xmlns:p14="http://schemas.microsoft.com/office/powerpoint/2010/main" Requires="p14">
+  <mc:AlternateContent xmlns:mc="http://schemas.openxmlformats.org/markup-compatibility/2006" xmlns:p14="http://schemas.microsoft.com/office/powerpoint/2010/main">
+    <mc:Choice Requires="p14">
       <p:transition spd="slow" p14:dur="800">
         <p14:flythrough/>
       </p:transition>
     </mc:Choice>
-    <mc:Fallback>
+    <mc:Fallback xmlns="">
       <p:transition spd="slow">
         <p:fade/>
       </p:transition>
@@ -15575,7 +15575,7 @@
                             </p:stCondLst>
                             <p:childTnLst>
                               <p:par>
-                                <p:cTn id="5" presetID="26" presetClass="entr" presetSubtype="0" fill="hold" nodeType="clickEffect">
+                                <p:cTn id="5" presetID="26" presetClass="entr" presetSubtype="0" fill="hold" grpId="0" nodeType="clickEffect">
                                   <p:stCondLst>
                                     <p:cond delay="0"/>
                                   </p:stCondLst>
@@ -15931,7 +15931,7 @@
                             </p:stCondLst>
                             <p:childTnLst>
                               <p:par>
-                                <p:cTn id="23" presetID="26" presetClass="entr" presetSubtype="0" fill="hold" nodeType="clickEffect">
+                                <p:cTn id="23" presetID="26" presetClass="entr" presetSubtype="0" fill="hold" grpId="0" nodeType="clickEffect">
                                   <p:stCondLst>
                                     <p:cond delay="0"/>
                                   </p:stCondLst>
@@ -15944,7 +15944,11 @@
                                           </p:stCondLst>
                                         </p:cTn>
                                         <p:tgtEl>
-                                          <p:spTgt spid="2"/>
+                                          <p:spTgt spid="8">
+                                            <p:txEl>
+                                              <p:pRg st="1" end="1"/>
+                                            </p:txEl>
+                                          </p:spTgt>
                                         </p:tgtEl>
                                         <p:attrNameLst>
                                           <p:attrName>style.visibility</p:attrName>
@@ -15962,7 +15966,11 @@
                                           </p:stCondLst>
                                         </p:cTn>
                                         <p:tgtEl>
-                                          <p:spTgt spid="2"/>
+                                          <p:spTgt spid="8">
+                                            <p:txEl>
+                                              <p:pRg st="1" end="1"/>
+                                            </p:txEl>
+                                          </p:spTgt>
                                         </p:tgtEl>
                                       </p:cBhvr>
                                     </p:animEffect>
@@ -15974,7 +15982,11 @@
                                           </p:stCondLst>
                                         </p:cTn>
                                         <p:tgtEl>
-                                          <p:spTgt spid="2"/>
+                                          <p:spTgt spid="8">
+                                            <p:txEl>
+                                              <p:pRg st="1" end="1"/>
+                                            </p:txEl>
+                                          </p:spTgt>
                                         </p:tgtEl>
                                         <p:attrNameLst>
                                           <p:attrName>ppt_x</p:attrName>
@@ -16001,7 +16013,11 @@
                                           </p:stCondLst>
                                         </p:cTn>
                                         <p:tgtEl>
-                                          <p:spTgt spid="2"/>
+                                          <p:spTgt spid="8">
+                                            <p:txEl>
+                                              <p:pRg st="1" end="1"/>
+                                            </p:txEl>
+                                          </p:spTgt>
                                         </p:tgtEl>
                                         <p:attrNameLst>
                                           <p:attrName>ppt_y</p:attrName>
@@ -16028,7 +16044,11 @@
                                           </p:stCondLst>
                                         </p:cTn>
                                         <p:tgtEl>
-                                          <p:spTgt spid="2"/>
+                                          <p:spTgt spid="8">
+                                            <p:txEl>
+                                              <p:pRg st="1" end="1"/>
+                                            </p:txEl>
+                                          </p:spTgt>
                                         </p:tgtEl>
                                         <p:attrNameLst>
                                           <p:attrName>ppt_y</p:attrName>
@@ -16055,7 +16075,11 @@
                                           </p:stCondLst>
                                         </p:cTn>
                                         <p:tgtEl>
-                                          <p:spTgt spid="2"/>
+                                          <p:spTgt spid="8">
+                                            <p:txEl>
+                                              <p:pRg st="1" end="1"/>
+                                            </p:txEl>
+                                          </p:spTgt>
                                         </p:tgtEl>
                                         <p:attrNameLst>
                                           <p:attrName>ppt_y</p:attrName>
@@ -16082,7 +16106,11 @@
                                           </p:stCondLst>
                                         </p:cTn>
                                         <p:tgtEl>
-                                          <p:spTgt spid="2"/>
+                                          <p:spTgt spid="8">
+                                            <p:txEl>
+                                              <p:pRg st="1" end="1"/>
+                                            </p:txEl>
+                                          </p:spTgt>
                                         </p:tgtEl>
                                         <p:attrNameLst>
                                           <p:attrName>ppt_y</p:attrName>
@@ -16109,7 +16137,11 @@
                                           </p:stCondLst>
                                         </p:cTn>
                                         <p:tgtEl>
-                                          <p:spTgt spid="2"/>
+                                          <p:spTgt spid="8">
+                                            <p:txEl>
+                                              <p:pRg st="1" end="1"/>
+                                            </p:txEl>
+                                          </p:spTgt>
                                         </p:tgtEl>
                                       </p:cBhvr>
                                       <p:to x="100000" y="60000"/>
@@ -16122,7 +16154,11 @@
                                           </p:stCondLst>
                                         </p:cTn>
                                         <p:tgtEl>
-                                          <p:spTgt spid="2"/>
+                                          <p:spTgt spid="8">
+                                            <p:txEl>
+                                              <p:pRg st="1" end="1"/>
+                                            </p:txEl>
+                                          </p:spTgt>
                                         </p:tgtEl>
                                       </p:cBhvr>
                                       <p:to x="100000" y="100000"/>
@@ -16135,7 +16171,11 @@
                                           </p:stCondLst>
                                         </p:cTn>
                                         <p:tgtEl>
-                                          <p:spTgt spid="2"/>
+                                          <p:spTgt spid="8">
+                                            <p:txEl>
+                                              <p:pRg st="1" end="1"/>
+                                            </p:txEl>
+                                          </p:spTgt>
                                         </p:tgtEl>
                                       </p:cBhvr>
                                       <p:to x="100000" y="80000"/>
@@ -16148,7 +16188,11 @@
                                           </p:stCondLst>
                                         </p:cTn>
                                         <p:tgtEl>
-                                          <p:spTgt spid="2"/>
+                                          <p:spTgt spid="8">
+                                            <p:txEl>
+                                              <p:pRg st="1" end="1"/>
+                                            </p:txEl>
+                                          </p:spTgt>
                                         </p:tgtEl>
                                       </p:cBhvr>
                                       <p:to x="100000" y="100000"/>
@@ -16161,7 +16205,11 @@
                                           </p:stCondLst>
                                         </p:cTn>
                                         <p:tgtEl>
-                                          <p:spTgt spid="2"/>
+                                          <p:spTgt spid="8">
+                                            <p:txEl>
+                                              <p:pRg st="1" end="1"/>
+                                            </p:txEl>
+                                          </p:spTgt>
                                         </p:tgtEl>
                                       </p:cBhvr>
                                       <p:to x="100000" y="90000"/>
@@ -16174,7 +16222,11 @@
                                           </p:stCondLst>
                                         </p:cTn>
                                         <p:tgtEl>
-                                          <p:spTgt spid="2"/>
+                                          <p:spTgt spid="8">
+                                            <p:txEl>
+                                              <p:pRg st="1" end="1"/>
+                                            </p:txEl>
+                                          </p:spTgt>
                                         </p:tgtEl>
                                       </p:cBhvr>
                                       <p:to x="100000" y="100000"/>
@@ -16187,7 +16239,11 @@
                                           </p:stCondLst>
                                         </p:cTn>
                                         <p:tgtEl>
-                                          <p:spTgt spid="2"/>
+                                          <p:spTgt spid="8">
+                                            <p:txEl>
+                                              <p:pRg st="1" end="1"/>
+                                            </p:txEl>
+                                          </p:spTgt>
                                         </p:tgtEl>
                                       </p:cBhvr>
                                       <p:to x="100000" y="95000"/>
@@ -16200,7 +16256,11 @@
                                           </p:stCondLst>
                                         </p:cTn>
                                         <p:tgtEl>
-                                          <p:spTgt spid="2"/>
+                                          <p:spTgt spid="8">
+                                            <p:txEl>
+                                              <p:pRg st="1" end="1"/>
+                                            </p:txEl>
+                                          </p:spTgt>
                                         </p:tgtEl>
                                       </p:cBhvr>
                                       <p:to x="100000" y="100000"/>
@@ -16227,7 +16287,7 @@
                             </p:stCondLst>
                             <p:childTnLst>
                               <p:par>
-                                <p:cTn id="41" presetID="26" presetClass="entr" presetSubtype="0" fill="hold" nodeType="clickEffect">
+                                <p:cTn id="41" presetID="26" presetClass="entr" presetSubtype="0" fill="hold" grpId="0" nodeType="clickEffect">
                                   <p:stCondLst>
                                     <p:cond delay="0"/>
                                   </p:stCondLst>
@@ -16240,7 +16300,11 @@
                                           </p:stCondLst>
                                         </p:cTn>
                                         <p:tgtEl>
-                                          <p:spTgt spid="3"/>
+                                          <p:spTgt spid="8">
+                                            <p:txEl>
+                                              <p:pRg st="2" end="2"/>
+                                            </p:txEl>
+                                          </p:spTgt>
                                         </p:tgtEl>
                                         <p:attrNameLst>
                                           <p:attrName>style.visibility</p:attrName>
@@ -16258,7 +16322,11 @@
                                           </p:stCondLst>
                                         </p:cTn>
                                         <p:tgtEl>
-                                          <p:spTgt spid="3"/>
+                                          <p:spTgt spid="8">
+                                            <p:txEl>
+                                              <p:pRg st="2" end="2"/>
+                                            </p:txEl>
+                                          </p:spTgt>
                                         </p:tgtEl>
                                       </p:cBhvr>
                                     </p:animEffect>
@@ -16270,7 +16338,11 @@
                                           </p:stCondLst>
                                         </p:cTn>
                                         <p:tgtEl>
-                                          <p:spTgt spid="3"/>
+                                          <p:spTgt spid="8">
+                                            <p:txEl>
+                                              <p:pRg st="2" end="2"/>
+                                            </p:txEl>
+                                          </p:spTgt>
                                         </p:tgtEl>
                                         <p:attrNameLst>
                                           <p:attrName>ppt_x</p:attrName>
@@ -16297,7 +16369,11 @@
                                           </p:stCondLst>
                                         </p:cTn>
                                         <p:tgtEl>
-                                          <p:spTgt spid="3"/>
+                                          <p:spTgt spid="8">
+                                            <p:txEl>
+                                              <p:pRg st="2" end="2"/>
+                                            </p:txEl>
+                                          </p:spTgt>
                                         </p:tgtEl>
                                         <p:attrNameLst>
                                           <p:attrName>ppt_y</p:attrName>
@@ -16324,7 +16400,11 @@
                                           </p:stCondLst>
                                         </p:cTn>
                                         <p:tgtEl>
-                                          <p:spTgt spid="3"/>
+                                          <p:spTgt spid="8">
+                                            <p:txEl>
+                                              <p:pRg st="2" end="2"/>
+                                            </p:txEl>
+                                          </p:spTgt>
                                         </p:tgtEl>
                                         <p:attrNameLst>
                                           <p:attrName>ppt_y</p:attrName>
@@ -16351,7 +16431,11 @@
                                           </p:stCondLst>
                                         </p:cTn>
                                         <p:tgtEl>
-                                          <p:spTgt spid="3"/>
+                                          <p:spTgt spid="8">
+                                            <p:txEl>
+                                              <p:pRg st="2" end="2"/>
+                                            </p:txEl>
+                                          </p:spTgt>
                                         </p:tgtEl>
                                         <p:attrNameLst>
                                           <p:attrName>ppt_y</p:attrName>
@@ -16378,7 +16462,11 @@
                                           </p:stCondLst>
                                         </p:cTn>
                                         <p:tgtEl>
-                                          <p:spTgt spid="3"/>
+                                          <p:spTgt spid="8">
+                                            <p:txEl>
+                                              <p:pRg st="2" end="2"/>
+                                            </p:txEl>
+                                          </p:spTgt>
                                         </p:tgtEl>
                                         <p:attrNameLst>
                                           <p:attrName>ppt_y</p:attrName>
@@ -16405,7 +16493,11 @@
                                           </p:stCondLst>
                                         </p:cTn>
                                         <p:tgtEl>
-                                          <p:spTgt spid="3"/>
+                                          <p:spTgt spid="8">
+                                            <p:txEl>
+                                              <p:pRg st="2" end="2"/>
+                                            </p:txEl>
+                                          </p:spTgt>
                                         </p:tgtEl>
                                       </p:cBhvr>
                                       <p:to x="100000" y="60000"/>
@@ -16418,7 +16510,11 @@
                                           </p:stCondLst>
                                         </p:cTn>
                                         <p:tgtEl>
-                                          <p:spTgt spid="3"/>
+                                          <p:spTgt spid="8">
+                                            <p:txEl>
+                                              <p:pRg st="2" end="2"/>
+                                            </p:txEl>
+                                          </p:spTgt>
                                         </p:tgtEl>
                                       </p:cBhvr>
                                       <p:to x="100000" y="100000"/>
@@ -16431,7 +16527,11 @@
                                           </p:stCondLst>
                                         </p:cTn>
                                         <p:tgtEl>
-                                          <p:spTgt spid="3"/>
+                                          <p:spTgt spid="8">
+                                            <p:txEl>
+                                              <p:pRg st="2" end="2"/>
+                                            </p:txEl>
+                                          </p:spTgt>
                                         </p:tgtEl>
                                       </p:cBhvr>
                                       <p:to x="100000" y="80000"/>
@@ -16444,7 +16544,11 @@
                                           </p:stCondLst>
                                         </p:cTn>
                                         <p:tgtEl>
-                                          <p:spTgt spid="3"/>
+                                          <p:spTgt spid="8">
+                                            <p:txEl>
+                                              <p:pRg st="2" end="2"/>
+                                            </p:txEl>
+                                          </p:spTgt>
                                         </p:tgtEl>
                                       </p:cBhvr>
                                       <p:to x="100000" y="100000"/>
@@ -16457,7 +16561,11 @@
                                           </p:stCondLst>
                                         </p:cTn>
                                         <p:tgtEl>
-                                          <p:spTgt spid="3"/>
+                                          <p:spTgt spid="8">
+                                            <p:txEl>
+                                              <p:pRg st="2" end="2"/>
+                                            </p:txEl>
+                                          </p:spTgt>
                                         </p:tgtEl>
                                       </p:cBhvr>
                                       <p:to x="100000" y="90000"/>
@@ -16470,7 +16578,11 @@
                                           </p:stCondLst>
                                         </p:cTn>
                                         <p:tgtEl>
-                                          <p:spTgt spid="3"/>
+                                          <p:spTgt spid="8">
+                                            <p:txEl>
+                                              <p:pRg st="2" end="2"/>
+                                            </p:txEl>
+                                          </p:spTgt>
                                         </p:tgtEl>
                                       </p:cBhvr>
                                       <p:to x="100000" y="100000"/>
@@ -16483,7 +16595,11 @@
                                           </p:stCondLst>
                                         </p:cTn>
                                         <p:tgtEl>
-                                          <p:spTgt spid="3"/>
+                                          <p:spTgt spid="8">
+                                            <p:txEl>
+                                              <p:pRg st="2" end="2"/>
+                                            </p:txEl>
+                                          </p:spTgt>
                                         </p:tgtEl>
                                       </p:cBhvr>
                                       <p:to x="100000" y="95000"/>
@@ -16496,7 +16612,1363 @@
                                           </p:stCondLst>
                                         </p:cTn>
                                         <p:tgtEl>
-                                          <p:spTgt spid="3"/>
+                                          <p:spTgt spid="8">
+                                            <p:txEl>
+                                              <p:pRg st="2" end="2"/>
+                                            </p:txEl>
+                                          </p:spTgt>
+                                        </p:tgtEl>
+                                      </p:cBhvr>
+                                      <p:to x="100000" y="100000"/>
+                                    </p:animScale>
+                                  </p:childTnLst>
+                                </p:cTn>
+                              </p:par>
+                              <p:par>
+                                <p:cTn id="57" presetID="26" presetClass="entr" presetSubtype="0" fill="hold" grpId="0" nodeType="withEffect">
+                                  <p:stCondLst>
+                                    <p:cond delay="0"/>
+                                  </p:stCondLst>
+                                  <p:childTnLst>
+                                    <p:set>
+                                      <p:cBhvr>
+                                        <p:cTn id="58" dur="1" fill="hold">
+                                          <p:stCondLst>
+                                            <p:cond delay="0"/>
+                                          </p:stCondLst>
+                                        </p:cTn>
+                                        <p:tgtEl>
+                                          <p:spTgt spid="8">
+                                            <p:txEl>
+                                              <p:pRg st="3" end="3"/>
+                                            </p:txEl>
+                                          </p:spTgt>
+                                        </p:tgtEl>
+                                        <p:attrNameLst>
+                                          <p:attrName>style.visibility</p:attrName>
+                                        </p:attrNameLst>
+                                      </p:cBhvr>
+                                      <p:to>
+                                        <p:strVal val="visible"/>
+                                      </p:to>
+                                    </p:set>
+                                    <p:animEffect transition="in" filter="wipe(down)">
+                                      <p:cBhvr>
+                                        <p:cTn id="59" dur="580">
+                                          <p:stCondLst>
+                                            <p:cond delay="0"/>
+                                          </p:stCondLst>
+                                        </p:cTn>
+                                        <p:tgtEl>
+                                          <p:spTgt spid="8">
+                                            <p:txEl>
+                                              <p:pRg st="3" end="3"/>
+                                            </p:txEl>
+                                          </p:spTgt>
+                                        </p:tgtEl>
+                                      </p:cBhvr>
+                                    </p:animEffect>
+                                    <p:anim calcmode="lin" valueType="num">
+                                      <p:cBhvr>
+                                        <p:cTn id="60" dur="1822" tmFilter="0,0; 0.14,0.36; 0.43,0.73; 0.71,0.91; 1.0,1.0">
+                                          <p:stCondLst>
+                                            <p:cond delay="0"/>
+                                          </p:stCondLst>
+                                        </p:cTn>
+                                        <p:tgtEl>
+                                          <p:spTgt spid="8">
+                                            <p:txEl>
+                                              <p:pRg st="3" end="3"/>
+                                            </p:txEl>
+                                          </p:spTgt>
+                                        </p:tgtEl>
+                                        <p:attrNameLst>
+                                          <p:attrName>ppt_x</p:attrName>
+                                        </p:attrNameLst>
+                                      </p:cBhvr>
+                                      <p:tavLst>
+                                        <p:tav tm="0">
+                                          <p:val>
+                                            <p:strVal val="#ppt_x-0.25"/>
+                                          </p:val>
+                                        </p:tav>
+                                        <p:tav tm="100000">
+                                          <p:val>
+                                            <p:strVal val="#ppt_x"/>
+                                          </p:val>
+                                        </p:tav>
+                                      </p:tavLst>
+                                    </p:anim>
+                                    <p:anim calcmode="lin" valueType="num">
+                                      <p:cBhvr>
+                                        <p:cTn id="61" dur="664" tmFilter="0.0,0.0; 0.25,0.07; 0.50,0.2; 0.75,0.467; 1.0,1.0">
+                                          <p:stCondLst>
+                                            <p:cond delay="0"/>
+                                          </p:stCondLst>
+                                        </p:cTn>
+                                        <p:tgtEl>
+                                          <p:spTgt spid="8">
+                                            <p:txEl>
+                                              <p:pRg st="3" end="3"/>
+                                            </p:txEl>
+                                          </p:spTgt>
+                                        </p:tgtEl>
+                                        <p:attrNameLst>
+                                          <p:attrName>ppt_y</p:attrName>
+                                        </p:attrNameLst>
+                                      </p:cBhvr>
+                                      <p:tavLst>
+                                        <p:tav tm="0" fmla="#ppt_y-sin(pi*$)/3">
+                                          <p:val>
+                                            <p:fltVal val="0.5"/>
+                                          </p:val>
+                                        </p:tav>
+                                        <p:tav tm="100000">
+                                          <p:val>
+                                            <p:fltVal val="1"/>
+                                          </p:val>
+                                        </p:tav>
+                                      </p:tavLst>
+                                    </p:anim>
+                                    <p:anim calcmode="lin" valueType="num">
+                                      <p:cBhvr>
+                                        <p:cTn id="62" dur="664" tmFilter="0, 0; 0.125,0.2665; 0.25,0.4; 0.375,0.465; 0.5,0.5;  0.625,0.535; 0.75,0.6; 0.875,0.7335; 1,1">
+                                          <p:stCondLst>
+                                            <p:cond delay="664"/>
+                                          </p:stCondLst>
+                                        </p:cTn>
+                                        <p:tgtEl>
+                                          <p:spTgt spid="8">
+                                            <p:txEl>
+                                              <p:pRg st="3" end="3"/>
+                                            </p:txEl>
+                                          </p:spTgt>
+                                        </p:tgtEl>
+                                        <p:attrNameLst>
+                                          <p:attrName>ppt_y</p:attrName>
+                                        </p:attrNameLst>
+                                      </p:cBhvr>
+                                      <p:tavLst>
+                                        <p:tav tm="0" fmla="#ppt_y-sin(pi*$)/9">
+                                          <p:val>
+                                            <p:fltVal val="0"/>
+                                          </p:val>
+                                        </p:tav>
+                                        <p:tav tm="100000">
+                                          <p:val>
+                                            <p:fltVal val="1"/>
+                                          </p:val>
+                                        </p:tav>
+                                      </p:tavLst>
+                                    </p:anim>
+                                    <p:anim calcmode="lin" valueType="num">
+                                      <p:cBhvr>
+                                        <p:cTn id="63" dur="332" tmFilter="0, 0; 0.125,0.2665; 0.25,0.4; 0.375,0.465; 0.5,0.5;  0.625,0.535; 0.75,0.6; 0.875,0.7335; 1,1">
+                                          <p:stCondLst>
+                                            <p:cond delay="1324"/>
+                                          </p:stCondLst>
+                                        </p:cTn>
+                                        <p:tgtEl>
+                                          <p:spTgt spid="8">
+                                            <p:txEl>
+                                              <p:pRg st="3" end="3"/>
+                                            </p:txEl>
+                                          </p:spTgt>
+                                        </p:tgtEl>
+                                        <p:attrNameLst>
+                                          <p:attrName>ppt_y</p:attrName>
+                                        </p:attrNameLst>
+                                      </p:cBhvr>
+                                      <p:tavLst>
+                                        <p:tav tm="0" fmla="#ppt_y-sin(pi*$)/27">
+                                          <p:val>
+                                            <p:fltVal val="0"/>
+                                          </p:val>
+                                        </p:tav>
+                                        <p:tav tm="100000">
+                                          <p:val>
+                                            <p:fltVal val="1"/>
+                                          </p:val>
+                                        </p:tav>
+                                      </p:tavLst>
+                                    </p:anim>
+                                    <p:anim calcmode="lin" valueType="num">
+                                      <p:cBhvr>
+                                        <p:cTn id="64" dur="164" tmFilter="0, 0; 0.125,0.2665; 0.25,0.4; 0.375,0.465; 0.5,0.5;  0.625,0.535; 0.75,0.6; 0.875,0.7335; 1,1">
+                                          <p:stCondLst>
+                                            <p:cond delay="1656"/>
+                                          </p:stCondLst>
+                                        </p:cTn>
+                                        <p:tgtEl>
+                                          <p:spTgt spid="8">
+                                            <p:txEl>
+                                              <p:pRg st="3" end="3"/>
+                                            </p:txEl>
+                                          </p:spTgt>
+                                        </p:tgtEl>
+                                        <p:attrNameLst>
+                                          <p:attrName>ppt_y</p:attrName>
+                                        </p:attrNameLst>
+                                      </p:cBhvr>
+                                      <p:tavLst>
+                                        <p:tav tm="0" fmla="#ppt_y-sin(pi*$)/81">
+                                          <p:val>
+                                            <p:fltVal val="0"/>
+                                          </p:val>
+                                        </p:tav>
+                                        <p:tav tm="100000">
+                                          <p:val>
+                                            <p:fltVal val="1"/>
+                                          </p:val>
+                                        </p:tav>
+                                      </p:tavLst>
+                                    </p:anim>
+                                    <p:animScale>
+                                      <p:cBhvr>
+                                        <p:cTn id="65" dur="26">
+                                          <p:stCondLst>
+                                            <p:cond delay="650"/>
+                                          </p:stCondLst>
+                                        </p:cTn>
+                                        <p:tgtEl>
+                                          <p:spTgt spid="8">
+                                            <p:txEl>
+                                              <p:pRg st="3" end="3"/>
+                                            </p:txEl>
+                                          </p:spTgt>
+                                        </p:tgtEl>
+                                      </p:cBhvr>
+                                      <p:to x="100000" y="60000"/>
+                                    </p:animScale>
+                                    <p:animScale>
+                                      <p:cBhvr>
+                                        <p:cTn id="66" dur="166" decel="50000">
+                                          <p:stCondLst>
+                                            <p:cond delay="676"/>
+                                          </p:stCondLst>
+                                        </p:cTn>
+                                        <p:tgtEl>
+                                          <p:spTgt spid="8">
+                                            <p:txEl>
+                                              <p:pRg st="3" end="3"/>
+                                            </p:txEl>
+                                          </p:spTgt>
+                                        </p:tgtEl>
+                                      </p:cBhvr>
+                                      <p:to x="100000" y="100000"/>
+                                    </p:animScale>
+                                    <p:animScale>
+                                      <p:cBhvr>
+                                        <p:cTn id="67" dur="26">
+                                          <p:stCondLst>
+                                            <p:cond delay="1312"/>
+                                          </p:stCondLst>
+                                        </p:cTn>
+                                        <p:tgtEl>
+                                          <p:spTgt spid="8">
+                                            <p:txEl>
+                                              <p:pRg st="3" end="3"/>
+                                            </p:txEl>
+                                          </p:spTgt>
+                                        </p:tgtEl>
+                                      </p:cBhvr>
+                                      <p:to x="100000" y="80000"/>
+                                    </p:animScale>
+                                    <p:animScale>
+                                      <p:cBhvr>
+                                        <p:cTn id="68" dur="166" decel="50000">
+                                          <p:stCondLst>
+                                            <p:cond delay="1338"/>
+                                          </p:stCondLst>
+                                        </p:cTn>
+                                        <p:tgtEl>
+                                          <p:spTgt spid="8">
+                                            <p:txEl>
+                                              <p:pRg st="3" end="3"/>
+                                            </p:txEl>
+                                          </p:spTgt>
+                                        </p:tgtEl>
+                                      </p:cBhvr>
+                                      <p:to x="100000" y="100000"/>
+                                    </p:animScale>
+                                    <p:animScale>
+                                      <p:cBhvr>
+                                        <p:cTn id="69" dur="26">
+                                          <p:stCondLst>
+                                            <p:cond delay="1642"/>
+                                          </p:stCondLst>
+                                        </p:cTn>
+                                        <p:tgtEl>
+                                          <p:spTgt spid="8">
+                                            <p:txEl>
+                                              <p:pRg st="3" end="3"/>
+                                            </p:txEl>
+                                          </p:spTgt>
+                                        </p:tgtEl>
+                                      </p:cBhvr>
+                                      <p:to x="100000" y="90000"/>
+                                    </p:animScale>
+                                    <p:animScale>
+                                      <p:cBhvr>
+                                        <p:cTn id="70" dur="166" decel="50000">
+                                          <p:stCondLst>
+                                            <p:cond delay="1668"/>
+                                          </p:stCondLst>
+                                        </p:cTn>
+                                        <p:tgtEl>
+                                          <p:spTgt spid="8">
+                                            <p:txEl>
+                                              <p:pRg st="3" end="3"/>
+                                            </p:txEl>
+                                          </p:spTgt>
+                                        </p:tgtEl>
+                                      </p:cBhvr>
+                                      <p:to x="100000" y="100000"/>
+                                    </p:animScale>
+                                    <p:animScale>
+                                      <p:cBhvr>
+                                        <p:cTn id="71" dur="26">
+                                          <p:stCondLst>
+                                            <p:cond delay="1808"/>
+                                          </p:stCondLst>
+                                        </p:cTn>
+                                        <p:tgtEl>
+                                          <p:spTgt spid="8">
+                                            <p:txEl>
+                                              <p:pRg st="3" end="3"/>
+                                            </p:txEl>
+                                          </p:spTgt>
+                                        </p:tgtEl>
+                                      </p:cBhvr>
+                                      <p:to x="100000" y="95000"/>
+                                    </p:animScale>
+                                    <p:animScale>
+                                      <p:cBhvr>
+                                        <p:cTn id="72" dur="166" decel="50000">
+                                          <p:stCondLst>
+                                            <p:cond delay="1834"/>
+                                          </p:stCondLst>
+                                        </p:cTn>
+                                        <p:tgtEl>
+                                          <p:spTgt spid="8">
+                                            <p:txEl>
+                                              <p:pRg st="3" end="3"/>
+                                            </p:txEl>
+                                          </p:spTgt>
+                                        </p:tgtEl>
+                                      </p:cBhvr>
+                                      <p:to x="100000" y="100000"/>
+                                    </p:animScale>
+                                  </p:childTnLst>
+                                </p:cTn>
+                              </p:par>
+                              <p:par>
+                                <p:cTn id="73" presetID="26" presetClass="entr" presetSubtype="0" fill="hold" grpId="0" nodeType="withEffect">
+                                  <p:stCondLst>
+                                    <p:cond delay="0"/>
+                                  </p:stCondLst>
+                                  <p:childTnLst>
+                                    <p:set>
+                                      <p:cBhvr>
+                                        <p:cTn id="74" dur="1" fill="hold">
+                                          <p:stCondLst>
+                                            <p:cond delay="0"/>
+                                          </p:stCondLst>
+                                        </p:cTn>
+                                        <p:tgtEl>
+                                          <p:spTgt spid="8">
+                                            <p:txEl>
+                                              <p:pRg st="4" end="4"/>
+                                            </p:txEl>
+                                          </p:spTgt>
+                                        </p:tgtEl>
+                                        <p:attrNameLst>
+                                          <p:attrName>style.visibility</p:attrName>
+                                        </p:attrNameLst>
+                                      </p:cBhvr>
+                                      <p:to>
+                                        <p:strVal val="visible"/>
+                                      </p:to>
+                                    </p:set>
+                                    <p:animEffect transition="in" filter="wipe(down)">
+                                      <p:cBhvr>
+                                        <p:cTn id="75" dur="580">
+                                          <p:stCondLst>
+                                            <p:cond delay="0"/>
+                                          </p:stCondLst>
+                                        </p:cTn>
+                                        <p:tgtEl>
+                                          <p:spTgt spid="8">
+                                            <p:txEl>
+                                              <p:pRg st="4" end="4"/>
+                                            </p:txEl>
+                                          </p:spTgt>
+                                        </p:tgtEl>
+                                      </p:cBhvr>
+                                    </p:animEffect>
+                                    <p:anim calcmode="lin" valueType="num">
+                                      <p:cBhvr>
+                                        <p:cTn id="76" dur="1822" tmFilter="0,0; 0.14,0.36; 0.43,0.73; 0.71,0.91; 1.0,1.0">
+                                          <p:stCondLst>
+                                            <p:cond delay="0"/>
+                                          </p:stCondLst>
+                                        </p:cTn>
+                                        <p:tgtEl>
+                                          <p:spTgt spid="8">
+                                            <p:txEl>
+                                              <p:pRg st="4" end="4"/>
+                                            </p:txEl>
+                                          </p:spTgt>
+                                        </p:tgtEl>
+                                        <p:attrNameLst>
+                                          <p:attrName>ppt_x</p:attrName>
+                                        </p:attrNameLst>
+                                      </p:cBhvr>
+                                      <p:tavLst>
+                                        <p:tav tm="0">
+                                          <p:val>
+                                            <p:strVal val="#ppt_x-0.25"/>
+                                          </p:val>
+                                        </p:tav>
+                                        <p:tav tm="100000">
+                                          <p:val>
+                                            <p:strVal val="#ppt_x"/>
+                                          </p:val>
+                                        </p:tav>
+                                      </p:tavLst>
+                                    </p:anim>
+                                    <p:anim calcmode="lin" valueType="num">
+                                      <p:cBhvr>
+                                        <p:cTn id="77" dur="664" tmFilter="0.0,0.0; 0.25,0.07; 0.50,0.2; 0.75,0.467; 1.0,1.0">
+                                          <p:stCondLst>
+                                            <p:cond delay="0"/>
+                                          </p:stCondLst>
+                                        </p:cTn>
+                                        <p:tgtEl>
+                                          <p:spTgt spid="8">
+                                            <p:txEl>
+                                              <p:pRg st="4" end="4"/>
+                                            </p:txEl>
+                                          </p:spTgt>
+                                        </p:tgtEl>
+                                        <p:attrNameLst>
+                                          <p:attrName>ppt_y</p:attrName>
+                                        </p:attrNameLst>
+                                      </p:cBhvr>
+                                      <p:tavLst>
+                                        <p:tav tm="0" fmla="#ppt_y-sin(pi*$)/3">
+                                          <p:val>
+                                            <p:fltVal val="0.5"/>
+                                          </p:val>
+                                        </p:tav>
+                                        <p:tav tm="100000">
+                                          <p:val>
+                                            <p:fltVal val="1"/>
+                                          </p:val>
+                                        </p:tav>
+                                      </p:tavLst>
+                                    </p:anim>
+                                    <p:anim calcmode="lin" valueType="num">
+                                      <p:cBhvr>
+                                        <p:cTn id="78" dur="664" tmFilter="0, 0; 0.125,0.2665; 0.25,0.4; 0.375,0.465; 0.5,0.5;  0.625,0.535; 0.75,0.6; 0.875,0.7335; 1,1">
+                                          <p:stCondLst>
+                                            <p:cond delay="664"/>
+                                          </p:stCondLst>
+                                        </p:cTn>
+                                        <p:tgtEl>
+                                          <p:spTgt spid="8">
+                                            <p:txEl>
+                                              <p:pRg st="4" end="4"/>
+                                            </p:txEl>
+                                          </p:spTgt>
+                                        </p:tgtEl>
+                                        <p:attrNameLst>
+                                          <p:attrName>ppt_y</p:attrName>
+                                        </p:attrNameLst>
+                                      </p:cBhvr>
+                                      <p:tavLst>
+                                        <p:tav tm="0" fmla="#ppt_y-sin(pi*$)/9">
+                                          <p:val>
+                                            <p:fltVal val="0"/>
+                                          </p:val>
+                                        </p:tav>
+                                        <p:tav tm="100000">
+                                          <p:val>
+                                            <p:fltVal val="1"/>
+                                          </p:val>
+                                        </p:tav>
+                                      </p:tavLst>
+                                    </p:anim>
+                                    <p:anim calcmode="lin" valueType="num">
+                                      <p:cBhvr>
+                                        <p:cTn id="79" dur="332" tmFilter="0, 0; 0.125,0.2665; 0.25,0.4; 0.375,0.465; 0.5,0.5;  0.625,0.535; 0.75,0.6; 0.875,0.7335; 1,1">
+                                          <p:stCondLst>
+                                            <p:cond delay="1324"/>
+                                          </p:stCondLst>
+                                        </p:cTn>
+                                        <p:tgtEl>
+                                          <p:spTgt spid="8">
+                                            <p:txEl>
+                                              <p:pRg st="4" end="4"/>
+                                            </p:txEl>
+                                          </p:spTgt>
+                                        </p:tgtEl>
+                                        <p:attrNameLst>
+                                          <p:attrName>ppt_y</p:attrName>
+                                        </p:attrNameLst>
+                                      </p:cBhvr>
+                                      <p:tavLst>
+                                        <p:tav tm="0" fmla="#ppt_y-sin(pi*$)/27">
+                                          <p:val>
+                                            <p:fltVal val="0"/>
+                                          </p:val>
+                                        </p:tav>
+                                        <p:tav tm="100000">
+                                          <p:val>
+                                            <p:fltVal val="1"/>
+                                          </p:val>
+                                        </p:tav>
+                                      </p:tavLst>
+                                    </p:anim>
+                                    <p:anim calcmode="lin" valueType="num">
+                                      <p:cBhvr>
+                                        <p:cTn id="80" dur="164" tmFilter="0, 0; 0.125,0.2665; 0.25,0.4; 0.375,0.465; 0.5,0.5;  0.625,0.535; 0.75,0.6; 0.875,0.7335; 1,1">
+                                          <p:stCondLst>
+                                            <p:cond delay="1656"/>
+                                          </p:stCondLst>
+                                        </p:cTn>
+                                        <p:tgtEl>
+                                          <p:spTgt spid="8">
+                                            <p:txEl>
+                                              <p:pRg st="4" end="4"/>
+                                            </p:txEl>
+                                          </p:spTgt>
+                                        </p:tgtEl>
+                                        <p:attrNameLst>
+                                          <p:attrName>ppt_y</p:attrName>
+                                        </p:attrNameLst>
+                                      </p:cBhvr>
+                                      <p:tavLst>
+                                        <p:tav tm="0" fmla="#ppt_y-sin(pi*$)/81">
+                                          <p:val>
+                                            <p:fltVal val="0"/>
+                                          </p:val>
+                                        </p:tav>
+                                        <p:tav tm="100000">
+                                          <p:val>
+                                            <p:fltVal val="1"/>
+                                          </p:val>
+                                        </p:tav>
+                                      </p:tavLst>
+                                    </p:anim>
+                                    <p:animScale>
+                                      <p:cBhvr>
+                                        <p:cTn id="81" dur="26">
+                                          <p:stCondLst>
+                                            <p:cond delay="650"/>
+                                          </p:stCondLst>
+                                        </p:cTn>
+                                        <p:tgtEl>
+                                          <p:spTgt spid="8">
+                                            <p:txEl>
+                                              <p:pRg st="4" end="4"/>
+                                            </p:txEl>
+                                          </p:spTgt>
+                                        </p:tgtEl>
+                                      </p:cBhvr>
+                                      <p:to x="100000" y="60000"/>
+                                    </p:animScale>
+                                    <p:animScale>
+                                      <p:cBhvr>
+                                        <p:cTn id="82" dur="166" decel="50000">
+                                          <p:stCondLst>
+                                            <p:cond delay="676"/>
+                                          </p:stCondLst>
+                                        </p:cTn>
+                                        <p:tgtEl>
+                                          <p:spTgt spid="8">
+                                            <p:txEl>
+                                              <p:pRg st="4" end="4"/>
+                                            </p:txEl>
+                                          </p:spTgt>
+                                        </p:tgtEl>
+                                      </p:cBhvr>
+                                      <p:to x="100000" y="100000"/>
+                                    </p:animScale>
+                                    <p:animScale>
+                                      <p:cBhvr>
+                                        <p:cTn id="83" dur="26">
+                                          <p:stCondLst>
+                                            <p:cond delay="1312"/>
+                                          </p:stCondLst>
+                                        </p:cTn>
+                                        <p:tgtEl>
+                                          <p:spTgt spid="8">
+                                            <p:txEl>
+                                              <p:pRg st="4" end="4"/>
+                                            </p:txEl>
+                                          </p:spTgt>
+                                        </p:tgtEl>
+                                      </p:cBhvr>
+                                      <p:to x="100000" y="80000"/>
+                                    </p:animScale>
+                                    <p:animScale>
+                                      <p:cBhvr>
+                                        <p:cTn id="84" dur="166" decel="50000">
+                                          <p:stCondLst>
+                                            <p:cond delay="1338"/>
+                                          </p:stCondLst>
+                                        </p:cTn>
+                                        <p:tgtEl>
+                                          <p:spTgt spid="8">
+                                            <p:txEl>
+                                              <p:pRg st="4" end="4"/>
+                                            </p:txEl>
+                                          </p:spTgt>
+                                        </p:tgtEl>
+                                      </p:cBhvr>
+                                      <p:to x="100000" y="100000"/>
+                                    </p:animScale>
+                                    <p:animScale>
+                                      <p:cBhvr>
+                                        <p:cTn id="85" dur="26">
+                                          <p:stCondLst>
+                                            <p:cond delay="1642"/>
+                                          </p:stCondLst>
+                                        </p:cTn>
+                                        <p:tgtEl>
+                                          <p:spTgt spid="8">
+                                            <p:txEl>
+                                              <p:pRg st="4" end="4"/>
+                                            </p:txEl>
+                                          </p:spTgt>
+                                        </p:tgtEl>
+                                      </p:cBhvr>
+                                      <p:to x="100000" y="90000"/>
+                                    </p:animScale>
+                                    <p:animScale>
+                                      <p:cBhvr>
+                                        <p:cTn id="86" dur="166" decel="50000">
+                                          <p:stCondLst>
+                                            <p:cond delay="1668"/>
+                                          </p:stCondLst>
+                                        </p:cTn>
+                                        <p:tgtEl>
+                                          <p:spTgt spid="8">
+                                            <p:txEl>
+                                              <p:pRg st="4" end="4"/>
+                                            </p:txEl>
+                                          </p:spTgt>
+                                        </p:tgtEl>
+                                      </p:cBhvr>
+                                      <p:to x="100000" y="100000"/>
+                                    </p:animScale>
+                                    <p:animScale>
+                                      <p:cBhvr>
+                                        <p:cTn id="87" dur="26">
+                                          <p:stCondLst>
+                                            <p:cond delay="1808"/>
+                                          </p:stCondLst>
+                                        </p:cTn>
+                                        <p:tgtEl>
+                                          <p:spTgt spid="8">
+                                            <p:txEl>
+                                              <p:pRg st="4" end="4"/>
+                                            </p:txEl>
+                                          </p:spTgt>
+                                        </p:tgtEl>
+                                      </p:cBhvr>
+                                      <p:to x="100000" y="95000"/>
+                                    </p:animScale>
+                                    <p:animScale>
+                                      <p:cBhvr>
+                                        <p:cTn id="88" dur="166" decel="50000">
+                                          <p:stCondLst>
+                                            <p:cond delay="1834"/>
+                                          </p:stCondLst>
+                                        </p:cTn>
+                                        <p:tgtEl>
+                                          <p:spTgt spid="8">
+                                            <p:txEl>
+                                              <p:pRg st="4" end="4"/>
+                                            </p:txEl>
+                                          </p:spTgt>
+                                        </p:tgtEl>
+                                      </p:cBhvr>
+                                      <p:to x="100000" y="100000"/>
+                                    </p:animScale>
+                                  </p:childTnLst>
+                                </p:cTn>
+                              </p:par>
+                              <p:par>
+                                <p:cTn id="89" presetID="26" presetClass="entr" presetSubtype="0" fill="hold" grpId="0" nodeType="withEffect">
+                                  <p:stCondLst>
+                                    <p:cond delay="0"/>
+                                  </p:stCondLst>
+                                  <p:childTnLst>
+                                    <p:set>
+                                      <p:cBhvr>
+                                        <p:cTn id="90" dur="1" fill="hold">
+                                          <p:stCondLst>
+                                            <p:cond delay="0"/>
+                                          </p:stCondLst>
+                                        </p:cTn>
+                                        <p:tgtEl>
+                                          <p:spTgt spid="8">
+                                            <p:txEl>
+                                              <p:pRg st="5" end="5"/>
+                                            </p:txEl>
+                                          </p:spTgt>
+                                        </p:tgtEl>
+                                        <p:attrNameLst>
+                                          <p:attrName>style.visibility</p:attrName>
+                                        </p:attrNameLst>
+                                      </p:cBhvr>
+                                      <p:to>
+                                        <p:strVal val="visible"/>
+                                      </p:to>
+                                    </p:set>
+                                    <p:animEffect transition="in" filter="wipe(down)">
+                                      <p:cBhvr>
+                                        <p:cTn id="91" dur="580">
+                                          <p:stCondLst>
+                                            <p:cond delay="0"/>
+                                          </p:stCondLst>
+                                        </p:cTn>
+                                        <p:tgtEl>
+                                          <p:spTgt spid="8">
+                                            <p:txEl>
+                                              <p:pRg st="5" end="5"/>
+                                            </p:txEl>
+                                          </p:spTgt>
+                                        </p:tgtEl>
+                                      </p:cBhvr>
+                                    </p:animEffect>
+                                    <p:anim calcmode="lin" valueType="num">
+                                      <p:cBhvr>
+                                        <p:cTn id="92" dur="1822" tmFilter="0,0; 0.14,0.36; 0.43,0.73; 0.71,0.91; 1.0,1.0">
+                                          <p:stCondLst>
+                                            <p:cond delay="0"/>
+                                          </p:stCondLst>
+                                        </p:cTn>
+                                        <p:tgtEl>
+                                          <p:spTgt spid="8">
+                                            <p:txEl>
+                                              <p:pRg st="5" end="5"/>
+                                            </p:txEl>
+                                          </p:spTgt>
+                                        </p:tgtEl>
+                                        <p:attrNameLst>
+                                          <p:attrName>ppt_x</p:attrName>
+                                        </p:attrNameLst>
+                                      </p:cBhvr>
+                                      <p:tavLst>
+                                        <p:tav tm="0">
+                                          <p:val>
+                                            <p:strVal val="#ppt_x-0.25"/>
+                                          </p:val>
+                                        </p:tav>
+                                        <p:tav tm="100000">
+                                          <p:val>
+                                            <p:strVal val="#ppt_x"/>
+                                          </p:val>
+                                        </p:tav>
+                                      </p:tavLst>
+                                    </p:anim>
+                                    <p:anim calcmode="lin" valueType="num">
+                                      <p:cBhvr>
+                                        <p:cTn id="93" dur="664" tmFilter="0.0,0.0; 0.25,0.07; 0.50,0.2; 0.75,0.467; 1.0,1.0">
+                                          <p:stCondLst>
+                                            <p:cond delay="0"/>
+                                          </p:stCondLst>
+                                        </p:cTn>
+                                        <p:tgtEl>
+                                          <p:spTgt spid="8">
+                                            <p:txEl>
+                                              <p:pRg st="5" end="5"/>
+                                            </p:txEl>
+                                          </p:spTgt>
+                                        </p:tgtEl>
+                                        <p:attrNameLst>
+                                          <p:attrName>ppt_y</p:attrName>
+                                        </p:attrNameLst>
+                                      </p:cBhvr>
+                                      <p:tavLst>
+                                        <p:tav tm="0" fmla="#ppt_y-sin(pi*$)/3">
+                                          <p:val>
+                                            <p:fltVal val="0.5"/>
+                                          </p:val>
+                                        </p:tav>
+                                        <p:tav tm="100000">
+                                          <p:val>
+                                            <p:fltVal val="1"/>
+                                          </p:val>
+                                        </p:tav>
+                                      </p:tavLst>
+                                    </p:anim>
+                                    <p:anim calcmode="lin" valueType="num">
+                                      <p:cBhvr>
+                                        <p:cTn id="94" dur="664" tmFilter="0, 0; 0.125,0.2665; 0.25,0.4; 0.375,0.465; 0.5,0.5;  0.625,0.535; 0.75,0.6; 0.875,0.7335; 1,1">
+                                          <p:stCondLst>
+                                            <p:cond delay="664"/>
+                                          </p:stCondLst>
+                                        </p:cTn>
+                                        <p:tgtEl>
+                                          <p:spTgt spid="8">
+                                            <p:txEl>
+                                              <p:pRg st="5" end="5"/>
+                                            </p:txEl>
+                                          </p:spTgt>
+                                        </p:tgtEl>
+                                        <p:attrNameLst>
+                                          <p:attrName>ppt_y</p:attrName>
+                                        </p:attrNameLst>
+                                      </p:cBhvr>
+                                      <p:tavLst>
+                                        <p:tav tm="0" fmla="#ppt_y-sin(pi*$)/9">
+                                          <p:val>
+                                            <p:fltVal val="0"/>
+                                          </p:val>
+                                        </p:tav>
+                                        <p:tav tm="100000">
+                                          <p:val>
+                                            <p:fltVal val="1"/>
+                                          </p:val>
+                                        </p:tav>
+                                      </p:tavLst>
+                                    </p:anim>
+                                    <p:anim calcmode="lin" valueType="num">
+                                      <p:cBhvr>
+                                        <p:cTn id="95" dur="332" tmFilter="0, 0; 0.125,0.2665; 0.25,0.4; 0.375,0.465; 0.5,0.5;  0.625,0.535; 0.75,0.6; 0.875,0.7335; 1,1">
+                                          <p:stCondLst>
+                                            <p:cond delay="1324"/>
+                                          </p:stCondLst>
+                                        </p:cTn>
+                                        <p:tgtEl>
+                                          <p:spTgt spid="8">
+                                            <p:txEl>
+                                              <p:pRg st="5" end="5"/>
+                                            </p:txEl>
+                                          </p:spTgt>
+                                        </p:tgtEl>
+                                        <p:attrNameLst>
+                                          <p:attrName>ppt_y</p:attrName>
+                                        </p:attrNameLst>
+                                      </p:cBhvr>
+                                      <p:tavLst>
+                                        <p:tav tm="0" fmla="#ppt_y-sin(pi*$)/27">
+                                          <p:val>
+                                            <p:fltVal val="0"/>
+                                          </p:val>
+                                        </p:tav>
+                                        <p:tav tm="100000">
+                                          <p:val>
+                                            <p:fltVal val="1"/>
+                                          </p:val>
+                                        </p:tav>
+                                      </p:tavLst>
+                                    </p:anim>
+                                    <p:anim calcmode="lin" valueType="num">
+                                      <p:cBhvr>
+                                        <p:cTn id="96" dur="164" tmFilter="0, 0; 0.125,0.2665; 0.25,0.4; 0.375,0.465; 0.5,0.5;  0.625,0.535; 0.75,0.6; 0.875,0.7335; 1,1">
+                                          <p:stCondLst>
+                                            <p:cond delay="1656"/>
+                                          </p:stCondLst>
+                                        </p:cTn>
+                                        <p:tgtEl>
+                                          <p:spTgt spid="8">
+                                            <p:txEl>
+                                              <p:pRg st="5" end="5"/>
+                                            </p:txEl>
+                                          </p:spTgt>
+                                        </p:tgtEl>
+                                        <p:attrNameLst>
+                                          <p:attrName>ppt_y</p:attrName>
+                                        </p:attrNameLst>
+                                      </p:cBhvr>
+                                      <p:tavLst>
+                                        <p:tav tm="0" fmla="#ppt_y-sin(pi*$)/81">
+                                          <p:val>
+                                            <p:fltVal val="0"/>
+                                          </p:val>
+                                        </p:tav>
+                                        <p:tav tm="100000">
+                                          <p:val>
+                                            <p:fltVal val="1"/>
+                                          </p:val>
+                                        </p:tav>
+                                      </p:tavLst>
+                                    </p:anim>
+                                    <p:animScale>
+                                      <p:cBhvr>
+                                        <p:cTn id="97" dur="26">
+                                          <p:stCondLst>
+                                            <p:cond delay="650"/>
+                                          </p:stCondLst>
+                                        </p:cTn>
+                                        <p:tgtEl>
+                                          <p:spTgt spid="8">
+                                            <p:txEl>
+                                              <p:pRg st="5" end="5"/>
+                                            </p:txEl>
+                                          </p:spTgt>
+                                        </p:tgtEl>
+                                      </p:cBhvr>
+                                      <p:to x="100000" y="60000"/>
+                                    </p:animScale>
+                                    <p:animScale>
+                                      <p:cBhvr>
+                                        <p:cTn id="98" dur="166" decel="50000">
+                                          <p:stCondLst>
+                                            <p:cond delay="676"/>
+                                          </p:stCondLst>
+                                        </p:cTn>
+                                        <p:tgtEl>
+                                          <p:spTgt spid="8">
+                                            <p:txEl>
+                                              <p:pRg st="5" end="5"/>
+                                            </p:txEl>
+                                          </p:spTgt>
+                                        </p:tgtEl>
+                                      </p:cBhvr>
+                                      <p:to x="100000" y="100000"/>
+                                    </p:animScale>
+                                    <p:animScale>
+                                      <p:cBhvr>
+                                        <p:cTn id="99" dur="26">
+                                          <p:stCondLst>
+                                            <p:cond delay="1312"/>
+                                          </p:stCondLst>
+                                        </p:cTn>
+                                        <p:tgtEl>
+                                          <p:spTgt spid="8">
+                                            <p:txEl>
+                                              <p:pRg st="5" end="5"/>
+                                            </p:txEl>
+                                          </p:spTgt>
+                                        </p:tgtEl>
+                                      </p:cBhvr>
+                                      <p:to x="100000" y="80000"/>
+                                    </p:animScale>
+                                    <p:animScale>
+                                      <p:cBhvr>
+                                        <p:cTn id="100" dur="166" decel="50000">
+                                          <p:stCondLst>
+                                            <p:cond delay="1338"/>
+                                          </p:stCondLst>
+                                        </p:cTn>
+                                        <p:tgtEl>
+                                          <p:spTgt spid="8">
+                                            <p:txEl>
+                                              <p:pRg st="5" end="5"/>
+                                            </p:txEl>
+                                          </p:spTgt>
+                                        </p:tgtEl>
+                                      </p:cBhvr>
+                                      <p:to x="100000" y="100000"/>
+                                    </p:animScale>
+                                    <p:animScale>
+                                      <p:cBhvr>
+                                        <p:cTn id="101" dur="26">
+                                          <p:stCondLst>
+                                            <p:cond delay="1642"/>
+                                          </p:stCondLst>
+                                        </p:cTn>
+                                        <p:tgtEl>
+                                          <p:spTgt spid="8">
+                                            <p:txEl>
+                                              <p:pRg st="5" end="5"/>
+                                            </p:txEl>
+                                          </p:spTgt>
+                                        </p:tgtEl>
+                                      </p:cBhvr>
+                                      <p:to x="100000" y="90000"/>
+                                    </p:animScale>
+                                    <p:animScale>
+                                      <p:cBhvr>
+                                        <p:cTn id="102" dur="166" decel="50000">
+                                          <p:stCondLst>
+                                            <p:cond delay="1668"/>
+                                          </p:stCondLst>
+                                        </p:cTn>
+                                        <p:tgtEl>
+                                          <p:spTgt spid="8">
+                                            <p:txEl>
+                                              <p:pRg st="5" end="5"/>
+                                            </p:txEl>
+                                          </p:spTgt>
+                                        </p:tgtEl>
+                                      </p:cBhvr>
+                                      <p:to x="100000" y="100000"/>
+                                    </p:animScale>
+                                    <p:animScale>
+                                      <p:cBhvr>
+                                        <p:cTn id="103" dur="26">
+                                          <p:stCondLst>
+                                            <p:cond delay="1808"/>
+                                          </p:stCondLst>
+                                        </p:cTn>
+                                        <p:tgtEl>
+                                          <p:spTgt spid="8">
+                                            <p:txEl>
+                                              <p:pRg st="5" end="5"/>
+                                            </p:txEl>
+                                          </p:spTgt>
+                                        </p:tgtEl>
+                                      </p:cBhvr>
+                                      <p:to x="100000" y="95000"/>
+                                    </p:animScale>
+                                    <p:animScale>
+                                      <p:cBhvr>
+                                        <p:cTn id="104" dur="166" decel="50000">
+                                          <p:stCondLst>
+                                            <p:cond delay="1834"/>
+                                          </p:stCondLst>
+                                        </p:cTn>
+                                        <p:tgtEl>
+                                          <p:spTgt spid="8">
+                                            <p:txEl>
+                                              <p:pRg st="5" end="5"/>
+                                            </p:txEl>
+                                          </p:spTgt>
+                                        </p:tgtEl>
+                                      </p:cBhvr>
+                                      <p:to x="100000" y="100000"/>
+                                    </p:animScale>
+                                  </p:childTnLst>
+                                </p:cTn>
+                              </p:par>
+                              <p:par>
+                                <p:cTn id="105" presetID="26" presetClass="entr" presetSubtype="0" fill="hold" grpId="0" nodeType="withEffect">
+                                  <p:stCondLst>
+                                    <p:cond delay="0"/>
+                                  </p:stCondLst>
+                                  <p:childTnLst>
+                                    <p:set>
+                                      <p:cBhvr>
+                                        <p:cTn id="106" dur="1" fill="hold">
+                                          <p:stCondLst>
+                                            <p:cond delay="0"/>
+                                          </p:stCondLst>
+                                        </p:cTn>
+                                        <p:tgtEl>
+                                          <p:spTgt spid="8">
+                                            <p:txEl>
+                                              <p:pRg st="6" end="6"/>
+                                            </p:txEl>
+                                          </p:spTgt>
+                                        </p:tgtEl>
+                                        <p:attrNameLst>
+                                          <p:attrName>style.visibility</p:attrName>
+                                        </p:attrNameLst>
+                                      </p:cBhvr>
+                                      <p:to>
+                                        <p:strVal val="visible"/>
+                                      </p:to>
+                                    </p:set>
+                                    <p:animEffect transition="in" filter="wipe(down)">
+                                      <p:cBhvr>
+                                        <p:cTn id="107" dur="580">
+                                          <p:stCondLst>
+                                            <p:cond delay="0"/>
+                                          </p:stCondLst>
+                                        </p:cTn>
+                                        <p:tgtEl>
+                                          <p:spTgt spid="8">
+                                            <p:txEl>
+                                              <p:pRg st="6" end="6"/>
+                                            </p:txEl>
+                                          </p:spTgt>
+                                        </p:tgtEl>
+                                      </p:cBhvr>
+                                    </p:animEffect>
+                                    <p:anim calcmode="lin" valueType="num">
+                                      <p:cBhvr>
+                                        <p:cTn id="108" dur="1822" tmFilter="0,0; 0.14,0.36; 0.43,0.73; 0.71,0.91; 1.0,1.0">
+                                          <p:stCondLst>
+                                            <p:cond delay="0"/>
+                                          </p:stCondLst>
+                                        </p:cTn>
+                                        <p:tgtEl>
+                                          <p:spTgt spid="8">
+                                            <p:txEl>
+                                              <p:pRg st="6" end="6"/>
+                                            </p:txEl>
+                                          </p:spTgt>
+                                        </p:tgtEl>
+                                        <p:attrNameLst>
+                                          <p:attrName>ppt_x</p:attrName>
+                                        </p:attrNameLst>
+                                      </p:cBhvr>
+                                      <p:tavLst>
+                                        <p:tav tm="0">
+                                          <p:val>
+                                            <p:strVal val="#ppt_x-0.25"/>
+                                          </p:val>
+                                        </p:tav>
+                                        <p:tav tm="100000">
+                                          <p:val>
+                                            <p:strVal val="#ppt_x"/>
+                                          </p:val>
+                                        </p:tav>
+                                      </p:tavLst>
+                                    </p:anim>
+                                    <p:anim calcmode="lin" valueType="num">
+                                      <p:cBhvr>
+                                        <p:cTn id="109" dur="664" tmFilter="0.0,0.0; 0.25,0.07; 0.50,0.2; 0.75,0.467; 1.0,1.0">
+                                          <p:stCondLst>
+                                            <p:cond delay="0"/>
+                                          </p:stCondLst>
+                                        </p:cTn>
+                                        <p:tgtEl>
+                                          <p:spTgt spid="8">
+                                            <p:txEl>
+                                              <p:pRg st="6" end="6"/>
+                                            </p:txEl>
+                                          </p:spTgt>
+                                        </p:tgtEl>
+                                        <p:attrNameLst>
+                                          <p:attrName>ppt_y</p:attrName>
+                                        </p:attrNameLst>
+                                      </p:cBhvr>
+                                      <p:tavLst>
+                                        <p:tav tm="0" fmla="#ppt_y-sin(pi*$)/3">
+                                          <p:val>
+                                            <p:fltVal val="0.5"/>
+                                          </p:val>
+                                        </p:tav>
+                                        <p:tav tm="100000">
+                                          <p:val>
+                                            <p:fltVal val="1"/>
+                                          </p:val>
+                                        </p:tav>
+                                      </p:tavLst>
+                                    </p:anim>
+                                    <p:anim calcmode="lin" valueType="num">
+                                      <p:cBhvr>
+                                        <p:cTn id="110" dur="664" tmFilter="0, 0; 0.125,0.2665; 0.25,0.4; 0.375,0.465; 0.5,0.5;  0.625,0.535; 0.75,0.6; 0.875,0.7335; 1,1">
+                                          <p:stCondLst>
+                                            <p:cond delay="664"/>
+                                          </p:stCondLst>
+                                        </p:cTn>
+                                        <p:tgtEl>
+                                          <p:spTgt spid="8">
+                                            <p:txEl>
+                                              <p:pRg st="6" end="6"/>
+                                            </p:txEl>
+                                          </p:spTgt>
+                                        </p:tgtEl>
+                                        <p:attrNameLst>
+                                          <p:attrName>ppt_y</p:attrName>
+                                        </p:attrNameLst>
+                                      </p:cBhvr>
+                                      <p:tavLst>
+                                        <p:tav tm="0" fmla="#ppt_y-sin(pi*$)/9">
+                                          <p:val>
+                                            <p:fltVal val="0"/>
+                                          </p:val>
+                                        </p:tav>
+                                        <p:tav tm="100000">
+                                          <p:val>
+                                            <p:fltVal val="1"/>
+                                          </p:val>
+                                        </p:tav>
+                                      </p:tavLst>
+                                    </p:anim>
+                                    <p:anim calcmode="lin" valueType="num">
+                                      <p:cBhvr>
+                                        <p:cTn id="111" dur="332" tmFilter="0, 0; 0.125,0.2665; 0.25,0.4; 0.375,0.465; 0.5,0.5;  0.625,0.535; 0.75,0.6; 0.875,0.7335; 1,1">
+                                          <p:stCondLst>
+                                            <p:cond delay="1324"/>
+                                          </p:stCondLst>
+                                        </p:cTn>
+                                        <p:tgtEl>
+                                          <p:spTgt spid="8">
+                                            <p:txEl>
+                                              <p:pRg st="6" end="6"/>
+                                            </p:txEl>
+                                          </p:spTgt>
+                                        </p:tgtEl>
+                                        <p:attrNameLst>
+                                          <p:attrName>ppt_y</p:attrName>
+                                        </p:attrNameLst>
+                                      </p:cBhvr>
+                                      <p:tavLst>
+                                        <p:tav tm="0" fmla="#ppt_y-sin(pi*$)/27">
+                                          <p:val>
+                                            <p:fltVal val="0"/>
+                                          </p:val>
+                                        </p:tav>
+                                        <p:tav tm="100000">
+                                          <p:val>
+                                            <p:fltVal val="1"/>
+                                          </p:val>
+                                        </p:tav>
+                                      </p:tavLst>
+                                    </p:anim>
+                                    <p:anim calcmode="lin" valueType="num">
+                                      <p:cBhvr>
+                                        <p:cTn id="112" dur="164" tmFilter="0, 0; 0.125,0.2665; 0.25,0.4; 0.375,0.465; 0.5,0.5;  0.625,0.535; 0.75,0.6; 0.875,0.7335; 1,1">
+                                          <p:stCondLst>
+                                            <p:cond delay="1656"/>
+                                          </p:stCondLst>
+                                        </p:cTn>
+                                        <p:tgtEl>
+                                          <p:spTgt spid="8">
+                                            <p:txEl>
+                                              <p:pRg st="6" end="6"/>
+                                            </p:txEl>
+                                          </p:spTgt>
+                                        </p:tgtEl>
+                                        <p:attrNameLst>
+                                          <p:attrName>ppt_y</p:attrName>
+                                        </p:attrNameLst>
+                                      </p:cBhvr>
+                                      <p:tavLst>
+                                        <p:tav tm="0" fmla="#ppt_y-sin(pi*$)/81">
+                                          <p:val>
+                                            <p:fltVal val="0"/>
+                                          </p:val>
+                                        </p:tav>
+                                        <p:tav tm="100000">
+                                          <p:val>
+                                            <p:fltVal val="1"/>
+                                          </p:val>
+                                        </p:tav>
+                                      </p:tavLst>
+                                    </p:anim>
+                                    <p:animScale>
+                                      <p:cBhvr>
+                                        <p:cTn id="113" dur="26">
+                                          <p:stCondLst>
+                                            <p:cond delay="650"/>
+                                          </p:stCondLst>
+                                        </p:cTn>
+                                        <p:tgtEl>
+                                          <p:spTgt spid="8">
+                                            <p:txEl>
+                                              <p:pRg st="6" end="6"/>
+                                            </p:txEl>
+                                          </p:spTgt>
+                                        </p:tgtEl>
+                                      </p:cBhvr>
+                                      <p:to x="100000" y="60000"/>
+                                    </p:animScale>
+                                    <p:animScale>
+                                      <p:cBhvr>
+                                        <p:cTn id="114" dur="166" decel="50000">
+                                          <p:stCondLst>
+                                            <p:cond delay="676"/>
+                                          </p:stCondLst>
+                                        </p:cTn>
+                                        <p:tgtEl>
+                                          <p:spTgt spid="8">
+                                            <p:txEl>
+                                              <p:pRg st="6" end="6"/>
+                                            </p:txEl>
+                                          </p:spTgt>
+                                        </p:tgtEl>
+                                      </p:cBhvr>
+                                      <p:to x="100000" y="100000"/>
+                                    </p:animScale>
+                                    <p:animScale>
+                                      <p:cBhvr>
+                                        <p:cTn id="115" dur="26">
+                                          <p:stCondLst>
+                                            <p:cond delay="1312"/>
+                                          </p:stCondLst>
+                                        </p:cTn>
+                                        <p:tgtEl>
+                                          <p:spTgt spid="8">
+                                            <p:txEl>
+                                              <p:pRg st="6" end="6"/>
+                                            </p:txEl>
+                                          </p:spTgt>
+                                        </p:tgtEl>
+                                      </p:cBhvr>
+                                      <p:to x="100000" y="80000"/>
+                                    </p:animScale>
+                                    <p:animScale>
+                                      <p:cBhvr>
+                                        <p:cTn id="116" dur="166" decel="50000">
+                                          <p:stCondLst>
+                                            <p:cond delay="1338"/>
+                                          </p:stCondLst>
+                                        </p:cTn>
+                                        <p:tgtEl>
+                                          <p:spTgt spid="8">
+                                            <p:txEl>
+                                              <p:pRg st="6" end="6"/>
+                                            </p:txEl>
+                                          </p:spTgt>
+                                        </p:tgtEl>
+                                      </p:cBhvr>
+                                      <p:to x="100000" y="100000"/>
+                                    </p:animScale>
+                                    <p:animScale>
+                                      <p:cBhvr>
+                                        <p:cTn id="117" dur="26">
+                                          <p:stCondLst>
+                                            <p:cond delay="1642"/>
+                                          </p:stCondLst>
+                                        </p:cTn>
+                                        <p:tgtEl>
+                                          <p:spTgt spid="8">
+                                            <p:txEl>
+                                              <p:pRg st="6" end="6"/>
+                                            </p:txEl>
+                                          </p:spTgt>
+                                        </p:tgtEl>
+                                      </p:cBhvr>
+                                      <p:to x="100000" y="90000"/>
+                                    </p:animScale>
+                                    <p:animScale>
+                                      <p:cBhvr>
+                                        <p:cTn id="118" dur="166" decel="50000">
+                                          <p:stCondLst>
+                                            <p:cond delay="1668"/>
+                                          </p:stCondLst>
+                                        </p:cTn>
+                                        <p:tgtEl>
+                                          <p:spTgt spid="8">
+                                            <p:txEl>
+                                              <p:pRg st="6" end="6"/>
+                                            </p:txEl>
+                                          </p:spTgt>
+                                        </p:tgtEl>
+                                      </p:cBhvr>
+                                      <p:to x="100000" y="100000"/>
+                                    </p:animScale>
+                                    <p:animScale>
+                                      <p:cBhvr>
+                                        <p:cTn id="119" dur="26">
+                                          <p:stCondLst>
+                                            <p:cond delay="1808"/>
+                                          </p:stCondLst>
+                                        </p:cTn>
+                                        <p:tgtEl>
+                                          <p:spTgt spid="8">
+                                            <p:txEl>
+                                              <p:pRg st="6" end="6"/>
+                                            </p:txEl>
+                                          </p:spTgt>
+                                        </p:tgtEl>
+                                      </p:cBhvr>
+                                      <p:to x="100000" y="95000"/>
+                                    </p:animScale>
+                                    <p:animScale>
+                                      <p:cBhvr>
+                                        <p:cTn id="120" dur="166" decel="50000">
+                                          <p:stCondLst>
+                                            <p:cond delay="1834"/>
+                                          </p:stCondLst>
+                                        </p:cTn>
+                                        <p:tgtEl>
+                                          <p:spTgt spid="8">
+                                            <p:txEl>
+                                              <p:pRg st="6" end="6"/>
+                                            </p:txEl>
+                                          </p:spTgt>
                                         </p:tgtEl>
                                       </p:cBhvr>
                                       <p:to x="100000" y="100000"/>
@@ -16511,32 +17983,32 @@
                     </p:cTn>
                   </p:par>
                   <p:par>
-                    <p:cTn id="57" fill="hold">
+                    <p:cTn id="121" fill="hold">
                       <p:stCondLst>
                         <p:cond delay="indefinite"/>
                       </p:stCondLst>
                       <p:childTnLst>
                         <p:par>
-                          <p:cTn id="58" fill="hold">
+                          <p:cTn id="122" fill="hold">
                             <p:stCondLst>
                               <p:cond delay="0"/>
                             </p:stCondLst>
                             <p:childTnLst>
                               <p:par>
-                                <p:cTn id="59" presetID="26" presetClass="entr" presetSubtype="0" fill="hold" nodeType="clickEffect">
+                                <p:cTn id="123" presetID="26" presetClass="entr" presetSubtype="0" fill="hold" nodeType="clickEffect">
                                   <p:stCondLst>
                                     <p:cond delay="0"/>
                                   </p:stCondLst>
                                   <p:childTnLst>
                                     <p:set>
                                       <p:cBhvr>
-                                        <p:cTn id="60" dur="1" fill="hold">
+                                        <p:cTn id="124" dur="1" fill="hold">
                                           <p:stCondLst>
                                             <p:cond delay="0"/>
                                           </p:stCondLst>
                                         </p:cTn>
                                         <p:tgtEl>
-                                          <p:spTgt spid="10"/>
+                                          <p:spTgt spid="2"/>
                                         </p:tgtEl>
                                         <p:attrNameLst>
                                           <p:attrName>style.visibility</p:attrName>
@@ -16548,25 +18020,25 @@
                                     </p:set>
                                     <p:animEffect transition="in" filter="wipe(down)">
                                       <p:cBhvr>
-                                        <p:cTn id="61" dur="580">
+                                        <p:cTn id="125" dur="580">
                                           <p:stCondLst>
                                             <p:cond delay="0"/>
                                           </p:stCondLst>
                                         </p:cTn>
                                         <p:tgtEl>
-                                          <p:spTgt spid="10"/>
+                                          <p:spTgt spid="2"/>
                                         </p:tgtEl>
                                       </p:cBhvr>
                                     </p:animEffect>
                                     <p:anim calcmode="lin" valueType="num">
                                       <p:cBhvr>
-                                        <p:cTn id="62" dur="1822" tmFilter="0,0; 0.14,0.36; 0.43,0.73; 0.71,0.91; 1.0,1.0">
+                                        <p:cTn id="126" dur="1822" tmFilter="0,0; 0.14,0.36; 0.43,0.73; 0.71,0.91; 1.0,1.0">
                                           <p:stCondLst>
                                             <p:cond delay="0"/>
                                           </p:stCondLst>
                                         </p:cTn>
                                         <p:tgtEl>
-                                          <p:spTgt spid="10"/>
+                                          <p:spTgt spid="2"/>
                                         </p:tgtEl>
                                         <p:attrNameLst>
                                           <p:attrName>ppt_x</p:attrName>
@@ -16587,13 +18059,13 @@
                                     </p:anim>
                                     <p:anim calcmode="lin" valueType="num">
                                       <p:cBhvr>
-                                        <p:cTn id="63" dur="664" tmFilter="0.0,0.0; 0.25,0.07; 0.50,0.2; 0.75,0.467; 1.0,1.0">
+                                        <p:cTn id="127" dur="664" tmFilter="0.0,0.0; 0.25,0.07; 0.50,0.2; 0.75,0.467; 1.0,1.0">
                                           <p:stCondLst>
                                             <p:cond delay="0"/>
                                           </p:stCondLst>
                                         </p:cTn>
                                         <p:tgtEl>
-                                          <p:spTgt spid="10"/>
+                                          <p:spTgt spid="2"/>
                                         </p:tgtEl>
                                         <p:attrNameLst>
                                           <p:attrName>ppt_y</p:attrName>
@@ -16614,13 +18086,13 @@
                                     </p:anim>
                                     <p:anim calcmode="lin" valueType="num">
                                       <p:cBhvr>
-                                        <p:cTn id="64" dur="664" tmFilter="0, 0; 0.125,0.2665; 0.25,0.4; 0.375,0.465; 0.5,0.5;  0.625,0.535; 0.75,0.6; 0.875,0.7335; 1,1">
+                                        <p:cTn id="128" dur="664" tmFilter="0, 0; 0.125,0.2665; 0.25,0.4; 0.375,0.465; 0.5,0.5;  0.625,0.535; 0.75,0.6; 0.875,0.7335; 1,1">
                                           <p:stCondLst>
                                             <p:cond delay="664"/>
                                           </p:stCondLst>
                                         </p:cTn>
                                         <p:tgtEl>
-                                          <p:spTgt spid="10"/>
+                                          <p:spTgt spid="2"/>
                                         </p:tgtEl>
                                         <p:attrNameLst>
                                           <p:attrName>ppt_y</p:attrName>
@@ -16641,13 +18113,13 @@
                                     </p:anim>
                                     <p:anim calcmode="lin" valueType="num">
                                       <p:cBhvr>
-                                        <p:cTn id="65" dur="332" tmFilter="0, 0; 0.125,0.2665; 0.25,0.4; 0.375,0.465; 0.5,0.5;  0.625,0.535; 0.75,0.6; 0.875,0.7335; 1,1">
+                                        <p:cTn id="129" dur="332" tmFilter="0, 0; 0.125,0.2665; 0.25,0.4; 0.375,0.465; 0.5,0.5;  0.625,0.535; 0.75,0.6; 0.875,0.7335; 1,1">
                                           <p:stCondLst>
                                             <p:cond delay="1324"/>
                                           </p:stCondLst>
                                         </p:cTn>
                                         <p:tgtEl>
-                                          <p:spTgt spid="10"/>
+                                          <p:spTgt spid="2"/>
                                         </p:tgtEl>
                                         <p:attrNameLst>
                                           <p:attrName>ppt_y</p:attrName>
@@ -16668,13 +18140,13 @@
                                     </p:anim>
                                     <p:anim calcmode="lin" valueType="num">
                                       <p:cBhvr>
-                                        <p:cTn id="66" dur="164" tmFilter="0, 0; 0.125,0.2665; 0.25,0.4; 0.375,0.465; 0.5,0.5;  0.625,0.535; 0.75,0.6; 0.875,0.7335; 1,1">
+                                        <p:cTn id="130" dur="164" tmFilter="0, 0; 0.125,0.2665; 0.25,0.4; 0.375,0.465; 0.5,0.5;  0.625,0.535; 0.75,0.6; 0.875,0.7335; 1,1">
                                           <p:stCondLst>
                                             <p:cond delay="1656"/>
                                           </p:stCondLst>
                                         </p:cTn>
                                         <p:tgtEl>
-                                          <p:spTgt spid="10"/>
+                                          <p:spTgt spid="2"/>
                                         </p:tgtEl>
                                         <p:attrNameLst>
                                           <p:attrName>ppt_y</p:attrName>
@@ -16695,104 +18167,104 @@
                                     </p:anim>
                                     <p:animScale>
                                       <p:cBhvr>
-                                        <p:cTn id="67" dur="26">
+                                        <p:cTn id="131" dur="26">
                                           <p:stCondLst>
                                             <p:cond delay="650"/>
                                           </p:stCondLst>
                                         </p:cTn>
                                         <p:tgtEl>
-                                          <p:spTgt spid="10"/>
+                                          <p:spTgt spid="2"/>
                                         </p:tgtEl>
                                       </p:cBhvr>
                                       <p:to x="100000" y="60000"/>
                                     </p:animScale>
                                     <p:animScale>
                                       <p:cBhvr>
-                                        <p:cTn id="68" dur="166" decel="50000">
+                                        <p:cTn id="132" dur="166" decel="50000">
                                           <p:stCondLst>
                                             <p:cond delay="676"/>
                                           </p:stCondLst>
                                         </p:cTn>
                                         <p:tgtEl>
-                                          <p:spTgt spid="10"/>
+                                          <p:spTgt spid="2"/>
                                         </p:tgtEl>
                                       </p:cBhvr>
                                       <p:to x="100000" y="100000"/>
                                     </p:animScale>
                                     <p:animScale>
                                       <p:cBhvr>
-                                        <p:cTn id="69" dur="26">
+                                        <p:cTn id="133" dur="26">
                                           <p:stCondLst>
                                             <p:cond delay="1312"/>
                                           </p:stCondLst>
                                         </p:cTn>
                                         <p:tgtEl>
-                                          <p:spTgt spid="10"/>
+                                          <p:spTgt spid="2"/>
                                         </p:tgtEl>
                                       </p:cBhvr>
                                       <p:to x="100000" y="80000"/>
                                     </p:animScale>
                                     <p:animScale>
                                       <p:cBhvr>
-                                        <p:cTn id="70" dur="166" decel="50000">
+                                        <p:cTn id="134" dur="166" decel="50000">
                                           <p:stCondLst>
                                             <p:cond delay="1338"/>
                                           </p:stCondLst>
                                         </p:cTn>
                                         <p:tgtEl>
-                                          <p:spTgt spid="10"/>
+                                          <p:spTgt spid="2"/>
                                         </p:tgtEl>
                                       </p:cBhvr>
                                       <p:to x="100000" y="100000"/>
                                     </p:animScale>
                                     <p:animScale>
                                       <p:cBhvr>
-                                        <p:cTn id="71" dur="26">
+                                        <p:cTn id="135" dur="26">
                                           <p:stCondLst>
                                             <p:cond delay="1642"/>
                                           </p:stCondLst>
                                         </p:cTn>
                                         <p:tgtEl>
-                                          <p:spTgt spid="10"/>
+                                          <p:spTgt spid="2"/>
                                         </p:tgtEl>
                                       </p:cBhvr>
                                       <p:to x="100000" y="90000"/>
                                     </p:animScale>
                                     <p:animScale>
                                       <p:cBhvr>
-                                        <p:cTn id="72" dur="166" decel="50000">
+                                        <p:cTn id="136" dur="166" decel="50000">
                                           <p:stCondLst>
                                             <p:cond delay="1668"/>
                                           </p:stCondLst>
                                         </p:cTn>
                                         <p:tgtEl>
-                                          <p:spTgt spid="10"/>
+                                          <p:spTgt spid="2"/>
                                         </p:tgtEl>
                                       </p:cBhvr>
                                       <p:to x="100000" y="100000"/>
                                     </p:animScale>
                                     <p:animScale>
                                       <p:cBhvr>
-                                        <p:cTn id="73" dur="26">
+                                        <p:cTn id="137" dur="26">
                                           <p:stCondLst>
                                             <p:cond delay="1808"/>
                                           </p:stCondLst>
                                         </p:cTn>
                                         <p:tgtEl>
-                                          <p:spTgt spid="10"/>
+                                          <p:spTgt spid="2"/>
                                         </p:tgtEl>
                                       </p:cBhvr>
                                       <p:to x="100000" y="95000"/>
                                     </p:animScale>
                                     <p:animScale>
                                       <p:cBhvr>
-                                        <p:cTn id="74" dur="166" decel="50000">
+                                        <p:cTn id="138" dur="166" decel="50000">
                                           <p:stCondLst>
                                             <p:cond delay="1834"/>
                                           </p:stCondLst>
                                         </p:cTn>
                                         <p:tgtEl>
-                                          <p:spTgt spid="10"/>
+                                          <p:spTgt spid="2"/>
                                         </p:tgtEl>
                                       </p:cBhvr>
                                       <p:to x="100000" y="100000"/>
@@ -16807,32 +18279,32 @@
                     </p:cTn>
                   </p:par>
                   <p:par>
-                    <p:cTn id="75" fill="hold">
+                    <p:cTn id="139" fill="hold">
                       <p:stCondLst>
                         <p:cond delay="indefinite"/>
                       </p:stCondLst>
                       <p:childTnLst>
                         <p:par>
-                          <p:cTn id="76" fill="hold">
+                          <p:cTn id="140" fill="hold">
                             <p:stCondLst>
                               <p:cond delay="0"/>
                             </p:stCondLst>
                             <p:childTnLst>
                               <p:par>
-                                <p:cTn id="77" presetID="26" presetClass="entr" presetSubtype="0" fill="hold" nodeType="clickEffect">
+                                <p:cTn id="141" presetID="26" presetClass="entr" presetSubtype="0" fill="hold" nodeType="clickEffect">
                                   <p:stCondLst>
                                     <p:cond delay="0"/>
                                   </p:stCondLst>
                                   <p:childTnLst>
                                     <p:set>
                                       <p:cBhvr>
-                                        <p:cTn id="78" dur="1" fill="hold">
+                                        <p:cTn id="142" dur="1" fill="hold">
                                           <p:stCondLst>
                                             <p:cond delay="0"/>
                                           </p:stCondLst>
                                         </p:cTn>
                                         <p:tgtEl>
-                                          <p:spTgt spid="13"/>
+                                          <p:spTgt spid="3"/>
                                         </p:tgtEl>
                                         <p:attrNameLst>
                                           <p:attrName>style.visibility</p:attrName>
@@ -16844,25 +18316,25 @@
                                     </p:set>
                                     <p:animEffect transition="in" filter="wipe(down)">
                                       <p:cBhvr>
-                                        <p:cTn id="79" dur="580">
+                                        <p:cTn id="143" dur="580">
                                           <p:stCondLst>
                                             <p:cond delay="0"/>
                                           </p:stCondLst>
                                         </p:cTn>
                                         <p:tgtEl>
-                                          <p:spTgt spid="13"/>
+                                          <p:spTgt spid="3"/>
                                         </p:tgtEl>
                                       </p:cBhvr>
                                     </p:animEffect>
                                     <p:anim calcmode="lin" valueType="num">
                                       <p:cBhvr>
-                                        <p:cTn id="80" dur="1822" tmFilter="0,0; 0.14,0.36; 0.43,0.73; 0.71,0.91; 1.0,1.0">
+                                        <p:cTn id="144" dur="1822" tmFilter="0,0; 0.14,0.36; 0.43,0.73; 0.71,0.91; 1.0,1.0">
                                           <p:stCondLst>
                                             <p:cond delay="0"/>
                                           </p:stCondLst>
                                         </p:cTn>
                                         <p:tgtEl>
-                                          <p:spTgt spid="13"/>
+                                          <p:spTgt spid="3"/>
                                         </p:tgtEl>
                                         <p:attrNameLst>
                                           <p:attrName>ppt_x</p:attrName>
@@ -16883,13 +18355,13 @@
                                     </p:anim>
                                     <p:anim calcmode="lin" valueType="num">
                                       <p:cBhvr>
-                                        <p:cTn id="81" dur="664" tmFilter="0.0,0.0; 0.25,0.07; 0.50,0.2; 0.75,0.467; 1.0,1.0">
+                                        <p:cTn id="145" dur="664" tmFilter="0.0,0.0; 0.25,0.07; 0.50,0.2; 0.75,0.467; 1.0,1.0">
                                           <p:stCondLst>
                                             <p:cond delay="0"/>
                                           </p:stCondLst>
                                         </p:cTn>
                                         <p:tgtEl>
-                                          <p:spTgt spid="13"/>
+                                          <p:spTgt spid="3"/>
                                         </p:tgtEl>
                                         <p:attrNameLst>
                                           <p:attrName>ppt_y</p:attrName>
@@ -16910,13 +18382,13 @@
                                     </p:anim>
                                     <p:anim calcmode="lin" valueType="num">
                                       <p:cBhvr>
-                                        <p:cTn id="82" dur="664" tmFilter="0, 0; 0.125,0.2665; 0.25,0.4; 0.375,0.465; 0.5,0.5;  0.625,0.535; 0.75,0.6; 0.875,0.7335; 1,1">
+                                        <p:cTn id="146" dur="664" tmFilter="0, 0; 0.125,0.2665; 0.25,0.4; 0.375,0.465; 0.5,0.5;  0.625,0.535; 0.75,0.6; 0.875,0.7335; 1,1">
                                           <p:stCondLst>
                                             <p:cond delay="664"/>
                                           </p:stCondLst>
                                         </p:cTn>
                                         <p:tgtEl>
-                                          <p:spTgt spid="13"/>
+                                          <p:spTgt spid="3"/>
                                         </p:tgtEl>
                                         <p:attrNameLst>
                                           <p:attrName>ppt_y</p:attrName>
@@ -16937,13 +18409,13 @@
                                     </p:anim>
                                     <p:anim calcmode="lin" valueType="num">
                                       <p:cBhvr>
-                                        <p:cTn id="83" dur="332" tmFilter="0, 0; 0.125,0.2665; 0.25,0.4; 0.375,0.465; 0.5,0.5;  0.625,0.535; 0.75,0.6; 0.875,0.7335; 1,1">
+                                        <p:cTn id="147" dur="332" tmFilter="0, 0; 0.125,0.2665; 0.25,0.4; 0.375,0.465; 0.5,0.5;  0.625,0.535; 0.75,0.6; 0.875,0.7335; 1,1">
                                           <p:stCondLst>
                                             <p:cond delay="1324"/>
                                           </p:stCondLst>
                                         </p:cTn>
                                         <p:tgtEl>
-                                          <p:spTgt spid="13"/>
+                                          <p:spTgt spid="3"/>
                                         </p:tgtEl>
                                         <p:attrNameLst>
                                           <p:attrName>ppt_y</p:attrName>
@@ -16964,13 +18436,13 @@
                                     </p:anim>
                                     <p:anim calcmode="lin" valueType="num">
                                       <p:cBhvr>
-                                        <p:cTn id="84" dur="164" tmFilter="0, 0; 0.125,0.2665; 0.25,0.4; 0.375,0.465; 0.5,0.5;  0.625,0.535; 0.75,0.6; 0.875,0.7335; 1,1">
+                                        <p:cTn id="148" dur="164" tmFilter="0, 0; 0.125,0.2665; 0.25,0.4; 0.375,0.465; 0.5,0.5;  0.625,0.535; 0.75,0.6; 0.875,0.7335; 1,1">
                                           <p:stCondLst>
                                             <p:cond delay="1656"/>
                                           </p:stCondLst>
                                         </p:cTn>
                                         <p:tgtEl>
-                                          <p:spTgt spid="13"/>
+                                          <p:spTgt spid="3"/>
                                         </p:tgtEl>
                                         <p:attrNameLst>
                                           <p:attrName>ppt_y</p:attrName>
@@ -16991,104 +18463,104 @@
                                     </p:anim>
                                     <p:animScale>
                                       <p:cBhvr>
-                                        <p:cTn id="85" dur="26">
+                                        <p:cTn id="149" dur="26">
                                           <p:stCondLst>
                                             <p:cond delay="650"/>
                                           </p:stCondLst>
                                         </p:cTn>
                                         <p:tgtEl>
-                                          <p:spTgt spid="13"/>
+                                          <p:spTgt spid="3"/>
                                         </p:tgtEl>
                                       </p:cBhvr>
                                       <p:to x="100000" y="60000"/>
                                     </p:animScale>
                                     <p:animScale>
                                       <p:cBhvr>
-                                        <p:cTn id="86" dur="166" decel="50000">
+                                        <p:cTn id="150" dur="166" decel="50000">
                                           <p:stCondLst>
                                             <p:cond delay="676"/>
                                           </p:stCondLst>
                                         </p:cTn>
                                         <p:tgtEl>
-                                          <p:spTgt spid="13"/>
+                                          <p:spTgt spid="3"/>
                                         </p:tgtEl>
                                       </p:cBhvr>
                                       <p:to x="100000" y="100000"/>
                                     </p:animScale>
                                     <p:animScale>
                                       <p:cBhvr>
-                                        <p:cTn id="87" dur="26">
+                                        <p:cTn id="151" dur="26">
                                           <p:stCondLst>
                                             <p:cond delay="1312"/>
                                           </p:stCondLst>
                                         </p:cTn>
                                         <p:tgtEl>
-                                          <p:spTgt spid="13"/>
+                                          <p:spTgt spid="3"/>
                                         </p:tgtEl>
                                       </p:cBhvr>
                                       <p:to x="100000" y="80000"/>
                                     </p:animScale>
                                     <p:animScale>
                                       <p:cBhvr>
-                                        <p:cTn id="88" dur="166" decel="50000">
+                                        <p:cTn id="152" dur="166" decel="50000">
                                           <p:stCondLst>
                                             <p:cond delay="1338"/>
                                           </p:stCondLst>
                                         </p:cTn>
                                         <p:tgtEl>
-                                          <p:spTgt spid="13"/>
+                                          <p:spTgt spid="3"/>
                                         </p:tgtEl>
                                       </p:cBhvr>
                                       <p:to x="100000" y="100000"/>
                                     </p:animScale>
                                     <p:animScale>
                                       <p:cBhvr>
-                                        <p:cTn id="89" dur="26">
+                                        <p:cTn id="153" dur="26">
                                           <p:stCondLst>
                                             <p:cond delay="1642"/>
                                           </p:stCondLst>
                                         </p:cTn>
                                         <p:tgtEl>
-                                          <p:spTgt spid="13"/>
+                                          <p:spTgt spid="3"/>
                                         </p:tgtEl>
                                       </p:cBhvr>
                                       <p:to x="100000" y="90000"/>
                                     </p:animScale>
                                     <p:animScale>
                                       <p:cBhvr>
-                                        <p:cTn id="90" dur="166" decel="50000">
+                                        <p:cTn id="154" dur="166" decel="50000">
                                           <p:stCondLst>
                                             <p:cond delay="1668"/>
                                           </p:stCondLst>
                                         </p:cTn>
                                         <p:tgtEl>
-                                          <p:spTgt spid="13"/>
+                                          <p:spTgt spid="3"/>
                                         </p:tgtEl>
                                       </p:cBhvr>
                                       <p:to x="100000" y="100000"/>
                                     </p:animScale>
                                     <p:animScale>
                                       <p:cBhvr>
-                                        <p:cTn id="91" dur="26">
+                                        <p:cTn id="155" dur="26">
                                           <p:stCondLst>
                                             <p:cond delay="1808"/>
                                           </p:stCondLst>
                                         </p:cTn>
                                         <p:tgtEl>
-                                          <p:spTgt spid="13"/>
+                                          <p:spTgt spid="3"/>
                                         </p:tgtEl>
                                       </p:cBhvr>
                                       <p:to x="100000" y="95000"/>
                                     </p:animScale>
                                     <p:animScale>
                                       <p:cBhvr>
-                                        <p:cTn id="92" dur="166" decel="50000">
+                                        <p:cTn id="156" dur="166" decel="50000">
                                           <p:stCondLst>
                                             <p:cond delay="1834"/>
                                           </p:stCondLst>
                                         </p:cTn>
                                         <p:tgtEl>
-                                          <p:spTgt spid="13"/>
+                                          <p:spTgt spid="3"/>
                                         </p:tgtEl>
                                       </p:cBhvr>
                                       <p:to x="100000" y="100000"/>
@@ -17103,32 +18575,32 @@
                     </p:cTn>
                   </p:par>
                   <p:par>
-                    <p:cTn id="93" fill="hold">
+                    <p:cTn id="157" fill="hold">
                       <p:stCondLst>
                         <p:cond delay="indefinite"/>
                       </p:stCondLst>
                       <p:childTnLst>
                         <p:par>
-                          <p:cTn id="94" fill="hold">
+                          <p:cTn id="158" fill="hold">
                             <p:stCondLst>
                               <p:cond delay="0"/>
                             </p:stCondLst>
                             <p:childTnLst>
                               <p:par>
-                                <p:cTn id="95" presetID="26" presetClass="entr" presetSubtype="0" fill="hold" nodeType="clickEffect">
+                                <p:cTn id="159" presetID="26" presetClass="entr" presetSubtype="0" fill="hold" nodeType="clickEffect">
                                   <p:stCondLst>
                                     <p:cond delay="0"/>
                                   </p:stCondLst>
                                   <p:childTnLst>
                                     <p:set>
                                       <p:cBhvr>
-                                        <p:cTn id="96" dur="1" fill="hold">
+                                        <p:cTn id="160" dur="1" fill="hold">
                                           <p:stCondLst>
                                             <p:cond delay="0"/>
                                           </p:stCondLst>
                                         </p:cTn>
                                         <p:tgtEl>
-                                          <p:spTgt spid="14"/>
+                                          <p:spTgt spid="10"/>
                                         </p:tgtEl>
                                         <p:attrNameLst>
                                           <p:attrName>style.visibility</p:attrName>
@@ -17140,25 +18612,25 @@
                                     </p:set>
                                     <p:animEffect transition="in" filter="wipe(down)">
                                       <p:cBhvr>
-                                        <p:cTn id="97" dur="580">
+                                        <p:cTn id="161" dur="580">
                                           <p:stCondLst>
                                             <p:cond delay="0"/>
                                           </p:stCondLst>
                                         </p:cTn>
                                         <p:tgtEl>
-                                          <p:spTgt spid="14"/>
+                                          <p:spTgt spid="10"/>
                                         </p:tgtEl>
                                       </p:cBhvr>
                                     </p:animEffect>
                                     <p:anim calcmode="lin" valueType="num">
                                       <p:cBhvr>
-                                        <p:cTn id="98" dur="1822" tmFilter="0,0; 0.14,0.36; 0.43,0.73; 0.71,0.91; 1.0,1.0">
+                                        <p:cTn id="162" dur="1822" tmFilter="0,0; 0.14,0.36; 0.43,0.73; 0.71,0.91; 1.0,1.0">
                                           <p:stCondLst>
                                             <p:cond delay="0"/>
                                           </p:stCondLst>
                                         </p:cTn>
                                         <p:tgtEl>
-                                          <p:spTgt spid="14"/>
+                                          <p:spTgt spid="10"/>
                                         </p:tgtEl>
                                         <p:attrNameLst>
                                           <p:attrName>ppt_x</p:attrName>
@@ -17179,13 +18651,13 @@
                                     </p:anim>
                                     <p:anim calcmode="lin" valueType="num">
                                       <p:cBhvr>
-                                        <p:cTn id="99" dur="664" tmFilter="0.0,0.0; 0.25,0.07; 0.50,0.2; 0.75,0.467; 1.0,1.0">
+                                        <p:cTn id="163" dur="664" tmFilter="0.0,0.0; 0.25,0.07; 0.50,0.2; 0.75,0.467; 1.0,1.0">
                                           <p:stCondLst>
                                             <p:cond delay="0"/>
                                           </p:stCondLst>
                                         </p:cTn>
                                         <p:tgtEl>
-                                          <p:spTgt spid="14"/>
+                                          <p:spTgt spid="10"/>
                                         </p:tgtEl>
                                         <p:attrNameLst>
                                           <p:attrName>ppt_y</p:attrName>
@@ -17206,13 +18678,13 @@
                                     </p:anim>
                                     <p:anim calcmode="lin" valueType="num">
                                       <p:cBhvr>
-                                        <p:cTn id="100" dur="664" tmFilter="0, 0; 0.125,0.2665; 0.25,0.4; 0.375,0.465; 0.5,0.5;  0.625,0.535; 0.75,0.6; 0.875,0.7335; 1,1">
+                                        <p:cTn id="164" dur="664" tmFilter="0, 0; 0.125,0.2665; 0.25,0.4; 0.375,0.465; 0.5,0.5;  0.625,0.535; 0.75,0.6; 0.875,0.7335; 1,1">
                                           <p:stCondLst>
                                             <p:cond delay="664"/>
                                           </p:stCondLst>
                                         </p:cTn>
                                         <p:tgtEl>
-                                          <p:spTgt spid="14"/>
+                                          <p:spTgt spid="10"/>
                                         </p:tgtEl>
                                         <p:attrNameLst>
                                           <p:attrName>ppt_y</p:attrName>
@@ -17233,13 +18705,13 @@
                                     </p:anim>
                                     <p:anim calcmode="lin" valueType="num">
                                       <p:cBhvr>
-                                        <p:cTn id="101" dur="332" tmFilter="0, 0; 0.125,0.2665; 0.25,0.4; 0.375,0.465; 0.5,0.5;  0.625,0.535; 0.75,0.6; 0.875,0.7335; 1,1">
+                                        <p:cTn id="165" dur="332" tmFilter="0, 0; 0.125,0.2665; 0.25,0.4; 0.375,0.465; 0.5,0.5;  0.625,0.535; 0.75,0.6; 0.875,0.7335; 1,1">
                                           <p:stCondLst>
                                             <p:cond delay="1324"/>
                                           </p:stCondLst>
                                         </p:cTn>
                                         <p:tgtEl>
-                                          <p:spTgt spid="14"/>
+                                          <p:spTgt spid="10"/>
                                         </p:tgtEl>
                                         <p:attrNameLst>
                                           <p:attrName>ppt_y</p:attrName>
@@ -17260,13 +18732,13 @@
                                     </p:anim>
                                     <p:anim calcmode="lin" valueType="num">
                                       <p:cBhvr>
-                                        <p:cTn id="102" dur="164" tmFilter="0, 0; 0.125,0.2665; 0.25,0.4; 0.375,0.465; 0.5,0.5;  0.625,0.535; 0.75,0.6; 0.875,0.7335; 1,1">
+                                        <p:cTn id="166" dur="164" tmFilter="0, 0; 0.125,0.2665; 0.25,0.4; 0.375,0.465; 0.5,0.5;  0.625,0.535; 0.75,0.6; 0.875,0.7335; 1,1">
                                           <p:stCondLst>
                                             <p:cond delay="1656"/>
                                           </p:stCondLst>
                                         </p:cTn>
                                         <p:tgtEl>
-                                          <p:spTgt spid="14"/>
+                                          <p:spTgt spid="10"/>
                                         </p:tgtEl>
                                         <p:attrNameLst>
                                           <p:attrName>ppt_y</p:attrName>
@@ -17287,98 +18759,690 @@
                                     </p:anim>
                                     <p:animScale>
                                       <p:cBhvr>
-                                        <p:cTn id="103" dur="26">
+                                        <p:cTn id="167" dur="26">
                                           <p:stCondLst>
                                             <p:cond delay="650"/>
                                           </p:stCondLst>
                                         </p:cTn>
                                         <p:tgtEl>
-                                          <p:spTgt spid="14"/>
+                                          <p:spTgt spid="10"/>
                                         </p:tgtEl>
                                       </p:cBhvr>
                                       <p:to x="100000" y="60000"/>
                                     </p:animScale>
                                     <p:animScale>
                                       <p:cBhvr>
-                                        <p:cTn id="104" dur="166" decel="50000">
+                                        <p:cTn id="168" dur="166" decel="50000">
                                           <p:stCondLst>
                                             <p:cond delay="676"/>
                                           </p:stCondLst>
                                         </p:cTn>
                                         <p:tgtEl>
-                                          <p:spTgt spid="14"/>
+                                          <p:spTgt spid="10"/>
                                         </p:tgtEl>
                                       </p:cBhvr>
                                       <p:to x="100000" y="100000"/>
                                     </p:animScale>
                                     <p:animScale>
                                       <p:cBhvr>
-                                        <p:cTn id="105" dur="26">
+                                        <p:cTn id="169" dur="26">
                                           <p:stCondLst>
                                             <p:cond delay="1312"/>
                                           </p:stCondLst>
                                         </p:cTn>
                                         <p:tgtEl>
-                                          <p:spTgt spid="14"/>
+                                          <p:spTgt spid="10"/>
                                         </p:tgtEl>
                                       </p:cBhvr>
                                       <p:to x="100000" y="80000"/>
                                     </p:animScale>
                                     <p:animScale>
                                       <p:cBhvr>
-                                        <p:cTn id="106" dur="166" decel="50000">
+                                        <p:cTn id="170" dur="166" decel="50000">
                                           <p:stCondLst>
                                             <p:cond delay="1338"/>
                                           </p:stCondLst>
                                         </p:cTn>
                                         <p:tgtEl>
-                                          <p:spTgt spid="14"/>
+                                          <p:spTgt spid="10"/>
                                         </p:tgtEl>
                                       </p:cBhvr>
                                       <p:to x="100000" y="100000"/>
                                     </p:animScale>
                                     <p:animScale>
                                       <p:cBhvr>
-                                        <p:cTn id="107" dur="26">
+                                        <p:cTn id="171" dur="26">
                                           <p:stCondLst>
                                             <p:cond delay="1642"/>
                                           </p:stCondLst>
                                         </p:cTn>
                                         <p:tgtEl>
-                                          <p:spTgt spid="14"/>
+                                          <p:spTgt spid="10"/>
                                         </p:tgtEl>
                                       </p:cBhvr>
                                       <p:to x="100000" y="90000"/>
                                     </p:animScale>
                                     <p:animScale>
                                       <p:cBhvr>
-                                        <p:cTn id="108" dur="166" decel="50000">
+                                        <p:cTn id="172" dur="166" decel="50000">
                                           <p:stCondLst>
                                             <p:cond delay="1668"/>
                                           </p:stCondLst>
                                         </p:cTn>
                                         <p:tgtEl>
-                                          <p:spTgt spid="14"/>
+                                          <p:spTgt spid="10"/>
                                         </p:tgtEl>
                                       </p:cBhvr>
                                       <p:to x="100000" y="100000"/>
                                     </p:animScale>
                                     <p:animScale>
                                       <p:cBhvr>
-                                        <p:cTn id="109" dur="26">
+                                        <p:cTn id="173" dur="26">
                                           <p:stCondLst>
                                             <p:cond delay="1808"/>
                                           </p:stCondLst>
                                         </p:cTn>
                                         <p:tgtEl>
-                                          <p:spTgt spid="14"/>
+                                          <p:spTgt spid="10"/>
                                         </p:tgtEl>
                                       </p:cBhvr>
                                       <p:to x="100000" y="95000"/>
                                     </p:animScale>
                                     <p:animScale>
                                       <p:cBhvr>
-                                        <p:cTn id="110" dur="166" decel="50000">
+                                        <p:cTn id="174" dur="166" decel="50000">
+                                          <p:stCondLst>
+                                            <p:cond delay="1834"/>
+                                          </p:stCondLst>
+                                        </p:cTn>
+                                        <p:tgtEl>
+                                          <p:spTgt spid="10"/>
+                                        </p:tgtEl>
+                                      </p:cBhvr>
+                                      <p:to x="100000" y="100000"/>
+                                    </p:animScale>
+                                  </p:childTnLst>
+                                </p:cTn>
+                              </p:par>
+                            </p:childTnLst>
+                          </p:cTn>
+                        </p:par>
+                      </p:childTnLst>
+                    </p:cTn>
+                  </p:par>
+                  <p:par>
+                    <p:cTn id="175" fill="hold">
+                      <p:stCondLst>
+                        <p:cond delay="indefinite"/>
+                      </p:stCondLst>
+                      <p:childTnLst>
+                        <p:par>
+                          <p:cTn id="176" fill="hold">
+                            <p:stCondLst>
+                              <p:cond delay="0"/>
+                            </p:stCondLst>
+                            <p:childTnLst>
+                              <p:par>
+                                <p:cTn id="177" presetID="26" presetClass="entr" presetSubtype="0" fill="hold" nodeType="clickEffect">
+                                  <p:stCondLst>
+                                    <p:cond delay="0"/>
+                                  </p:stCondLst>
+                                  <p:childTnLst>
+                                    <p:set>
+                                      <p:cBhvr>
+                                        <p:cTn id="178" dur="1" fill="hold">
+                                          <p:stCondLst>
+                                            <p:cond delay="0"/>
+                                          </p:stCondLst>
+                                        </p:cTn>
+                                        <p:tgtEl>
+                                          <p:spTgt spid="13"/>
+                                        </p:tgtEl>
+                                        <p:attrNameLst>
+                                          <p:attrName>style.visibility</p:attrName>
+                                        </p:attrNameLst>
+                                      </p:cBhvr>
+                                      <p:to>
+                                        <p:strVal val="visible"/>
+                                      </p:to>
+                                    </p:set>
+                                    <p:animEffect transition="in" filter="wipe(down)">
+                                      <p:cBhvr>
+                                        <p:cTn id="179" dur="580">
+                                          <p:stCondLst>
+                                            <p:cond delay="0"/>
+                                          </p:stCondLst>
+                                        </p:cTn>
+                                        <p:tgtEl>
+                                          <p:spTgt spid="13"/>
+                                        </p:tgtEl>
+                                      </p:cBhvr>
+                                    </p:animEffect>
+                                    <p:anim calcmode="lin" valueType="num">
+                                      <p:cBhvr>
+                                        <p:cTn id="180" dur="1822" tmFilter="0,0; 0.14,0.36; 0.43,0.73; 0.71,0.91; 1.0,1.0">
+                                          <p:stCondLst>
+                                            <p:cond delay="0"/>
+                                          </p:stCondLst>
+                                        </p:cTn>
+                                        <p:tgtEl>
+                                          <p:spTgt spid="13"/>
+                                        </p:tgtEl>
+                                        <p:attrNameLst>
+                                          <p:attrName>ppt_x</p:attrName>
+                                        </p:attrNameLst>
+                                      </p:cBhvr>
+                                      <p:tavLst>
+                                        <p:tav tm="0">
+                                          <p:val>
+                                            <p:strVal val="#ppt_x-0.25"/>
+                                          </p:val>
+                                        </p:tav>
+                                        <p:tav tm="100000">
+                                          <p:val>
+                                            <p:strVal val="#ppt_x"/>
+                                          </p:val>
+                                        </p:tav>
+                                      </p:tavLst>
+                                    </p:anim>
+                                    <p:anim calcmode="lin" valueType="num">
+                                      <p:cBhvr>
+                                        <p:cTn id="181" dur="664" tmFilter="0.0,0.0; 0.25,0.07; 0.50,0.2; 0.75,0.467; 1.0,1.0">
+                                          <p:stCondLst>
+                                            <p:cond delay="0"/>
+                                          </p:stCondLst>
+                                        </p:cTn>
+                                        <p:tgtEl>
+                                          <p:spTgt spid="13"/>
+                                        </p:tgtEl>
+                                        <p:attrNameLst>
+                                          <p:attrName>ppt_y</p:attrName>
+                                        </p:attrNameLst>
+                                      </p:cBhvr>
+                                      <p:tavLst>
+                                        <p:tav tm="0" fmla="#ppt_y-sin(pi*$)/3">
+                                          <p:val>
+                                            <p:fltVal val="0.5"/>
+                                          </p:val>
+                                        </p:tav>
+                                        <p:tav tm="100000">
+                                          <p:val>
+                                            <p:fltVal val="1"/>
+                                          </p:val>
+                                        </p:tav>
+                                      </p:tavLst>
+                                    </p:anim>
+                                    <p:anim calcmode="lin" valueType="num">
+                                      <p:cBhvr>
+                                        <p:cTn id="182" dur="664" tmFilter="0, 0; 0.125,0.2665; 0.25,0.4; 0.375,0.465; 0.5,0.5;  0.625,0.535; 0.75,0.6; 0.875,0.7335; 1,1">
+                                          <p:stCondLst>
+                                            <p:cond delay="664"/>
+                                          </p:stCondLst>
+                                        </p:cTn>
+                                        <p:tgtEl>
+                                          <p:spTgt spid="13"/>
+                                        </p:tgtEl>
+                                        <p:attrNameLst>
+                                          <p:attrName>ppt_y</p:attrName>
+                                        </p:attrNameLst>
+                                      </p:cBhvr>
+                                      <p:tavLst>
+                                        <p:tav tm="0" fmla="#ppt_y-sin(pi*$)/9">
+                                          <p:val>
+                                            <p:fltVal val="0"/>
+                                          </p:val>
+                                        </p:tav>
+                                        <p:tav tm="100000">
+                                          <p:val>
+                                            <p:fltVal val="1"/>
+                                          </p:val>
+                                        </p:tav>
+                                      </p:tavLst>
+                                    </p:anim>
+                                    <p:anim calcmode="lin" valueType="num">
+                                      <p:cBhvr>
+                                        <p:cTn id="183" dur="332" tmFilter="0, 0; 0.125,0.2665; 0.25,0.4; 0.375,0.465; 0.5,0.5;  0.625,0.535; 0.75,0.6; 0.875,0.7335; 1,1">
+                                          <p:stCondLst>
+                                            <p:cond delay="1324"/>
+                                          </p:stCondLst>
+                                        </p:cTn>
+                                        <p:tgtEl>
+                                          <p:spTgt spid="13"/>
+                                        </p:tgtEl>
+                                        <p:attrNameLst>
+                                          <p:attrName>ppt_y</p:attrName>
+                                        </p:attrNameLst>
+                                      </p:cBhvr>
+                                      <p:tavLst>
+                                        <p:tav tm="0" fmla="#ppt_y-sin(pi*$)/27">
+                                          <p:val>
+                                            <p:fltVal val="0"/>
+                                          </p:val>
+                                        </p:tav>
+                                        <p:tav tm="100000">
+                                          <p:val>
+                                            <p:fltVal val="1"/>
+                                          </p:val>
+                                        </p:tav>
+                                      </p:tavLst>
+                                    </p:anim>
+                                    <p:anim calcmode="lin" valueType="num">
+                                      <p:cBhvr>
+                                        <p:cTn id="184" dur="164" tmFilter="0, 0; 0.125,0.2665; 0.25,0.4; 0.375,0.465; 0.5,0.5;  0.625,0.535; 0.75,0.6; 0.875,0.7335; 1,1">
+                                          <p:stCondLst>
+                                            <p:cond delay="1656"/>
+                                          </p:stCondLst>
+                                        </p:cTn>
+                                        <p:tgtEl>
+                                          <p:spTgt spid="13"/>
+                                        </p:tgtEl>
+                                        <p:attrNameLst>
+                                          <p:attrName>ppt_y</p:attrName>
+                                        </p:attrNameLst>
+                                      </p:cBhvr>
+                                      <p:tavLst>
+                                        <p:tav tm="0" fmla="#ppt_y-sin(pi*$)/81">
+                                          <p:val>
+                                            <p:fltVal val="0"/>
+                                          </p:val>
+                                        </p:tav>
+                                        <p:tav tm="100000">
+                                          <p:val>
+                                            <p:fltVal val="1"/>
+                                          </p:val>
+                                        </p:tav>
+                                      </p:tavLst>
+                                    </p:anim>
+                                    <p:animScale>
+                                      <p:cBhvr>
+                                        <p:cTn id="185" dur="26">
+                                          <p:stCondLst>
+                                            <p:cond delay="650"/>
+                                          </p:stCondLst>
+                                        </p:cTn>
+                                        <p:tgtEl>
+                                          <p:spTgt spid="13"/>
+                                        </p:tgtEl>
+                                      </p:cBhvr>
+                                      <p:to x="100000" y="60000"/>
+                                    </p:animScale>
+                                    <p:animScale>
+                                      <p:cBhvr>
+                                        <p:cTn id="186" dur="166" decel="50000">
+                                          <p:stCondLst>
+                                            <p:cond delay="676"/>
+                                          </p:stCondLst>
+                                        </p:cTn>
+                                        <p:tgtEl>
+                                          <p:spTgt spid="13"/>
+                                        </p:tgtEl>
+                                      </p:cBhvr>
+                                      <p:to x="100000" y="100000"/>
+                                    </p:animScale>
+                                    <p:animScale>
+                                      <p:cBhvr>
+                                        <p:cTn id="187" dur="26">
+                                          <p:stCondLst>
+                                            <p:cond delay="1312"/>
+                                          </p:stCondLst>
+                                        </p:cTn>
+                                        <p:tgtEl>
+                                          <p:spTgt spid="13"/>
+                                        </p:tgtEl>
+                                      </p:cBhvr>
+                                      <p:to x="100000" y="80000"/>
+                                    </p:animScale>
+                                    <p:animScale>
+                                      <p:cBhvr>
+                                        <p:cTn id="188" dur="166" decel="50000">
+                                          <p:stCondLst>
+                                            <p:cond delay="1338"/>
+                                          </p:stCondLst>
+                                        </p:cTn>
+                                        <p:tgtEl>
+                                          <p:spTgt spid="13"/>
+                                        </p:tgtEl>
+                                      </p:cBhvr>
+                                      <p:to x="100000" y="100000"/>
+                                    </p:animScale>
+                                    <p:animScale>
+                                      <p:cBhvr>
+                                        <p:cTn id="189" dur="26">
+                                          <p:stCondLst>
+                                            <p:cond delay="1642"/>
+                                          </p:stCondLst>
+                                        </p:cTn>
+                                        <p:tgtEl>
+                                          <p:spTgt spid="13"/>
+                                        </p:tgtEl>
+                                      </p:cBhvr>
+                                      <p:to x="100000" y="90000"/>
+                                    </p:animScale>
+                                    <p:animScale>
+                                      <p:cBhvr>
+                                        <p:cTn id="190" dur="166" decel="50000">
+                                          <p:stCondLst>
+                                            <p:cond delay="1668"/>
+                                          </p:stCondLst>
+                                        </p:cTn>
+                                        <p:tgtEl>
+                                          <p:spTgt spid="13"/>
+                                        </p:tgtEl>
+                                      </p:cBhvr>
+                                      <p:to x="100000" y="100000"/>
+                                    </p:animScale>
+                                    <p:animScale>
+                                      <p:cBhvr>
+                                        <p:cTn id="191" dur="26">
+                                          <p:stCondLst>
+                                            <p:cond delay="1808"/>
+                                          </p:stCondLst>
+                                        </p:cTn>
+                                        <p:tgtEl>
+                                          <p:spTgt spid="13"/>
+                                        </p:tgtEl>
+                                      </p:cBhvr>
+                                      <p:to x="100000" y="95000"/>
+                                    </p:animScale>
+                                    <p:animScale>
+                                      <p:cBhvr>
+                                        <p:cTn id="192" dur="166" decel="50000">
+                                          <p:stCondLst>
+                                            <p:cond delay="1834"/>
+                                          </p:stCondLst>
+                                        </p:cTn>
+                                        <p:tgtEl>
+                                          <p:spTgt spid="13"/>
+                                        </p:tgtEl>
+                                      </p:cBhvr>
+                                      <p:to x="100000" y="100000"/>
+                                    </p:animScale>
+                                  </p:childTnLst>
+                                </p:cTn>
+                              </p:par>
+                            </p:childTnLst>
+                          </p:cTn>
+                        </p:par>
+                      </p:childTnLst>
+                    </p:cTn>
+                  </p:par>
+                  <p:par>
+                    <p:cTn id="193" fill="hold">
+                      <p:stCondLst>
+                        <p:cond delay="indefinite"/>
+                      </p:stCondLst>
+                      <p:childTnLst>
+                        <p:par>
+                          <p:cTn id="194" fill="hold">
+                            <p:stCondLst>
+                              <p:cond delay="0"/>
+                            </p:stCondLst>
+                            <p:childTnLst>
+                              <p:par>
+                                <p:cTn id="195" presetID="26" presetClass="entr" presetSubtype="0" fill="hold" nodeType="clickEffect">
+                                  <p:stCondLst>
+                                    <p:cond delay="0"/>
+                                  </p:stCondLst>
+                                  <p:childTnLst>
+                                    <p:set>
+                                      <p:cBhvr>
+                                        <p:cTn id="196" dur="1" fill="hold">
+                                          <p:stCondLst>
+                                            <p:cond delay="0"/>
+                                          </p:stCondLst>
+                                        </p:cTn>
+                                        <p:tgtEl>
+                                          <p:spTgt spid="14"/>
+                                        </p:tgtEl>
+                                        <p:attrNameLst>
+                                          <p:attrName>style.visibility</p:attrName>
+                                        </p:attrNameLst>
+                                      </p:cBhvr>
+                                      <p:to>
+                                        <p:strVal val="visible"/>
+                                      </p:to>
+                                    </p:set>
+                                    <p:animEffect transition="in" filter="wipe(down)">
+                                      <p:cBhvr>
+                                        <p:cTn id="197" dur="580">
+                                          <p:stCondLst>
+                                            <p:cond delay="0"/>
+                                          </p:stCondLst>
+                                        </p:cTn>
+                                        <p:tgtEl>
+                                          <p:spTgt spid="14"/>
+                                        </p:tgtEl>
+                                      </p:cBhvr>
+                                    </p:animEffect>
+                                    <p:anim calcmode="lin" valueType="num">
+                                      <p:cBhvr>
+                                        <p:cTn id="198" dur="1822" tmFilter="0,0; 0.14,0.36; 0.43,0.73; 0.71,0.91; 1.0,1.0">
+                                          <p:stCondLst>
+                                            <p:cond delay="0"/>
+                                          </p:stCondLst>
+                                        </p:cTn>
+                                        <p:tgtEl>
+                                          <p:spTgt spid="14"/>
+                                        </p:tgtEl>
+                                        <p:attrNameLst>
+                                          <p:attrName>ppt_x</p:attrName>
+                                        </p:attrNameLst>
+                                      </p:cBhvr>
+                                      <p:tavLst>
+                                        <p:tav tm="0">
+                                          <p:val>
+                                            <p:strVal val="#ppt_x-0.25"/>
+                                          </p:val>
+                                        </p:tav>
+                                        <p:tav tm="100000">
+                                          <p:val>
+                                            <p:strVal val="#ppt_x"/>
+                                          </p:val>
+                                        </p:tav>
+                                      </p:tavLst>
+                                    </p:anim>
+                                    <p:anim calcmode="lin" valueType="num">
+                                      <p:cBhvr>
+                                        <p:cTn id="199" dur="664" tmFilter="0.0,0.0; 0.25,0.07; 0.50,0.2; 0.75,0.467; 1.0,1.0">
+                                          <p:stCondLst>
+                                            <p:cond delay="0"/>
+                                          </p:stCondLst>
+                                        </p:cTn>
+                                        <p:tgtEl>
+                                          <p:spTgt spid="14"/>
+                                        </p:tgtEl>
+                                        <p:attrNameLst>
+                                          <p:attrName>ppt_y</p:attrName>
+                                        </p:attrNameLst>
+                                      </p:cBhvr>
+                                      <p:tavLst>
+                                        <p:tav tm="0" fmla="#ppt_y-sin(pi*$)/3">
+                                          <p:val>
+                                            <p:fltVal val="0.5"/>
+                                          </p:val>
+                                        </p:tav>
+                                        <p:tav tm="100000">
+                                          <p:val>
+                                            <p:fltVal val="1"/>
+                                          </p:val>
+                                        </p:tav>
+                                      </p:tavLst>
+                                    </p:anim>
+                                    <p:anim calcmode="lin" valueType="num">
+                                      <p:cBhvr>
+                                        <p:cTn id="200" dur="664" tmFilter="0, 0; 0.125,0.2665; 0.25,0.4; 0.375,0.465; 0.5,0.5;  0.625,0.535; 0.75,0.6; 0.875,0.7335; 1,1">
+                                          <p:stCondLst>
+                                            <p:cond delay="664"/>
+                                          </p:stCondLst>
+                                        </p:cTn>
+                                        <p:tgtEl>
+                                          <p:spTgt spid="14"/>
+                                        </p:tgtEl>
+                                        <p:attrNameLst>
+                                          <p:attrName>ppt_y</p:attrName>
+                                        </p:attrNameLst>
+                                      </p:cBhvr>
+                                      <p:tavLst>
+                                        <p:tav tm="0" fmla="#ppt_y-sin(pi*$)/9">
+                                          <p:val>
+                                            <p:fltVal val="0"/>
+                                          </p:val>
+                                        </p:tav>
+                                        <p:tav tm="100000">
+                                          <p:val>
+                                            <p:fltVal val="1"/>
+                                          </p:val>
+                                        </p:tav>
+                                      </p:tavLst>
+                                    </p:anim>
+                                    <p:anim calcmode="lin" valueType="num">
+                                      <p:cBhvr>
+                                        <p:cTn id="201" dur="332" tmFilter="0, 0; 0.125,0.2665; 0.25,0.4; 0.375,0.465; 0.5,0.5;  0.625,0.535; 0.75,0.6; 0.875,0.7335; 1,1">
+                                          <p:stCondLst>
+                                            <p:cond delay="1324"/>
+                                          </p:stCondLst>
+                                        </p:cTn>
+                                        <p:tgtEl>
+                                          <p:spTgt spid="14"/>
+                                        </p:tgtEl>
+                                        <p:attrNameLst>
+                                          <p:attrName>ppt_y</p:attrName>
+                                        </p:attrNameLst>
+                                      </p:cBhvr>
+                                      <p:tavLst>
+                                        <p:tav tm="0" fmla="#ppt_y-sin(pi*$)/27">
+                                          <p:val>
+                                            <p:fltVal val="0"/>
+                                          </p:val>
+                                        </p:tav>
+                                        <p:tav tm="100000">
+                                          <p:val>
+                                            <p:fltVal val="1"/>
+                                          </p:val>
+                                        </p:tav>
+                                      </p:tavLst>
+                                    </p:anim>
+                                    <p:anim calcmode="lin" valueType="num">
+                                      <p:cBhvr>
+                                        <p:cTn id="202" dur="164" tmFilter="0, 0; 0.125,0.2665; 0.25,0.4; 0.375,0.465; 0.5,0.5;  0.625,0.535; 0.75,0.6; 0.875,0.7335; 1,1">
+                                          <p:stCondLst>
+                                            <p:cond delay="1656"/>
+                                          </p:stCondLst>
+                                        </p:cTn>
+                                        <p:tgtEl>
+                                          <p:spTgt spid="14"/>
+                                        </p:tgtEl>
+                                        <p:attrNameLst>
+                                          <p:attrName>ppt_y</p:attrName>
+                                        </p:attrNameLst>
+                                      </p:cBhvr>
+                                      <p:tavLst>
+                                        <p:tav tm="0" fmla="#ppt_y-sin(pi*$)/81">
+                                          <p:val>
+                                            <p:fltVal val="0"/>
+                                          </p:val>
+                                        </p:tav>
+                                        <p:tav tm="100000">
+                                          <p:val>
+                                            <p:fltVal val="1"/>
+                                          </p:val>
+                                        </p:tav>
+                                      </p:tavLst>
+                                    </p:anim>
+                                    <p:animScale>
+                                      <p:cBhvr>
+                                        <p:cTn id="203" dur="26">
+                                          <p:stCondLst>
+                                            <p:cond delay="650"/>
+                                          </p:stCondLst>
+                                        </p:cTn>
+                                        <p:tgtEl>
+                                          <p:spTgt spid="14"/>
+                                        </p:tgtEl>
+                                      </p:cBhvr>
+                                      <p:to x="100000" y="60000"/>
+                                    </p:animScale>
+                                    <p:animScale>
+                                      <p:cBhvr>
+                                        <p:cTn id="204" dur="166" decel="50000">
+                                          <p:stCondLst>
+                                            <p:cond delay="676"/>
+                                          </p:stCondLst>
+                                        </p:cTn>
+                                        <p:tgtEl>
+                                          <p:spTgt spid="14"/>
+                                        </p:tgtEl>
+                                      </p:cBhvr>
+                                      <p:to x="100000" y="100000"/>
+                                    </p:animScale>
+                                    <p:animScale>
+                                      <p:cBhvr>
+                                        <p:cTn id="205" dur="26">
+                                          <p:stCondLst>
+                                            <p:cond delay="1312"/>
+                                          </p:stCondLst>
+                                        </p:cTn>
+                                        <p:tgtEl>
+                                          <p:spTgt spid="14"/>
+                                        </p:tgtEl>
+                                      </p:cBhvr>
+                                      <p:to x="100000" y="80000"/>
+                                    </p:animScale>
+                                    <p:animScale>
+                                      <p:cBhvr>
+                                        <p:cTn id="206" dur="166" decel="50000">
+                                          <p:stCondLst>
+                                            <p:cond delay="1338"/>
+                                          </p:stCondLst>
+                                        </p:cTn>
+                                        <p:tgtEl>
+                                          <p:spTgt spid="14"/>
+                                        </p:tgtEl>
+                                      </p:cBhvr>
+                                      <p:to x="100000" y="100000"/>
+                                    </p:animScale>
+                                    <p:animScale>
+                                      <p:cBhvr>
+                                        <p:cTn id="207" dur="26">
+                                          <p:stCondLst>
+                                            <p:cond delay="1642"/>
+                                          </p:stCondLst>
+                                        </p:cTn>
+                                        <p:tgtEl>
+                                          <p:spTgt spid="14"/>
+                                        </p:tgtEl>
+                                      </p:cBhvr>
+                                      <p:to x="100000" y="90000"/>
+                                    </p:animScale>
+                                    <p:animScale>
+                                      <p:cBhvr>
+                                        <p:cTn id="208" dur="166" decel="50000">
+                                          <p:stCondLst>
+                                            <p:cond delay="1668"/>
+                                          </p:stCondLst>
+                                        </p:cTn>
+                                        <p:tgtEl>
+                                          <p:spTgt spid="14"/>
+                                        </p:tgtEl>
+                                      </p:cBhvr>
+                                      <p:to x="100000" y="100000"/>
+                                    </p:animScale>
+                                    <p:animScale>
+                                      <p:cBhvr>
+                                        <p:cTn id="209" dur="26">
+                                          <p:stCondLst>
+                                            <p:cond delay="1808"/>
+                                          </p:stCondLst>
+                                        </p:cTn>
+                                        <p:tgtEl>
+                                          <p:spTgt spid="14"/>
+                                        </p:tgtEl>
+                                      </p:cBhvr>
+                                      <p:to x="100000" y="95000"/>
+                                    </p:animScale>
+                                    <p:animScale>
+                                      <p:cBhvr>
+                                        <p:cTn id="210" dur="166" decel="50000">
                                           <p:stCondLst>
                                             <p:cond delay="1834"/>
                                           </p:stCondLst>
@@ -17419,6 +19483,9 @@
         </p:cTn>
       </p:par>
     </p:tnLst>
+    <p:bldLst>
+      <p:bldP spid="8" grpId="0" build="p"/>
+    </p:bldLst>
   </p:timing>
 </p:sld>
 </file>
